--- a/dokumentation_things/Roadmap Bachelor thesis.pptx
+++ b/dokumentation_things/Roadmap Bachelor thesis.pptx
@@ -5,10 +5,10 @@
     <p:sldMasterId id="2147483695" r:id="rId1"/>
   </p:sldMasterIdLst>
   <p:notesMasterIdLst>
-    <p:notesMasterId r:id="rId13"/>
+    <p:notesMasterId r:id="rId12"/>
   </p:notesMasterIdLst>
   <p:handoutMasterIdLst>
-    <p:handoutMasterId r:id="rId14"/>
+    <p:handoutMasterId r:id="rId13"/>
   </p:handoutMasterIdLst>
   <p:sldIdLst>
     <p:sldId id="369" r:id="rId2"/>
@@ -20,13 +20,12 @@
     <p:sldId id="376" r:id="rId8"/>
     <p:sldId id="377" r:id="rId9"/>
     <p:sldId id="378" r:id="rId10"/>
-    <p:sldId id="379" r:id="rId11"/>
-    <p:sldId id="380" r:id="rId12"/>
+    <p:sldId id="380" r:id="rId11"/>
   </p:sldIdLst>
   <p:sldSz cx="12192000" cy="6858000"/>
   <p:notesSz cx="6858000" cy="9144000"/>
   <p:custDataLst>
-    <p:tags r:id="rId15"/>
+    <p:tags r:id="rId14"/>
   </p:custDataLst>
   <p:defaultTextStyle>
     <a:defPPr>
@@ -141,7 +140,6 @@
           <p14:sldIdLst>
             <p14:sldId id="377"/>
             <p14:sldId id="378"/>
-            <p14:sldId id="379"/>
             <p14:sldId id="380"/>
           </p14:sldIdLst>
         </p14:section>
@@ -269,7 +267,7 @@
               <a:rPr lang="de-DE" smtClean="0">
                 <a:latin typeface="BMWGroupTN Condensed" pitchFamily="50" charset="0"/>
               </a:rPr>
-              <a:t>28.05.2024</a:t>
+              <a:t>06.06.2024</a:t>
             </a:fld>
             <a:endParaRPr lang="de-DE" dirty="0">
               <a:latin typeface="BMWGroupTN Condensed" pitchFamily="50" charset="0"/>
@@ -447,7 +445,7 @@
             <a:fld id="{C9ACC0F7-209C-4EE4-A1D5-BFF0CBCA9BC3}" type="datetimeFigureOut">
               <a:rPr lang="de-DE" smtClean="0"/>
               <a:pPr/>
-              <a:t>28.05.2024</a:t>
+              <a:t>06.06.2024</a:t>
             </a:fld>
             <a:endParaRPr lang="de-DE" dirty="0"/>
           </a:p>
@@ -14253,7 +14251,7 @@
             </a:r>
             <a:r>
               <a:rPr lang="de-DE" dirty="0"/>
-              <a:t> – 30.05.2024</a:t>
+              <a:t> – 06.06.2024</a:t>
             </a:r>
             <a:endParaRPr lang="en-US" dirty="0"/>
           </a:p>
@@ -14273,8 +14271,8 @@
         </p:nvSpPr>
         <p:spPr>
           <a:xfrm>
-            <a:off x="580054" y="2375797"/>
-            <a:ext cx="11133577" cy="215444"/>
+            <a:off x="580053" y="1029206"/>
+            <a:ext cx="10018277" cy="3508653"/>
           </a:xfrm>
           <a:prstGeom prst="rect">
             <a:avLst/>
@@ -14297,7 +14295,7 @@
               <a:buChar char="•"/>
             </a:pPr>
             <a:r>
-              <a:rPr lang="de-DE" sz="1400" kern="1200" dirty="0">
+              <a:rPr lang="de-DE" sz="1200" kern="1200" dirty="0">
                 <a:solidFill>
                   <a:schemeClr val="tx1"/>
                 </a:solidFill>
@@ -14305,9 +14303,90 @@
                 <a:ea typeface="+mn-ea"/>
                 <a:cs typeface="+mn-cs"/>
               </a:rPr>
-              <a:t>Holiday (Fronleichnam)</a:t>
-            </a:r>
-            <a:endParaRPr lang="en-US" sz="1400" kern="1200" dirty="0" err="1">
+              <a:t>Glauner hat abgelehnt, nach Empfehlungen gefragt (bzw. zwei weitere Dozenten kontaktiert)</a:t>
+            </a:r>
+          </a:p>
+          <a:p>
+            <a:pPr lvl="1"/>
+            <a:r>
+              <a:rPr lang="de-DE" sz="1200" dirty="0">
+                <a:sym typeface="Wingdings" panose="05000000000000000000" pitchFamily="2" charset="2"/>
+              </a:rPr>
+              <a:t> </a:t>
+            </a:r>
+            <a:r>
+              <a:rPr lang="de-DE" sz="1200" kern="1200" dirty="0">
+                <a:solidFill>
+                  <a:schemeClr val="tx1"/>
+                </a:solidFill>
+                <a:latin typeface="+mn-lt"/>
+                <a:ea typeface="+mn-ea"/>
+                <a:cs typeface="+mn-cs"/>
+              </a:rPr>
+              <a:t>noch keine Antwort</a:t>
+            </a:r>
+          </a:p>
+          <a:p>
+            <a:pPr marL="285750" marR="0" indent="-285750">
+              <a:spcBef>
+                <a:spcPts val="0"/>
+              </a:spcBef>
+              <a:spcAft>
+                <a:spcPts val="0"/>
+              </a:spcAft>
+              <a:buFont typeface="Arial" panose="020B0604020202020204" pitchFamily="34" charset="0"/>
+              <a:buChar char="•"/>
+            </a:pPr>
+            <a:r>
+              <a:rPr lang="de-DE" sz="1200" dirty="0"/>
+              <a:t>THD wegen Hochwasser aber akut bisschen im stress</a:t>
+            </a:r>
+          </a:p>
+          <a:p>
+            <a:pPr marL="285750" marR="0" indent="-285750">
+              <a:spcBef>
+                <a:spcPts val="0"/>
+              </a:spcBef>
+              <a:spcAft>
+                <a:spcPts val="0"/>
+              </a:spcAft>
+              <a:buFont typeface="Arial" panose="020B0604020202020204" pitchFamily="34" charset="0"/>
+              <a:buChar char="•"/>
+            </a:pPr>
+            <a:r>
+              <a:rPr lang="de-DE" sz="1200" kern="1200" dirty="0" err="1">
+                <a:solidFill>
+                  <a:schemeClr val="tx1"/>
+                </a:solidFill>
+                <a:latin typeface="+mn-lt"/>
+                <a:ea typeface="+mn-ea"/>
+                <a:cs typeface="+mn-cs"/>
+              </a:rPr>
+              <a:t>Git</a:t>
+            </a:r>
+            <a:r>
+              <a:rPr lang="de-DE" sz="1200" kern="1200" dirty="0">
+                <a:solidFill>
+                  <a:schemeClr val="tx1"/>
+                </a:solidFill>
+                <a:latin typeface="+mn-lt"/>
+                <a:ea typeface="+mn-ea"/>
+                <a:cs typeface="+mn-cs"/>
+              </a:rPr>
+              <a:t> </a:t>
+            </a:r>
+            <a:r>
+              <a:rPr lang="de-DE" sz="1200" kern="1200" dirty="0" err="1">
+                <a:solidFill>
+                  <a:schemeClr val="tx1"/>
+                </a:solidFill>
+                <a:latin typeface="+mn-lt"/>
+                <a:ea typeface="+mn-ea"/>
+                <a:cs typeface="+mn-cs"/>
+              </a:rPr>
+              <a:t>repo</a:t>
+            </a:r>
+            <a:endParaRPr lang="de-DE" sz="1200" kern="1200" dirty="0">
               <a:solidFill>
                 <a:schemeClr val="tx1"/>
               </a:solidFill>
@@ -14316,81 +14395,977 @@
               <a:cs typeface="+mn-cs"/>
             </a:endParaRPr>
           </a:p>
-        </p:txBody>
-      </p:sp>
-    </p:spTree>
-    <p:extLst>
-      <p:ext uri="{BB962C8B-B14F-4D97-AF65-F5344CB8AC3E}">
-        <p14:creationId xmlns:p14="http://schemas.microsoft.com/office/powerpoint/2010/main" val="548247910"/>
-      </p:ext>
-    </p:extLst>
-  </p:cSld>
-  <p:clrMapOvr>
-    <a:masterClrMapping/>
-  </p:clrMapOvr>
-</p:sld>
-</file>
-
-<file path=ppt/slides/slide11.xml><?xml version="1.0" encoding="utf-8"?>
-<p:sld xmlns:a="http://schemas.openxmlformats.org/drawingml/2006/main" xmlns:r="http://schemas.openxmlformats.org/officeDocument/2006/relationships" xmlns:p="http://schemas.openxmlformats.org/presentationml/2006/main">
-  <p:cSld>
-    <p:spTree>
-      <p:nvGrpSpPr>
-        <p:cNvPr id="1" name=""/>
-        <p:cNvGrpSpPr/>
-        <p:nvPr/>
-      </p:nvGrpSpPr>
-      <p:grpSpPr>
-        <a:xfrm>
-          <a:off x="0" y="0"/>
-          <a:ext cx="0" cy="0"/>
-          <a:chOff x="0" y="0"/>
-          <a:chExt cx="0" cy="0"/>
-        </a:xfrm>
-      </p:grpSpPr>
-      <p:sp>
-        <p:nvSpPr>
-          <p:cNvPr id="2" name="Title 1">
-            <a:extLst>
-              <a:ext uri="{FF2B5EF4-FFF2-40B4-BE49-F238E27FC236}">
-                <a16:creationId xmlns:a16="http://schemas.microsoft.com/office/drawing/2014/main" id="{A0BCD0E7-992F-D230-BFCE-EE107DFECD6B}"/>
-              </a:ext>
-            </a:extLst>
-          </p:cNvPr>
-          <p:cNvSpPr>
-            <a:spLocks noGrp="1"/>
-          </p:cNvSpPr>
-          <p:nvPr>
-            <p:ph type="title"/>
-          </p:nvPr>
-        </p:nvSpPr>
-        <p:spPr/>
-        <p:txBody>
-          <a:bodyPr/>
-          <a:lstStyle/>
-          <a:p>
-            <a:r>
-              <a:rPr lang="de-DE" dirty="0"/>
-              <a:t>Notes BA-</a:t>
-            </a:r>
-            <a:r>
-              <a:rPr lang="de-DE" dirty="0" err="1"/>
-              <a:t>Sync</a:t>
-            </a:r>
-            <a:r>
-              <a:rPr lang="de-DE" dirty="0"/>
-              <a:t> – 06.06.2024</a:t>
-            </a:r>
-            <a:endParaRPr lang="en-US" dirty="0"/>
+          <a:p>
+            <a:pPr marL="285750" marR="0" indent="-285750">
+              <a:spcBef>
+                <a:spcPts val="0"/>
+              </a:spcBef>
+              <a:spcAft>
+                <a:spcPts val="0"/>
+              </a:spcAft>
+              <a:buFont typeface="Arial" panose="020B0604020202020204" pitchFamily="34" charset="0"/>
+              <a:buChar char="•"/>
+            </a:pPr>
+            <a:r>
+              <a:rPr lang="de-DE" sz="1200" kern="1200" dirty="0">
+                <a:solidFill>
+                  <a:schemeClr val="tx1"/>
+                </a:solidFill>
+                <a:latin typeface="+mn-lt"/>
+                <a:ea typeface="+mn-ea"/>
+                <a:cs typeface="+mn-cs"/>
+              </a:rPr>
+              <a:t>„</a:t>
+            </a:r>
+            <a:r>
+              <a:rPr lang="de-DE" sz="1200" kern="1200" dirty="0" err="1">
+                <a:solidFill>
+                  <a:schemeClr val="tx1"/>
+                </a:solidFill>
+                <a:latin typeface="+mn-lt"/>
+                <a:ea typeface="+mn-ea"/>
+                <a:cs typeface="+mn-cs"/>
+              </a:rPr>
+              <a:t>Cropping</a:t>
+            </a:r>
+            <a:r>
+              <a:rPr lang="de-DE" sz="1200" kern="1200" dirty="0">
+                <a:solidFill>
+                  <a:schemeClr val="tx1"/>
+                </a:solidFill>
+                <a:latin typeface="+mn-lt"/>
+                <a:ea typeface="+mn-ea"/>
+                <a:cs typeface="+mn-cs"/>
+              </a:rPr>
+              <a:t>“ der logs </a:t>
+            </a:r>
+            <a:r>
+              <a:rPr lang="de-DE" sz="1200" kern="1200" dirty="0" err="1">
+                <a:solidFill>
+                  <a:schemeClr val="tx1"/>
+                </a:solidFill>
+                <a:latin typeface="+mn-lt"/>
+                <a:ea typeface="+mn-ea"/>
+                <a:cs typeface="+mn-cs"/>
+              </a:rPr>
+              <a:t>reimplementiert</a:t>
+            </a:r>
+            <a:endParaRPr lang="de-DE" sz="1200" kern="1200" dirty="0">
+              <a:solidFill>
+                <a:schemeClr val="tx1"/>
+              </a:solidFill>
+              <a:latin typeface="+mn-lt"/>
+              <a:ea typeface="+mn-ea"/>
+              <a:cs typeface="+mn-cs"/>
+            </a:endParaRPr>
+          </a:p>
+          <a:p>
+            <a:pPr marL="742950" lvl="1" indent="-285750">
+              <a:buFont typeface="Wingdings" panose="05000000000000000000" pitchFamily="2" charset="2"/>
+              <a:buChar char="è"/>
+            </a:pPr>
+            <a:r>
+              <a:rPr lang="de-DE" sz="1200" kern="1200" dirty="0">
+                <a:solidFill>
+                  <a:schemeClr val="tx1"/>
+                </a:solidFill>
+                <a:latin typeface="+mn-lt"/>
+                <a:ea typeface="+mn-ea"/>
+                <a:cs typeface="+mn-cs"/>
+              </a:rPr>
+              <a:t>Look </a:t>
+            </a:r>
+            <a:r>
+              <a:rPr lang="de-DE" sz="1200" kern="1200" dirty="0" err="1">
+                <a:solidFill>
+                  <a:schemeClr val="tx1"/>
+                </a:solidFill>
+                <a:latin typeface="+mn-lt"/>
+                <a:ea typeface="+mn-ea"/>
+                <a:cs typeface="+mn-cs"/>
+              </a:rPr>
+              <a:t>for</a:t>
+            </a:r>
+            <a:r>
+              <a:rPr lang="de-DE" sz="1200" kern="1200" dirty="0">
+                <a:solidFill>
+                  <a:schemeClr val="tx1"/>
+                </a:solidFill>
+                <a:latin typeface="+mn-lt"/>
+                <a:ea typeface="+mn-ea"/>
+                <a:cs typeface="+mn-cs"/>
+              </a:rPr>
+              <a:t> ‘</a:t>
+            </a:r>
+            <a:r>
+              <a:rPr lang="de-DE" sz="1200" kern="1200" dirty="0" err="1">
+                <a:solidFill>
+                  <a:schemeClr val="tx1"/>
+                </a:solidFill>
+                <a:latin typeface="+mn-lt"/>
+                <a:ea typeface="+mn-ea"/>
+                <a:cs typeface="+mn-cs"/>
+              </a:rPr>
+              <a:t>failed</a:t>
+            </a:r>
+            <a:r>
+              <a:rPr lang="de-DE" sz="1200" kern="1200" dirty="0">
+                <a:solidFill>
+                  <a:schemeClr val="tx1"/>
+                </a:solidFill>
+                <a:latin typeface="+mn-lt"/>
+                <a:ea typeface="+mn-ea"/>
+                <a:cs typeface="+mn-cs"/>
+              </a:rPr>
+              <a:t>‘</a:t>
+            </a:r>
+            <a:r>
+              <a:rPr lang="de-DE" sz="1200" dirty="0"/>
+              <a:t>: </a:t>
+            </a:r>
+            <a:r>
+              <a:rPr lang="de-DE" sz="1200" dirty="0" err="1"/>
+              <a:t>true</a:t>
+            </a:r>
+            <a:r>
+              <a:rPr lang="de-DE" sz="1200" dirty="0"/>
+              <a:t>, dann </a:t>
+            </a:r>
+            <a:r>
+              <a:rPr lang="de-DE" sz="1200" dirty="0" err="1"/>
+              <a:t>safe</a:t>
+            </a:r>
+            <a:r>
+              <a:rPr lang="de-DE" sz="1200" dirty="0"/>
+              <a:t> </a:t>
+            </a:r>
+            <a:r>
+              <a:rPr lang="de-DE" sz="1200" dirty="0" err="1"/>
+              <a:t>failed</a:t>
+            </a:r>
+            <a:r>
+              <a:rPr lang="de-DE" sz="1200" dirty="0"/>
+              <a:t> </a:t>
+            </a:r>
+            <a:r>
+              <a:rPr lang="de-DE" sz="1200" dirty="0" err="1"/>
+              <a:t>task</a:t>
+            </a:r>
+            <a:r>
+              <a:rPr lang="de-DE" sz="1200" dirty="0"/>
+              <a:t> in a </a:t>
+            </a:r>
+            <a:r>
+              <a:rPr lang="de-DE" sz="1200" dirty="0" err="1"/>
+              <a:t>dict</a:t>
+            </a:r>
+            <a:r>
+              <a:rPr lang="de-DE" sz="1200" dirty="0"/>
+              <a:t> ( </a:t>
+            </a:r>
+            <a:r>
+              <a:rPr lang="de-DE" sz="1200" dirty="0" err="1"/>
+              <a:t>including</a:t>
+            </a:r>
+            <a:r>
+              <a:rPr lang="de-DE" sz="1200" dirty="0"/>
+              <a:t> </a:t>
+            </a:r>
+            <a:r>
+              <a:rPr lang="de-DE" sz="1200" dirty="0" err="1"/>
+              <a:t>stderr</a:t>
+            </a:r>
+            <a:r>
+              <a:rPr lang="de-DE" sz="1200" dirty="0"/>
+              <a:t>, </a:t>
+            </a:r>
+            <a:r>
+              <a:rPr lang="de-DE" sz="1200" dirty="0" err="1"/>
+              <a:t>stdout</a:t>
+            </a:r>
+            <a:r>
+              <a:rPr lang="de-DE" sz="1200" dirty="0"/>
+              <a:t>, </a:t>
+            </a:r>
+            <a:r>
+              <a:rPr lang="de-DE" sz="1200" dirty="0" err="1"/>
+              <a:t>msg</a:t>
+            </a:r>
+            <a:r>
+              <a:rPr lang="de-DE" sz="1200" dirty="0"/>
+              <a:t>, </a:t>
+            </a:r>
+            <a:r>
+              <a:rPr lang="de-DE" sz="1200" dirty="0" err="1"/>
+              <a:t>name</a:t>
+            </a:r>
+            <a:r>
+              <a:rPr lang="de-DE" sz="1200" dirty="0"/>
+              <a:t>)</a:t>
+            </a:r>
+          </a:p>
+          <a:p>
+            <a:pPr marL="742950" lvl="1" indent="-285750">
+              <a:buFont typeface="Wingdings" panose="05000000000000000000" pitchFamily="2" charset="2"/>
+              <a:buChar char="è"/>
+            </a:pPr>
+            <a:r>
+              <a:rPr lang="de-DE" sz="1200" kern="1200" dirty="0">
+                <a:solidFill>
+                  <a:schemeClr val="tx1"/>
+                </a:solidFill>
+                <a:latin typeface="+mn-lt"/>
+                <a:ea typeface="+mn-ea"/>
+                <a:cs typeface="+mn-cs"/>
+              </a:rPr>
+              <a:t>Multiple </a:t>
+            </a:r>
+            <a:r>
+              <a:rPr lang="de-DE" sz="1200" kern="1200" dirty="0" err="1">
+                <a:solidFill>
+                  <a:schemeClr val="tx1"/>
+                </a:solidFill>
+                <a:latin typeface="+mn-lt"/>
+                <a:ea typeface="+mn-ea"/>
+                <a:cs typeface="+mn-cs"/>
+              </a:rPr>
+              <a:t>failed</a:t>
+            </a:r>
+            <a:r>
+              <a:rPr lang="de-DE" sz="1200" kern="1200" dirty="0">
+                <a:solidFill>
+                  <a:schemeClr val="tx1"/>
+                </a:solidFill>
+                <a:latin typeface="+mn-lt"/>
+                <a:ea typeface="+mn-ea"/>
+                <a:cs typeface="+mn-cs"/>
+              </a:rPr>
+              <a:t> </a:t>
+            </a:r>
+            <a:r>
+              <a:rPr lang="de-DE" sz="1200" kern="1200" dirty="0" err="1">
+                <a:solidFill>
+                  <a:schemeClr val="tx1"/>
+                </a:solidFill>
+                <a:latin typeface="+mn-lt"/>
+                <a:ea typeface="+mn-ea"/>
+                <a:cs typeface="+mn-cs"/>
+              </a:rPr>
+              <a:t>tasks</a:t>
+            </a:r>
+            <a:r>
+              <a:rPr lang="de-DE" sz="1200" kern="1200" dirty="0">
+                <a:solidFill>
+                  <a:schemeClr val="tx1"/>
+                </a:solidFill>
+                <a:latin typeface="+mn-lt"/>
+                <a:ea typeface="+mn-ea"/>
+                <a:cs typeface="+mn-cs"/>
+              </a:rPr>
+              <a:t> in </a:t>
+            </a:r>
+            <a:r>
+              <a:rPr lang="de-DE" sz="1200" kern="1200" dirty="0" err="1">
+                <a:solidFill>
+                  <a:schemeClr val="tx1"/>
+                </a:solidFill>
+                <a:latin typeface="+mn-lt"/>
+                <a:ea typeface="+mn-ea"/>
+                <a:cs typeface="+mn-cs"/>
+              </a:rPr>
+              <a:t>one</a:t>
+            </a:r>
+            <a:r>
+              <a:rPr lang="de-DE" sz="1200" kern="1200" dirty="0">
+                <a:solidFill>
+                  <a:schemeClr val="tx1"/>
+                </a:solidFill>
+                <a:latin typeface="+mn-lt"/>
+                <a:ea typeface="+mn-ea"/>
+                <a:cs typeface="+mn-cs"/>
+              </a:rPr>
+              <a:t> log </a:t>
+            </a:r>
+            <a:r>
+              <a:rPr lang="de-DE" sz="1200" kern="1200" dirty="0" err="1">
+                <a:solidFill>
+                  <a:schemeClr val="tx1"/>
+                </a:solidFill>
+                <a:latin typeface="+mn-lt"/>
+                <a:ea typeface="+mn-ea"/>
+                <a:cs typeface="+mn-cs"/>
+              </a:rPr>
+              <a:t>are</a:t>
+            </a:r>
+            <a:r>
+              <a:rPr lang="de-DE" sz="1200" kern="1200" dirty="0">
+                <a:solidFill>
+                  <a:schemeClr val="tx1"/>
+                </a:solidFill>
+                <a:latin typeface="+mn-lt"/>
+                <a:ea typeface="+mn-ea"/>
+                <a:cs typeface="+mn-cs"/>
+              </a:rPr>
+              <a:t> </a:t>
+            </a:r>
+            <a:r>
+              <a:rPr lang="de-DE" sz="1200" kern="1200" dirty="0" err="1">
+                <a:solidFill>
+                  <a:schemeClr val="tx1"/>
+                </a:solidFill>
+                <a:latin typeface="+mn-lt"/>
+                <a:ea typeface="+mn-ea"/>
+                <a:cs typeface="+mn-cs"/>
+              </a:rPr>
+              <a:t>kept</a:t>
+            </a:r>
+            <a:r>
+              <a:rPr lang="de-DE" sz="1200" kern="1200" dirty="0">
+                <a:solidFill>
+                  <a:schemeClr val="tx1"/>
+                </a:solidFill>
+                <a:latin typeface="+mn-lt"/>
+                <a:ea typeface="+mn-ea"/>
+                <a:cs typeface="+mn-cs"/>
+              </a:rPr>
+              <a:t> in </a:t>
+            </a:r>
+            <a:r>
+              <a:rPr lang="de-DE" sz="1200" kern="1200" dirty="0" err="1">
+                <a:solidFill>
+                  <a:schemeClr val="tx1"/>
+                </a:solidFill>
+                <a:latin typeface="+mn-lt"/>
+                <a:ea typeface="+mn-ea"/>
+                <a:cs typeface="+mn-cs"/>
+              </a:rPr>
+              <a:t>one</a:t>
+            </a:r>
+            <a:r>
+              <a:rPr lang="de-DE" sz="1200" kern="1200" dirty="0">
+                <a:solidFill>
+                  <a:schemeClr val="tx1"/>
+                </a:solidFill>
+                <a:latin typeface="+mn-lt"/>
+                <a:ea typeface="+mn-ea"/>
+                <a:cs typeface="+mn-cs"/>
+              </a:rPr>
+              <a:t> </a:t>
+            </a:r>
+            <a:r>
+              <a:rPr lang="de-DE" sz="1200" kern="1200" dirty="0" err="1">
+                <a:solidFill>
+                  <a:schemeClr val="tx1"/>
+                </a:solidFill>
+                <a:latin typeface="+mn-lt"/>
+                <a:ea typeface="+mn-ea"/>
+                <a:cs typeface="+mn-cs"/>
+              </a:rPr>
+              <a:t>cropped</a:t>
+            </a:r>
+            <a:r>
+              <a:rPr lang="de-DE" sz="1200" kern="1200" dirty="0">
+                <a:solidFill>
+                  <a:schemeClr val="tx1"/>
+                </a:solidFill>
+                <a:latin typeface="+mn-lt"/>
+                <a:ea typeface="+mn-ea"/>
+                <a:cs typeface="+mn-cs"/>
+              </a:rPr>
+              <a:t> </a:t>
+            </a:r>
+            <a:r>
+              <a:rPr lang="de-DE" sz="1200" kern="1200" dirty="0" err="1">
+                <a:solidFill>
+                  <a:schemeClr val="tx1"/>
+                </a:solidFill>
+                <a:latin typeface="+mn-lt"/>
+                <a:ea typeface="+mn-ea"/>
+                <a:cs typeface="+mn-cs"/>
+              </a:rPr>
+              <a:t>file</a:t>
+            </a:r>
+            <a:endParaRPr lang="de-DE" sz="1200" dirty="0"/>
+          </a:p>
+          <a:p>
+            <a:pPr marL="285750" indent="-285750">
+              <a:buFont typeface="Arial" panose="020B0604020202020204" pitchFamily="34" charset="0"/>
+              <a:buChar char="•"/>
+            </a:pPr>
+            <a:r>
+              <a:rPr lang="de-DE" sz="1200" dirty="0"/>
+              <a:t>Summary </a:t>
+            </a:r>
+            <a:r>
+              <a:rPr lang="de-DE" sz="1200" dirty="0" err="1"/>
+              <a:t>function</a:t>
+            </a:r>
+            <a:endParaRPr lang="de-DE" sz="1200" dirty="0"/>
+          </a:p>
+          <a:p>
+            <a:pPr marL="742950" lvl="1" indent="-285750">
+              <a:buFont typeface="Wingdings" panose="05000000000000000000" pitchFamily="2" charset="2"/>
+              <a:buChar char="à"/>
+            </a:pPr>
+            <a:r>
+              <a:rPr lang="de-DE" sz="1200" dirty="0" err="1"/>
+              <a:t>Overview</a:t>
+            </a:r>
+            <a:r>
+              <a:rPr lang="de-DE" sz="1200" dirty="0"/>
+              <a:t> </a:t>
+            </a:r>
+            <a:r>
+              <a:rPr lang="de-DE" sz="1200" dirty="0" err="1"/>
+              <a:t>over</a:t>
+            </a:r>
+            <a:r>
+              <a:rPr lang="de-DE" sz="1200" dirty="0"/>
+              <a:t> </a:t>
+            </a:r>
+            <a:r>
+              <a:rPr lang="de-DE" sz="1200" dirty="0" err="1"/>
+              <a:t>processed</a:t>
+            </a:r>
+            <a:r>
+              <a:rPr lang="de-DE" sz="1200" dirty="0"/>
+              <a:t> logs</a:t>
+            </a:r>
+          </a:p>
+          <a:p>
+            <a:pPr marL="742950" lvl="1" indent="-285750">
+              <a:buFont typeface="Wingdings" panose="05000000000000000000" pitchFamily="2" charset="2"/>
+              <a:buChar char="à"/>
+            </a:pPr>
+            <a:r>
+              <a:rPr lang="de-DE" sz="1200" dirty="0" err="1"/>
+              <a:t>Amount</a:t>
+            </a:r>
+            <a:r>
+              <a:rPr lang="de-DE" sz="1200" dirty="0"/>
+              <a:t> of </a:t>
+            </a:r>
+            <a:r>
+              <a:rPr lang="de-DE" sz="1200" dirty="0" err="1"/>
+              <a:t>errors</a:t>
+            </a:r>
+            <a:endParaRPr lang="de-DE" sz="1200" dirty="0"/>
+          </a:p>
+          <a:p>
+            <a:pPr marL="742950" lvl="1" indent="-285750">
+              <a:buFont typeface="Wingdings" panose="05000000000000000000" pitchFamily="2" charset="2"/>
+              <a:buChar char="à"/>
+            </a:pPr>
+            <a:r>
+              <a:rPr lang="de-DE" sz="1200" dirty="0" err="1"/>
+              <a:t>Names</a:t>
+            </a:r>
+            <a:r>
+              <a:rPr lang="de-DE" sz="1200" dirty="0"/>
+              <a:t> of </a:t>
+            </a:r>
+            <a:r>
+              <a:rPr lang="de-DE" sz="1200" dirty="0" err="1"/>
+              <a:t>failed</a:t>
+            </a:r>
+            <a:r>
+              <a:rPr lang="de-DE" sz="1200" dirty="0"/>
+              <a:t> </a:t>
+            </a:r>
+            <a:r>
+              <a:rPr lang="de-DE" sz="1200" dirty="0" err="1"/>
+              <a:t>tasks</a:t>
+            </a:r>
+            <a:r>
+              <a:rPr lang="de-DE" sz="1200" dirty="0"/>
+              <a:t> </a:t>
+            </a:r>
+            <a:r>
+              <a:rPr lang="de-DE" sz="1200" dirty="0" err="1"/>
+              <a:t>as</a:t>
+            </a:r>
+            <a:r>
+              <a:rPr lang="de-DE" sz="1200" dirty="0"/>
+              <a:t> </a:t>
+            </a:r>
+            <a:r>
+              <a:rPr lang="de-DE" sz="1200" dirty="0" err="1"/>
+              <a:t>well</a:t>
+            </a:r>
+            <a:r>
+              <a:rPr lang="de-DE" sz="1200" dirty="0"/>
+              <a:t> </a:t>
+            </a:r>
+            <a:r>
+              <a:rPr lang="de-DE" sz="1200" dirty="0" err="1"/>
+              <a:t>as</a:t>
+            </a:r>
+            <a:r>
+              <a:rPr lang="de-DE" sz="1200" dirty="0"/>
+              <a:t> </a:t>
+            </a:r>
+            <a:r>
+              <a:rPr lang="de-DE" sz="1200" dirty="0" err="1"/>
+              <a:t>respective</a:t>
+            </a:r>
+            <a:r>
+              <a:rPr lang="de-DE" sz="1200" dirty="0"/>
+              <a:t> </a:t>
+            </a:r>
+            <a:r>
+              <a:rPr lang="de-DE" sz="1200" dirty="0" err="1"/>
+              <a:t>frequency</a:t>
+            </a:r>
+            <a:r>
+              <a:rPr lang="de-DE" sz="1200" dirty="0"/>
+              <a:t>  </a:t>
+            </a:r>
+          </a:p>
+          <a:p>
+            <a:pPr lvl="2"/>
+            <a:r>
+              <a:rPr lang="de-DE" sz="1200" dirty="0">
+                <a:solidFill>
+                  <a:srgbClr val="FF0000"/>
+                </a:solidFill>
+                <a:sym typeface="Wingdings" panose="05000000000000000000" pitchFamily="2" charset="2"/>
+              </a:rPr>
+              <a:t></a:t>
+            </a:r>
+            <a:r>
+              <a:rPr lang="de-DE" sz="1200" dirty="0">
+                <a:sym typeface="Wingdings" panose="05000000000000000000" pitchFamily="2" charset="2"/>
+              </a:rPr>
+              <a:t> </a:t>
+            </a:r>
+            <a:r>
+              <a:rPr lang="de-DE" sz="1200" dirty="0">
+                <a:solidFill>
+                  <a:srgbClr val="FF0000"/>
+                </a:solidFill>
+              </a:rPr>
+              <a:t> PROBLEM: ALL UNNAMED?, </a:t>
+            </a:r>
+            <a:r>
+              <a:rPr lang="de-DE" sz="1200" dirty="0" err="1">
+                <a:solidFill>
+                  <a:srgbClr val="FF0000"/>
+                </a:solidFill>
+              </a:rPr>
+              <a:t>what</a:t>
+            </a:r>
+            <a:r>
+              <a:rPr lang="de-DE" sz="1200" dirty="0">
+                <a:solidFill>
+                  <a:srgbClr val="FF0000"/>
+                </a:solidFill>
+              </a:rPr>
+              <a:t> </a:t>
+            </a:r>
+            <a:r>
+              <a:rPr lang="de-DE" sz="1200" dirty="0" err="1">
+                <a:solidFill>
+                  <a:srgbClr val="FF0000"/>
+                </a:solidFill>
+              </a:rPr>
+              <a:t>is</a:t>
+            </a:r>
+            <a:r>
+              <a:rPr lang="de-DE" sz="1200" dirty="0">
+                <a:solidFill>
+                  <a:srgbClr val="FF0000"/>
+                </a:solidFill>
+              </a:rPr>
+              <a:t> </a:t>
+            </a:r>
+            <a:r>
+              <a:rPr lang="de-DE" sz="1200" dirty="0" err="1">
+                <a:solidFill>
+                  <a:srgbClr val="FF0000"/>
+                </a:solidFill>
+              </a:rPr>
+              <a:t>unique</a:t>
+            </a:r>
+            <a:r>
+              <a:rPr lang="de-DE" sz="1200" dirty="0">
+                <a:solidFill>
+                  <a:srgbClr val="FF0000"/>
+                </a:solidFill>
+              </a:rPr>
+              <a:t> </a:t>
+            </a:r>
+            <a:r>
+              <a:rPr lang="de-DE" sz="1200" dirty="0" err="1">
+                <a:solidFill>
+                  <a:srgbClr val="FF0000"/>
+                </a:solidFill>
+              </a:rPr>
+              <a:t>identificator</a:t>
+            </a:r>
+            <a:r>
+              <a:rPr lang="de-DE" sz="1200" dirty="0">
+                <a:solidFill>
+                  <a:srgbClr val="FF0000"/>
+                </a:solidFill>
+              </a:rPr>
+              <a:t> </a:t>
+            </a:r>
+            <a:r>
+              <a:rPr lang="de-DE" sz="1200" dirty="0" err="1">
+                <a:solidFill>
+                  <a:srgbClr val="FF0000"/>
+                </a:solidFill>
+              </a:rPr>
+              <a:t>for</a:t>
+            </a:r>
+            <a:r>
+              <a:rPr lang="de-DE" sz="1200" dirty="0">
+                <a:solidFill>
+                  <a:srgbClr val="FF0000"/>
+                </a:solidFill>
+              </a:rPr>
+              <a:t> </a:t>
+            </a:r>
+            <a:r>
+              <a:rPr lang="de-DE" sz="1200" dirty="0" err="1">
+                <a:solidFill>
+                  <a:srgbClr val="FF0000"/>
+                </a:solidFill>
+              </a:rPr>
+              <a:t>task</a:t>
+            </a:r>
+            <a:r>
+              <a:rPr lang="de-DE" sz="1200" dirty="0">
+                <a:solidFill>
+                  <a:srgbClr val="FF0000"/>
+                </a:solidFill>
+              </a:rPr>
+              <a:t>? </a:t>
+            </a:r>
+            <a:endParaRPr lang="de-DE" sz="1200" dirty="0"/>
+          </a:p>
+          <a:p>
+            <a:pPr marL="742950" lvl="1" indent="-285750">
+              <a:buFont typeface="Wingdings" panose="05000000000000000000" pitchFamily="2" charset="2"/>
+              <a:buChar char="à"/>
+            </a:pPr>
+            <a:r>
+              <a:rPr lang="de-DE" sz="1200" dirty="0"/>
+              <a:t>Error </a:t>
+            </a:r>
+            <a:r>
+              <a:rPr lang="de-DE" sz="1200" dirty="0" err="1"/>
+              <a:t>essages</a:t>
+            </a:r>
+            <a:r>
+              <a:rPr lang="de-DE" sz="1200" dirty="0"/>
+              <a:t> of </a:t>
+            </a:r>
+            <a:r>
+              <a:rPr lang="de-DE" sz="1200" dirty="0" err="1"/>
+              <a:t>failed</a:t>
+            </a:r>
+            <a:r>
+              <a:rPr lang="de-DE" sz="1200" dirty="0"/>
+              <a:t> </a:t>
+            </a:r>
+            <a:r>
+              <a:rPr lang="de-DE" sz="1200" dirty="0" err="1"/>
+              <a:t>tasks</a:t>
+            </a:r>
+            <a:r>
+              <a:rPr lang="de-DE" sz="1200" dirty="0"/>
+              <a:t> </a:t>
+            </a:r>
+            <a:r>
+              <a:rPr lang="de-DE" sz="1200" dirty="0" err="1"/>
+              <a:t>as</a:t>
+            </a:r>
+            <a:r>
+              <a:rPr lang="de-DE" sz="1200" dirty="0"/>
+              <a:t> </a:t>
+            </a:r>
+            <a:r>
+              <a:rPr lang="de-DE" sz="1200" dirty="0" err="1"/>
+              <a:t>well</a:t>
+            </a:r>
+            <a:r>
+              <a:rPr lang="de-DE" sz="1200" dirty="0"/>
+              <a:t> </a:t>
+            </a:r>
+            <a:r>
+              <a:rPr lang="de-DE" sz="1200" dirty="0" err="1"/>
+              <a:t>as</a:t>
+            </a:r>
+            <a:r>
+              <a:rPr lang="de-DE" sz="1200" dirty="0"/>
+              <a:t> </a:t>
+            </a:r>
+            <a:r>
+              <a:rPr lang="de-DE" sz="1200" dirty="0" err="1"/>
+              <a:t>respective</a:t>
+            </a:r>
+            <a:r>
+              <a:rPr lang="de-DE" sz="1200" dirty="0"/>
+              <a:t> </a:t>
+            </a:r>
+            <a:r>
+              <a:rPr lang="de-DE" sz="1200" dirty="0" err="1"/>
+              <a:t>frequency</a:t>
+            </a:r>
+            <a:endParaRPr lang="de-DE" sz="1200" dirty="0"/>
+          </a:p>
+          <a:p>
+            <a:pPr marL="285750" lvl="1" indent="-285750">
+              <a:buFont typeface="Arial" panose="020B0604020202020204" pitchFamily="34" charset="0"/>
+              <a:buChar char="•"/>
+            </a:pPr>
+            <a:r>
+              <a:rPr lang="de-DE" sz="1200" dirty="0"/>
+              <a:t>Open: </a:t>
+            </a:r>
+          </a:p>
+          <a:p>
+            <a:pPr marL="714375" lvl="1" indent="-269875">
+              <a:buFont typeface="Wingdings" panose="05000000000000000000" pitchFamily="2" charset="2"/>
+              <a:buChar char="à"/>
+            </a:pPr>
+            <a:r>
+              <a:rPr lang="de-DE" sz="1200" dirty="0" err="1">
+                <a:sym typeface="Wingdings" panose="05000000000000000000" pitchFamily="2" charset="2"/>
+              </a:rPr>
+              <a:t>determine</a:t>
+            </a:r>
+            <a:r>
+              <a:rPr lang="de-DE" sz="1200" dirty="0">
+                <a:sym typeface="Wingdings" panose="05000000000000000000" pitchFamily="2" charset="2"/>
+              </a:rPr>
+              <a:t> </a:t>
+            </a:r>
+            <a:r>
+              <a:rPr lang="de-DE" sz="1200" dirty="0" err="1">
+                <a:sym typeface="Wingdings" panose="05000000000000000000" pitchFamily="2" charset="2"/>
+              </a:rPr>
+              <a:t>how</a:t>
+            </a:r>
+            <a:r>
+              <a:rPr lang="de-DE" sz="1200" dirty="0">
+                <a:sym typeface="Wingdings" panose="05000000000000000000" pitchFamily="2" charset="2"/>
+              </a:rPr>
+              <a:t> </a:t>
+            </a:r>
+            <a:r>
+              <a:rPr lang="de-DE" sz="1200" dirty="0" err="1">
+                <a:sym typeface="Wingdings" panose="05000000000000000000" pitchFamily="2" charset="2"/>
+              </a:rPr>
+              <a:t>to</a:t>
+            </a:r>
+            <a:r>
+              <a:rPr lang="de-DE" sz="1200" dirty="0">
+                <a:sym typeface="Wingdings" panose="05000000000000000000" pitchFamily="2" charset="2"/>
+              </a:rPr>
+              <a:t> </a:t>
+            </a:r>
+            <a:r>
+              <a:rPr lang="de-DE" sz="1200" dirty="0" err="1">
+                <a:sym typeface="Wingdings" panose="05000000000000000000" pitchFamily="2" charset="2"/>
+              </a:rPr>
+              <a:t>map</a:t>
+            </a:r>
+            <a:r>
+              <a:rPr lang="de-DE" sz="1200" dirty="0">
+                <a:sym typeface="Wingdings" panose="05000000000000000000" pitchFamily="2" charset="2"/>
+              </a:rPr>
+              <a:t> </a:t>
+            </a:r>
+            <a:r>
+              <a:rPr lang="de-DE" sz="1200" dirty="0" err="1">
+                <a:sym typeface="Wingdings" panose="05000000000000000000" pitchFamily="2" charset="2"/>
+              </a:rPr>
+              <a:t>error</a:t>
+            </a:r>
+            <a:r>
+              <a:rPr lang="de-DE" sz="1200" dirty="0">
+                <a:sym typeface="Wingdings" panose="05000000000000000000" pitchFamily="2" charset="2"/>
+              </a:rPr>
+              <a:t> </a:t>
+            </a:r>
+            <a:r>
+              <a:rPr lang="de-DE" sz="1200" dirty="0" err="1">
+                <a:sym typeface="Wingdings" panose="05000000000000000000" pitchFamily="2" charset="2"/>
+              </a:rPr>
+              <a:t>msgs</a:t>
+            </a:r>
+            <a:r>
+              <a:rPr lang="de-DE" sz="1200" dirty="0">
+                <a:sym typeface="Wingdings" panose="05000000000000000000" pitchFamily="2" charset="2"/>
+              </a:rPr>
+              <a:t> </a:t>
+            </a:r>
+            <a:r>
+              <a:rPr lang="de-DE" sz="1200" dirty="0" err="1">
+                <a:sym typeface="Wingdings" panose="05000000000000000000" pitchFamily="2" charset="2"/>
+              </a:rPr>
+              <a:t>to</a:t>
+            </a:r>
+            <a:r>
+              <a:rPr lang="de-DE" sz="1200" dirty="0">
+                <a:sym typeface="Wingdings" panose="05000000000000000000" pitchFamily="2" charset="2"/>
+              </a:rPr>
+              <a:t> </a:t>
+            </a:r>
+            <a:r>
+              <a:rPr lang="de-DE" sz="1200" dirty="0" err="1">
+                <a:sym typeface="Wingdings" panose="05000000000000000000" pitchFamily="2" charset="2"/>
+              </a:rPr>
+              <a:t>specific</a:t>
+            </a:r>
+            <a:r>
+              <a:rPr lang="de-DE" sz="1200" dirty="0">
+                <a:sym typeface="Wingdings" panose="05000000000000000000" pitchFamily="2" charset="2"/>
+              </a:rPr>
+              <a:t> </a:t>
+            </a:r>
+            <a:r>
+              <a:rPr lang="de-DE" sz="1200" dirty="0" err="1">
+                <a:sym typeface="Wingdings" panose="05000000000000000000" pitchFamily="2" charset="2"/>
+              </a:rPr>
+              <a:t>pipelines</a:t>
+            </a:r>
+            <a:r>
+              <a:rPr lang="de-DE" sz="1200" dirty="0">
+                <a:sym typeface="Wingdings" panose="05000000000000000000" pitchFamily="2" charset="2"/>
+              </a:rPr>
+              <a:t>/</a:t>
+            </a:r>
+            <a:r>
+              <a:rPr lang="de-DE" sz="1200" dirty="0" err="1">
+                <a:sym typeface="Wingdings" panose="05000000000000000000" pitchFamily="2" charset="2"/>
+              </a:rPr>
+              <a:t>users</a:t>
+            </a:r>
+            <a:r>
+              <a:rPr lang="de-DE" sz="1200" dirty="0">
+                <a:sym typeface="Wingdings" panose="05000000000000000000" pitchFamily="2" charset="2"/>
+              </a:rPr>
+              <a:t>/</a:t>
+            </a:r>
+            <a:r>
+              <a:rPr lang="de-DE" sz="1200" dirty="0" err="1">
+                <a:sym typeface="Wingdings" panose="05000000000000000000" pitchFamily="2" charset="2"/>
+              </a:rPr>
+              <a:t>jobs</a:t>
+            </a:r>
+            <a:r>
+              <a:rPr lang="de-DE" sz="1200" dirty="0">
+                <a:sym typeface="Wingdings" panose="05000000000000000000" pitchFamily="2" charset="2"/>
+              </a:rPr>
+              <a:t> </a:t>
+            </a:r>
+            <a:r>
+              <a:rPr lang="de-DE" sz="1200" dirty="0" err="1">
+                <a:sym typeface="Wingdings" panose="05000000000000000000" pitchFamily="2" charset="2"/>
+              </a:rPr>
+              <a:t>to</a:t>
+            </a:r>
+            <a:r>
+              <a:rPr lang="de-DE" sz="1200" dirty="0">
+                <a:sym typeface="Wingdings" panose="05000000000000000000" pitchFamily="2" charset="2"/>
+              </a:rPr>
+              <a:t> </a:t>
+            </a:r>
+            <a:r>
+              <a:rPr lang="de-DE" sz="1200" dirty="0" err="1">
+                <a:sym typeface="Wingdings" panose="05000000000000000000" pitchFamily="2" charset="2"/>
+              </a:rPr>
+              <a:t>look</a:t>
+            </a:r>
+            <a:r>
+              <a:rPr lang="de-DE" sz="1200" dirty="0">
+                <a:sym typeface="Wingdings" panose="05000000000000000000" pitchFamily="2" charset="2"/>
+              </a:rPr>
+              <a:t> </a:t>
+            </a:r>
+            <a:r>
+              <a:rPr lang="de-DE" sz="1200" dirty="0" err="1">
+                <a:sym typeface="Wingdings" panose="05000000000000000000" pitchFamily="2" charset="2"/>
+              </a:rPr>
+              <a:t>for</a:t>
+            </a:r>
+            <a:endParaRPr lang="de-DE" sz="1200" dirty="0">
+              <a:sym typeface="Wingdings" panose="05000000000000000000" pitchFamily="2" charset="2"/>
+            </a:endParaRPr>
+          </a:p>
+          <a:p>
+            <a:pPr marL="444500" lvl="1"/>
+            <a:r>
+              <a:rPr lang="de-DE" sz="1200" dirty="0" err="1">
+                <a:sym typeface="Wingdings" panose="05000000000000000000" pitchFamily="2" charset="2"/>
+              </a:rPr>
+              <a:t>patterns</a:t>
+            </a:r>
+            <a:r>
+              <a:rPr lang="de-DE" sz="1200" dirty="0">
+                <a:sym typeface="Wingdings" panose="05000000000000000000" pitchFamily="2" charset="2"/>
+              </a:rPr>
+              <a:t>?</a:t>
+            </a:r>
+            <a:endParaRPr lang="de-DE" sz="1200" dirty="0"/>
+          </a:p>
+          <a:p>
+            <a:pPr marL="285750" marR="0" indent="-285750">
+              <a:spcBef>
+                <a:spcPts val="0"/>
+              </a:spcBef>
+              <a:spcAft>
+                <a:spcPts val="0"/>
+              </a:spcAft>
+              <a:buFont typeface="Arial" panose="020B0604020202020204" pitchFamily="34" charset="0"/>
+              <a:buChar char="•"/>
+            </a:pPr>
+            <a:endParaRPr lang="de-DE" sz="1200" dirty="0"/>
+          </a:p>
+          <a:p>
+            <a:pPr marL="285750" marR="0" indent="-285750">
+              <a:spcBef>
+                <a:spcPts val="0"/>
+              </a:spcBef>
+              <a:spcAft>
+                <a:spcPts val="0"/>
+              </a:spcAft>
+              <a:buFont typeface="Arial" panose="020B0604020202020204" pitchFamily="34" charset="0"/>
+              <a:buChar char="•"/>
+            </a:pPr>
+            <a:endParaRPr lang="de-DE" sz="1200" dirty="0"/>
+          </a:p>
+          <a:p>
+            <a:pPr marL="285750" marR="0" indent="-285750">
+              <a:spcBef>
+                <a:spcPts val="0"/>
+              </a:spcBef>
+              <a:spcAft>
+                <a:spcPts val="0"/>
+              </a:spcAft>
+              <a:buFont typeface="Arial" panose="020B0604020202020204" pitchFamily="34" charset="0"/>
+              <a:buChar char="•"/>
+            </a:pPr>
+            <a:endParaRPr lang="de-DE" sz="1200" kern="1200" dirty="0">
+              <a:solidFill>
+                <a:schemeClr val="tx1"/>
+              </a:solidFill>
+              <a:latin typeface="+mn-lt"/>
+              <a:ea typeface="+mn-ea"/>
+              <a:cs typeface="+mn-cs"/>
+            </a:endParaRPr>
           </a:p>
         </p:txBody>
       </p:sp>
       <p:sp>
         <p:nvSpPr>
-          <p:cNvPr id="3" name="TextBox 2">
+          <p:cNvPr id="4" name="TextBox 3">
             <a:extLst>
               <a:ext uri="{FF2B5EF4-FFF2-40B4-BE49-F238E27FC236}">
-                <a16:creationId xmlns:a16="http://schemas.microsoft.com/office/drawing/2014/main" id="{70635A1A-0078-42BC-3361-BDCDE8CE145A}"/>
+                <a16:creationId xmlns:a16="http://schemas.microsoft.com/office/drawing/2014/main" id="{B63C4676-3485-9FE4-56D0-08DD65E49FAC}"/>
               </a:ext>
             </a:extLst>
           </p:cNvPr>
@@ -14399,8 +15374,8 @@
         </p:nvSpPr>
         <p:spPr>
           <a:xfrm>
-            <a:off x="580054" y="2375797"/>
-            <a:ext cx="11133577" cy="430887"/>
+            <a:off x="580054" y="747294"/>
+            <a:ext cx="4392387" cy="161583"/>
           </a:xfrm>
           <a:prstGeom prst="rect">
             <a:avLst/>
@@ -14412,18 +15387,181 @@
           </a:bodyPr>
           <a:lstStyle/>
           <a:p>
-            <a:pPr marL="285750" marR="0" indent="-285750">
+            <a:pPr marL="0" indent="0" algn="l" defTabSz="914400" rtl="0" eaLnBrk="1" latinLnBrk="0" hangingPunct="1">
+              <a:lnSpc>
+                <a:spcPct val="100000"/>
+              </a:lnSpc>
               <a:spcBef>
                 <a:spcPts val="0"/>
               </a:spcBef>
               <a:spcAft>
+                <a:spcPts val="600"/>
+              </a:spcAft>
+              <a:buClr>
+                <a:schemeClr val="tx2"/>
+              </a:buClr>
+              <a:buFontTx/>
+              <a:buNone/>
+            </a:pPr>
+            <a:r>
+              <a:rPr lang="de-DE" sz="1050" kern="1200" dirty="0">
+                <a:solidFill>
+                  <a:schemeClr val="accent2"/>
+                </a:solidFill>
+                <a:latin typeface="+mn-lt"/>
+                <a:ea typeface="+mn-ea"/>
+                <a:cs typeface="+mn-cs"/>
+              </a:rPr>
+              <a:t>https://cc-github.bmwgroup.net/carmenwerrlein/bachelor_thesis.git </a:t>
+            </a:r>
+            <a:endParaRPr lang="en-US" sz="1050" kern="1200" dirty="0" err="1">
+              <a:solidFill>
+                <a:schemeClr val="accent2"/>
+              </a:solidFill>
+              <a:latin typeface="+mn-lt"/>
+              <a:ea typeface="+mn-ea"/>
+              <a:cs typeface="+mn-cs"/>
+            </a:endParaRPr>
+          </a:p>
+        </p:txBody>
+      </p:sp>
+      <p:pic>
+        <p:nvPicPr>
+          <p:cNvPr id="1026" name="Picture 2" descr="Deggendorf von oben - Hochwasser am Campus- Gebaude der Universitat  Technischen Hochschule THD in Deggendorf im Bundesland">
+            <a:extLst>
+              <a:ext uri="{FF2B5EF4-FFF2-40B4-BE49-F238E27FC236}">
+                <a16:creationId xmlns:a16="http://schemas.microsoft.com/office/drawing/2014/main" id="{7C64817F-53E7-0427-8DB1-AFF6DB4AAE34}"/>
+              </a:ext>
+            </a:extLst>
+          </p:cNvPr>
+          <p:cNvPicPr>
+            <a:picLocks noChangeAspect="1" noChangeArrowheads="1"/>
+          </p:cNvPicPr>
+          <p:nvPr/>
+        </p:nvPicPr>
+        <p:blipFill>
+          <a:blip r:embed="rId2" cstate="print">
+            <a:extLst>
+              <a:ext uri="{28A0092B-C50C-407E-A947-70E740481C1C}">
+                <a14:useLocalDpi xmlns:a14="http://schemas.microsoft.com/office/drawing/2010/main" val="0"/>
+              </a:ext>
+            </a:extLst>
+          </a:blip>
+          <a:srcRect/>
+          <a:stretch>
+            <a:fillRect/>
+          </a:stretch>
+        </p:blipFill>
+        <p:spPr bwMode="auto">
+          <a:xfrm>
+            <a:off x="9312880" y="129584"/>
+            <a:ext cx="2753113" cy="1833573"/>
+          </a:xfrm>
+          <a:prstGeom prst="rect">
+            <a:avLst/>
+          </a:prstGeom>
+          <a:noFill/>
+          <a:extLst>
+            <a:ext uri="{909E8E84-426E-40DD-AFC4-6F175D3DCCD1}">
+              <a14:hiddenFill xmlns:a14="http://schemas.microsoft.com/office/drawing/2010/main">
+                <a:solidFill>
+                  <a:srgbClr val="FFFFFF"/>
+                </a:solidFill>
+              </a14:hiddenFill>
+            </a:ext>
+          </a:extLst>
+        </p:spPr>
+      </p:pic>
+      <p:cxnSp>
+        <p:nvCxnSpPr>
+          <p:cNvPr id="6" name="Straight Arrow Connector 5">
+            <a:extLst>
+              <a:ext uri="{FF2B5EF4-FFF2-40B4-BE49-F238E27FC236}">
+                <a16:creationId xmlns:a16="http://schemas.microsoft.com/office/drawing/2014/main" id="{209C97A7-1BED-9A45-4FC4-BF2521F698AB}"/>
+              </a:ext>
+            </a:extLst>
+          </p:cNvPr>
+          <p:cNvCxnSpPr>
+            <a:cxnSpLocks/>
+          </p:cNvCxnSpPr>
+          <p:nvPr/>
+        </p:nvCxnSpPr>
+        <p:spPr>
+          <a:xfrm>
+            <a:off x="8934994" y="429089"/>
+            <a:ext cx="940526" cy="274194"/>
+          </a:xfrm>
+          <a:prstGeom prst="straightConnector1">
+            <a:avLst/>
+          </a:prstGeom>
+          <a:ln w="57150">
+            <a:solidFill>
+              <a:srgbClr val="FF0000"/>
+            </a:solidFill>
+            <a:miter lim="800000"/>
+            <a:tailEnd type="triangle"/>
+          </a:ln>
+        </p:spPr>
+        <p:style>
+          <a:lnRef idx="1">
+            <a:schemeClr val="accent1"/>
+          </a:lnRef>
+          <a:fillRef idx="0">
+            <a:schemeClr val="accent1"/>
+          </a:fillRef>
+          <a:effectRef idx="0">
+            <a:schemeClr val="accent1"/>
+          </a:effectRef>
+          <a:fontRef idx="minor">
+            <a:schemeClr val="tx1"/>
+          </a:fontRef>
+        </p:style>
+      </p:cxnSp>
+      <p:sp>
+        <p:nvSpPr>
+          <p:cNvPr id="7" name="TextBox 6">
+            <a:extLst>
+              <a:ext uri="{FF2B5EF4-FFF2-40B4-BE49-F238E27FC236}">
+                <a16:creationId xmlns:a16="http://schemas.microsoft.com/office/drawing/2014/main" id="{2015808E-B30D-0846-B7FE-4BF2ED03BBE7}"/>
+              </a:ext>
+            </a:extLst>
+          </p:cNvPr>
+          <p:cNvSpPr txBox="1"/>
+          <p:nvPr/>
+        </p:nvSpPr>
+        <p:spPr>
+          <a:xfrm>
+            <a:off x="8438606" y="208684"/>
+            <a:ext cx="687978" cy="276999"/>
+          </a:xfrm>
+          <a:prstGeom prst="rect">
+            <a:avLst/>
+          </a:prstGeom>
+        </p:spPr>
+        <p:txBody>
+          <a:bodyPr vert="horz" wrap="square" lIns="0" tIns="0" rIns="0" bIns="0" rtlCol="0">
+            <a:spAutoFit/>
+          </a:bodyPr>
+          <a:lstStyle/>
+          <a:p>
+            <a:pPr marL="0" indent="0" algn="l" defTabSz="914400" rtl="0" eaLnBrk="1" latinLnBrk="0" hangingPunct="1">
+              <a:lnSpc>
+                <a:spcPct val="100000"/>
+              </a:lnSpc>
+              <a:spcBef>
                 <a:spcPts val="0"/>
+              </a:spcBef>
+              <a:spcAft>
+                <a:spcPts val="600"/>
               </a:spcAft>
-              <a:buFont typeface="Arial" panose="020B0604020202020204" pitchFamily="34" charset="0"/>
-              <a:buChar char="•"/>
+              <a:buClr>
+                <a:schemeClr val="tx2"/>
+              </a:buClr>
+              <a:buFontTx/>
+              <a:buNone/>
             </a:pPr>
             <a:r>
-              <a:rPr lang="de-DE" sz="1400" kern="1200" dirty="0">
+              <a:rPr lang="de-DE" sz="1800" kern="1200" dirty="0">
                 <a:solidFill>
                   <a:schemeClr val="tx1"/>
                 </a:solidFill>
@@ -14431,25 +15569,9 @@
                 <a:ea typeface="+mn-ea"/>
                 <a:cs typeface="+mn-cs"/>
               </a:rPr>
-              <a:t>- Glauner hat abgelehnt</a:t>
-            </a:r>
-          </a:p>
-          <a:p>
-            <a:pPr marL="285750" marR="0" indent="-285750">
-              <a:spcBef>
-                <a:spcPts val="0"/>
-              </a:spcBef>
-              <a:spcAft>
-                <a:spcPts val="0"/>
-              </a:spcAft>
-              <a:buFont typeface="Arial" panose="020B0604020202020204" pitchFamily="34" charset="0"/>
-              <a:buChar char="•"/>
-            </a:pPr>
-            <a:r>
-              <a:rPr lang="de-DE" sz="1400" dirty="0"/>
-              <a:t>Anderen schreiben!</a:t>
-            </a:r>
-            <a:endParaRPr lang="en-US" sz="1400" kern="1200" dirty="0" err="1">
+              <a:t>THD</a:t>
+            </a:r>
+            <a:endParaRPr lang="en-US" sz="1800" kern="1200" dirty="0" err="1">
               <a:solidFill>
                 <a:schemeClr val="tx1"/>
               </a:solidFill>
@@ -14460,6 +15582,66 @@
           </a:p>
         </p:txBody>
       </p:sp>
+      <p:pic>
+        <p:nvPicPr>
+          <p:cNvPr id="12" name="Picture 11">
+            <a:extLst>
+              <a:ext uri="{FF2B5EF4-FFF2-40B4-BE49-F238E27FC236}">
+                <a16:creationId xmlns:a16="http://schemas.microsoft.com/office/drawing/2014/main" id="{803FC9DE-5C55-B852-6429-18AE95840586}"/>
+              </a:ext>
+            </a:extLst>
+          </p:cNvPr>
+          <p:cNvPicPr>
+            <a:picLocks noChangeAspect="1"/>
+          </p:cNvPicPr>
+          <p:nvPr/>
+        </p:nvPicPr>
+        <p:blipFill>
+          <a:blip r:embed="rId3"/>
+          <a:stretch>
+            <a:fillRect/>
+          </a:stretch>
+        </p:blipFill>
+        <p:spPr>
+          <a:xfrm>
+            <a:off x="391885" y="4819771"/>
+            <a:ext cx="5101870" cy="1448869"/>
+          </a:xfrm>
+          <a:prstGeom prst="rect">
+            <a:avLst/>
+          </a:prstGeom>
+        </p:spPr>
+      </p:pic>
+      <p:pic>
+        <p:nvPicPr>
+          <p:cNvPr id="14" name="Picture 13">
+            <a:extLst>
+              <a:ext uri="{FF2B5EF4-FFF2-40B4-BE49-F238E27FC236}">
+                <a16:creationId xmlns:a16="http://schemas.microsoft.com/office/drawing/2014/main" id="{880D4277-62FA-575E-B620-CEE9D2DF503C}"/>
+              </a:ext>
+            </a:extLst>
+          </p:cNvPr>
+          <p:cNvPicPr>
+            <a:picLocks noChangeAspect="1"/>
+          </p:cNvPicPr>
+          <p:nvPr/>
+        </p:nvPicPr>
+        <p:blipFill>
+          <a:blip r:embed="rId4"/>
+          <a:stretch>
+            <a:fillRect/>
+          </a:stretch>
+        </p:blipFill>
+        <p:spPr>
+          <a:xfrm>
+            <a:off x="5821321" y="2420732"/>
+            <a:ext cx="6523437" cy="3912574"/>
+          </a:xfrm>
+          <a:prstGeom prst="rect">
+            <a:avLst/>
+          </a:prstGeom>
+        </p:spPr>
+      </p:pic>
     </p:spTree>
     <p:extLst>
       <p:ext uri="{BB962C8B-B14F-4D97-AF65-F5344CB8AC3E}">
@@ -18971,7 +20153,7 @@
         </p:nvSpPr>
         <p:spPr>
           <a:xfrm>
-            <a:off x="580054" y="2375797"/>
+            <a:off x="529211" y="1095637"/>
             <a:ext cx="11133577" cy="215444"/>
           </a:xfrm>
           <a:prstGeom prst="rect">
@@ -18995,6 +20177,17 @@
               <a:buChar char="•"/>
             </a:pPr>
             <a:r>
+              <a:rPr lang="de-DE" sz="1400" kern="1200" dirty="0" err="1">
+                <a:solidFill>
+                  <a:schemeClr val="tx1"/>
+                </a:solidFill>
+                <a:latin typeface="+mn-lt"/>
+                <a:ea typeface="+mn-ea"/>
+                <a:cs typeface="+mn-cs"/>
+              </a:rPr>
+              <a:t>Cancelled</a:t>
+            </a:r>
+            <a:r>
               <a:rPr lang="de-DE" sz="1400" kern="1200" dirty="0">
                 <a:solidFill>
                   <a:schemeClr val="tx1"/>
@@ -19003,7 +20196,7 @@
                 <a:ea typeface="+mn-ea"/>
                 <a:cs typeface="+mn-cs"/>
               </a:rPr>
-              <a:t>- </a:t>
+              <a:t> </a:t>
             </a:r>
             <a:r>
               <a:rPr lang="de-DE" sz="1400" kern="1200" dirty="0" err="1">
@@ -19014,7 +20207,7 @@
                 <a:ea typeface="+mn-ea"/>
                 <a:cs typeface="+mn-cs"/>
               </a:rPr>
-              <a:t>Cancelled</a:t>
+              <a:t>because</a:t>
             </a:r>
             <a:r>
               <a:rPr lang="de-DE" sz="1400" kern="1200" dirty="0">
@@ -19025,7 +20218,7 @@
                 <a:ea typeface="+mn-ea"/>
                 <a:cs typeface="+mn-cs"/>
               </a:rPr>
-              <a:t> </a:t>
+              <a:t> of </a:t>
             </a:r>
             <a:r>
               <a:rPr lang="de-DE" sz="1400" kern="1200" dirty="0" err="1">
@@ -19036,8 +20229,122 @@
                 <a:ea typeface="+mn-ea"/>
                 <a:cs typeface="+mn-cs"/>
               </a:rPr>
-              <a:t>because</a:t>
-            </a:r>
+              <a:t>sickness</a:t>
+            </a:r>
+            <a:endParaRPr lang="en-US" sz="1400" kern="1200" dirty="0" err="1">
+              <a:solidFill>
+                <a:schemeClr val="tx1"/>
+              </a:solidFill>
+              <a:latin typeface="+mn-lt"/>
+              <a:ea typeface="+mn-ea"/>
+              <a:cs typeface="+mn-cs"/>
+            </a:endParaRPr>
+          </a:p>
+        </p:txBody>
+      </p:sp>
+      <p:sp>
+        <p:nvSpPr>
+          <p:cNvPr id="4" name="Title 1">
+            <a:extLst>
+              <a:ext uri="{FF2B5EF4-FFF2-40B4-BE49-F238E27FC236}">
+                <a16:creationId xmlns:a16="http://schemas.microsoft.com/office/drawing/2014/main" id="{0D3931E0-69C9-04F4-83F6-75158F3D8EB2}"/>
+              </a:ext>
+            </a:extLst>
+          </p:cNvPr>
+          <p:cNvSpPr txBox="1">
+            <a:spLocks/>
+          </p:cNvSpPr>
+          <p:nvPr/>
+        </p:nvSpPr>
+        <p:spPr>
+          <a:xfrm>
+            <a:off x="438104" y="2036647"/>
+            <a:ext cx="11224684" cy="400110"/>
+          </a:xfrm>
+          <a:prstGeom prst="rect">
+            <a:avLst/>
+          </a:prstGeom>
+        </p:spPr>
+        <p:txBody>
+          <a:bodyPr vert="horz" lIns="0" tIns="0" rIns="0" bIns="0" rtlCol="0" anchor="t" anchorCtr="0">
+            <a:spAutoFit/>
+          </a:bodyPr>
+          <a:lstStyle>
+            <a:lvl1pPr algn="l" defTabSz="914400" rtl="0" eaLnBrk="1" latinLnBrk="0" hangingPunct="1">
+              <a:lnSpc>
+                <a:spcPct val="100000"/>
+              </a:lnSpc>
+              <a:spcBef>
+                <a:spcPts val="0"/>
+              </a:spcBef>
+              <a:spcAft>
+                <a:spcPts val="0"/>
+              </a:spcAft>
+              <a:buNone/>
+              <a:defRPr sz="2600" b="0" kern="1200" cap="all" baseline="0">
+                <a:solidFill>
+                  <a:schemeClr val="tx2"/>
+                </a:solidFill>
+                <a:latin typeface="+mj-lt"/>
+                <a:ea typeface="+mj-ea"/>
+                <a:cs typeface="+mj-cs"/>
+              </a:defRPr>
+            </a:lvl1pPr>
+          </a:lstStyle>
+          <a:p>
+            <a:r>
+              <a:rPr lang="de-DE" dirty="0"/>
+              <a:t>Notes BA-</a:t>
+            </a:r>
+            <a:r>
+              <a:rPr lang="de-DE" dirty="0" err="1"/>
+              <a:t>Sync</a:t>
+            </a:r>
+            <a:r>
+              <a:rPr lang="de-DE" dirty="0"/>
+              <a:t> – 30.05.2024</a:t>
+            </a:r>
+            <a:endParaRPr lang="en-US" dirty="0"/>
+          </a:p>
+        </p:txBody>
+      </p:sp>
+      <p:sp>
+        <p:nvSpPr>
+          <p:cNvPr id="5" name="TextBox 4">
+            <a:extLst>
+              <a:ext uri="{FF2B5EF4-FFF2-40B4-BE49-F238E27FC236}">
+                <a16:creationId xmlns:a16="http://schemas.microsoft.com/office/drawing/2014/main" id="{C4ABD5A5-7A68-63E8-D9B7-D2735EE24FE7}"/>
+              </a:ext>
+            </a:extLst>
+          </p:cNvPr>
+          <p:cNvSpPr txBox="1"/>
+          <p:nvPr/>
+        </p:nvSpPr>
+        <p:spPr>
+          <a:xfrm>
+            <a:off x="438104" y="2767683"/>
+            <a:ext cx="11133577" cy="215444"/>
+          </a:xfrm>
+          <a:prstGeom prst="rect">
+            <a:avLst/>
+          </a:prstGeom>
+        </p:spPr>
+        <p:txBody>
+          <a:bodyPr vert="horz" wrap="square" lIns="0" tIns="0" rIns="0" bIns="0" rtlCol="0">
+            <a:spAutoFit/>
+          </a:bodyPr>
+          <a:lstStyle/>
+          <a:p>
+            <a:pPr marL="285750" marR="0" indent="-285750">
+              <a:spcBef>
+                <a:spcPts val="0"/>
+              </a:spcBef>
+              <a:spcAft>
+                <a:spcPts val="0"/>
+              </a:spcAft>
+              <a:buFont typeface="Arial" panose="020B0604020202020204" pitchFamily="34" charset="0"/>
+              <a:buChar char="•"/>
+            </a:pPr>
             <a:r>
               <a:rPr lang="de-DE" sz="1400" kern="1200" dirty="0">
                 <a:solidFill>
@@ -19047,18 +20354,7 @@
                 <a:ea typeface="+mn-ea"/>
                 <a:cs typeface="+mn-cs"/>
               </a:rPr>
-              <a:t> of </a:t>
-            </a:r>
-            <a:r>
-              <a:rPr lang="de-DE" sz="1400" kern="1200" dirty="0" err="1">
-                <a:solidFill>
-                  <a:schemeClr val="tx1"/>
-                </a:solidFill>
-                <a:latin typeface="+mn-lt"/>
-                <a:ea typeface="+mn-ea"/>
-                <a:cs typeface="+mn-cs"/>
-              </a:rPr>
-              <a:t>sickness</a:t>
+              <a:t>Holiday (Fronleichnam)</a:t>
             </a:r>
             <a:endParaRPr lang="en-US" sz="1400" kern="1200" dirty="0" err="1">
               <a:solidFill>

--- a/dokumentation_things/Roadmap Bachelor thesis.pptx
+++ b/dokumentation_things/Roadmap Bachelor thesis.pptx
@@ -5,10 +5,10 @@
     <p:sldMasterId id="2147483695" r:id="rId1"/>
   </p:sldMasterIdLst>
   <p:notesMasterIdLst>
-    <p:notesMasterId r:id="rId12"/>
+    <p:notesMasterId r:id="rId13"/>
   </p:notesMasterIdLst>
   <p:handoutMasterIdLst>
-    <p:handoutMasterId r:id="rId13"/>
+    <p:handoutMasterId r:id="rId14"/>
   </p:handoutMasterIdLst>
   <p:sldIdLst>
     <p:sldId id="369" r:id="rId2"/>
@@ -21,11 +21,12 @@
     <p:sldId id="377" r:id="rId9"/>
     <p:sldId id="378" r:id="rId10"/>
     <p:sldId id="380" r:id="rId11"/>
+    <p:sldId id="381" r:id="rId12"/>
   </p:sldIdLst>
   <p:sldSz cx="12192000" cy="6858000"/>
   <p:notesSz cx="6858000" cy="9144000"/>
   <p:custDataLst>
-    <p:tags r:id="rId14"/>
+    <p:tags r:id="rId15"/>
   </p:custDataLst>
   <p:defaultTextStyle>
     <a:defPPr>
@@ -141,6 +142,7 @@
             <p14:sldId id="377"/>
             <p14:sldId id="378"/>
             <p14:sldId id="380"/>
+            <p14:sldId id="381"/>
           </p14:sldIdLst>
         </p14:section>
       </p14:sectionLst>
@@ -793,6 +795,527 @@
     <p:extLst>
       <p:ext uri="{BB962C8B-B14F-4D97-AF65-F5344CB8AC3E}">
         <p14:creationId xmlns:p14="http://schemas.microsoft.com/office/powerpoint/2010/main" val="1010921101"/>
+      </p:ext>
+    </p:extLst>
+  </p:cSld>
+  <p:clrMapOvr>
+    <a:masterClrMapping/>
+  </p:clrMapOvr>
+</p:notes>
+</file>
+
+<file path=ppt/notesSlides/notesSlide2.xml><?xml version="1.0" encoding="utf-8"?>
+<p:notes xmlns:a="http://schemas.openxmlformats.org/drawingml/2006/main" xmlns:r="http://schemas.openxmlformats.org/officeDocument/2006/relationships" xmlns:p="http://schemas.openxmlformats.org/presentationml/2006/main">
+  <p:cSld>
+    <p:spTree>
+      <p:nvGrpSpPr>
+        <p:cNvPr id="1" name=""/>
+        <p:cNvGrpSpPr/>
+        <p:nvPr/>
+      </p:nvGrpSpPr>
+      <p:grpSpPr>
+        <a:xfrm>
+          <a:off x="0" y="0"/>
+          <a:ext cx="0" cy="0"/>
+          <a:chOff x="0" y="0"/>
+          <a:chExt cx="0" cy="0"/>
+        </a:xfrm>
+      </p:grpSpPr>
+      <p:sp>
+        <p:nvSpPr>
+          <p:cNvPr id="2" name="Slide Image Placeholder 1"/>
+          <p:cNvSpPr>
+            <a:spLocks noGrp="1" noRot="1" noChangeAspect="1"/>
+          </p:cNvSpPr>
+          <p:nvPr>
+            <p:ph type="sldImg"/>
+          </p:nvPr>
+        </p:nvSpPr>
+        <p:spPr/>
+      </p:sp>
+      <p:sp>
+        <p:nvSpPr>
+          <p:cNvPr id="3" name="Notes Placeholder 2"/>
+          <p:cNvSpPr>
+            <a:spLocks noGrp="1"/>
+          </p:cNvSpPr>
+          <p:nvPr>
+            <p:ph type="body" idx="1"/>
+          </p:nvPr>
+        </p:nvSpPr>
+        <p:spPr/>
+        <p:txBody>
+          <a:bodyPr/>
+          <a:lstStyle/>
+          <a:p>
+            <a:endParaRPr lang="en-US" dirty="0"/>
+          </a:p>
+        </p:txBody>
+      </p:sp>
+      <p:sp>
+        <p:nvSpPr>
+          <p:cNvPr id="4" name="Slide Number Placeholder 3"/>
+          <p:cNvSpPr>
+            <a:spLocks noGrp="1"/>
+          </p:cNvSpPr>
+          <p:nvPr>
+            <p:ph type="sldNum" sz="quarter" idx="5"/>
+          </p:nvPr>
+        </p:nvSpPr>
+        <p:spPr/>
+        <p:txBody>
+          <a:bodyPr/>
+          <a:lstStyle/>
+          <a:p>
+            <a:fld id="{845B7A2B-9D63-4AB1-9A7A-EE5F31796489}" type="slidenum">
+              <a:rPr lang="de-DE" smtClean="0"/>
+              <a:pPr/>
+              <a:t>4</a:t>
+            </a:fld>
+            <a:endParaRPr lang="de-DE" dirty="0"/>
+          </a:p>
+        </p:txBody>
+      </p:sp>
+    </p:spTree>
+    <p:extLst>
+      <p:ext uri="{BB962C8B-B14F-4D97-AF65-F5344CB8AC3E}">
+        <p14:creationId xmlns:p14="http://schemas.microsoft.com/office/powerpoint/2010/main" val="3326920486"/>
+      </p:ext>
+    </p:extLst>
+  </p:cSld>
+  <p:clrMapOvr>
+    <a:masterClrMapping/>
+  </p:clrMapOvr>
+</p:notes>
+</file>
+
+<file path=ppt/notesSlides/notesSlide3.xml><?xml version="1.0" encoding="utf-8"?>
+<p:notes xmlns:a="http://schemas.openxmlformats.org/drawingml/2006/main" xmlns:r="http://schemas.openxmlformats.org/officeDocument/2006/relationships" xmlns:p="http://schemas.openxmlformats.org/presentationml/2006/main">
+  <p:cSld>
+    <p:spTree>
+      <p:nvGrpSpPr>
+        <p:cNvPr id="1" name=""/>
+        <p:cNvGrpSpPr/>
+        <p:nvPr/>
+      </p:nvGrpSpPr>
+      <p:grpSpPr>
+        <a:xfrm>
+          <a:off x="0" y="0"/>
+          <a:ext cx="0" cy="0"/>
+          <a:chOff x="0" y="0"/>
+          <a:chExt cx="0" cy="0"/>
+        </a:xfrm>
+      </p:grpSpPr>
+      <p:sp>
+        <p:nvSpPr>
+          <p:cNvPr id="2" name="Slide Image Placeholder 1"/>
+          <p:cNvSpPr>
+            <a:spLocks noGrp="1" noRot="1" noChangeAspect="1"/>
+          </p:cNvSpPr>
+          <p:nvPr>
+            <p:ph type="sldImg"/>
+          </p:nvPr>
+        </p:nvSpPr>
+        <p:spPr/>
+      </p:sp>
+      <p:sp>
+        <p:nvSpPr>
+          <p:cNvPr id="3" name="Notes Placeholder 2"/>
+          <p:cNvSpPr>
+            <a:spLocks noGrp="1"/>
+          </p:cNvSpPr>
+          <p:nvPr>
+            <p:ph type="body" idx="1"/>
+          </p:nvPr>
+        </p:nvSpPr>
+        <p:spPr/>
+        <p:txBody>
+          <a:bodyPr/>
+          <a:lstStyle/>
+          <a:p>
+            <a:r>
+              <a:rPr lang="de-DE" dirty="0" err="1"/>
+              <a:t>Until</a:t>
+            </a:r>
+            <a:r>
+              <a:rPr lang="de-DE" dirty="0"/>
+              <a:t> </a:t>
+            </a:r>
+            <a:r>
+              <a:rPr lang="de-DE" dirty="0" err="1"/>
+              <a:t>next</a:t>
+            </a:r>
+            <a:r>
+              <a:rPr lang="de-DE" dirty="0"/>
+              <a:t> </a:t>
+            </a:r>
+            <a:r>
+              <a:rPr lang="de-DE" dirty="0" err="1"/>
+              <a:t>week</a:t>
+            </a:r>
+            <a:r>
+              <a:rPr lang="de-DE" dirty="0"/>
+              <a:t>:</a:t>
+            </a:r>
+          </a:p>
+          <a:p>
+            <a:endParaRPr lang="de-DE" dirty="0"/>
+          </a:p>
+          <a:p>
+            <a:r>
+              <a:rPr lang="de-DE" dirty="0"/>
+              <a:t>In </a:t>
+            </a:r>
+            <a:r>
+              <a:rPr lang="de-DE" dirty="0" err="1"/>
+              <a:t>job</a:t>
+            </a:r>
+            <a:r>
+              <a:rPr lang="de-DE" dirty="0"/>
+              <a:t> 005…., </a:t>
+            </a:r>
+            <a:r>
+              <a:rPr lang="de-DE" dirty="0" err="1"/>
+              <a:t>name</a:t>
+            </a:r>
+            <a:r>
+              <a:rPr lang="de-DE" dirty="0"/>
+              <a:t> &amp; </a:t>
+            </a:r>
+            <a:r>
+              <a:rPr lang="de-DE" dirty="0" err="1"/>
+              <a:t>unique</a:t>
+            </a:r>
+            <a:r>
+              <a:rPr lang="de-DE" dirty="0"/>
+              <a:t> </a:t>
+            </a:r>
+            <a:r>
+              <a:rPr lang="de-DE" dirty="0" err="1"/>
+              <a:t>id</a:t>
+            </a:r>
+            <a:r>
+              <a:rPr lang="de-DE" dirty="0"/>
+              <a:t> </a:t>
+            </a:r>
+            <a:r>
+              <a:rPr lang="de-DE" dirty="0" err="1"/>
+              <a:t>is</a:t>
+            </a:r>
+            <a:r>
+              <a:rPr lang="de-DE" dirty="0"/>
+              <a:t> in </a:t>
+            </a:r>
+            <a:r>
+              <a:rPr lang="de-DE" dirty="0" err="1"/>
+              <a:t>line</a:t>
+            </a:r>
+            <a:r>
+              <a:rPr lang="de-DE" dirty="0"/>
+              <a:t> 32559 (after </a:t>
+            </a:r>
+            <a:r>
+              <a:rPr lang="de-DE" dirty="0" err="1"/>
+              <a:t>the</a:t>
+            </a:r>
+            <a:r>
+              <a:rPr lang="de-DE" dirty="0"/>
+              <a:t> </a:t>
+            </a:r>
+            <a:r>
+              <a:rPr lang="de-DE" dirty="0" err="1"/>
+              <a:t>task</a:t>
+            </a:r>
+            <a:r>
+              <a:rPr lang="de-DE" dirty="0"/>
+              <a:t>, </a:t>
+            </a:r>
+            <a:r>
+              <a:rPr lang="de-DE" dirty="0" err="1"/>
+              <a:t>include</a:t>
+            </a:r>
+            <a:r>
+              <a:rPr lang="de-DE" dirty="0"/>
+              <a:t> in </a:t>
+            </a:r>
+            <a:r>
+              <a:rPr lang="de-DE" dirty="0" err="1"/>
+              <a:t>extract</a:t>
+            </a:r>
+            <a:r>
+              <a:rPr lang="de-DE" dirty="0"/>
+              <a:t> </a:t>
+            </a:r>
+            <a:r>
+              <a:rPr lang="de-DE" dirty="0" err="1"/>
+              <a:t>function</a:t>
+            </a:r>
+            <a:r>
+              <a:rPr lang="de-DE" dirty="0"/>
+              <a:t> </a:t>
+            </a:r>
+            <a:r>
+              <a:rPr lang="de-DE" dirty="0" err="1"/>
+              <a:t>as</a:t>
+            </a:r>
+            <a:r>
+              <a:rPr lang="de-DE" dirty="0"/>
+              <a:t> </a:t>
+            </a:r>
+            <a:r>
+              <a:rPr lang="de-DE" dirty="0" err="1"/>
+              <a:t>well</a:t>
+            </a:r>
+            <a:r>
+              <a:rPr lang="de-DE" dirty="0"/>
+              <a:t>) </a:t>
+            </a:r>
+          </a:p>
+          <a:p>
+            <a:r>
+              <a:rPr lang="de-DE" dirty="0"/>
+              <a:t>- </a:t>
+            </a:r>
+            <a:r>
+              <a:rPr lang="de-DE" dirty="0" err="1"/>
+              <a:t>create</a:t>
+            </a:r>
+            <a:r>
+              <a:rPr lang="de-DE" dirty="0"/>
+              <a:t> </a:t>
+            </a:r>
+            <a:r>
+              <a:rPr lang="de-DE" dirty="0" err="1"/>
+              <a:t>rough</a:t>
+            </a:r>
+            <a:r>
+              <a:rPr lang="de-DE" dirty="0"/>
+              <a:t> </a:t>
+            </a:r>
+            <a:r>
+              <a:rPr lang="de-DE" dirty="0" err="1"/>
+              <a:t>schedule</a:t>
+            </a:r>
+            <a:r>
+              <a:rPr lang="de-DE" dirty="0"/>
+              <a:t> </a:t>
+            </a:r>
+            <a:r>
+              <a:rPr lang="de-DE" dirty="0" err="1"/>
+              <a:t>until</a:t>
+            </a:r>
+            <a:r>
+              <a:rPr lang="de-DE" dirty="0"/>
+              <a:t> </a:t>
+            </a:r>
+            <a:r>
+              <a:rPr lang="de-DE" dirty="0" err="1"/>
+              <a:t>planned</a:t>
+            </a:r>
+            <a:r>
+              <a:rPr lang="de-DE" dirty="0"/>
+              <a:t> </a:t>
+            </a:r>
+            <a:r>
+              <a:rPr lang="de-DE" dirty="0" err="1"/>
+              <a:t>turned</a:t>
+            </a:r>
+            <a:r>
+              <a:rPr lang="de-DE" dirty="0"/>
+              <a:t> in date (</a:t>
+            </a:r>
+            <a:r>
+              <a:rPr lang="de-DE" dirty="0" err="1"/>
+              <a:t>backwards</a:t>
+            </a:r>
+            <a:r>
+              <a:rPr lang="de-DE" dirty="0"/>
+              <a:t> </a:t>
+            </a:r>
+            <a:r>
+              <a:rPr lang="de-DE" dirty="0" err="1"/>
+              <a:t>planning</a:t>
+            </a:r>
+            <a:r>
+              <a:rPr lang="de-DE" dirty="0"/>
+              <a:t>)</a:t>
+            </a:r>
+          </a:p>
+          <a:p>
+            <a:r>
+              <a:rPr lang="en-US" dirty="0"/>
+              <a:t>- </a:t>
+            </a:r>
+            <a:r>
+              <a:rPr lang="en-US" dirty="0" err="1"/>
+              <a:t>todo</a:t>
+            </a:r>
+            <a:r>
+              <a:rPr lang="en-US" dirty="0"/>
+              <a:t>: figure out approach for generating training data</a:t>
+            </a:r>
+          </a:p>
+          <a:p>
+            <a:r>
+              <a:rPr lang="en-US" dirty="0"/>
+              <a:t>- around 200.000 playbook error out of 1.2 errors in total over the last year</a:t>
+            </a:r>
+          </a:p>
+          <a:p>
+            <a:r>
+              <a:rPr lang="en-US" dirty="0"/>
+              <a:t>- maybe focus on getting error class first instead of specific error? </a:t>
+            </a:r>
+          </a:p>
+          <a:p>
+            <a:r>
+              <a:rPr lang="en-US" dirty="0"/>
+              <a:t>- get statistics for labeled errors (distribution, balanced vs. unbalanced, </a:t>
+            </a:r>
+            <a:r>
+              <a:rPr lang="en-US" dirty="0" err="1"/>
+              <a:t>etc</a:t>
+            </a:r>
+            <a:r>
+              <a:rPr lang="en-US" dirty="0"/>
+              <a:t>, everything else) </a:t>
+            </a:r>
+          </a:p>
+          <a:p>
+            <a:r>
+              <a:rPr lang="en-US" dirty="0"/>
+              <a:t>- Figure out strategy for labeling playbook errors(</a:t>
+            </a:r>
+            <a:r>
+              <a:rPr lang="en-US" dirty="0" err="1"/>
+              <a:t>evtl</a:t>
+            </a:r>
+            <a:r>
+              <a:rPr lang="en-US" dirty="0"/>
+              <a:t>. Ask for input in exchange session on Fridays?)</a:t>
+            </a:r>
+          </a:p>
+          <a:p>
+            <a:r>
+              <a:rPr lang="en-US" dirty="0"/>
+              <a:t>- put this pp in the teams channel </a:t>
+            </a:r>
+          </a:p>
+        </p:txBody>
+      </p:sp>
+      <p:sp>
+        <p:nvSpPr>
+          <p:cNvPr id="4" name="Slide Number Placeholder 3"/>
+          <p:cNvSpPr>
+            <a:spLocks noGrp="1"/>
+          </p:cNvSpPr>
+          <p:nvPr>
+            <p:ph type="sldNum" sz="quarter" idx="5"/>
+          </p:nvPr>
+        </p:nvSpPr>
+        <p:spPr/>
+        <p:txBody>
+          <a:bodyPr/>
+          <a:lstStyle/>
+          <a:p>
+            <a:fld id="{845B7A2B-9D63-4AB1-9A7A-EE5F31796489}" type="slidenum">
+              <a:rPr lang="de-DE" smtClean="0"/>
+              <a:pPr/>
+              <a:t>10</a:t>
+            </a:fld>
+            <a:endParaRPr lang="de-DE" dirty="0"/>
+          </a:p>
+        </p:txBody>
+      </p:sp>
+    </p:spTree>
+    <p:extLst>
+      <p:ext uri="{BB962C8B-B14F-4D97-AF65-F5344CB8AC3E}">
+        <p14:creationId xmlns:p14="http://schemas.microsoft.com/office/powerpoint/2010/main" val="1596836833"/>
+      </p:ext>
+    </p:extLst>
+  </p:cSld>
+  <p:clrMapOvr>
+    <a:masterClrMapping/>
+  </p:clrMapOvr>
+</p:notes>
+</file>
+
+<file path=ppt/notesSlides/notesSlide4.xml><?xml version="1.0" encoding="utf-8"?>
+<p:notes xmlns:a="http://schemas.openxmlformats.org/drawingml/2006/main" xmlns:r="http://schemas.openxmlformats.org/officeDocument/2006/relationships" xmlns:p="http://schemas.openxmlformats.org/presentationml/2006/main">
+  <p:cSld>
+    <p:spTree>
+      <p:nvGrpSpPr>
+        <p:cNvPr id="1" name=""/>
+        <p:cNvGrpSpPr/>
+        <p:nvPr/>
+      </p:nvGrpSpPr>
+      <p:grpSpPr>
+        <a:xfrm>
+          <a:off x="0" y="0"/>
+          <a:ext cx="0" cy="0"/>
+          <a:chOff x="0" y="0"/>
+          <a:chExt cx="0" cy="0"/>
+        </a:xfrm>
+      </p:grpSpPr>
+      <p:sp>
+        <p:nvSpPr>
+          <p:cNvPr id="2" name="Slide Image Placeholder 1"/>
+          <p:cNvSpPr>
+            <a:spLocks noGrp="1" noRot="1" noChangeAspect="1"/>
+          </p:cNvSpPr>
+          <p:nvPr>
+            <p:ph type="sldImg"/>
+          </p:nvPr>
+        </p:nvSpPr>
+        <p:spPr/>
+      </p:sp>
+      <p:sp>
+        <p:nvSpPr>
+          <p:cNvPr id="3" name="Notes Placeholder 2"/>
+          <p:cNvSpPr>
+            <a:spLocks noGrp="1"/>
+          </p:cNvSpPr>
+          <p:nvPr>
+            <p:ph type="body" idx="1"/>
+          </p:nvPr>
+        </p:nvSpPr>
+        <p:spPr/>
+        <p:txBody>
+          <a:bodyPr/>
+          <a:lstStyle/>
+          <a:p>
+            <a:endParaRPr lang="en-US" dirty="0"/>
+          </a:p>
+        </p:txBody>
+      </p:sp>
+      <p:sp>
+        <p:nvSpPr>
+          <p:cNvPr id="4" name="Slide Number Placeholder 3"/>
+          <p:cNvSpPr>
+            <a:spLocks noGrp="1"/>
+          </p:cNvSpPr>
+          <p:nvPr>
+            <p:ph type="sldNum" sz="quarter" idx="5"/>
+          </p:nvPr>
+        </p:nvSpPr>
+        <p:spPr/>
+        <p:txBody>
+          <a:bodyPr/>
+          <a:lstStyle/>
+          <a:p>
+            <a:fld id="{845B7A2B-9D63-4AB1-9A7A-EE5F31796489}" type="slidenum">
+              <a:rPr lang="de-DE" smtClean="0"/>
+              <a:pPr/>
+              <a:t>11</a:t>
+            </a:fld>
+            <a:endParaRPr lang="de-DE" dirty="0"/>
+          </a:p>
+        </p:txBody>
+      </p:sp>
+    </p:spTree>
+    <p:extLst>
+      <p:ext uri="{BB962C8B-B14F-4D97-AF65-F5344CB8AC3E}">
+        <p14:creationId xmlns:p14="http://schemas.microsoft.com/office/powerpoint/2010/main" val="373226904"/>
       </p:ext>
     </p:extLst>
   </p:cSld>
@@ -15440,7 +15963,7 @@
           <p:nvPr/>
         </p:nvPicPr>
         <p:blipFill>
-          <a:blip r:embed="rId2" cstate="print">
+          <a:blip r:embed="rId3" cstate="print">
             <a:extLst>
               <a:ext uri="{28A0092B-C50C-407E-A947-70E740481C1C}">
                 <a14:useLocalDpi xmlns:a14="http://schemas.microsoft.com/office/drawing/2010/main" val="0"/>
@@ -15597,7 +16120,7 @@
           <p:nvPr/>
         </p:nvPicPr>
         <p:blipFill>
-          <a:blip r:embed="rId3"/>
+          <a:blip r:embed="rId4"/>
           <a:stretch>
             <a:fillRect/>
           </a:stretch>
@@ -15627,7 +16150,7 @@
           <p:nvPr/>
         </p:nvPicPr>
         <p:blipFill>
-          <a:blip r:embed="rId4"/>
+          <a:blip r:embed="rId5"/>
           <a:stretch>
             <a:fillRect/>
           </a:stretch>
@@ -15646,6 +16169,138 @@
     <p:extLst>
       <p:ext uri="{BB962C8B-B14F-4D97-AF65-F5344CB8AC3E}">
         <p14:creationId xmlns:p14="http://schemas.microsoft.com/office/powerpoint/2010/main" val="1160063627"/>
+      </p:ext>
+    </p:extLst>
+  </p:cSld>
+  <p:clrMapOvr>
+    <a:masterClrMapping/>
+  </p:clrMapOvr>
+</p:sld>
+</file>
+
+<file path=ppt/slides/slide11.xml><?xml version="1.0" encoding="utf-8"?>
+<p:sld xmlns:a="http://schemas.openxmlformats.org/drawingml/2006/main" xmlns:r="http://schemas.openxmlformats.org/officeDocument/2006/relationships" xmlns:p="http://schemas.openxmlformats.org/presentationml/2006/main">
+  <p:cSld>
+    <p:spTree>
+      <p:nvGrpSpPr>
+        <p:cNvPr id="1" name=""/>
+        <p:cNvGrpSpPr/>
+        <p:nvPr/>
+      </p:nvGrpSpPr>
+      <p:grpSpPr>
+        <a:xfrm>
+          <a:off x="0" y="0"/>
+          <a:ext cx="0" cy="0"/>
+          <a:chOff x="0" y="0"/>
+          <a:chExt cx="0" cy="0"/>
+        </a:xfrm>
+      </p:grpSpPr>
+      <p:sp>
+        <p:nvSpPr>
+          <p:cNvPr id="2" name="Title 1">
+            <a:extLst>
+              <a:ext uri="{FF2B5EF4-FFF2-40B4-BE49-F238E27FC236}">
+                <a16:creationId xmlns:a16="http://schemas.microsoft.com/office/drawing/2014/main" id="{A0BCD0E7-992F-D230-BFCE-EE107DFECD6B}"/>
+              </a:ext>
+            </a:extLst>
+          </p:cNvPr>
+          <p:cNvSpPr>
+            <a:spLocks noGrp="1"/>
+          </p:cNvSpPr>
+          <p:nvPr>
+            <p:ph type="title"/>
+          </p:nvPr>
+        </p:nvSpPr>
+        <p:spPr/>
+        <p:txBody>
+          <a:bodyPr/>
+          <a:lstStyle/>
+          <a:p>
+            <a:r>
+              <a:rPr lang="de-DE" dirty="0"/>
+              <a:t>Notes BA-</a:t>
+            </a:r>
+            <a:r>
+              <a:rPr lang="de-DE" dirty="0" err="1"/>
+              <a:t>Sync</a:t>
+            </a:r>
+            <a:r>
+              <a:rPr lang="de-DE" dirty="0"/>
+              <a:t> – 13.06.2024</a:t>
+            </a:r>
+            <a:endParaRPr lang="en-US" dirty="0"/>
+          </a:p>
+        </p:txBody>
+      </p:sp>
+      <p:sp>
+        <p:nvSpPr>
+          <p:cNvPr id="4" name="TextBox 3">
+            <a:extLst>
+              <a:ext uri="{FF2B5EF4-FFF2-40B4-BE49-F238E27FC236}">
+                <a16:creationId xmlns:a16="http://schemas.microsoft.com/office/drawing/2014/main" id="{B63C4676-3485-9FE4-56D0-08DD65E49FAC}"/>
+              </a:ext>
+            </a:extLst>
+          </p:cNvPr>
+          <p:cNvSpPr txBox="1"/>
+          <p:nvPr/>
+        </p:nvSpPr>
+        <p:spPr>
+          <a:xfrm>
+            <a:off x="580054" y="747294"/>
+            <a:ext cx="4392387" cy="161583"/>
+          </a:xfrm>
+          <a:prstGeom prst="rect">
+            <a:avLst/>
+          </a:prstGeom>
+        </p:spPr>
+        <p:txBody>
+          <a:bodyPr vert="horz" wrap="square" lIns="0" tIns="0" rIns="0" bIns="0" rtlCol="0">
+            <a:spAutoFit/>
+          </a:bodyPr>
+          <a:lstStyle/>
+          <a:p>
+            <a:pPr marL="0" indent="0" algn="l" defTabSz="914400" rtl="0" eaLnBrk="1" latinLnBrk="0" hangingPunct="1">
+              <a:lnSpc>
+                <a:spcPct val="100000"/>
+              </a:lnSpc>
+              <a:spcBef>
+                <a:spcPts val="0"/>
+              </a:spcBef>
+              <a:spcAft>
+                <a:spcPts val="600"/>
+              </a:spcAft>
+              <a:buClr>
+                <a:schemeClr val="tx2"/>
+              </a:buClr>
+              <a:buFontTx/>
+              <a:buNone/>
+            </a:pPr>
+            <a:r>
+              <a:rPr lang="de-DE" sz="1050" kern="1200" dirty="0">
+                <a:solidFill>
+                  <a:schemeClr val="accent2"/>
+                </a:solidFill>
+                <a:latin typeface="+mn-lt"/>
+                <a:ea typeface="+mn-ea"/>
+                <a:cs typeface="+mn-cs"/>
+              </a:rPr>
+              <a:t>https://cc-github.bmwgroup.net/carmenwerrlein/bachelor_thesis.git </a:t>
+            </a:r>
+            <a:endParaRPr lang="en-US" sz="1050" kern="1200" dirty="0" err="1">
+              <a:solidFill>
+                <a:schemeClr val="accent2"/>
+              </a:solidFill>
+              <a:latin typeface="+mn-lt"/>
+              <a:ea typeface="+mn-ea"/>
+              <a:cs typeface="+mn-cs"/>
+            </a:endParaRPr>
+          </a:p>
+        </p:txBody>
+      </p:sp>
+    </p:spTree>
+    <p:extLst>
+      <p:ext uri="{BB962C8B-B14F-4D97-AF65-F5344CB8AC3E}">
+        <p14:creationId xmlns:p14="http://schemas.microsoft.com/office/powerpoint/2010/main" val="4002492095"/>
       </p:ext>
     </p:extLst>
   </p:cSld>

--- a/dokumentation_things/Roadmap Bachelor thesis.pptx
+++ b/dokumentation_things/Roadmap Bachelor thesis.pptx
@@ -933,273 +933,7 @@
           <a:bodyPr/>
           <a:lstStyle/>
           <a:p>
-            <a:r>
-              <a:rPr lang="de-DE" dirty="0" err="1"/>
-              <a:t>Until</a:t>
-            </a:r>
-            <a:r>
-              <a:rPr lang="de-DE" dirty="0"/>
-              <a:t> </a:t>
-            </a:r>
-            <a:r>
-              <a:rPr lang="de-DE" dirty="0" err="1"/>
-              <a:t>next</a:t>
-            </a:r>
-            <a:r>
-              <a:rPr lang="de-DE" dirty="0"/>
-              <a:t> </a:t>
-            </a:r>
-            <a:r>
-              <a:rPr lang="de-DE" dirty="0" err="1"/>
-              <a:t>week</a:t>
-            </a:r>
-            <a:r>
-              <a:rPr lang="de-DE" dirty="0"/>
-              <a:t>:</a:t>
-            </a:r>
-          </a:p>
-          <a:p>
-            <a:endParaRPr lang="de-DE" dirty="0"/>
-          </a:p>
-          <a:p>
-            <a:r>
-              <a:rPr lang="de-DE" dirty="0"/>
-              <a:t>In </a:t>
-            </a:r>
-            <a:r>
-              <a:rPr lang="de-DE" dirty="0" err="1"/>
-              <a:t>job</a:t>
-            </a:r>
-            <a:r>
-              <a:rPr lang="de-DE" dirty="0"/>
-              <a:t> 005…., </a:t>
-            </a:r>
-            <a:r>
-              <a:rPr lang="de-DE" dirty="0" err="1"/>
-              <a:t>name</a:t>
-            </a:r>
-            <a:r>
-              <a:rPr lang="de-DE" dirty="0"/>
-              <a:t> &amp; </a:t>
-            </a:r>
-            <a:r>
-              <a:rPr lang="de-DE" dirty="0" err="1"/>
-              <a:t>unique</a:t>
-            </a:r>
-            <a:r>
-              <a:rPr lang="de-DE" dirty="0"/>
-              <a:t> </a:t>
-            </a:r>
-            <a:r>
-              <a:rPr lang="de-DE" dirty="0" err="1"/>
-              <a:t>id</a:t>
-            </a:r>
-            <a:r>
-              <a:rPr lang="de-DE" dirty="0"/>
-              <a:t> </a:t>
-            </a:r>
-            <a:r>
-              <a:rPr lang="de-DE" dirty="0" err="1"/>
-              <a:t>is</a:t>
-            </a:r>
-            <a:r>
-              <a:rPr lang="de-DE" dirty="0"/>
-              <a:t> in </a:t>
-            </a:r>
-            <a:r>
-              <a:rPr lang="de-DE" dirty="0" err="1"/>
-              <a:t>line</a:t>
-            </a:r>
-            <a:r>
-              <a:rPr lang="de-DE" dirty="0"/>
-              <a:t> 32559 (after </a:t>
-            </a:r>
-            <a:r>
-              <a:rPr lang="de-DE" dirty="0" err="1"/>
-              <a:t>the</a:t>
-            </a:r>
-            <a:r>
-              <a:rPr lang="de-DE" dirty="0"/>
-              <a:t> </a:t>
-            </a:r>
-            <a:r>
-              <a:rPr lang="de-DE" dirty="0" err="1"/>
-              <a:t>task</a:t>
-            </a:r>
-            <a:r>
-              <a:rPr lang="de-DE" dirty="0"/>
-              <a:t>, </a:t>
-            </a:r>
-            <a:r>
-              <a:rPr lang="de-DE" dirty="0" err="1"/>
-              <a:t>include</a:t>
-            </a:r>
-            <a:r>
-              <a:rPr lang="de-DE" dirty="0"/>
-              <a:t> in </a:t>
-            </a:r>
-            <a:r>
-              <a:rPr lang="de-DE" dirty="0" err="1"/>
-              <a:t>extract</a:t>
-            </a:r>
-            <a:r>
-              <a:rPr lang="de-DE" dirty="0"/>
-              <a:t> </a:t>
-            </a:r>
-            <a:r>
-              <a:rPr lang="de-DE" dirty="0" err="1"/>
-              <a:t>function</a:t>
-            </a:r>
-            <a:r>
-              <a:rPr lang="de-DE" dirty="0"/>
-              <a:t> </a:t>
-            </a:r>
-            <a:r>
-              <a:rPr lang="de-DE" dirty="0" err="1"/>
-              <a:t>as</a:t>
-            </a:r>
-            <a:r>
-              <a:rPr lang="de-DE" dirty="0"/>
-              <a:t> </a:t>
-            </a:r>
-            <a:r>
-              <a:rPr lang="de-DE" dirty="0" err="1"/>
-              <a:t>well</a:t>
-            </a:r>
-            <a:r>
-              <a:rPr lang="de-DE" dirty="0"/>
-              <a:t>) </a:t>
-            </a:r>
-          </a:p>
-          <a:p>
-            <a:r>
-              <a:rPr lang="de-DE" dirty="0"/>
-              <a:t>- </a:t>
-            </a:r>
-            <a:r>
-              <a:rPr lang="de-DE" dirty="0" err="1"/>
-              <a:t>create</a:t>
-            </a:r>
-            <a:r>
-              <a:rPr lang="de-DE" dirty="0"/>
-              <a:t> </a:t>
-            </a:r>
-            <a:r>
-              <a:rPr lang="de-DE" dirty="0" err="1"/>
-              <a:t>rough</a:t>
-            </a:r>
-            <a:r>
-              <a:rPr lang="de-DE" dirty="0"/>
-              <a:t> </a:t>
-            </a:r>
-            <a:r>
-              <a:rPr lang="de-DE" dirty="0" err="1"/>
-              <a:t>schedule</a:t>
-            </a:r>
-            <a:r>
-              <a:rPr lang="de-DE" dirty="0"/>
-              <a:t> </a:t>
-            </a:r>
-            <a:r>
-              <a:rPr lang="de-DE" dirty="0" err="1"/>
-              <a:t>until</a:t>
-            </a:r>
-            <a:r>
-              <a:rPr lang="de-DE" dirty="0"/>
-              <a:t> </a:t>
-            </a:r>
-            <a:r>
-              <a:rPr lang="de-DE" dirty="0" err="1"/>
-              <a:t>planned</a:t>
-            </a:r>
-            <a:r>
-              <a:rPr lang="de-DE" dirty="0"/>
-              <a:t> </a:t>
-            </a:r>
-            <a:r>
-              <a:rPr lang="de-DE" dirty="0" err="1"/>
-              <a:t>turned</a:t>
-            </a:r>
-            <a:r>
-              <a:rPr lang="de-DE" dirty="0"/>
-              <a:t> in date (</a:t>
-            </a:r>
-            <a:r>
-              <a:rPr lang="de-DE" dirty="0" err="1"/>
-              <a:t>backwards</a:t>
-            </a:r>
-            <a:r>
-              <a:rPr lang="de-DE" dirty="0"/>
-              <a:t> </a:t>
-            </a:r>
-            <a:r>
-              <a:rPr lang="de-DE" dirty="0" err="1"/>
-              <a:t>planning</a:t>
-            </a:r>
-            <a:r>
-              <a:rPr lang="de-DE" dirty="0"/>
-              <a:t>)</a:t>
-            </a:r>
-          </a:p>
-          <a:p>
-            <a:r>
-              <a:rPr lang="en-US" dirty="0"/>
-              <a:t>- </a:t>
-            </a:r>
-            <a:r>
-              <a:rPr lang="en-US" dirty="0" err="1"/>
-              <a:t>todo</a:t>
-            </a:r>
-            <a:r>
-              <a:rPr lang="en-US" dirty="0"/>
-              <a:t>: figure out approach for generating training data</a:t>
-            </a:r>
-          </a:p>
-          <a:p>
-            <a:r>
-              <a:rPr lang="en-US" dirty="0"/>
-              <a:t>- around 200.000 playbook error out of 1.2 errors in total over the last year</a:t>
-            </a:r>
-          </a:p>
-          <a:p>
-            <a:r>
-              <a:rPr lang="en-US" dirty="0"/>
-              <a:t>- maybe focus on getting error class first instead of specific error? </a:t>
-            </a:r>
-          </a:p>
-          <a:p>
-            <a:r>
-              <a:rPr lang="en-US" dirty="0"/>
-              <a:t>- get statistics for labeled errors (distribution, balanced vs. unbalanced, </a:t>
-            </a:r>
-            <a:r>
-              <a:rPr lang="en-US" dirty="0" err="1"/>
-              <a:t>etc</a:t>
-            </a:r>
-            <a:r>
-              <a:rPr lang="en-US" dirty="0"/>
-              <a:t>, everything else) </a:t>
-            </a:r>
-          </a:p>
-          <a:p>
-            <a:r>
-              <a:rPr lang="en-US" dirty="0"/>
-              <a:t>- Figure out strategy for labeling playbook errors(</a:t>
-            </a:r>
-            <a:r>
-              <a:rPr lang="en-US" dirty="0" err="1"/>
-              <a:t>evtl</a:t>
-            </a:r>
-            <a:r>
-              <a:rPr lang="en-US" dirty="0"/>
-              <a:t>. Ask for input in exchange session on Fridays?)</a:t>
-            </a:r>
-          </a:p>
-          <a:p>
-            <a:r>
-              <a:rPr lang="en-US" dirty="0"/>
-              <a:t>- put this pp in the teams channel </a:t>
-            </a:r>
+            <a:endParaRPr lang="en-US" dirty="0"/>
           </a:p>
         </p:txBody>
       </p:sp>
@@ -16294,6 +16028,433 @@
               <a:ea typeface="+mn-ea"/>
               <a:cs typeface="+mn-cs"/>
             </a:endParaRPr>
+          </a:p>
+        </p:txBody>
+      </p:sp>
+      <p:pic>
+        <p:nvPicPr>
+          <p:cNvPr id="5" name="Picture 4">
+            <a:extLst>
+              <a:ext uri="{FF2B5EF4-FFF2-40B4-BE49-F238E27FC236}">
+                <a16:creationId xmlns:a16="http://schemas.microsoft.com/office/drawing/2014/main" id="{8D66550E-B39E-DC3F-07A7-0DFE0C96FEB9}"/>
+              </a:ext>
+            </a:extLst>
+          </p:cNvPr>
+          <p:cNvPicPr>
+            <a:picLocks noChangeAspect="1"/>
+          </p:cNvPicPr>
+          <p:nvPr/>
+        </p:nvPicPr>
+        <p:blipFill>
+          <a:blip r:embed="rId3"/>
+          <a:stretch>
+            <a:fillRect/>
+          </a:stretch>
+        </p:blipFill>
+        <p:spPr>
+          <a:xfrm>
+            <a:off x="9550960" y="268941"/>
+            <a:ext cx="2437027" cy="2541099"/>
+          </a:xfrm>
+          <a:prstGeom prst="rect">
+            <a:avLst/>
+          </a:prstGeom>
+          <a:ln>
+            <a:solidFill>
+              <a:schemeClr val="tx1"/>
+            </a:solidFill>
+          </a:ln>
+        </p:spPr>
+      </p:pic>
+      <p:sp>
+        <p:nvSpPr>
+          <p:cNvPr id="6" name="TextBox 5">
+            <a:extLst>
+              <a:ext uri="{FF2B5EF4-FFF2-40B4-BE49-F238E27FC236}">
+                <a16:creationId xmlns:a16="http://schemas.microsoft.com/office/drawing/2014/main" id="{2C544B3E-26A9-B9DC-5988-0FCC281CD9E3}"/>
+              </a:ext>
+            </a:extLst>
+          </p:cNvPr>
+          <p:cNvSpPr txBox="1"/>
+          <p:nvPr/>
+        </p:nvSpPr>
+        <p:spPr>
+          <a:xfrm>
+            <a:off x="580053" y="1029206"/>
+            <a:ext cx="10018277" cy="738664"/>
+          </a:xfrm>
+          <a:prstGeom prst="rect">
+            <a:avLst/>
+          </a:prstGeom>
+        </p:spPr>
+        <p:txBody>
+          <a:bodyPr vert="horz" wrap="square" lIns="0" tIns="0" rIns="0" bIns="0" rtlCol="0">
+            <a:spAutoFit/>
+          </a:bodyPr>
+          <a:lstStyle/>
+          <a:p>
+            <a:pPr marL="285750" marR="0" indent="-285750">
+              <a:spcBef>
+                <a:spcPts val="0"/>
+              </a:spcBef>
+              <a:spcAft>
+                <a:spcPts val="0"/>
+              </a:spcAft>
+              <a:buFont typeface="Arial" panose="020B0604020202020204" pitchFamily="34" charset="0"/>
+              <a:buChar char="•"/>
+            </a:pPr>
+            <a:r>
+              <a:rPr lang="de-DE" sz="1200" dirty="0" err="1"/>
+              <a:t>LaTex</a:t>
+            </a:r>
+            <a:r>
+              <a:rPr lang="de-DE" sz="1200" dirty="0"/>
+              <a:t> </a:t>
+            </a:r>
+            <a:r>
+              <a:rPr lang="de-DE" sz="1200" dirty="0" err="1"/>
+              <a:t>template</a:t>
+            </a:r>
+            <a:r>
+              <a:rPr lang="de-DE" sz="1200" dirty="0"/>
+              <a:t> </a:t>
+            </a:r>
+            <a:r>
+              <a:rPr lang="de-DE" sz="1200" dirty="0" err="1"/>
+              <a:t>works</a:t>
+            </a:r>
+            <a:r>
+              <a:rPr lang="de-DE" sz="1200" dirty="0"/>
+              <a:t> (</a:t>
+            </a:r>
+            <a:r>
+              <a:rPr lang="de-DE" sz="1200" dirty="0" err="1"/>
+              <a:t>mostly</a:t>
+            </a:r>
+            <a:r>
+              <a:rPr lang="de-DE" sz="1200" dirty="0"/>
+              <a:t>)</a:t>
+            </a:r>
+          </a:p>
+          <a:p>
+            <a:pPr marR="0">
+              <a:spcBef>
+                <a:spcPts val="0"/>
+              </a:spcBef>
+              <a:spcAft>
+                <a:spcPts val="0"/>
+              </a:spcAft>
+            </a:pPr>
+            <a:endParaRPr lang="de-DE" sz="1200" dirty="0"/>
+          </a:p>
+          <a:p>
+            <a:pPr marR="0">
+              <a:spcBef>
+                <a:spcPts val="0"/>
+              </a:spcBef>
+              <a:spcAft>
+                <a:spcPts val="0"/>
+              </a:spcAft>
+            </a:pPr>
+            <a:endParaRPr lang="de-DE" sz="1200" dirty="0"/>
+          </a:p>
+          <a:p>
+            <a:pPr marL="285750" marR="0" indent="-285750">
+              <a:spcBef>
+                <a:spcPts val="0"/>
+              </a:spcBef>
+              <a:spcAft>
+                <a:spcPts val="0"/>
+              </a:spcAft>
+              <a:buFont typeface="Arial" panose="020B0604020202020204" pitchFamily="34" charset="0"/>
+              <a:buChar char="•"/>
+            </a:pPr>
+            <a:endParaRPr lang="de-DE" sz="1200" kern="1200" dirty="0">
+              <a:solidFill>
+                <a:schemeClr val="tx1"/>
+              </a:solidFill>
+              <a:latin typeface="+mn-lt"/>
+              <a:ea typeface="+mn-ea"/>
+              <a:cs typeface="+mn-cs"/>
+            </a:endParaRPr>
+          </a:p>
+        </p:txBody>
+      </p:sp>
+      <p:sp>
+        <p:nvSpPr>
+          <p:cNvPr id="8" name="TextBox 7">
+            <a:extLst>
+              <a:ext uri="{FF2B5EF4-FFF2-40B4-BE49-F238E27FC236}">
+                <a16:creationId xmlns:a16="http://schemas.microsoft.com/office/drawing/2014/main" id="{A5996FBC-0107-0838-D0C6-A127A1979F71}"/>
+              </a:ext>
+            </a:extLst>
+          </p:cNvPr>
+          <p:cNvSpPr txBox="1"/>
+          <p:nvPr/>
+        </p:nvSpPr>
+        <p:spPr>
+          <a:xfrm>
+            <a:off x="488947" y="3429000"/>
+            <a:ext cx="11075524" cy="2862322"/>
+          </a:xfrm>
+          <a:prstGeom prst="rect">
+            <a:avLst/>
+          </a:prstGeom>
+          <a:noFill/>
+        </p:spPr>
+        <p:txBody>
+          <a:bodyPr wrap="square">
+            <a:spAutoFit/>
+          </a:bodyPr>
+          <a:lstStyle/>
+          <a:p>
+            <a:r>
+              <a:rPr lang="de-DE" dirty="0"/>
+              <a:t>TODOS FOR THIS:</a:t>
+            </a:r>
+          </a:p>
+          <a:p>
+            <a:endParaRPr lang="de-DE" dirty="0"/>
+          </a:p>
+          <a:p>
+            <a:r>
+              <a:rPr lang="de-DE" dirty="0"/>
+              <a:t>In </a:t>
+            </a:r>
+            <a:r>
+              <a:rPr lang="de-DE" dirty="0" err="1"/>
+              <a:t>job</a:t>
+            </a:r>
+            <a:r>
+              <a:rPr lang="de-DE" dirty="0"/>
+              <a:t> 005…., </a:t>
+            </a:r>
+            <a:r>
+              <a:rPr lang="de-DE" dirty="0" err="1"/>
+              <a:t>name</a:t>
+            </a:r>
+            <a:r>
+              <a:rPr lang="de-DE" dirty="0"/>
+              <a:t> &amp; </a:t>
+            </a:r>
+            <a:r>
+              <a:rPr lang="de-DE" dirty="0" err="1"/>
+              <a:t>unique</a:t>
+            </a:r>
+            <a:r>
+              <a:rPr lang="de-DE" dirty="0"/>
+              <a:t> </a:t>
+            </a:r>
+            <a:r>
+              <a:rPr lang="de-DE" dirty="0" err="1"/>
+              <a:t>id</a:t>
+            </a:r>
+            <a:r>
+              <a:rPr lang="de-DE" dirty="0"/>
+              <a:t> </a:t>
+            </a:r>
+            <a:r>
+              <a:rPr lang="de-DE" dirty="0" err="1"/>
+              <a:t>is</a:t>
+            </a:r>
+            <a:r>
+              <a:rPr lang="de-DE" dirty="0"/>
+              <a:t> in </a:t>
+            </a:r>
+            <a:r>
+              <a:rPr lang="de-DE" dirty="0" err="1"/>
+              <a:t>line</a:t>
+            </a:r>
+            <a:r>
+              <a:rPr lang="de-DE" dirty="0"/>
+              <a:t> 32559 (after </a:t>
+            </a:r>
+            <a:r>
+              <a:rPr lang="de-DE" dirty="0" err="1"/>
+              <a:t>the</a:t>
+            </a:r>
+            <a:r>
+              <a:rPr lang="de-DE" dirty="0"/>
+              <a:t> </a:t>
+            </a:r>
+            <a:r>
+              <a:rPr lang="de-DE" dirty="0" err="1"/>
+              <a:t>task</a:t>
+            </a:r>
+            <a:r>
+              <a:rPr lang="de-DE" dirty="0"/>
+              <a:t>, </a:t>
+            </a:r>
+            <a:r>
+              <a:rPr lang="de-DE" dirty="0" err="1"/>
+              <a:t>include</a:t>
+            </a:r>
+            <a:r>
+              <a:rPr lang="de-DE" dirty="0"/>
+              <a:t> in </a:t>
+            </a:r>
+            <a:r>
+              <a:rPr lang="de-DE" dirty="0" err="1"/>
+              <a:t>extract</a:t>
+            </a:r>
+            <a:r>
+              <a:rPr lang="de-DE" dirty="0"/>
+              <a:t> </a:t>
+            </a:r>
+            <a:r>
+              <a:rPr lang="de-DE" dirty="0" err="1"/>
+              <a:t>function</a:t>
+            </a:r>
+            <a:r>
+              <a:rPr lang="de-DE" dirty="0"/>
+              <a:t> </a:t>
+            </a:r>
+            <a:r>
+              <a:rPr lang="de-DE" dirty="0" err="1"/>
+              <a:t>as</a:t>
+            </a:r>
+            <a:r>
+              <a:rPr lang="de-DE" dirty="0"/>
+              <a:t> </a:t>
+            </a:r>
+            <a:r>
+              <a:rPr lang="de-DE" dirty="0" err="1"/>
+              <a:t>well</a:t>
+            </a:r>
+            <a:r>
+              <a:rPr lang="de-DE" dirty="0"/>
+              <a:t>) </a:t>
+            </a:r>
+          </a:p>
+          <a:p>
+            <a:r>
+              <a:rPr lang="de-DE" dirty="0"/>
+              <a:t>- </a:t>
+            </a:r>
+            <a:r>
+              <a:rPr lang="de-DE" dirty="0" err="1"/>
+              <a:t>create</a:t>
+            </a:r>
+            <a:r>
+              <a:rPr lang="de-DE" dirty="0"/>
+              <a:t> </a:t>
+            </a:r>
+            <a:r>
+              <a:rPr lang="de-DE" dirty="0" err="1"/>
+              <a:t>rough</a:t>
+            </a:r>
+            <a:r>
+              <a:rPr lang="de-DE" dirty="0"/>
+              <a:t> </a:t>
+            </a:r>
+            <a:r>
+              <a:rPr lang="de-DE" dirty="0" err="1"/>
+              <a:t>schedule</a:t>
+            </a:r>
+            <a:r>
+              <a:rPr lang="de-DE" dirty="0"/>
+              <a:t> </a:t>
+            </a:r>
+            <a:r>
+              <a:rPr lang="de-DE" dirty="0" err="1"/>
+              <a:t>until</a:t>
+            </a:r>
+            <a:r>
+              <a:rPr lang="de-DE" dirty="0"/>
+              <a:t> </a:t>
+            </a:r>
+            <a:r>
+              <a:rPr lang="de-DE" dirty="0" err="1"/>
+              <a:t>planned</a:t>
+            </a:r>
+            <a:r>
+              <a:rPr lang="de-DE" dirty="0"/>
+              <a:t> </a:t>
+            </a:r>
+            <a:r>
+              <a:rPr lang="de-DE" dirty="0" err="1"/>
+              <a:t>turned</a:t>
+            </a:r>
+            <a:r>
+              <a:rPr lang="de-DE" dirty="0"/>
+              <a:t> in date (</a:t>
+            </a:r>
+            <a:r>
+              <a:rPr lang="de-DE" dirty="0" err="1"/>
+              <a:t>backwards</a:t>
+            </a:r>
+            <a:r>
+              <a:rPr lang="de-DE" dirty="0"/>
+              <a:t> </a:t>
+            </a:r>
+            <a:r>
+              <a:rPr lang="de-DE" dirty="0" err="1"/>
+              <a:t>planning</a:t>
+            </a:r>
+            <a:r>
+              <a:rPr lang="de-DE" dirty="0"/>
+              <a:t>)</a:t>
+            </a:r>
+          </a:p>
+          <a:p>
+            <a:r>
+              <a:rPr lang="en-US" dirty="0"/>
+              <a:t>- </a:t>
+            </a:r>
+            <a:r>
+              <a:rPr lang="en-US" dirty="0" err="1"/>
+              <a:t>todo</a:t>
+            </a:r>
+            <a:r>
+              <a:rPr lang="en-US" dirty="0"/>
+              <a:t>: figure out approach for generating training data</a:t>
+            </a:r>
+          </a:p>
+          <a:p>
+            <a:r>
+              <a:rPr lang="en-US" dirty="0"/>
+              <a:t>- around 200.000 playbook error out of 1.2 errors in total over the last year</a:t>
+            </a:r>
+          </a:p>
+          <a:p>
+            <a:r>
+              <a:rPr lang="en-US" dirty="0"/>
+              <a:t>- maybe focus on getting error class first instead of specific error? </a:t>
+            </a:r>
+          </a:p>
+          <a:p>
+            <a:r>
+              <a:rPr lang="en-US" dirty="0"/>
+              <a:t>- get statistics for labeled errors (distribution, balanced vs. unbalanced, </a:t>
+            </a:r>
+            <a:r>
+              <a:rPr lang="en-US" dirty="0" err="1"/>
+              <a:t>etc</a:t>
+            </a:r>
+            <a:r>
+              <a:rPr lang="en-US" dirty="0"/>
+              <a:t>, everything else) </a:t>
+            </a:r>
+          </a:p>
+          <a:p>
+            <a:r>
+              <a:rPr lang="en-US" dirty="0"/>
+              <a:t>- Figure out strategy for labeling playbook errors(</a:t>
+            </a:r>
+            <a:r>
+              <a:rPr lang="en-US" dirty="0" err="1"/>
+              <a:t>evtl</a:t>
+            </a:r>
+            <a:r>
+              <a:rPr lang="en-US" dirty="0"/>
+              <a:t>. Ask for input in exchange session on Fridays?)</a:t>
+            </a:r>
+          </a:p>
+          <a:p>
+            <a:r>
+              <a:rPr lang="en-US" dirty="0"/>
+              <a:t>- put this pp in the teams channel </a:t>
+            </a:r>
           </a:p>
         </p:txBody>
       </p:sp>

--- a/dokumentation_things/Roadmap Bachelor thesis.pptx
+++ b/dokumentation_things/Roadmap Bachelor thesis.pptx
@@ -5,10 +5,10 @@
     <p:sldMasterId id="2147483695" r:id="rId1"/>
   </p:sldMasterIdLst>
   <p:notesMasterIdLst>
-    <p:notesMasterId r:id="rId13"/>
+    <p:notesMasterId r:id="rId15"/>
   </p:notesMasterIdLst>
   <p:handoutMasterIdLst>
-    <p:handoutMasterId r:id="rId14"/>
+    <p:handoutMasterId r:id="rId16"/>
   </p:handoutMasterIdLst>
   <p:sldIdLst>
     <p:sldId id="369" r:id="rId2"/>
@@ -22,11 +22,13 @@
     <p:sldId id="378" r:id="rId10"/>
     <p:sldId id="380" r:id="rId11"/>
     <p:sldId id="381" r:id="rId12"/>
+    <p:sldId id="382" r:id="rId13"/>
+    <p:sldId id="383" r:id="rId14"/>
   </p:sldIdLst>
   <p:sldSz cx="12192000" cy="6858000"/>
   <p:notesSz cx="6858000" cy="9144000"/>
   <p:custDataLst>
-    <p:tags r:id="rId15"/>
+    <p:tags r:id="rId17"/>
   </p:custDataLst>
   <p:defaultTextStyle>
     <a:defPPr>
@@ -143,6 +145,8 @@
             <p14:sldId id="378"/>
             <p14:sldId id="380"/>
             <p14:sldId id="381"/>
+            <p14:sldId id="382"/>
+            <p14:sldId id="383"/>
           </p14:sldIdLst>
         </p14:section>
       </p14:sectionLst>
@@ -269,7 +273,7 @@
               <a:rPr lang="de-DE" smtClean="0">
                 <a:latin typeface="BMWGroupTN Condensed" pitchFamily="50" charset="0"/>
               </a:rPr>
-              <a:t>06.06.2024</a:t>
+              <a:t>12.06.2024</a:t>
             </a:fld>
             <a:endParaRPr lang="de-DE" dirty="0">
               <a:latin typeface="BMWGroupTN Condensed" pitchFamily="50" charset="0"/>
@@ -447,7 +451,7 @@
             <a:fld id="{C9ACC0F7-209C-4EE4-A1D5-BFF0CBCA9BC3}" type="datetimeFigureOut">
               <a:rPr lang="de-DE" smtClean="0"/>
               <a:pPr/>
-              <a:t>06.06.2024</a:t>
+              <a:t>12.06.2024</a:t>
             </a:fld>
             <a:endParaRPr lang="de-DE" dirty="0"/>
           </a:p>
@@ -1050,6 +1054,176 @@
     <p:extLst>
       <p:ext uri="{BB962C8B-B14F-4D97-AF65-F5344CB8AC3E}">
         <p14:creationId xmlns:p14="http://schemas.microsoft.com/office/powerpoint/2010/main" val="373226904"/>
+      </p:ext>
+    </p:extLst>
+  </p:cSld>
+  <p:clrMapOvr>
+    <a:masterClrMapping/>
+  </p:clrMapOvr>
+</p:notes>
+</file>
+
+<file path=ppt/notesSlides/notesSlide5.xml><?xml version="1.0" encoding="utf-8"?>
+<p:notes xmlns:a="http://schemas.openxmlformats.org/drawingml/2006/main" xmlns:r="http://schemas.openxmlformats.org/officeDocument/2006/relationships" xmlns:p="http://schemas.openxmlformats.org/presentationml/2006/main">
+  <p:cSld>
+    <p:spTree>
+      <p:nvGrpSpPr>
+        <p:cNvPr id="1" name=""/>
+        <p:cNvGrpSpPr/>
+        <p:nvPr/>
+      </p:nvGrpSpPr>
+      <p:grpSpPr>
+        <a:xfrm>
+          <a:off x="0" y="0"/>
+          <a:ext cx="0" cy="0"/>
+          <a:chOff x="0" y="0"/>
+          <a:chExt cx="0" cy="0"/>
+        </a:xfrm>
+      </p:grpSpPr>
+      <p:sp>
+        <p:nvSpPr>
+          <p:cNvPr id="2" name="Slide Image Placeholder 1"/>
+          <p:cNvSpPr>
+            <a:spLocks noGrp="1" noRot="1" noChangeAspect="1"/>
+          </p:cNvSpPr>
+          <p:nvPr>
+            <p:ph type="sldImg"/>
+          </p:nvPr>
+        </p:nvSpPr>
+        <p:spPr/>
+      </p:sp>
+      <p:sp>
+        <p:nvSpPr>
+          <p:cNvPr id="3" name="Notes Placeholder 2"/>
+          <p:cNvSpPr>
+            <a:spLocks noGrp="1"/>
+          </p:cNvSpPr>
+          <p:nvPr>
+            <p:ph type="body" idx="1"/>
+          </p:nvPr>
+        </p:nvSpPr>
+        <p:spPr/>
+        <p:txBody>
+          <a:bodyPr/>
+          <a:lstStyle/>
+          <a:p>
+            <a:endParaRPr lang="en-US" dirty="0"/>
+          </a:p>
+        </p:txBody>
+      </p:sp>
+      <p:sp>
+        <p:nvSpPr>
+          <p:cNvPr id="4" name="Slide Number Placeholder 3"/>
+          <p:cNvSpPr>
+            <a:spLocks noGrp="1"/>
+          </p:cNvSpPr>
+          <p:nvPr>
+            <p:ph type="sldNum" sz="quarter" idx="5"/>
+          </p:nvPr>
+        </p:nvSpPr>
+        <p:spPr/>
+        <p:txBody>
+          <a:bodyPr/>
+          <a:lstStyle/>
+          <a:p>
+            <a:fld id="{845B7A2B-9D63-4AB1-9A7A-EE5F31796489}" type="slidenum">
+              <a:rPr lang="de-DE" smtClean="0"/>
+              <a:pPr/>
+              <a:t>12</a:t>
+            </a:fld>
+            <a:endParaRPr lang="de-DE" dirty="0"/>
+          </a:p>
+        </p:txBody>
+      </p:sp>
+    </p:spTree>
+    <p:extLst>
+      <p:ext uri="{BB962C8B-B14F-4D97-AF65-F5344CB8AC3E}">
+        <p14:creationId xmlns:p14="http://schemas.microsoft.com/office/powerpoint/2010/main" val="1188013708"/>
+      </p:ext>
+    </p:extLst>
+  </p:cSld>
+  <p:clrMapOvr>
+    <a:masterClrMapping/>
+  </p:clrMapOvr>
+</p:notes>
+</file>
+
+<file path=ppt/notesSlides/notesSlide6.xml><?xml version="1.0" encoding="utf-8"?>
+<p:notes xmlns:a="http://schemas.openxmlformats.org/drawingml/2006/main" xmlns:r="http://schemas.openxmlformats.org/officeDocument/2006/relationships" xmlns:p="http://schemas.openxmlformats.org/presentationml/2006/main">
+  <p:cSld>
+    <p:spTree>
+      <p:nvGrpSpPr>
+        <p:cNvPr id="1" name=""/>
+        <p:cNvGrpSpPr/>
+        <p:nvPr/>
+      </p:nvGrpSpPr>
+      <p:grpSpPr>
+        <a:xfrm>
+          <a:off x="0" y="0"/>
+          <a:ext cx="0" cy="0"/>
+          <a:chOff x="0" y="0"/>
+          <a:chExt cx="0" cy="0"/>
+        </a:xfrm>
+      </p:grpSpPr>
+      <p:sp>
+        <p:nvSpPr>
+          <p:cNvPr id="2" name="Slide Image Placeholder 1"/>
+          <p:cNvSpPr>
+            <a:spLocks noGrp="1" noRot="1" noChangeAspect="1"/>
+          </p:cNvSpPr>
+          <p:nvPr>
+            <p:ph type="sldImg"/>
+          </p:nvPr>
+        </p:nvSpPr>
+        <p:spPr/>
+      </p:sp>
+      <p:sp>
+        <p:nvSpPr>
+          <p:cNvPr id="3" name="Notes Placeholder 2"/>
+          <p:cNvSpPr>
+            <a:spLocks noGrp="1"/>
+          </p:cNvSpPr>
+          <p:nvPr>
+            <p:ph type="body" idx="1"/>
+          </p:nvPr>
+        </p:nvSpPr>
+        <p:spPr/>
+        <p:txBody>
+          <a:bodyPr/>
+          <a:lstStyle/>
+          <a:p>
+            <a:endParaRPr lang="en-US" dirty="0"/>
+          </a:p>
+        </p:txBody>
+      </p:sp>
+      <p:sp>
+        <p:nvSpPr>
+          <p:cNvPr id="4" name="Slide Number Placeholder 3"/>
+          <p:cNvSpPr>
+            <a:spLocks noGrp="1"/>
+          </p:cNvSpPr>
+          <p:nvPr>
+            <p:ph type="sldNum" sz="quarter" idx="5"/>
+          </p:nvPr>
+        </p:nvSpPr>
+        <p:spPr/>
+        <p:txBody>
+          <a:bodyPr/>
+          <a:lstStyle/>
+          <a:p>
+            <a:fld id="{845B7A2B-9D63-4AB1-9A7A-EE5F31796489}" type="slidenum">
+              <a:rPr lang="de-DE" smtClean="0"/>
+              <a:pPr/>
+              <a:t>13</a:t>
+            </a:fld>
+            <a:endParaRPr lang="de-DE" dirty="0"/>
+          </a:p>
+        </p:txBody>
+      </p:sp>
+    </p:spTree>
+    <p:extLst>
+      <p:ext uri="{BB962C8B-B14F-4D97-AF65-F5344CB8AC3E}">
+        <p14:creationId xmlns:p14="http://schemas.microsoft.com/office/powerpoint/2010/main" val="2121291010"/>
       </p:ext>
     </p:extLst>
   </p:cSld>
@@ -16031,12 +16205,487 @@
           </a:p>
         </p:txBody>
       </p:sp>
+      <p:sp>
+        <p:nvSpPr>
+          <p:cNvPr id="8" name="TextBox 7">
+            <a:extLst>
+              <a:ext uri="{FF2B5EF4-FFF2-40B4-BE49-F238E27FC236}">
+                <a16:creationId xmlns:a16="http://schemas.microsoft.com/office/drawing/2014/main" id="{A5996FBC-0107-0838-D0C6-A127A1979F71}"/>
+              </a:ext>
+            </a:extLst>
+          </p:cNvPr>
+          <p:cNvSpPr txBox="1"/>
+          <p:nvPr/>
+        </p:nvSpPr>
+        <p:spPr>
+          <a:xfrm>
+            <a:off x="488947" y="1324227"/>
+            <a:ext cx="11075524" cy="5078313"/>
+          </a:xfrm>
+          <a:prstGeom prst="rect">
+            <a:avLst/>
+          </a:prstGeom>
+          <a:noFill/>
+        </p:spPr>
+        <p:txBody>
+          <a:bodyPr wrap="square">
+            <a:spAutoFit/>
+          </a:bodyPr>
+          <a:lstStyle/>
+          <a:p>
+            <a:r>
+              <a:rPr lang="de-DE" dirty="0"/>
+              <a:t>PROGRESS:</a:t>
+            </a:r>
+          </a:p>
+          <a:p>
+            <a:endParaRPr lang="de-DE" dirty="0"/>
+          </a:p>
+          <a:p>
+            <a:pPr marL="285750" marR="0" indent="-285750">
+              <a:spcBef>
+                <a:spcPts val="0"/>
+              </a:spcBef>
+              <a:spcAft>
+                <a:spcPts val="0"/>
+              </a:spcAft>
+              <a:buFont typeface="Arial" panose="020B0604020202020204" pitchFamily="34" charset="0"/>
+              <a:buChar char="•"/>
+            </a:pPr>
+            <a:r>
+              <a:rPr lang="de-DE" sz="1800" dirty="0" err="1"/>
+              <a:t>LaTex</a:t>
+            </a:r>
+            <a:r>
+              <a:rPr lang="de-DE" sz="1800" dirty="0"/>
+              <a:t> </a:t>
+            </a:r>
+            <a:r>
+              <a:rPr lang="de-DE" sz="1800" dirty="0" err="1"/>
+              <a:t>template</a:t>
+            </a:r>
+            <a:r>
+              <a:rPr lang="de-DE" sz="1800" dirty="0"/>
+              <a:t> </a:t>
+            </a:r>
+            <a:r>
+              <a:rPr lang="de-DE" sz="1800" dirty="0" err="1"/>
+              <a:t>works</a:t>
+            </a:r>
+            <a:r>
+              <a:rPr lang="de-DE" sz="1800" dirty="0"/>
+              <a:t> (</a:t>
+            </a:r>
+            <a:r>
+              <a:rPr lang="de-DE" sz="1800" dirty="0" err="1"/>
+              <a:t>mostly</a:t>
+            </a:r>
+            <a:r>
+              <a:rPr lang="de-DE" sz="1800" dirty="0"/>
+              <a:t>)</a:t>
+            </a:r>
+          </a:p>
+          <a:p>
+            <a:pPr marL="285750" marR="0" indent="-285750">
+              <a:spcBef>
+                <a:spcPts val="0"/>
+              </a:spcBef>
+              <a:spcAft>
+                <a:spcPts val="0"/>
+              </a:spcAft>
+              <a:buFont typeface="Arial" panose="020B0604020202020204" pitchFamily="34" charset="0"/>
+              <a:buChar char="•"/>
+            </a:pPr>
+            <a:r>
+              <a:rPr lang="de-DE" sz="1800" dirty="0"/>
+              <a:t>Slides </a:t>
+            </a:r>
+            <a:r>
+              <a:rPr lang="de-DE" sz="1800" dirty="0" err="1"/>
+              <a:t>can</a:t>
+            </a:r>
+            <a:r>
+              <a:rPr lang="de-DE" sz="1800" dirty="0"/>
+              <a:t> </a:t>
+            </a:r>
+            <a:r>
+              <a:rPr lang="de-DE" sz="1800" dirty="0" err="1"/>
+              <a:t>be</a:t>
+            </a:r>
+            <a:r>
+              <a:rPr lang="de-DE" sz="1800" dirty="0"/>
+              <a:t> </a:t>
+            </a:r>
+            <a:r>
+              <a:rPr lang="de-DE" sz="1800" dirty="0" err="1"/>
+              <a:t>found</a:t>
+            </a:r>
+            <a:r>
+              <a:rPr lang="de-DE" sz="1800" dirty="0"/>
+              <a:t> in AI-Squad-Channel</a:t>
+            </a:r>
+          </a:p>
+          <a:p>
+            <a:pPr marL="285750" marR="0" indent="-285750">
+              <a:spcBef>
+                <a:spcPts val="0"/>
+              </a:spcBef>
+              <a:spcAft>
+                <a:spcPts val="0"/>
+              </a:spcAft>
+              <a:buFont typeface="Arial" panose="020B0604020202020204" pitchFamily="34" charset="0"/>
+              <a:buChar char="•"/>
+            </a:pPr>
+            <a:r>
+              <a:rPr lang="de-DE" dirty="0"/>
+              <a:t>Supervisor </a:t>
+            </a:r>
+            <a:r>
+              <a:rPr lang="de-DE" dirty="0" err="1"/>
+              <a:t>from</a:t>
+            </a:r>
+            <a:r>
+              <a:rPr lang="de-DE" dirty="0"/>
+              <a:t> University </a:t>
+            </a:r>
+            <a:r>
+              <a:rPr lang="de-DE" dirty="0" err="1"/>
+              <a:t>found</a:t>
+            </a:r>
+            <a:r>
+              <a:rPr lang="de-DE" dirty="0"/>
+              <a:t> ( Prof. Dr. Robert Hable)! </a:t>
+            </a:r>
+          </a:p>
+          <a:p>
+            <a:pPr marL="742950" lvl="1" indent="-285750">
+              <a:buFont typeface="Arial" panose="020B0604020202020204" pitchFamily="34" charset="0"/>
+              <a:buChar char="•"/>
+            </a:pPr>
+            <a:r>
+              <a:rPr lang="de-DE" dirty="0" err="1"/>
+              <a:t>Refine</a:t>
+            </a:r>
+            <a:r>
+              <a:rPr lang="de-DE" dirty="0"/>
+              <a:t> Working title</a:t>
+            </a:r>
+          </a:p>
+          <a:p>
+            <a:pPr marL="742950" lvl="1" indent="-285750">
+              <a:buFont typeface="Arial" panose="020B0604020202020204" pitchFamily="34" charset="0"/>
+              <a:buChar char="•"/>
+            </a:pPr>
+            <a:r>
+              <a:rPr lang="de-DE" dirty="0"/>
+              <a:t>Slides </a:t>
+            </a:r>
+            <a:r>
+              <a:rPr lang="de-DE" dirty="0" err="1"/>
+              <a:t>for</a:t>
+            </a:r>
+            <a:r>
+              <a:rPr lang="de-DE" dirty="0"/>
+              <a:t> </a:t>
+            </a:r>
+            <a:r>
+              <a:rPr lang="de-DE" dirty="0" err="1"/>
+              <a:t>Presentation</a:t>
+            </a:r>
+            <a:endParaRPr lang="de-DE" dirty="0"/>
+          </a:p>
+          <a:p>
+            <a:pPr marL="742950" lvl="1" indent="-285750">
+              <a:buFont typeface="Arial" panose="020B0604020202020204" pitchFamily="34" charset="0"/>
+              <a:buChar char="•"/>
+            </a:pPr>
+            <a:r>
+              <a:rPr lang="de-DE" dirty="0" err="1"/>
+              <a:t>Sync</a:t>
+            </a:r>
+            <a:r>
+              <a:rPr lang="de-DE" dirty="0"/>
+              <a:t>/</a:t>
+            </a:r>
+            <a:r>
+              <a:rPr lang="de-DE" dirty="0" err="1"/>
+              <a:t>Intruduction</a:t>
+            </a:r>
+            <a:r>
+              <a:rPr lang="de-DE" dirty="0"/>
+              <a:t> </a:t>
+            </a:r>
+            <a:r>
+              <a:rPr lang="de-DE" dirty="0" err="1"/>
+              <a:t>with</a:t>
+            </a:r>
+            <a:r>
+              <a:rPr lang="de-DE" dirty="0"/>
+              <a:t> Sandra, Simon, Alex + Hable ( </a:t>
+            </a:r>
+            <a:r>
+              <a:rPr lang="de-DE" dirty="0" err="1"/>
+              <a:t>If</a:t>
+            </a:r>
+            <a:r>
+              <a:rPr lang="de-DE" dirty="0"/>
+              <a:t> </a:t>
+            </a:r>
+            <a:r>
+              <a:rPr lang="de-DE" dirty="0" err="1"/>
+              <a:t>needed</a:t>
+            </a:r>
+            <a:r>
+              <a:rPr lang="de-DE" dirty="0"/>
+              <a:t>) </a:t>
+            </a:r>
+          </a:p>
+          <a:p>
+            <a:endParaRPr lang="de-DE" dirty="0"/>
+          </a:p>
+          <a:p>
+            <a:r>
+              <a:rPr lang="de-DE" dirty="0"/>
+              <a:t>OPEN TODOS:</a:t>
+            </a:r>
+          </a:p>
+          <a:p>
+            <a:endParaRPr lang="de-DE" dirty="0"/>
+          </a:p>
+          <a:p>
+            <a:r>
+              <a:rPr lang="de-DE" dirty="0"/>
+              <a:t>- In </a:t>
+            </a:r>
+            <a:r>
+              <a:rPr lang="de-DE" dirty="0" err="1"/>
+              <a:t>job</a:t>
+            </a:r>
+            <a:r>
+              <a:rPr lang="de-DE" dirty="0"/>
+              <a:t> 005…., </a:t>
+            </a:r>
+            <a:r>
+              <a:rPr lang="de-DE" dirty="0" err="1"/>
+              <a:t>name</a:t>
+            </a:r>
+            <a:r>
+              <a:rPr lang="de-DE" dirty="0"/>
+              <a:t> &amp; </a:t>
+            </a:r>
+            <a:r>
+              <a:rPr lang="de-DE" dirty="0" err="1"/>
+              <a:t>unique</a:t>
+            </a:r>
+            <a:r>
+              <a:rPr lang="de-DE" dirty="0"/>
+              <a:t> </a:t>
+            </a:r>
+            <a:r>
+              <a:rPr lang="de-DE" dirty="0" err="1"/>
+              <a:t>id</a:t>
+            </a:r>
+            <a:r>
+              <a:rPr lang="de-DE" dirty="0"/>
+              <a:t> </a:t>
+            </a:r>
+            <a:r>
+              <a:rPr lang="de-DE" dirty="0" err="1"/>
+              <a:t>is</a:t>
+            </a:r>
+            <a:r>
+              <a:rPr lang="de-DE" dirty="0"/>
+              <a:t> in </a:t>
+            </a:r>
+            <a:r>
+              <a:rPr lang="de-DE" dirty="0" err="1"/>
+              <a:t>line</a:t>
+            </a:r>
+            <a:r>
+              <a:rPr lang="de-DE" dirty="0"/>
+              <a:t> 32559 (after </a:t>
+            </a:r>
+            <a:r>
+              <a:rPr lang="de-DE" dirty="0" err="1"/>
+              <a:t>the</a:t>
+            </a:r>
+            <a:r>
+              <a:rPr lang="de-DE" dirty="0"/>
+              <a:t> </a:t>
+            </a:r>
+            <a:r>
+              <a:rPr lang="de-DE" dirty="0" err="1"/>
+              <a:t>task</a:t>
+            </a:r>
+            <a:r>
+              <a:rPr lang="de-DE" dirty="0"/>
+              <a:t>, </a:t>
+            </a:r>
+            <a:r>
+              <a:rPr lang="de-DE" dirty="0" err="1"/>
+              <a:t>include</a:t>
+            </a:r>
+            <a:r>
+              <a:rPr lang="de-DE" dirty="0"/>
+              <a:t> in </a:t>
+            </a:r>
+            <a:r>
+              <a:rPr lang="de-DE" dirty="0" err="1"/>
+              <a:t>extract</a:t>
+            </a:r>
+            <a:r>
+              <a:rPr lang="de-DE" dirty="0"/>
+              <a:t> </a:t>
+            </a:r>
+            <a:r>
+              <a:rPr lang="de-DE" dirty="0" err="1"/>
+              <a:t>function</a:t>
+            </a:r>
+            <a:r>
+              <a:rPr lang="de-DE" dirty="0"/>
+              <a:t> </a:t>
+            </a:r>
+            <a:r>
+              <a:rPr lang="de-DE" dirty="0" err="1"/>
+              <a:t>as</a:t>
+            </a:r>
+            <a:r>
+              <a:rPr lang="de-DE" dirty="0"/>
+              <a:t> </a:t>
+            </a:r>
+            <a:r>
+              <a:rPr lang="de-DE" dirty="0" err="1"/>
+              <a:t>well</a:t>
+            </a:r>
+            <a:r>
+              <a:rPr lang="de-DE" dirty="0"/>
+              <a:t>) </a:t>
+            </a:r>
+          </a:p>
+          <a:p>
+            <a:r>
+              <a:rPr lang="de-DE" dirty="0"/>
+              <a:t>- </a:t>
+            </a:r>
+            <a:r>
+              <a:rPr lang="de-DE" dirty="0" err="1"/>
+              <a:t>create</a:t>
+            </a:r>
+            <a:r>
+              <a:rPr lang="de-DE" dirty="0"/>
+              <a:t> </a:t>
+            </a:r>
+            <a:r>
+              <a:rPr lang="de-DE" dirty="0" err="1"/>
+              <a:t>rough</a:t>
+            </a:r>
+            <a:r>
+              <a:rPr lang="de-DE" dirty="0"/>
+              <a:t> </a:t>
+            </a:r>
+            <a:r>
+              <a:rPr lang="de-DE" dirty="0" err="1"/>
+              <a:t>schedule</a:t>
+            </a:r>
+            <a:r>
+              <a:rPr lang="de-DE" dirty="0"/>
+              <a:t> </a:t>
+            </a:r>
+            <a:r>
+              <a:rPr lang="de-DE" dirty="0" err="1"/>
+              <a:t>until</a:t>
+            </a:r>
+            <a:r>
+              <a:rPr lang="de-DE" dirty="0"/>
+              <a:t> </a:t>
+            </a:r>
+            <a:r>
+              <a:rPr lang="de-DE" dirty="0" err="1"/>
+              <a:t>planned</a:t>
+            </a:r>
+            <a:r>
+              <a:rPr lang="de-DE" dirty="0"/>
+              <a:t> </a:t>
+            </a:r>
+            <a:r>
+              <a:rPr lang="de-DE" dirty="0" err="1"/>
+              <a:t>turned</a:t>
+            </a:r>
+            <a:r>
+              <a:rPr lang="de-DE" dirty="0"/>
+              <a:t> in date (</a:t>
+            </a:r>
+            <a:r>
+              <a:rPr lang="de-DE" dirty="0" err="1"/>
+              <a:t>backwards</a:t>
+            </a:r>
+            <a:r>
+              <a:rPr lang="de-DE" dirty="0"/>
+              <a:t> </a:t>
+            </a:r>
+            <a:r>
+              <a:rPr lang="de-DE" dirty="0" err="1"/>
+              <a:t>planning</a:t>
+            </a:r>
+            <a:r>
+              <a:rPr lang="de-DE" dirty="0"/>
+              <a:t>)</a:t>
+            </a:r>
+          </a:p>
+          <a:p>
+            <a:r>
+              <a:rPr lang="en-US" dirty="0"/>
+              <a:t>- figure out approach for generating training data</a:t>
+            </a:r>
+          </a:p>
+          <a:p>
+            <a:r>
+              <a:rPr lang="en-US" dirty="0"/>
+              <a:t>- around 200.000 playbook error out of 1.2 errors in total over the last year ( ~16%)</a:t>
+            </a:r>
+          </a:p>
+          <a:p>
+            <a:r>
+              <a:rPr lang="en-US" dirty="0"/>
+              <a:t>- maybe focus on getting error class first instead of specific error? </a:t>
+            </a:r>
+          </a:p>
+          <a:p>
+            <a:r>
+              <a:rPr lang="en-US" dirty="0"/>
+              <a:t>- get statistics for labeled errors (distribution, balanced vs. unbalanced, </a:t>
+            </a:r>
+            <a:r>
+              <a:rPr lang="en-US" dirty="0" err="1"/>
+              <a:t>etc</a:t>
+            </a:r>
+            <a:r>
+              <a:rPr lang="en-US" dirty="0"/>
+              <a:t>, everything else) </a:t>
+            </a:r>
+          </a:p>
+          <a:p>
+            <a:r>
+              <a:rPr lang="en-US" dirty="0"/>
+              <a:t>- Figure out strategy for labeling playbook errors(</a:t>
+            </a:r>
+            <a:r>
+              <a:rPr lang="en-US" dirty="0" err="1"/>
+              <a:t>evtl</a:t>
+            </a:r>
+            <a:r>
+              <a:rPr lang="en-US" dirty="0"/>
+              <a:t>. Ask for input in exchange session on Fridays?</a:t>
+            </a:r>
+          </a:p>
+        </p:txBody>
+      </p:sp>
       <p:pic>
         <p:nvPicPr>
-          <p:cNvPr id="5" name="Picture 4">
+          <p:cNvPr id="3" name="Picture 2">
             <a:extLst>
               <a:ext uri="{FF2B5EF4-FFF2-40B4-BE49-F238E27FC236}">
-                <a16:creationId xmlns:a16="http://schemas.microsoft.com/office/drawing/2014/main" id="{8D66550E-B39E-DC3F-07A7-0DFE0C96FEB9}"/>
+                <a16:creationId xmlns:a16="http://schemas.microsoft.com/office/drawing/2014/main" id="{3319116D-6C6B-F868-1B7B-AF41868F42BA}"/>
               </a:ext>
             </a:extLst>
           </p:cNvPr>
@@ -16053,8 +16702,8 @@
         </p:blipFill>
         <p:spPr>
           <a:xfrm>
-            <a:off x="9550960" y="268941"/>
-            <a:ext cx="2437027" cy="2541099"/>
+            <a:off x="8349177" y="0"/>
+            <a:ext cx="3842823" cy="4006929"/>
           </a:xfrm>
           <a:prstGeom prst="rect">
             <a:avLst/>
@@ -16066,12 +16715,79 @@
           </a:ln>
         </p:spPr>
       </p:pic>
+    </p:spTree>
+    <p:extLst>
+      <p:ext uri="{BB962C8B-B14F-4D97-AF65-F5344CB8AC3E}">
+        <p14:creationId xmlns:p14="http://schemas.microsoft.com/office/powerpoint/2010/main" val="4002492095"/>
+      </p:ext>
+    </p:extLst>
+  </p:cSld>
+  <p:clrMapOvr>
+    <a:masterClrMapping/>
+  </p:clrMapOvr>
+</p:sld>
+</file>
+
+<file path=ppt/slides/slide12.xml><?xml version="1.0" encoding="utf-8"?>
+<p:sld xmlns:a="http://schemas.openxmlformats.org/drawingml/2006/main" xmlns:r="http://schemas.openxmlformats.org/officeDocument/2006/relationships" xmlns:p="http://schemas.openxmlformats.org/presentationml/2006/main">
+  <p:cSld>
+    <p:spTree>
+      <p:nvGrpSpPr>
+        <p:cNvPr id="1" name=""/>
+        <p:cNvGrpSpPr/>
+        <p:nvPr/>
+      </p:nvGrpSpPr>
+      <p:grpSpPr>
+        <a:xfrm>
+          <a:off x="0" y="0"/>
+          <a:ext cx="0" cy="0"/>
+          <a:chOff x="0" y="0"/>
+          <a:chExt cx="0" cy="0"/>
+        </a:xfrm>
+      </p:grpSpPr>
       <p:sp>
         <p:nvSpPr>
-          <p:cNvPr id="6" name="TextBox 5">
+          <p:cNvPr id="2" name="Title 1">
             <a:extLst>
               <a:ext uri="{FF2B5EF4-FFF2-40B4-BE49-F238E27FC236}">
-                <a16:creationId xmlns:a16="http://schemas.microsoft.com/office/drawing/2014/main" id="{2C544B3E-26A9-B9DC-5988-0FCC281CD9E3}"/>
+                <a16:creationId xmlns:a16="http://schemas.microsoft.com/office/drawing/2014/main" id="{A0BCD0E7-992F-D230-BFCE-EE107DFECD6B}"/>
+              </a:ext>
+            </a:extLst>
+          </p:cNvPr>
+          <p:cNvSpPr>
+            <a:spLocks noGrp="1"/>
+          </p:cNvSpPr>
+          <p:nvPr>
+            <p:ph type="title"/>
+          </p:nvPr>
+        </p:nvSpPr>
+        <p:spPr/>
+        <p:txBody>
+          <a:bodyPr/>
+          <a:lstStyle/>
+          <a:p>
+            <a:r>
+              <a:rPr lang="de-DE" dirty="0"/>
+              <a:t>Notes BA-</a:t>
+            </a:r>
+            <a:r>
+              <a:rPr lang="de-DE" dirty="0" err="1"/>
+              <a:t>Sync</a:t>
+            </a:r>
+            <a:r>
+              <a:rPr lang="de-DE" dirty="0"/>
+              <a:t> – 13.06.2024</a:t>
+            </a:r>
+            <a:endParaRPr lang="en-US" dirty="0"/>
+          </a:p>
+        </p:txBody>
+      </p:sp>
+      <p:sp>
+        <p:nvSpPr>
+          <p:cNvPr id="4" name="TextBox 3">
+            <a:extLst>
+              <a:ext uri="{FF2B5EF4-FFF2-40B4-BE49-F238E27FC236}">
+                <a16:creationId xmlns:a16="http://schemas.microsoft.com/office/drawing/2014/main" id="{B63C4676-3485-9FE4-56D0-08DD65E49FAC}"/>
               </a:ext>
             </a:extLst>
           </p:cNvPr>
@@ -16080,8 +16796,8 @@
         </p:nvSpPr>
         <p:spPr>
           <a:xfrm>
-            <a:off x="580053" y="1029206"/>
-            <a:ext cx="10018277" cy="738664"/>
+            <a:off x="580054" y="747294"/>
+            <a:ext cx="4392387" cy="161583"/>
           </a:xfrm>
           <a:prstGeom prst="rect">
             <a:avLst/>
@@ -16093,85 +16809,36 @@
           </a:bodyPr>
           <a:lstStyle/>
           <a:p>
-            <a:pPr marL="285750" marR="0" indent="-285750">
+            <a:pPr marL="0" indent="0" algn="l" defTabSz="914400" rtl="0" eaLnBrk="1" latinLnBrk="0" hangingPunct="1">
+              <a:lnSpc>
+                <a:spcPct val="100000"/>
+              </a:lnSpc>
               <a:spcBef>
                 <a:spcPts val="0"/>
               </a:spcBef>
               <a:spcAft>
-                <a:spcPts val="0"/>
+                <a:spcPts val="600"/>
               </a:spcAft>
-              <a:buFont typeface="Arial" panose="020B0604020202020204" pitchFamily="34" charset="0"/>
-              <a:buChar char="•"/>
+              <a:buClr>
+                <a:schemeClr val="tx2"/>
+              </a:buClr>
+              <a:buFontTx/>
+              <a:buNone/>
             </a:pPr>
             <a:r>
-              <a:rPr lang="de-DE" sz="1200" dirty="0" err="1"/>
-              <a:t>LaTex</a:t>
-            </a:r>
-            <a:r>
-              <a:rPr lang="de-DE" sz="1200" dirty="0"/>
-              <a:t> </a:t>
-            </a:r>
-            <a:r>
-              <a:rPr lang="de-DE" sz="1200" dirty="0" err="1"/>
-              <a:t>template</a:t>
-            </a:r>
-            <a:r>
-              <a:rPr lang="de-DE" sz="1200" dirty="0"/>
-              <a:t> </a:t>
-            </a:r>
-            <a:r>
-              <a:rPr lang="de-DE" sz="1200" dirty="0" err="1"/>
-              <a:t>works</a:t>
-            </a:r>
-            <a:r>
-              <a:rPr lang="de-DE" sz="1200" dirty="0"/>
-              <a:t> (</a:t>
-            </a:r>
-            <a:r>
-              <a:rPr lang="de-DE" sz="1200" dirty="0" err="1"/>
-              <a:t>mostly</a:t>
-            </a:r>
-            <a:r>
-              <a:rPr lang="de-DE" sz="1200" dirty="0"/>
-              <a:t>)</a:t>
-            </a:r>
-          </a:p>
-          <a:p>
-            <a:pPr marR="0">
-              <a:spcBef>
-                <a:spcPts val="0"/>
-              </a:spcBef>
-              <a:spcAft>
-                <a:spcPts val="0"/>
-              </a:spcAft>
-            </a:pPr>
-            <a:endParaRPr lang="de-DE" sz="1200" dirty="0"/>
-          </a:p>
-          <a:p>
-            <a:pPr marR="0">
-              <a:spcBef>
-                <a:spcPts val="0"/>
-              </a:spcBef>
-              <a:spcAft>
-                <a:spcPts val="0"/>
-              </a:spcAft>
-            </a:pPr>
-            <a:endParaRPr lang="de-DE" sz="1200" dirty="0"/>
-          </a:p>
-          <a:p>
-            <a:pPr marL="285750" marR="0" indent="-285750">
-              <a:spcBef>
-                <a:spcPts val="0"/>
-              </a:spcBef>
-              <a:spcAft>
-                <a:spcPts val="0"/>
-              </a:spcAft>
-              <a:buFont typeface="Arial" panose="020B0604020202020204" pitchFamily="34" charset="0"/>
-              <a:buChar char="•"/>
-            </a:pPr>
-            <a:endParaRPr lang="de-DE" sz="1200" kern="1200" dirty="0">
+              <a:rPr lang="de-DE" sz="1050" kern="1200" dirty="0">
+                <a:solidFill>
+                  <a:schemeClr val="accent2"/>
+                </a:solidFill>
+                <a:latin typeface="+mn-lt"/>
+                <a:ea typeface="+mn-ea"/>
+                <a:cs typeface="+mn-cs"/>
+              </a:rPr>
+              <a:t>https://cc-github.bmwgroup.net/carmenwerrlein/bachelor_thesis.git </a:t>
+            </a:r>
+            <a:endParaRPr lang="en-US" sz="1050" kern="1200" dirty="0" err="1">
               <a:solidFill>
-                <a:schemeClr val="tx1"/>
+                <a:schemeClr val="accent2"/>
               </a:solidFill>
               <a:latin typeface="+mn-lt"/>
               <a:ea typeface="+mn-ea"/>
@@ -16182,10 +16849,10 @@
       </p:sp>
       <p:sp>
         <p:nvSpPr>
-          <p:cNvPr id="8" name="TextBox 7">
+          <p:cNvPr id="12" name="TextBox 11">
             <a:extLst>
               <a:ext uri="{FF2B5EF4-FFF2-40B4-BE49-F238E27FC236}">
-                <a16:creationId xmlns:a16="http://schemas.microsoft.com/office/drawing/2014/main" id="{A5996FBC-0107-0838-D0C6-A127A1979F71}"/>
+                <a16:creationId xmlns:a16="http://schemas.microsoft.com/office/drawing/2014/main" id="{7A80344C-27CD-D469-F693-6F816D07E08C}"/>
               </a:ext>
             </a:extLst>
           </p:cNvPr>
@@ -16194,7 +16861,256 @@
         </p:nvSpPr>
         <p:spPr>
           <a:xfrm>
-            <a:off x="488947" y="3429000"/>
+            <a:off x="235131" y="1001486"/>
+            <a:ext cx="5085806" cy="276999"/>
+          </a:xfrm>
+          <a:prstGeom prst="rect">
+            <a:avLst/>
+          </a:prstGeom>
+        </p:spPr>
+        <p:txBody>
+          <a:bodyPr vert="horz" wrap="square" lIns="0" tIns="0" rIns="0" bIns="0" rtlCol="0">
+            <a:spAutoFit/>
+          </a:bodyPr>
+          <a:lstStyle/>
+          <a:p>
+            <a:pPr marL="0" indent="0" algn="l" defTabSz="914400" rtl="0" eaLnBrk="1" latinLnBrk="0" hangingPunct="1">
+              <a:lnSpc>
+                <a:spcPct val="100000"/>
+              </a:lnSpc>
+              <a:spcBef>
+                <a:spcPts val="0"/>
+              </a:spcBef>
+              <a:spcAft>
+                <a:spcPts val="600"/>
+              </a:spcAft>
+              <a:buClr>
+                <a:schemeClr val="tx2"/>
+              </a:buClr>
+              <a:buFontTx/>
+              <a:buNone/>
+            </a:pPr>
+            <a:r>
+              <a:rPr lang="de-DE" sz="1800" kern="1200" dirty="0" err="1">
+                <a:solidFill>
+                  <a:schemeClr val="tx1"/>
+                </a:solidFill>
+                <a:latin typeface="+mn-lt"/>
+                <a:ea typeface="+mn-ea"/>
+                <a:cs typeface="+mn-cs"/>
+              </a:rPr>
+              <a:t>Draft</a:t>
+            </a:r>
+            <a:r>
+              <a:rPr lang="de-DE" sz="1800" kern="1200" dirty="0">
+                <a:solidFill>
+                  <a:schemeClr val="tx1"/>
+                </a:solidFill>
+                <a:latin typeface="+mn-lt"/>
+                <a:ea typeface="+mn-ea"/>
+                <a:cs typeface="+mn-cs"/>
+              </a:rPr>
+              <a:t>: </a:t>
+            </a:r>
+            <a:r>
+              <a:rPr lang="de-DE" sz="1800" kern="1200" dirty="0" err="1">
+                <a:solidFill>
+                  <a:schemeClr val="tx1"/>
+                </a:solidFill>
+                <a:latin typeface="+mn-lt"/>
+                <a:ea typeface="+mn-ea"/>
+                <a:cs typeface="+mn-cs"/>
+              </a:rPr>
+              <a:t>Timetable</a:t>
+            </a:r>
+            <a:endParaRPr lang="en-US" sz="1800" kern="1200" dirty="0" err="1">
+              <a:solidFill>
+                <a:schemeClr val="tx1"/>
+              </a:solidFill>
+              <a:latin typeface="+mn-lt"/>
+              <a:ea typeface="+mn-ea"/>
+              <a:cs typeface="+mn-cs"/>
+            </a:endParaRPr>
+          </a:p>
+        </p:txBody>
+      </p:sp>
+      <p:pic>
+        <p:nvPicPr>
+          <p:cNvPr id="14" name="Picture 13">
+            <a:extLst>
+              <a:ext uri="{FF2B5EF4-FFF2-40B4-BE49-F238E27FC236}">
+                <a16:creationId xmlns:a16="http://schemas.microsoft.com/office/drawing/2014/main" id="{3BF2E3B3-6543-863D-0D8C-57669E9D1433}"/>
+              </a:ext>
+            </a:extLst>
+          </p:cNvPr>
+          <p:cNvPicPr>
+            <a:picLocks noChangeAspect="1"/>
+          </p:cNvPicPr>
+          <p:nvPr/>
+        </p:nvPicPr>
+        <p:blipFill>
+          <a:blip r:embed="rId3"/>
+          <a:stretch>
+            <a:fillRect/>
+          </a:stretch>
+        </p:blipFill>
+        <p:spPr>
+          <a:xfrm>
+            <a:off x="235131" y="1001486"/>
+            <a:ext cx="11567203" cy="5438884"/>
+          </a:xfrm>
+          <a:prstGeom prst="rect">
+            <a:avLst/>
+          </a:prstGeom>
+        </p:spPr>
+      </p:pic>
+    </p:spTree>
+    <p:extLst>
+      <p:ext uri="{BB962C8B-B14F-4D97-AF65-F5344CB8AC3E}">
+        <p14:creationId xmlns:p14="http://schemas.microsoft.com/office/powerpoint/2010/main" val="3939139898"/>
+      </p:ext>
+    </p:extLst>
+  </p:cSld>
+  <p:clrMapOvr>
+    <a:masterClrMapping/>
+  </p:clrMapOvr>
+</p:sld>
+</file>
+
+<file path=ppt/slides/slide13.xml><?xml version="1.0" encoding="utf-8"?>
+<p:sld xmlns:a="http://schemas.openxmlformats.org/drawingml/2006/main" xmlns:r="http://schemas.openxmlformats.org/officeDocument/2006/relationships" xmlns:p="http://schemas.openxmlformats.org/presentationml/2006/main">
+  <p:cSld>
+    <p:spTree>
+      <p:nvGrpSpPr>
+        <p:cNvPr id="1" name=""/>
+        <p:cNvGrpSpPr/>
+        <p:nvPr/>
+      </p:nvGrpSpPr>
+      <p:grpSpPr>
+        <a:xfrm>
+          <a:off x="0" y="0"/>
+          <a:ext cx="0" cy="0"/>
+          <a:chOff x="0" y="0"/>
+          <a:chExt cx="0" cy="0"/>
+        </a:xfrm>
+      </p:grpSpPr>
+      <p:sp>
+        <p:nvSpPr>
+          <p:cNvPr id="2" name="Title 1">
+            <a:extLst>
+              <a:ext uri="{FF2B5EF4-FFF2-40B4-BE49-F238E27FC236}">
+                <a16:creationId xmlns:a16="http://schemas.microsoft.com/office/drawing/2014/main" id="{A0BCD0E7-992F-D230-BFCE-EE107DFECD6B}"/>
+              </a:ext>
+            </a:extLst>
+          </p:cNvPr>
+          <p:cNvSpPr>
+            <a:spLocks noGrp="1"/>
+          </p:cNvSpPr>
+          <p:nvPr>
+            <p:ph type="title"/>
+          </p:nvPr>
+        </p:nvSpPr>
+        <p:spPr/>
+        <p:txBody>
+          <a:bodyPr/>
+          <a:lstStyle/>
+          <a:p>
+            <a:r>
+              <a:rPr lang="de-DE" dirty="0"/>
+              <a:t>Notes BA-</a:t>
+            </a:r>
+            <a:r>
+              <a:rPr lang="de-DE" dirty="0" err="1"/>
+              <a:t>Sync</a:t>
+            </a:r>
+            <a:r>
+              <a:rPr lang="de-DE" dirty="0"/>
+              <a:t> – 20.06.2024</a:t>
+            </a:r>
+            <a:endParaRPr lang="en-US" dirty="0"/>
+          </a:p>
+        </p:txBody>
+      </p:sp>
+      <p:sp>
+        <p:nvSpPr>
+          <p:cNvPr id="4" name="TextBox 3">
+            <a:extLst>
+              <a:ext uri="{FF2B5EF4-FFF2-40B4-BE49-F238E27FC236}">
+                <a16:creationId xmlns:a16="http://schemas.microsoft.com/office/drawing/2014/main" id="{B63C4676-3485-9FE4-56D0-08DD65E49FAC}"/>
+              </a:ext>
+            </a:extLst>
+          </p:cNvPr>
+          <p:cNvSpPr txBox="1"/>
+          <p:nvPr/>
+        </p:nvSpPr>
+        <p:spPr>
+          <a:xfrm>
+            <a:off x="580054" y="747294"/>
+            <a:ext cx="4392387" cy="161583"/>
+          </a:xfrm>
+          <a:prstGeom prst="rect">
+            <a:avLst/>
+          </a:prstGeom>
+        </p:spPr>
+        <p:txBody>
+          <a:bodyPr vert="horz" wrap="square" lIns="0" tIns="0" rIns="0" bIns="0" rtlCol="0">
+            <a:spAutoFit/>
+          </a:bodyPr>
+          <a:lstStyle/>
+          <a:p>
+            <a:pPr marL="0" indent="0" algn="l" defTabSz="914400" rtl="0" eaLnBrk="1" latinLnBrk="0" hangingPunct="1">
+              <a:lnSpc>
+                <a:spcPct val="100000"/>
+              </a:lnSpc>
+              <a:spcBef>
+                <a:spcPts val="0"/>
+              </a:spcBef>
+              <a:spcAft>
+                <a:spcPts val="600"/>
+              </a:spcAft>
+              <a:buClr>
+                <a:schemeClr val="tx2"/>
+              </a:buClr>
+              <a:buFontTx/>
+              <a:buNone/>
+            </a:pPr>
+            <a:r>
+              <a:rPr lang="de-DE" sz="1050" kern="1200" dirty="0">
+                <a:solidFill>
+                  <a:schemeClr val="accent2"/>
+                </a:solidFill>
+                <a:latin typeface="+mn-lt"/>
+                <a:ea typeface="+mn-ea"/>
+                <a:cs typeface="+mn-cs"/>
+              </a:rPr>
+              <a:t>https://cc-github.bmwgroup.net/carmenwerrlein/bachelor_thesis.git </a:t>
+            </a:r>
+            <a:endParaRPr lang="en-US" sz="1050" kern="1200" dirty="0" err="1">
+              <a:solidFill>
+                <a:schemeClr val="accent2"/>
+              </a:solidFill>
+              <a:latin typeface="+mn-lt"/>
+              <a:ea typeface="+mn-ea"/>
+              <a:cs typeface="+mn-cs"/>
+            </a:endParaRPr>
+          </a:p>
+        </p:txBody>
+      </p:sp>
+      <p:sp>
+        <p:nvSpPr>
+          <p:cNvPr id="3" name="TextBox 2">
+            <a:extLst>
+              <a:ext uri="{FF2B5EF4-FFF2-40B4-BE49-F238E27FC236}">
+                <a16:creationId xmlns:a16="http://schemas.microsoft.com/office/drawing/2014/main" id="{B2D10738-775E-CE07-40CE-A2CD87CF05A2}"/>
+              </a:ext>
+            </a:extLst>
+          </p:cNvPr>
+          <p:cNvSpPr txBox="1"/>
+          <p:nvPr/>
+        </p:nvSpPr>
+        <p:spPr>
+          <a:xfrm>
+            <a:off x="488947" y="1308987"/>
             <a:ext cx="11075524" cy="2862322"/>
           </a:xfrm>
           <a:prstGeom prst="rect">
@@ -16210,44 +17126,212 @@
           <a:p>
             <a:r>
               <a:rPr lang="de-DE" dirty="0"/>
-              <a:t>TODOS FOR THIS:</a:t>
-            </a:r>
-          </a:p>
-          <a:p>
+              <a:t>PROGRESS:</a:t>
+            </a:r>
+          </a:p>
+          <a:p>
+            <a:r>
+              <a:rPr lang="de-DE" dirty="0"/>
+              <a:t>- </a:t>
+            </a:r>
+          </a:p>
+          <a:p>
+            <a:r>
+              <a:rPr lang="de-DE" dirty="0"/>
+              <a:t>OPEN TODOS:</a:t>
+            </a:r>
+          </a:p>
+          <a:p>
+            <a:r>
+              <a:rPr lang="de-DE" dirty="0"/>
+              <a:t>- Use </a:t>
+            </a:r>
+            <a:r>
+              <a:rPr lang="de-DE" dirty="0" err="1"/>
+              <a:t>workstation</a:t>
+            </a:r>
+            <a:r>
+              <a:rPr lang="de-DE" dirty="0"/>
+              <a:t> </a:t>
+            </a:r>
+            <a:r>
+              <a:rPr lang="de-DE" dirty="0" err="1"/>
+              <a:t>for</a:t>
+            </a:r>
+            <a:r>
+              <a:rPr lang="de-DE" dirty="0"/>
+              <a:t> </a:t>
+            </a:r>
+            <a:r>
+              <a:rPr lang="de-DE" dirty="0" err="1"/>
+              <a:t>saving</a:t>
+            </a:r>
+            <a:r>
+              <a:rPr lang="de-DE" dirty="0"/>
+              <a:t> </a:t>
+            </a:r>
+            <a:r>
+              <a:rPr lang="de-DE" dirty="0" err="1"/>
+              <a:t>cropped</a:t>
+            </a:r>
+            <a:r>
+              <a:rPr lang="de-DE" dirty="0"/>
+              <a:t> and </a:t>
+            </a:r>
+            <a:r>
+              <a:rPr lang="de-DE" dirty="0" err="1"/>
+              <a:t>labeled</a:t>
+            </a:r>
+            <a:r>
+              <a:rPr lang="de-DE" dirty="0"/>
+              <a:t> </a:t>
+            </a:r>
+            <a:r>
+              <a:rPr lang="de-DE" dirty="0" err="1"/>
+              <a:t>data</a:t>
+            </a:r>
+            <a:r>
+              <a:rPr lang="de-DE" dirty="0"/>
+              <a:t> ? </a:t>
+            </a:r>
+            <a:r>
+              <a:rPr lang="de-DE" dirty="0" err="1"/>
+              <a:t>space</a:t>
+            </a:r>
+            <a:r>
+              <a:rPr lang="de-DE" dirty="0"/>
+              <a:t> </a:t>
+            </a:r>
+          </a:p>
+          <a:p>
+            <a:r>
+              <a:rPr lang="de-DE" dirty="0"/>
+              <a:t>- </a:t>
+            </a:r>
+            <a:r>
+              <a:rPr lang="de-DE" dirty="0" err="1"/>
+              <a:t>download</a:t>
+            </a:r>
+            <a:r>
+              <a:rPr lang="de-DE" dirty="0"/>
+              <a:t> </a:t>
+            </a:r>
+            <a:r>
+              <a:rPr lang="de-DE" dirty="0" err="1"/>
+              <a:t>data</a:t>
+            </a:r>
+            <a:r>
+              <a:rPr lang="de-DE" dirty="0"/>
+              <a:t> </a:t>
+            </a:r>
+            <a:r>
+              <a:rPr lang="de-DE" dirty="0" err="1"/>
+              <a:t>using</a:t>
+            </a:r>
+            <a:r>
+              <a:rPr lang="de-DE" dirty="0"/>
+              <a:t> a </a:t>
+            </a:r>
+            <a:r>
+              <a:rPr lang="de-DE" dirty="0" err="1"/>
+              <a:t>filter</a:t>
+            </a:r>
+            <a:r>
+              <a:rPr lang="de-DE" dirty="0"/>
+              <a:t> </a:t>
+            </a:r>
+            <a:r>
+              <a:rPr lang="de-DE" dirty="0" err="1"/>
+              <a:t>to</a:t>
+            </a:r>
+            <a:r>
+              <a:rPr lang="de-DE" dirty="0"/>
+              <a:t> </a:t>
+            </a:r>
+            <a:r>
+              <a:rPr lang="de-DE" dirty="0" err="1"/>
+              <a:t>only</a:t>
+            </a:r>
+            <a:r>
+              <a:rPr lang="de-DE" dirty="0"/>
+              <a:t> </a:t>
+            </a:r>
+            <a:r>
+              <a:rPr lang="de-DE" dirty="0" err="1"/>
+              <a:t>get</a:t>
+            </a:r>
+            <a:r>
+              <a:rPr lang="de-DE" dirty="0"/>
+              <a:t> </a:t>
+            </a:r>
+            <a:r>
+              <a:rPr lang="de-DE" dirty="0" err="1"/>
+              <a:t>new</a:t>
+            </a:r>
+            <a:r>
+              <a:rPr lang="de-DE" dirty="0"/>
+              <a:t> logs</a:t>
+            </a:r>
+          </a:p>
+          <a:p>
+            <a:r>
+              <a:rPr lang="de-DE" dirty="0"/>
+              <a:t>- </a:t>
+            </a:r>
+            <a:r>
+              <a:rPr lang="de-DE" dirty="0" err="1"/>
+              <a:t>download</a:t>
+            </a:r>
+            <a:r>
+              <a:rPr lang="de-DE" dirty="0"/>
+              <a:t> </a:t>
+            </a:r>
+            <a:r>
+              <a:rPr lang="de-DE" dirty="0" err="1"/>
+              <a:t>elastisearch</a:t>
+            </a:r>
+            <a:r>
+              <a:rPr lang="de-DE" dirty="0"/>
+              <a:t> </a:t>
+            </a:r>
+            <a:r>
+              <a:rPr lang="de-DE" dirty="0" err="1"/>
+              <a:t>labels</a:t>
+            </a:r>
             <a:endParaRPr lang="de-DE" dirty="0"/>
           </a:p>
           <a:p>
             <a:r>
               <a:rPr lang="de-DE" dirty="0"/>
-              <a:t>In </a:t>
+              <a:t>- Training </a:t>
             </a:r>
             <a:r>
               <a:rPr lang="de-DE" dirty="0" err="1"/>
-              <a:t>job</a:t>
+              <a:t>model</a:t>
             </a:r>
             <a:r>
               <a:rPr lang="de-DE" dirty="0"/>
-              <a:t> 005…., </a:t>
+              <a:t> and </a:t>
             </a:r>
             <a:r>
               <a:rPr lang="de-DE" dirty="0" err="1"/>
-              <a:t>name</a:t>
+              <a:t>label</a:t>
             </a:r>
             <a:r>
               <a:rPr lang="de-DE" dirty="0"/>
-              <a:t> &amp; </a:t>
+              <a:t> </a:t>
             </a:r>
             <a:r>
               <a:rPr lang="de-DE" dirty="0" err="1"/>
-              <a:t>unique</a:t>
+              <a:t>data</a:t>
             </a:r>
             <a:r>
               <a:rPr lang="de-DE" dirty="0"/>
-              <a:t> </a:t>
+              <a:t> – Workstation </a:t>
             </a:r>
             <a:r>
               <a:rPr lang="de-DE" dirty="0" err="1"/>
-              <a:t>id</a:t>
+              <a:t>or</a:t>
             </a:r>
             <a:r>
               <a:rPr lang="de-DE" dirty="0"/>
@@ -16255,23 +17339,29 @@
             </a:r>
             <a:r>
               <a:rPr lang="de-DE" dirty="0" err="1"/>
-              <a:t>is</a:t>
+              <a:t>some</a:t>
             </a:r>
             <a:r>
               <a:rPr lang="de-DE" dirty="0"/>
-              <a:t> in </a:t>
+              <a:t> </a:t>
             </a:r>
             <a:r>
               <a:rPr lang="de-DE" dirty="0" err="1"/>
-              <a:t>line</a:t>
+              <a:t>solution</a:t>
             </a:r>
             <a:r>
               <a:rPr lang="de-DE" dirty="0"/>
-              <a:t> 32559 (after </a:t>
+              <a:t>!</a:t>
+            </a:r>
+          </a:p>
+          <a:p>
+            <a:r>
+              <a:rPr lang="de-DE" dirty="0"/>
+              <a:t>- Save </a:t>
             </a:r>
             <a:r>
               <a:rPr lang="de-DE" dirty="0" err="1"/>
-              <a:t>the</a:t>
+              <a:t>every</a:t>
             </a:r>
             <a:r>
               <a:rPr lang="de-DE" dirty="0"/>
@@ -16279,7 +17369,47 @@
             </a:r>
             <a:r>
               <a:rPr lang="de-DE" dirty="0" err="1"/>
-              <a:t>task</a:t>
+              <a:t>step</a:t>
+            </a:r>
+            <a:r>
+              <a:rPr lang="de-DE" dirty="0"/>
+              <a:t> of </a:t>
+            </a:r>
+            <a:r>
+              <a:rPr lang="de-DE" dirty="0" err="1"/>
+              <a:t>data</a:t>
+            </a:r>
+            <a:r>
+              <a:rPr lang="de-DE" dirty="0"/>
+              <a:t> </a:t>
+            </a:r>
+            <a:r>
+              <a:rPr lang="de-DE" dirty="0" err="1"/>
+              <a:t>preparation</a:t>
+            </a:r>
+            <a:r>
+              <a:rPr lang="de-DE" dirty="0"/>
+              <a:t>? (</a:t>
+            </a:r>
+            <a:r>
+              <a:rPr lang="de-DE" dirty="0" err="1"/>
+              <a:t>good</a:t>
+            </a:r>
+            <a:r>
+              <a:rPr lang="de-DE" dirty="0"/>
+              <a:t> </a:t>
+            </a:r>
+            <a:r>
+              <a:rPr lang="de-DE" dirty="0" err="1"/>
+              <a:t>for</a:t>
+            </a:r>
+            <a:r>
+              <a:rPr lang="de-DE" dirty="0"/>
+              <a:t> intermediate </a:t>
+            </a:r>
+            <a:r>
+              <a:rPr lang="de-DE" dirty="0" err="1"/>
+              <a:t>results</a:t>
             </a:r>
             <a:r>
               <a:rPr lang="de-DE" dirty="0"/>
@@ -16287,15 +17417,15 @@
             </a:r>
             <a:r>
               <a:rPr lang="de-DE" dirty="0" err="1"/>
-              <a:t>include</a:t>
+              <a:t>bad</a:t>
             </a:r>
             <a:r>
               <a:rPr lang="de-DE" dirty="0"/>
-              <a:t> in </a:t>
+              <a:t> </a:t>
             </a:r>
             <a:r>
               <a:rPr lang="de-DE" dirty="0" err="1"/>
-              <a:t>extract</a:t>
+              <a:t>for</a:t>
             </a:r>
             <a:r>
               <a:rPr lang="de-DE" dirty="0"/>
@@ -16303,27 +17433,49 @@
             </a:r>
             <a:r>
               <a:rPr lang="de-DE" dirty="0" err="1"/>
-              <a:t>function</a:t>
+              <a:t>storage</a:t>
             </a:r>
             <a:r>
               <a:rPr lang="de-DE" dirty="0"/>
-              <a:t> </a:t>
+              <a:t>)</a:t>
+            </a:r>
+          </a:p>
+          <a:p>
+            <a:r>
+              <a:rPr lang="de-DE" dirty="0"/>
+              <a:t>- JC-</a:t>
             </a:r>
             <a:r>
               <a:rPr lang="de-DE" dirty="0" err="1"/>
-              <a:t>as</a:t>
+              <a:t>Townhall</a:t>
             </a:r>
             <a:r>
               <a:rPr lang="de-DE" dirty="0"/>
-              <a:t> </a:t>
+              <a:t> Meeting? Talk </a:t>
             </a:r>
             <a:r>
               <a:rPr lang="de-DE" dirty="0" err="1"/>
-              <a:t>well</a:t>
+              <a:t>about</a:t>
             </a:r>
             <a:r>
               <a:rPr lang="de-DE" dirty="0"/>
-              <a:t>) </a:t>
+              <a:t> </a:t>
+            </a:r>
+            <a:r>
+              <a:rPr lang="de-DE" dirty="0" err="1"/>
+              <a:t>that</a:t>
+            </a:r>
+            <a:r>
+              <a:rPr lang="de-DE" dirty="0"/>
+              <a:t> </a:t>
+            </a:r>
+            <a:r>
+              <a:rPr lang="de-DE" dirty="0" err="1"/>
+              <a:t>with</a:t>
+            </a:r>
+            <a:r>
+              <a:rPr lang="de-DE" dirty="0"/>
+              <a:t> Sandra</a:t>
             </a:r>
           </a:p>
           <a:p>
@@ -16333,127 +17485,11 @@
             </a:r>
             <a:r>
               <a:rPr lang="de-DE" dirty="0" err="1"/>
-              <a:t>create</a:t>
+              <a:t>Presention</a:t>
             </a:r>
             <a:r>
               <a:rPr lang="de-DE" dirty="0"/>
-              <a:t> </a:t>
-            </a:r>
-            <a:r>
-              <a:rPr lang="de-DE" dirty="0" err="1"/>
-              <a:t>rough</a:t>
-            </a:r>
-            <a:r>
-              <a:rPr lang="de-DE" dirty="0"/>
-              <a:t> </a:t>
-            </a:r>
-            <a:r>
-              <a:rPr lang="de-DE" dirty="0" err="1"/>
-              <a:t>schedule</a:t>
-            </a:r>
-            <a:r>
-              <a:rPr lang="de-DE" dirty="0"/>
-              <a:t> </a:t>
-            </a:r>
-            <a:r>
-              <a:rPr lang="de-DE" dirty="0" err="1"/>
-              <a:t>until</a:t>
-            </a:r>
-            <a:r>
-              <a:rPr lang="de-DE" dirty="0"/>
-              <a:t> </a:t>
-            </a:r>
-            <a:r>
-              <a:rPr lang="de-DE" dirty="0" err="1"/>
-              <a:t>planned</a:t>
-            </a:r>
-            <a:r>
-              <a:rPr lang="de-DE" dirty="0"/>
-              <a:t> </a:t>
-            </a:r>
-            <a:r>
-              <a:rPr lang="de-DE" dirty="0" err="1"/>
-              <a:t>turned</a:t>
-            </a:r>
-            <a:r>
-              <a:rPr lang="de-DE" dirty="0"/>
-              <a:t> in date (</a:t>
-            </a:r>
-            <a:r>
-              <a:rPr lang="de-DE" dirty="0" err="1"/>
-              <a:t>backwards</a:t>
-            </a:r>
-            <a:r>
-              <a:rPr lang="de-DE" dirty="0"/>
-              <a:t> </a:t>
-            </a:r>
-            <a:r>
-              <a:rPr lang="de-DE" dirty="0" err="1"/>
-              <a:t>planning</a:t>
-            </a:r>
-            <a:r>
-              <a:rPr lang="de-DE" dirty="0"/>
-              <a:t>)</a:t>
-            </a:r>
-          </a:p>
-          <a:p>
-            <a:r>
-              <a:rPr lang="en-US" dirty="0"/>
-              <a:t>- </a:t>
-            </a:r>
-            <a:r>
-              <a:rPr lang="en-US" dirty="0" err="1"/>
-              <a:t>todo</a:t>
-            </a:r>
-            <a:r>
-              <a:rPr lang="en-US" dirty="0"/>
-              <a:t>: figure out approach for generating training data</a:t>
-            </a:r>
-          </a:p>
-          <a:p>
-            <a:r>
-              <a:rPr lang="en-US" dirty="0"/>
-              <a:t>- around 200.000 playbook error out of 1.2 errors in total over the last year</a:t>
-            </a:r>
-          </a:p>
-          <a:p>
-            <a:r>
-              <a:rPr lang="en-US" dirty="0"/>
-              <a:t>- maybe focus on getting error class first instead of specific error? </a:t>
-            </a:r>
-          </a:p>
-          <a:p>
-            <a:r>
-              <a:rPr lang="en-US" dirty="0"/>
-              <a:t>- get statistics for labeled errors (distribution, balanced vs. unbalanced, </a:t>
-            </a:r>
-            <a:r>
-              <a:rPr lang="en-US" dirty="0" err="1"/>
-              <a:t>etc</a:t>
-            </a:r>
-            <a:r>
-              <a:rPr lang="en-US" dirty="0"/>
-              <a:t>, everything else) </a:t>
-            </a:r>
-          </a:p>
-          <a:p>
-            <a:r>
-              <a:rPr lang="en-US" dirty="0"/>
-              <a:t>- Figure out strategy for labeling playbook errors(</a:t>
-            </a:r>
-            <a:r>
-              <a:rPr lang="en-US" dirty="0" err="1"/>
-              <a:t>evtl</a:t>
-            </a:r>
-            <a:r>
-              <a:rPr lang="en-US" dirty="0"/>
-              <a:t>. Ask for input in exchange session on Fridays?)</a:t>
-            </a:r>
-          </a:p>
-          <a:p>
-            <a:r>
-              <a:rPr lang="en-US" dirty="0"/>
-              <a:t>- put this pp in the teams channel </a:t>
+              <a:t>/ Slot in Exchange Sessions </a:t>
             </a:r>
           </a:p>
         </p:txBody>
@@ -16461,7 +17497,7 @@
     </p:spTree>
     <p:extLst>
       <p:ext uri="{BB962C8B-B14F-4D97-AF65-F5344CB8AC3E}">
-        <p14:creationId xmlns:p14="http://schemas.microsoft.com/office/powerpoint/2010/main" val="4002492095"/>
+        <p14:creationId xmlns:p14="http://schemas.microsoft.com/office/powerpoint/2010/main" val="4024672319"/>
       </p:ext>
     </p:extLst>
   </p:cSld>

--- a/dokumentation_things/Roadmap Bachelor thesis.pptx
+++ b/dokumentation_things/Roadmap Bachelor thesis.pptx
@@ -6,10 +6,10 @@
     <p:sldMasterId id="2147483720" r:id="rId2"/>
   </p:sldMasterIdLst>
   <p:notesMasterIdLst>
-    <p:notesMasterId r:id="rId16"/>
+    <p:notesMasterId r:id="rId20"/>
   </p:notesMasterIdLst>
   <p:handoutMasterIdLst>
-    <p:handoutMasterId r:id="rId17"/>
+    <p:handoutMasterId r:id="rId21"/>
   </p:handoutMasterIdLst>
   <p:sldIdLst>
     <p:sldId id="384" r:id="rId3"/>
@@ -25,11 +25,15 @@
     <p:sldId id="381" r:id="rId13"/>
     <p:sldId id="382" r:id="rId14"/>
     <p:sldId id="383" r:id="rId15"/>
+    <p:sldId id="385" r:id="rId16"/>
+    <p:sldId id="386" r:id="rId17"/>
+    <p:sldId id="387" r:id="rId18"/>
+    <p:sldId id="388" r:id="rId19"/>
   </p:sldIdLst>
   <p:sldSz cx="12192000" cy="6858000"/>
   <p:notesSz cx="6858000" cy="9144000"/>
   <p:custDataLst>
-    <p:tags r:id="rId18"/>
+    <p:tags r:id="rId22"/>
   </p:custDataLst>
   <p:defaultTextStyle>
     <a:defPPr>
@@ -148,6 +152,10 @@
             <p14:sldId id="381"/>
             <p14:sldId id="382"/>
             <p14:sldId id="383"/>
+            <p14:sldId id="385"/>
+            <p14:sldId id="386"/>
+            <p14:sldId id="387"/>
+            <p14:sldId id="388"/>
           </p14:sldIdLst>
         </p14:section>
       </p14:sectionLst>
@@ -274,7 +282,7 @@
               <a:rPr lang="de-DE" smtClean="0">
                 <a:latin typeface="BMWGroupTN Condensed" pitchFamily="50" charset="0"/>
               </a:rPr>
-              <a:t>18.06.2024</a:t>
+              <a:t>27.06.2024</a:t>
             </a:fld>
             <a:endParaRPr lang="de-DE" dirty="0">
               <a:latin typeface="BMWGroupTN Condensed" pitchFamily="50" charset="0"/>
@@ -452,7 +460,7 @@
             <a:fld id="{C9ACC0F7-209C-4EE4-A1D5-BFF0CBCA9BC3}" type="datetimeFigureOut">
               <a:rPr lang="de-DE" smtClean="0"/>
               <a:pPr/>
-              <a:t>18.06.2024</a:t>
+              <a:t>27.06.2024</a:t>
             </a:fld>
             <a:endParaRPr lang="de-DE" dirty="0"/>
           </a:p>
@@ -1140,6 +1148,91 @@
     <p:extLst>
       <p:ext uri="{BB962C8B-B14F-4D97-AF65-F5344CB8AC3E}">
         <p14:creationId xmlns:p14="http://schemas.microsoft.com/office/powerpoint/2010/main" val="2121291010"/>
+      </p:ext>
+    </p:extLst>
+  </p:cSld>
+  <p:clrMapOvr>
+    <a:masterClrMapping/>
+  </p:clrMapOvr>
+</p:notes>
+</file>
+
+<file path=ppt/notesSlides/notesSlide6.xml><?xml version="1.0" encoding="utf-8"?>
+<p:notes xmlns:a="http://schemas.openxmlformats.org/drawingml/2006/main" xmlns:r="http://schemas.openxmlformats.org/officeDocument/2006/relationships" xmlns:p="http://schemas.openxmlformats.org/presentationml/2006/main">
+  <p:cSld>
+    <p:spTree>
+      <p:nvGrpSpPr>
+        <p:cNvPr id="1" name=""/>
+        <p:cNvGrpSpPr/>
+        <p:nvPr/>
+      </p:nvGrpSpPr>
+      <p:grpSpPr>
+        <a:xfrm>
+          <a:off x="0" y="0"/>
+          <a:ext cx="0" cy="0"/>
+          <a:chOff x="0" y="0"/>
+          <a:chExt cx="0" cy="0"/>
+        </a:xfrm>
+      </p:grpSpPr>
+      <p:sp>
+        <p:nvSpPr>
+          <p:cNvPr id="2" name="Slide Image Placeholder 1"/>
+          <p:cNvSpPr>
+            <a:spLocks noGrp="1" noRot="1" noChangeAspect="1"/>
+          </p:cNvSpPr>
+          <p:nvPr>
+            <p:ph type="sldImg"/>
+          </p:nvPr>
+        </p:nvSpPr>
+        <p:spPr/>
+      </p:sp>
+      <p:sp>
+        <p:nvSpPr>
+          <p:cNvPr id="3" name="Notes Placeholder 2"/>
+          <p:cNvSpPr>
+            <a:spLocks noGrp="1"/>
+          </p:cNvSpPr>
+          <p:nvPr>
+            <p:ph type="body" idx="1"/>
+          </p:nvPr>
+        </p:nvSpPr>
+        <p:spPr/>
+        <p:txBody>
+          <a:bodyPr/>
+          <a:lstStyle/>
+          <a:p>
+            <a:endParaRPr lang="en-US" dirty="0"/>
+          </a:p>
+        </p:txBody>
+      </p:sp>
+      <p:sp>
+        <p:nvSpPr>
+          <p:cNvPr id="4" name="Slide Number Placeholder 3"/>
+          <p:cNvSpPr>
+            <a:spLocks noGrp="1"/>
+          </p:cNvSpPr>
+          <p:nvPr>
+            <p:ph type="sldNum" sz="quarter" idx="5"/>
+          </p:nvPr>
+        </p:nvSpPr>
+        <p:spPr/>
+        <p:txBody>
+          <a:bodyPr/>
+          <a:lstStyle/>
+          <a:p>
+            <a:fld id="{845B7A2B-9D63-4AB1-9A7A-EE5F31796489}" type="slidenum">
+              <a:rPr lang="de-DE" smtClean="0"/>
+              <a:pPr/>
+              <a:t>14</a:t>
+            </a:fld>
+            <a:endParaRPr lang="de-DE" dirty="0"/>
+          </a:p>
+        </p:txBody>
+      </p:sp>
+    </p:spTree>
+    <p:extLst>
+      <p:ext uri="{BB962C8B-B14F-4D97-AF65-F5344CB8AC3E}">
+        <p14:creationId xmlns:p14="http://schemas.microsoft.com/office/powerpoint/2010/main" val="1898937565"/>
       </p:ext>
     </p:extLst>
   </p:cSld>
@@ -31638,6 +31731,3554 @@
     <p:extLst>
       <p:ext uri="{BB962C8B-B14F-4D97-AF65-F5344CB8AC3E}">
         <p14:creationId xmlns:p14="http://schemas.microsoft.com/office/powerpoint/2010/main" val="4024672319"/>
+      </p:ext>
+    </p:extLst>
+  </p:cSld>
+  <p:clrMapOvr>
+    <a:masterClrMapping/>
+  </p:clrMapOvr>
+</p:sld>
+</file>
+
+<file path=ppt/slides/slide14.xml><?xml version="1.0" encoding="utf-8"?>
+<p:sld xmlns:a="http://schemas.openxmlformats.org/drawingml/2006/main" xmlns:r="http://schemas.openxmlformats.org/officeDocument/2006/relationships" xmlns:p="http://schemas.openxmlformats.org/presentationml/2006/main">
+  <p:cSld>
+    <p:spTree>
+      <p:nvGrpSpPr>
+        <p:cNvPr id="1" name=""/>
+        <p:cNvGrpSpPr/>
+        <p:nvPr/>
+      </p:nvGrpSpPr>
+      <p:grpSpPr>
+        <a:xfrm>
+          <a:off x="0" y="0"/>
+          <a:ext cx="0" cy="0"/>
+          <a:chOff x="0" y="0"/>
+          <a:chExt cx="0" cy="0"/>
+        </a:xfrm>
+      </p:grpSpPr>
+      <p:sp>
+        <p:nvSpPr>
+          <p:cNvPr id="2" name="Title 1">
+            <a:extLst>
+              <a:ext uri="{FF2B5EF4-FFF2-40B4-BE49-F238E27FC236}">
+                <a16:creationId xmlns:a16="http://schemas.microsoft.com/office/drawing/2014/main" id="{A0BCD0E7-992F-D230-BFCE-EE107DFECD6B}"/>
+              </a:ext>
+            </a:extLst>
+          </p:cNvPr>
+          <p:cNvSpPr>
+            <a:spLocks noGrp="1"/>
+          </p:cNvSpPr>
+          <p:nvPr>
+            <p:ph type="title"/>
+          </p:nvPr>
+        </p:nvSpPr>
+        <p:spPr/>
+        <p:txBody>
+          <a:bodyPr/>
+          <a:lstStyle/>
+          <a:p>
+            <a:r>
+              <a:rPr lang="de-DE" dirty="0"/>
+              <a:t>Notes BA-</a:t>
+            </a:r>
+            <a:r>
+              <a:rPr lang="de-DE" dirty="0" err="1"/>
+              <a:t>Sync</a:t>
+            </a:r>
+            <a:r>
+              <a:rPr lang="de-DE" dirty="0"/>
+              <a:t> – 27.06.2024 (1/4)</a:t>
+            </a:r>
+            <a:endParaRPr lang="en-US" dirty="0"/>
+          </a:p>
+        </p:txBody>
+      </p:sp>
+      <p:sp>
+        <p:nvSpPr>
+          <p:cNvPr id="4" name="TextBox 3">
+            <a:extLst>
+              <a:ext uri="{FF2B5EF4-FFF2-40B4-BE49-F238E27FC236}">
+                <a16:creationId xmlns:a16="http://schemas.microsoft.com/office/drawing/2014/main" id="{B63C4676-3485-9FE4-56D0-08DD65E49FAC}"/>
+              </a:ext>
+            </a:extLst>
+          </p:cNvPr>
+          <p:cNvSpPr txBox="1"/>
+          <p:nvPr/>
+        </p:nvSpPr>
+        <p:spPr>
+          <a:xfrm>
+            <a:off x="580054" y="747294"/>
+            <a:ext cx="4392387" cy="161583"/>
+          </a:xfrm>
+          <a:prstGeom prst="rect">
+            <a:avLst/>
+          </a:prstGeom>
+        </p:spPr>
+        <p:txBody>
+          <a:bodyPr vert="horz" wrap="square" lIns="0" tIns="0" rIns="0" bIns="0" rtlCol="0">
+            <a:spAutoFit/>
+          </a:bodyPr>
+          <a:lstStyle/>
+          <a:p>
+            <a:pPr marL="0" indent="0" algn="l" defTabSz="914400" rtl="0" eaLnBrk="1" latinLnBrk="0" hangingPunct="1">
+              <a:lnSpc>
+                <a:spcPct val="100000"/>
+              </a:lnSpc>
+              <a:spcBef>
+                <a:spcPts val="0"/>
+              </a:spcBef>
+              <a:spcAft>
+                <a:spcPts val="600"/>
+              </a:spcAft>
+              <a:buClr>
+                <a:schemeClr val="tx2"/>
+              </a:buClr>
+              <a:buFontTx/>
+              <a:buNone/>
+            </a:pPr>
+            <a:r>
+              <a:rPr lang="de-DE" sz="1050" kern="1200" dirty="0">
+                <a:solidFill>
+                  <a:schemeClr val="accent2"/>
+                </a:solidFill>
+                <a:latin typeface="+mn-lt"/>
+                <a:ea typeface="+mn-ea"/>
+                <a:cs typeface="+mn-cs"/>
+              </a:rPr>
+              <a:t>https://cc-github.bmwgroup.net/carmenwerrlein/bachelor_thesis.git </a:t>
+            </a:r>
+            <a:endParaRPr lang="en-US" sz="1050" kern="1200" dirty="0" err="1">
+              <a:solidFill>
+                <a:schemeClr val="accent2"/>
+              </a:solidFill>
+              <a:latin typeface="+mn-lt"/>
+              <a:ea typeface="+mn-ea"/>
+              <a:cs typeface="+mn-cs"/>
+            </a:endParaRPr>
+          </a:p>
+        </p:txBody>
+      </p:sp>
+      <p:sp>
+        <p:nvSpPr>
+          <p:cNvPr id="3" name="TextBox 2">
+            <a:extLst>
+              <a:ext uri="{FF2B5EF4-FFF2-40B4-BE49-F238E27FC236}">
+                <a16:creationId xmlns:a16="http://schemas.microsoft.com/office/drawing/2014/main" id="{B2D10738-775E-CE07-40CE-A2CD87CF05A2}"/>
+              </a:ext>
+            </a:extLst>
+          </p:cNvPr>
+          <p:cNvSpPr txBox="1"/>
+          <p:nvPr/>
+        </p:nvSpPr>
+        <p:spPr>
+          <a:xfrm>
+            <a:off x="488947" y="1308987"/>
+            <a:ext cx="5023579" cy="3970318"/>
+          </a:xfrm>
+          <a:prstGeom prst="rect">
+            <a:avLst/>
+          </a:prstGeom>
+          <a:noFill/>
+        </p:spPr>
+        <p:txBody>
+          <a:bodyPr wrap="square">
+            <a:spAutoFit/>
+          </a:bodyPr>
+          <a:lstStyle/>
+          <a:p>
+            <a:r>
+              <a:rPr lang="en-US" b="1" dirty="0"/>
+              <a:t>PROGRESS:</a:t>
+            </a:r>
+          </a:p>
+          <a:p>
+            <a:pPr marL="285750" indent="-285750">
+              <a:buFont typeface="Arial" panose="020B0604020202020204" pitchFamily="34" charset="0"/>
+              <a:buChar char="•"/>
+            </a:pPr>
+            <a:r>
+              <a:rPr lang="en-US" dirty="0"/>
+              <a:t>Training on B-Ilda 4 (JC-31 Builder with RTX A4000) should work . Needs specific </a:t>
+            </a:r>
+            <a:r>
+              <a:rPr lang="en-US" dirty="0" err="1"/>
+              <a:t>Pytorch</a:t>
+            </a:r>
+            <a:r>
+              <a:rPr lang="en-US" dirty="0"/>
+              <a:t> version: torch==2.0.1. (Thanks to Martin for checking!)</a:t>
+            </a:r>
+          </a:p>
+          <a:p>
+            <a:pPr marL="285750" indent="-285750">
+              <a:buFont typeface="Arial" panose="020B0604020202020204" pitchFamily="34" charset="0"/>
+              <a:buChar char="•"/>
+            </a:pPr>
+            <a:r>
+              <a:rPr lang="en-US" dirty="0"/>
+              <a:t>Some issues with RegEx matching for Labeling</a:t>
+            </a:r>
+          </a:p>
+          <a:p>
+            <a:pPr marL="285750" indent="-285750">
+              <a:buFont typeface="Arial" panose="020B0604020202020204" pitchFamily="34" charset="0"/>
+              <a:buChar char="•"/>
+            </a:pPr>
+            <a:endParaRPr lang="en-US" dirty="0"/>
+          </a:p>
+          <a:p>
+            <a:r>
+              <a:rPr lang="en-US" b="1" dirty="0"/>
+              <a:t>OPEN TOPICS:</a:t>
+            </a:r>
+          </a:p>
+          <a:p>
+            <a:pPr marL="285750" indent="-285750">
+              <a:buFont typeface="Arial" panose="020B0604020202020204" pitchFamily="34" charset="0"/>
+              <a:buChar char="•"/>
+            </a:pPr>
+            <a:r>
+              <a:rPr lang="en-US" dirty="0"/>
+              <a:t>download data using a filter to only get new logs ? (later)</a:t>
+            </a:r>
+          </a:p>
+          <a:p>
+            <a:pPr marL="285750" indent="-285750">
+              <a:buFont typeface="Arial" panose="020B0604020202020204" pitchFamily="34" charset="0"/>
+              <a:buChar char="•"/>
+            </a:pPr>
+            <a:r>
+              <a:rPr lang="en-US" dirty="0"/>
+              <a:t>download Elasticsearch labels ? (later)</a:t>
+            </a:r>
+          </a:p>
+          <a:p>
+            <a:pPr marL="285750" indent="-285750">
+              <a:buFont typeface="Arial" panose="020B0604020202020204" pitchFamily="34" charset="0"/>
+              <a:buChar char="•"/>
+            </a:pPr>
+            <a:r>
+              <a:rPr lang="en-US" dirty="0"/>
+              <a:t>Storing Training Data ! </a:t>
+            </a:r>
+          </a:p>
+          <a:p>
+            <a:pPr marL="285750" indent="-285750">
+              <a:buFont typeface="Arial" panose="020B0604020202020204" pitchFamily="34" charset="0"/>
+              <a:buChar char="•"/>
+            </a:pPr>
+            <a:r>
+              <a:rPr lang="en-US" dirty="0"/>
+              <a:t>JC-Townhall Meeting – Presentation at some point</a:t>
+            </a:r>
+          </a:p>
+          <a:p>
+            <a:pPr marL="285750" indent="-285750">
+              <a:buFont typeface="Arial" panose="020B0604020202020204" pitchFamily="34" charset="0"/>
+              <a:buChar char="•"/>
+            </a:pPr>
+            <a:r>
+              <a:rPr lang="en-US" dirty="0"/>
+              <a:t>Presentation in Exchange Sessions at some point  </a:t>
+            </a:r>
+          </a:p>
+        </p:txBody>
+      </p:sp>
+      <p:sp>
+        <p:nvSpPr>
+          <p:cNvPr id="6" name="TextBox 5">
+            <a:extLst>
+              <a:ext uri="{FF2B5EF4-FFF2-40B4-BE49-F238E27FC236}">
+                <a16:creationId xmlns:a16="http://schemas.microsoft.com/office/drawing/2014/main" id="{B1B0104B-102B-DBCB-B33C-E2C222458604}"/>
+              </a:ext>
+            </a:extLst>
+          </p:cNvPr>
+          <p:cNvSpPr txBox="1"/>
+          <p:nvPr/>
+        </p:nvSpPr>
+        <p:spPr>
+          <a:xfrm>
+            <a:off x="6035040" y="444137"/>
+            <a:ext cx="6035040" cy="5509200"/>
+          </a:xfrm>
+          <a:prstGeom prst="rect">
+            <a:avLst/>
+          </a:prstGeom>
+        </p:spPr>
+        <p:txBody>
+          <a:bodyPr vert="horz" wrap="square" lIns="0" tIns="0" rIns="0" bIns="0" rtlCol="0">
+            <a:spAutoFit/>
+          </a:bodyPr>
+          <a:lstStyle/>
+          <a:p>
+            <a:pPr marL="0" indent="0" algn="l" defTabSz="914400" rtl="0" eaLnBrk="1" latinLnBrk="0" hangingPunct="1">
+              <a:lnSpc>
+                <a:spcPct val="100000"/>
+              </a:lnSpc>
+              <a:spcBef>
+                <a:spcPts val="0"/>
+              </a:spcBef>
+              <a:spcAft>
+                <a:spcPts val="600"/>
+              </a:spcAft>
+              <a:buClr>
+                <a:schemeClr val="tx2"/>
+              </a:buClr>
+              <a:buFontTx/>
+              <a:buNone/>
+            </a:pPr>
+            <a:r>
+              <a:rPr lang="de-DE" sz="1800" b="1" kern="1200" dirty="0">
+                <a:solidFill>
+                  <a:schemeClr val="tx1"/>
+                </a:solidFill>
+                <a:latin typeface="+mn-lt"/>
+                <a:ea typeface="+mn-ea"/>
+                <a:cs typeface="+mn-cs"/>
+              </a:rPr>
+              <a:t>ISSUES: </a:t>
+            </a:r>
+          </a:p>
+          <a:p>
+            <a:pPr marL="285750" indent="-285750" algn="l" defTabSz="914400" rtl="0" eaLnBrk="1" latinLnBrk="0" hangingPunct="1">
+              <a:lnSpc>
+                <a:spcPct val="100000"/>
+              </a:lnSpc>
+              <a:spcBef>
+                <a:spcPts val="0"/>
+              </a:spcBef>
+              <a:spcAft>
+                <a:spcPts val="600"/>
+              </a:spcAft>
+              <a:buClr>
+                <a:schemeClr val="tx2"/>
+              </a:buClr>
+              <a:buFont typeface="Arial" panose="020B0604020202020204" pitchFamily="34" charset="0"/>
+              <a:buChar char="•"/>
+            </a:pPr>
+            <a:r>
+              <a:rPr lang="de-DE" sz="1800" kern="1200" dirty="0">
+                <a:solidFill>
+                  <a:schemeClr val="tx1"/>
+                </a:solidFill>
+                <a:latin typeface="+mn-lt"/>
+                <a:ea typeface="+mn-ea"/>
+                <a:cs typeface="+mn-cs"/>
+              </a:rPr>
+              <a:t>18 logs in ‘</a:t>
+            </a:r>
+            <a:r>
+              <a:rPr lang="de-DE" sz="1800" kern="1200" dirty="0" err="1">
+                <a:solidFill>
+                  <a:schemeClr val="tx1"/>
+                </a:solidFill>
+                <a:latin typeface="+mn-lt"/>
+                <a:ea typeface="+mn-ea"/>
+                <a:cs typeface="+mn-cs"/>
+              </a:rPr>
+              <a:t>test</a:t>
+            </a:r>
+            <a:r>
+              <a:rPr lang="de-DE" sz="1800" kern="1200" dirty="0">
+                <a:solidFill>
+                  <a:schemeClr val="tx1"/>
+                </a:solidFill>
+                <a:latin typeface="+mn-lt"/>
+                <a:ea typeface="+mn-ea"/>
+                <a:cs typeface="+mn-cs"/>
+              </a:rPr>
+              <a:t> </a:t>
+            </a:r>
+            <a:r>
+              <a:rPr lang="de-DE" sz="1800" kern="1200" dirty="0" err="1">
+                <a:solidFill>
+                  <a:schemeClr val="tx1"/>
+                </a:solidFill>
+                <a:latin typeface="+mn-lt"/>
+                <a:ea typeface="+mn-ea"/>
+                <a:cs typeface="+mn-cs"/>
+              </a:rPr>
+              <a:t>batch</a:t>
+            </a:r>
+            <a:r>
+              <a:rPr lang="de-DE" dirty="0"/>
+              <a:t>‘ </a:t>
+            </a:r>
+            <a:r>
+              <a:rPr lang="de-DE" dirty="0" err="1"/>
+              <a:t>with</a:t>
+            </a:r>
+            <a:r>
+              <a:rPr lang="de-DE" sz="1800" kern="1200" dirty="0">
+                <a:solidFill>
+                  <a:schemeClr val="tx1"/>
+                </a:solidFill>
+                <a:latin typeface="+mn-lt"/>
+                <a:ea typeface="+mn-ea"/>
+                <a:cs typeface="+mn-cs"/>
+              </a:rPr>
+              <a:t> 34 </a:t>
+            </a:r>
+            <a:r>
+              <a:rPr lang="de-DE" sz="1800" kern="1200" dirty="0" err="1">
+                <a:solidFill>
+                  <a:schemeClr val="tx1"/>
+                </a:solidFill>
+                <a:latin typeface="+mn-lt"/>
+                <a:ea typeface="+mn-ea"/>
+                <a:cs typeface="+mn-cs"/>
+              </a:rPr>
+              <a:t>errors</a:t>
+            </a:r>
+            <a:r>
+              <a:rPr lang="de-DE" sz="1800" kern="1200" dirty="0">
+                <a:solidFill>
+                  <a:schemeClr val="tx1"/>
+                </a:solidFill>
+                <a:latin typeface="+mn-lt"/>
+                <a:ea typeface="+mn-ea"/>
+                <a:cs typeface="+mn-cs"/>
+              </a:rPr>
+              <a:t> </a:t>
+            </a:r>
+          </a:p>
+          <a:p>
+            <a:pPr marL="285750" indent="-285750" algn="l" defTabSz="914400" rtl="0" eaLnBrk="1" latinLnBrk="0" hangingPunct="1">
+              <a:lnSpc>
+                <a:spcPct val="100000"/>
+              </a:lnSpc>
+              <a:spcBef>
+                <a:spcPts val="0"/>
+              </a:spcBef>
+              <a:spcAft>
+                <a:spcPts val="600"/>
+              </a:spcAft>
+              <a:buClr>
+                <a:schemeClr val="tx2"/>
+              </a:buClr>
+              <a:buFont typeface="Arial" panose="020B0604020202020204" pitchFamily="34" charset="0"/>
+              <a:buChar char="•"/>
+            </a:pPr>
+            <a:r>
+              <a:rPr lang="de-DE" dirty="0" err="1"/>
+              <a:t>Reconsider</a:t>
+            </a:r>
+            <a:r>
+              <a:rPr lang="de-DE" dirty="0"/>
+              <a:t> </a:t>
+            </a:r>
+            <a:r>
+              <a:rPr lang="de-DE" dirty="0" err="1"/>
+              <a:t>keeping</a:t>
+            </a:r>
+            <a:r>
+              <a:rPr lang="de-DE" dirty="0"/>
+              <a:t> </a:t>
+            </a:r>
+            <a:r>
+              <a:rPr lang="de-DE" dirty="0" err="1"/>
+              <a:t>erros</a:t>
+            </a:r>
+            <a:r>
+              <a:rPr lang="de-DE" dirty="0"/>
+              <a:t> </a:t>
+            </a:r>
+            <a:r>
+              <a:rPr lang="de-DE" dirty="0" err="1"/>
+              <a:t>together</a:t>
+            </a:r>
+            <a:r>
+              <a:rPr lang="de-DE" dirty="0"/>
+              <a:t>?</a:t>
+            </a:r>
+          </a:p>
+          <a:p>
+            <a:pPr marL="285750" indent="-285750" algn="l" defTabSz="914400" rtl="0" eaLnBrk="1" latinLnBrk="0" hangingPunct="1">
+              <a:lnSpc>
+                <a:spcPct val="100000"/>
+              </a:lnSpc>
+              <a:spcBef>
+                <a:spcPts val="0"/>
+              </a:spcBef>
+              <a:spcAft>
+                <a:spcPts val="600"/>
+              </a:spcAft>
+              <a:buClr>
+                <a:schemeClr val="tx2"/>
+              </a:buClr>
+              <a:buFont typeface="Arial" panose="020B0604020202020204" pitchFamily="34" charset="0"/>
+              <a:buChar char="•"/>
+            </a:pPr>
+            <a:r>
+              <a:rPr lang="de-DE" dirty="0" err="1"/>
+              <a:t>Current</a:t>
+            </a:r>
+            <a:r>
+              <a:rPr lang="de-DE" dirty="0"/>
+              <a:t> </a:t>
+            </a:r>
+            <a:r>
+              <a:rPr lang="de-DE" dirty="0" err="1"/>
+              <a:t>Labeling</a:t>
+            </a:r>
+            <a:r>
+              <a:rPr lang="de-DE" dirty="0"/>
+              <a:t> </a:t>
+            </a:r>
+            <a:r>
+              <a:rPr lang="de-DE" dirty="0" err="1"/>
+              <a:t>status</a:t>
+            </a:r>
+            <a:r>
+              <a:rPr lang="de-DE" dirty="0"/>
+              <a:t>: Read and </a:t>
+            </a:r>
+            <a:r>
+              <a:rPr lang="de-DE" dirty="0" err="1"/>
+              <a:t>compile</a:t>
+            </a:r>
+            <a:r>
+              <a:rPr lang="de-DE" dirty="0"/>
+              <a:t> </a:t>
+            </a:r>
+            <a:r>
+              <a:rPr lang="de-DE" dirty="0" err="1"/>
+              <a:t>patterns</a:t>
+            </a:r>
+            <a:r>
+              <a:rPr lang="de-DE" dirty="0"/>
+              <a:t>, check all logs in dir </a:t>
+            </a:r>
+            <a:r>
+              <a:rPr lang="de-DE" dirty="0" err="1"/>
+              <a:t>for</a:t>
+            </a:r>
+            <a:r>
+              <a:rPr lang="de-DE" dirty="0"/>
+              <a:t> </a:t>
+            </a:r>
+            <a:r>
+              <a:rPr lang="de-DE" dirty="0" err="1"/>
+              <a:t>matches</a:t>
+            </a:r>
+            <a:endParaRPr lang="de-DE" dirty="0"/>
+          </a:p>
+          <a:p>
+            <a:pPr algn="l" defTabSz="914400" rtl="0" eaLnBrk="1" latinLnBrk="0" hangingPunct="1">
+              <a:lnSpc>
+                <a:spcPct val="100000"/>
+              </a:lnSpc>
+              <a:spcBef>
+                <a:spcPts val="0"/>
+              </a:spcBef>
+              <a:spcAft>
+                <a:spcPts val="600"/>
+              </a:spcAft>
+              <a:buClr>
+                <a:schemeClr val="tx2"/>
+              </a:buClr>
+            </a:pPr>
+            <a:r>
+              <a:rPr lang="de-DE" dirty="0">
+                <a:sym typeface="Wingdings" panose="05000000000000000000" pitchFamily="2" charset="2"/>
+              </a:rPr>
+              <a:t>        </a:t>
+            </a:r>
+            <a:r>
+              <a:rPr lang="de-DE" dirty="0" err="1"/>
+              <a:t>Partially</a:t>
+            </a:r>
+            <a:r>
+              <a:rPr lang="de-DE" dirty="0"/>
+              <a:t> </a:t>
+            </a:r>
+            <a:r>
+              <a:rPr lang="de-DE" dirty="0" err="1"/>
+              <a:t>works</a:t>
+            </a:r>
+            <a:r>
+              <a:rPr lang="de-DE" dirty="0"/>
+              <a:t>, </a:t>
+            </a:r>
+            <a:r>
+              <a:rPr lang="de-DE" dirty="0" err="1"/>
+              <a:t>issues</a:t>
+            </a:r>
+            <a:r>
+              <a:rPr lang="de-DE" dirty="0"/>
+              <a:t> </a:t>
+            </a:r>
+            <a:r>
+              <a:rPr lang="de-DE" dirty="0" err="1"/>
+              <a:t>with</a:t>
+            </a:r>
+            <a:r>
+              <a:rPr lang="de-DE" dirty="0"/>
+              <a:t> ‘</a:t>
+            </a:r>
+            <a:r>
+              <a:rPr lang="de-DE" dirty="0" err="1"/>
+              <a:t>subtypes</a:t>
+            </a:r>
+            <a:r>
+              <a:rPr lang="de-DE" dirty="0"/>
+              <a:t>‘ ( </a:t>
+            </a:r>
+            <a:r>
+              <a:rPr lang="de-DE" dirty="0" err="1"/>
+              <a:t>details</a:t>
+            </a:r>
+            <a:r>
+              <a:rPr lang="de-DE"/>
+              <a:t> @ </a:t>
+            </a:r>
+            <a:r>
+              <a:rPr lang="de-DE" dirty="0"/>
+              <a:t>4/4) </a:t>
+            </a:r>
+          </a:p>
+          <a:p>
+            <a:pPr marL="285750" indent="-285750" algn="l" defTabSz="914400" rtl="0" eaLnBrk="1" latinLnBrk="0" hangingPunct="1">
+              <a:lnSpc>
+                <a:spcPct val="100000"/>
+              </a:lnSpc>
+              <a:spcBef>
+                <a:spcPts val="0"/>
+              </a:spcBef>
+              <a:spcAft>
+                <a:spcPts val="600"/>
+              </a:spcAft>
+              <a:buClr>
+                <a:schemeClr val="tx2"/>
+              </a:buClr>
+              <a:buFont typeface="Arial" panose="020B0604020202020204" pitchFamily="34" charset="0"/>
+              <a:buChar char="•"/>
+            </a:pPr>
+            <a:endParaRPr lang="de-DE" dirty="0"/>
+          </a:p>
+          <a:p>
+            <a:pPr marL="285750" indent="-285750" algn="l" defTabSz="914400" rtl="0" eaLnBrk="1" latinLnBrk="0" hangingPunct="1">
+              <a:lnSpc>
+                <a:spcPct val="100000"/>
+              </a:lnSpc>
+              <a:spcBef>
+                <a:spcPts val="0"/>
+              </a:spcBef>
+              <a:spcAft>
+                <a:spcPts val="600"/>
+              </a:spcAft>
+              <a:buClr>
+                <a:schemeClr val="tx2"/>
+              </a:buClr>
+              <a:buFont typeface="Arial" panose="020B0604020202020204" pitchFamily="34" charset="0"/>
+              <a:buChar char="•"/>
+            </a:pPr>
+            <a:endParaRPr lang="de-DE" dirty="0"/>
+          </a:p>
+          <a:p>
+            <a:pPr marL="285750" indent="-285750" algn="l" defTabSz="914400" rtl="0" eaLnBrk="1" latinLnBrk="0" hangingPunct="1">
+              <a:lnSpc>
+                <a:spcPct val="100000"/>
+              </a:lnSpc>
+              <a:spcBef>
+                <a:spcPts val="0"/>
+              </a:spcBef>
+              <a:spcAft>
+                <a:spcPts val="600"/>
+              </a:spcAft>
+              <a:buClr>
+                <a:schemeClr val="tx2"/>
+              </a:buClr>
+              <a:buFont typeface="Arial" panose="020B0604020202020204" pitchFamily="34" charset="0"/>
+              <a:buChar char="•"/>
+            </a:pPr>
+            <a:endParaRPr lang="de-DE" dirty="0"/>
+          </a:p>
+          <a:p>
+            <a:pPr marL="285750" indent="-285750" algn="l" defTabSz="914400" rtl="0" eaLnBrk="1" latinLnBrk="0" hangingPunct="1">
+              <a:lnSpc>
+                <a:spcPct val="100000"/>
+              </a:lnSpc>
+              <a:spcBef>
+                <a:spcPts val="0"/>
+              </a:spcBef>
+              <a:spcAft>
+                <a:spcPts val="600"/>
+              </a:spcAft>
+              <a:buClr>
+                <a:schemeClr val="tx2"/>
+              </a:buClr>
+              <a:buFont typeface="Arial" panose="020B0604020202020204" pitchFamily="34" charset="0"/>
+              <a:buChar char="•"/>
+            </a:pPr>
+            <a:endParaRPr lang="de-DE" dirty="0"/>
+          </a:p>
+          <a:p>
+            <a:pPr marL="285750" indent="-285750" algn="l" defTabSz="914400" rtl="0" eaLnBrk="1" latinLnBrk="0" hangingPunct="1">
+              <a:lnSpc>
+                <a:spcPct val="100000"/>
+              </a:lnSpc>
+              <a:spcBef>
+                <a:spcPts val="0"/>
+              </a:spcBef>
+              <a:spcAft>
+                <a:spcPts val="600"/>
+              </a:spcAft>
+              <a:buClr>
+                <a:schemeClr val="tx2"/>
+              </a:buClr>
+              <a:buFont typeface="Arial" panose="020B0604020202020204" pitchFamily="34" charset="0"/>
+              <a:buChar char="•"/>
+            </a:pPr>
+            <a:endParaRPr lang="de-DE" dirty="0"/>
+          </a:p>
+          <a:p>
+            <a:pPr marL="285750" indent="-285750" algn="l" defTabSz="914400" rtl="0" eaLnBrk="1" latinLnBrk="0" hangingPunct="1">
+              <a:lnSpc>
+                <a:spcPct val="100000"/>
+              </a:lnSpc>
+              <a:spcBef>
+                <a:spcPts val="0"/>
+              </a:spcBef>
+              <a:spcAft>
+                <a:spcPts val="600"/>
+              </a:spcAft>
+              <a:buClr>
+                <a:schemeClr val="tx2"/>
+              </a:buClr>
+              <a:buFont typeface="Arial" panose="020B0604020202020204" pitchFamily="34" charset="0"/>
+              <a:buChar char="•"/>
+            </a:pPr>
+            <a:endParaRPr lang="de-DE" dirty="0"/>
+          </a:p>
+          <a:p>
+            <a:pPr marL="285750" indent="-285750" algn="l" defTabSz="914400" rtl="0" eaLnBrk="1" latinLnBrk="0" hangingPunct="1">
+              <a:lnSpc>
+                <a:spcPct val="100000"/>
+              </a:lnSpc>
+              <a:spcBef>
+                <a:spcPts val="0"/>
+              </a:spcBef>
+              <a:spcAft>
+                <a:spcPts val="600"/>
+              </a:spcAft>
+              <a:buClr>
+                <a:schemeClr val="tx2"/>
+              </a:buClr>
+              <a:buFont typeface="Arial" panose="020B0604020202020204" pitchFamily="34" charset="0"/>
+              <a:buChar char="•"/>
+            </a:pPr>
+            <a:endParaRPr lang="de-DE" dirty="0"/>
+          </a:p>
+          <a:p>
+            <a:pPr marL="285750" indent="-285750" algn="l" defTabSz="914400" rtl="0" eaLnBrk="1" latinLnBrk="0" hangingPunct="1">
+              <a:lnSpc>
+                <a:spcPct val="100000"/>
+              </a:lnSpc>
+              <a:spcBef>
+                <a:spcPts val="0"/>
+              </a:spcBef>
+              <a:spcAft>
+                <a:spcPts val="600"/>
+              </a:spcAft>
+              <a:buClr>
+                <a:schemeClr val="tx2"/>
+              </a:buClr>
+              <a:buFont typeface="Arial" panose="020B0604020202020204" pitchFamily="34" charset="0"/>
+              <a:buChar char="•"/>
+            </a:pPr>
+            <a:r>
+              <a:rPr lang="de-DE" b="1" dirty="0"/>
+              <a:t>TODO</a:t>
+            </a:r>
+            <a:r>
+              <a:rPr lang="de-DE" dirty="0"/>
+              <a:t>: </a:t>
+            </a:r>
+            <a:r>
+              <a:rPr lang="de-DE" dirty="0" err="1"/>
+              <a:t>extract</a:t>
+            </a:r>
+            <a:r>
+              <a:rPr lang="de-DE" dirty="0"/>
+              <a:t> ID and save </a:t>
+            </a:r>
+            <a:r>
+              <a:rPr lang="de-DE" dirty="0" err="1"/>
+              <a:t>with</a:t>
+            </a:r>
+            <a:r>
+              <a:rPr lang="de-DE" dirty="0"/>
+              <a:t> </a:t>
+            </a:r>
+            <a:r>
+              <a:rPr lang="de-DE" dirty="0" err="1"/>
+              <a:t>label</a:t>
+            </a:r>
+            <a:endParaRPr lang="de-DE" dirty="0"/>
+          </a:p>
+          <a:p>
+            <a:pPr marL="285750" indent="-285750" algn="l" defTabSz="914400" rtl="0" eaLnBrk="1" latinLnBrk="0" hangingPunct="1">
+              <a:lnSpc>
+                <a:spcPct val="100000"/>
+              </a:lnSpc>
+              <a:spcBef>
+                <a:spcPts val="0"/>
+              </a:spcBef>
+              <a:spcAft>
+                <a:spcPts val="600"/>
+              </a:spcAft>
+              <a:buClr>
+                <a:schemeClr val="tx2"/>
+              </a:buClr>
+              <a:buFont typeface="Arial" panose="020B0604020202020204" pitchFamily="34" charset="0"/>
+              <a:buChar char="•"/>
+            </a:pPr>
+            <a:r>
+              <a:rPr lang="de-DE" dirty="0" err="1"/>
+              <a:t>How</a:t>
+            </a:r>
+            <a:r>
+              <a:rPr lang="de-DE" dirty="0"/>
+              <a:t> </a:t>
+            </a:r>
+            <a:r>
+              <a:rPr lang="de-DE" dirty="0" err="1"/>
+              <a:t>to</a:t>
+            </a:r>
+            <a:r>
+              <a:rPr lang="de-DE" dirty="0"/>
+              <a:t> </a:t>
+            </a:r>
+            <a:r>
+              <a:rPr lang="de-DE" dirty="0" err="1"/>
+              <a:t>map</a:t>
+            </a:r>
+            <a:r>
+              <a:rPr lang="de-DE" dirty="0"/>
+              <a:t> </a:t>
+            </a:r>
+            <a:r>
+              <a:rPr lang="de-DE" dirty="0" err="1"/>
+              <a:t>labels</a:t>
+            </a:r>
+            <a:r>
+              <a:rPr lang="de-DE" dirty="0"/>
+              <a:t> </a:t>
+            </a:r>
+            <a:r>
+              <a:rPr lang="de-DE" dirty="0" err="1"/>
+              <a:t>to</a:t>
+            </a:r>
+            <a:r>
+              <a:rPr lang="de-DE" dirty="0"/>
+              <a:t> </a:t>
+            </a:r>
+            <a:r>
+              <a:rPr lang="de-DE" dirty="0" err="1"/>
+              <a:t>error</a:t>
+            </a:r>
+            <a:r>
+              <a:rPr lang="de-DE" dirty="0"/>
+              <a:t> type (</a:t>
+            </a:r>
+            <a:r>
+              <a:rPr lang="de-DE" dirty="0" err="1"/>
+              <a:t>numerical</a:t>
+            </a:r>
+            <a:r>
+              <a:rPr lang="de-DE" dirty="0"/>
+              <a:t>, </a:t>
+            </a:r>
+            <a:r>
+              <a:rPr lang="de-DE" dirty="0" err="1"/>
+              <a:t>categorical</a:t>
+            </a:r>
+            <a:r>
+              <a:rPr lang="de-DE" dirty="0"/>
+              <a:t>, …?)  </a:t>
+            </a:r>
+          </a:p>
+          <a:p>
+            <a:pPr marL="285750" indent="-285750" algn="l" defTabSz="914400" rtl="0" eaLnBrk="1" latinLnBrk="0" hangingPunct="1">
+              <a:lnSpc>
+                <a:spcPct val="100000"/>
+              </a:lnSpc>
+              <a:spcBef>
+                <a:spcPts val="0"/>
+              </a:spcBef>
+              <a:spcAft>
+                <a:spcPts val="600"/>
+              </a:spcAft>
+              <a:buClr>
+                <a:schemeClr val="tx2"/>
+              </a:buClr>
+              <a:buFont typeface="Arial" panose="020B0604020202020204" pitchFamily="34" charset="0"/>
+              <a:buChar char="•"/>
+            </a:pPr>
+            <a:endParaRPr lang="en-US" sz="1800" kern="1200" dirty="0" err="1">
+              <a:solidFill>
+                <a:schemeClr val="tx1"/>
+              </a:solidFill>
+              <a:latin typeface="+mn-lt"/>
+              <a:ea typeface="+mn-ea"/>
+              <a:cs typeface="+mn-cs"/>
+            </a:endParaRPr>
+          </a:p>
+        </p:txBody>
+      </p:sp>
+      <p:pic>
+        <p:nvPicPr>
+          <p:cNvPr id="8" name="Picture 7">
+            <a:extLst>
+              <a:ext uri="{FF2B5EF4-FFF2-40B4-BE49-F238E27FC236}">
+                <a16:creationId xmlns:a16="http://schemas.microsoft.com/office/drawing/2014/main" id="{2F709D92-EADA-E556-FD45-2B6DCF1FFF94}"/>
+              </a:ext>
+            </a:extLst>
+          </p:cNvPr>
+          <p:cNvPicPr>
+            <a:picLocks noChangeAspect="1"/>
+          </p:cNvPicPr>
+          <p:nvPr/>
+        </p:nvPicPr>
+        <p:blipFill>
+          <a:blip r:embed="rId3"/>
+          <a:stretch>
+            <a:fillRect/>
+          </a:stretch>
+        </p:blipFill>
+        <p:spPr>
+          <a:xfrm>
+            <a:off x="6096000" y="2497183"/>
+            <a:ext cx="5847330" cy="2124892"/>
+          </a:xfrm>
+          <a:prstGeom prst="rect">
+            <a:avLst/>
+          </a:prstGeom>
+        </p:spPr>
+      </p:pic>
+    </p:spTree>
+    <p:extLst>
+      <p:ext uri="{BB962C8B-B14F-4D97-AF65-F5344CB8AC3E}">
+        <p14:creationId xmlns:p14="http://schemas.microsoft.com/office/powerpoint/2010/main" val="3353005350"/>
+      </p:ext>
+    </p:extLst>
+  </p:cSld>
+  <p:clrMapOvr>
+    <a:masterClrMapping/>
+  </p:clrMapOvr>
+</p:sld>
+</file>
+
+<file path=ppt/slides/slide15.xml><?xml version="1.0" encoding="utf-8"?>
+<p:sld xmlns:a="http://schemas.openxmlformats.org/drawingml/2006/main" xmlns:r="http://schemas.openxmlformats.org/officeDocument/2006/relationships" xmlns:p="http://schemas.openxmlformats.org/presentationml/2006/main">
+  <p:cSld>
+    <p:spTree>
+      <p:nvGrpSpPr>
+        <p:cNvPr id="1" name=""/>
+        <p:cNvGrpSpPr/>
+        <p:nvPr/>
+      </p:nvGrpSpPr>
+      <p:grpSpPr>
+        <a:xfrm>
+          <a:off x="0" y="0"/>
+          <a:ext cx="0" cy="0"/>
+          <a:chOff x="0" y="0"/>
+          <a:chExt cx="0" cy="0"/>
+        </a:xfrm>
+      </p:grpSpPr>
+      <p:sp>
+        <p:nvSpPr>
+          <p:cNvPr id="2" name="Title 1">
+            <a:extLst>
+              <a:ext uri="{FF2B5EF4-FFF2-40B4-BE49-F238E27FC236}">
+                <a16:creationId xmlns:a16="http://schemas.microsoft.com/office/drawing/2014/main" id="{CC602EF1-3F43-7235-3C14-52EE7D7F06A7}"/>
+              </a:ext>
+            </a:extLst>
+          </p:cNvPr>
+          <p:cNvSpPr>
+            <a:spLocks noGrp="1"/>
+          </p:cNvSpPr>
+          <p:nvPr>
+            <p:ph type="title"/>
+          </p:nvPr>
+        </p:nvSpPr>
+        <p:spPr/>
+        <p:txBody>
+          <a:bodyPr/>
+          <a:lstStyle/>
+          <a:p>
+            <a:r>
+              <a:rPr lang="de-DE" dirty="0"/>
+              <a:t>Notes BA-</a:t>
+            </a:r>
+            <a:r>
+              <a:rPr lang="de-DE" dirty="0" err="1"/>
+              <a:t>Sync</a:t>
+            </a:r>
+            <a:r>
+              <a:rPr lang="de-DE" dirty="0"/>
+              <a:t> – 27.06.2024 (2/4)</a:t>
+            </a:r>
+            <a:endParaRPr lang="en-US" dirty="0"/>
+          </a:p>
+        </p:txBody>
+      </p:sp>
+      <p:sp>
+        <p:nvSpPr>
+          <p:cNvPr id="4" name="TextBox 3">
+            <a:extLst>
+              <a:ext uri="{FF2B5EF4-FFF2-40B4-BE49-F238E27FC236}">
+                <a16:creationId xmlns:a16="http://schemas.microsoft.com/office/drawing/2014/main" id="{0D4094F1-6499-3E15-8285-4EA7170BBB14}"/>
+              </a:ext>
+            </a:extLst>
+          </p:cNvPr>
+          <p:cNvSpPr txBox="1"/>
+          <p:nvPr/>
+        </p:nvSpPr>
+        <p:spPr>
+          <a:xfrm>
+            <a:off x="226422" y="862149"/>
+            <a:ext cx="11617235" cy="5001369"/>
+          </a:xfrm>
+          <a:prstGeom prst="rect">
+            <a:avLst/>
+          </a:prstGeom>
+        </p:spPr>
+        <p:txBody>
+          <a:bodyPr vert="horz" wrap="square" lIns="0" tIns="0" rIns="0" bIns="0" rtlCol="0">
+            <a:spAutoFit/>
+          </a:bodyPr>
+          <a:lstStyle/>
+          <a:p>
+            <a:pPr marL="0" indent="0" algn="l" defTabSz="914400" rtl="0" eaLnBrk="1" latinLnBrk="0" hangingPunct="1">
+              <a:lnSpc>
+                <a:spcPct val="100000"/>
+              </a:lnSpc>
+              <a:spcBef>
+                <a:spcPts val="0"/>
+              </a:spcBef>
+              <a:spcAft>
+                <a:spcPts val="600"/>
+              </a:spcAft>
+              <a:buClr>
+                <a:schemeClr val="tx2"/>
+              </a:buClr>
+              <a:buFontTx/>
+              <a:buNone/>
+            </a:pPr>
+            <a:r>
+              <a:rPr lang="de-DE" sz="1000" kern="1200" dirty="0" err="1">
+                <a:solidFill>
+                  <a:schemeClr val="tx1"/>
+                </a:solidFill>
+                <a:latin typeface="+mn-lt"/>
+                <a:ea typeface="+mn-ea"/>
+                <a:cs typeface="+mn-cs"/>
+              </a:rPr>
+              <a:t>What</a:t>
+            </a:r>
+            <a:r>
+              <a:rPr lang="de-DE" sz="1000" kern="1200" dirty="0">
+                <a:solidFill>
+                  <a:schemeClr val="tx1"/>
+                </a:solidFill>
+                <a:latin typeface="+mn-lt"/>
+                <a:ea typeface="+mn-ea"/>
+                <a:cs typeface="+mn-cs"/>
+              </a:rPr>
+              <a:t> </a:t>
+            </a:r>
+            <a:r>
+              <a:rPr lang="de-DE" sz="1000" kern="1200" dirty="0" err="1">
+                <a:solidFill>
+                  <a:schemeClr val="tx1"/>
+                </a:solidFill>
+                <a:latin typeface="+mn-lt"/>
+                <a:ea typeface="+mn-ea"/>
+                <a:cs typeface="+mn-cs"/>
+              </a:rPr>
+              <a:t>happened</a:t>
+            </a:r>
+            <a:r>
+              <a:rPr lang="de-DE" sz="1000" kern="1200" dirty="0">
+                <a:solidFill>
+                  <a:schemeClr val="tx1"/>
+                </a:solidFill>
+                <a:latin typeface="+mn-lt"/>
+                <a:ea typeface="+mn-ea"/>
+                <a:cs typeface="+mn-cs"/>
+              </a:rPr>
+              <a:t> </a:t>
+            </a:r>
+            <a:r>
+              <a:rPr lang="de-DE" sz="1000" kern="1200" dirty="0" err="1">
+                <a:solidFill>
+                  <a:schemeClr val="tx1"/>
+                </a:solidFill>
+                <a:latin typeface="+mn-lt"/>
+                <a:ea typeface="+mn-ea"/>
+                <a:cs typeface="+mn-cs"/>
+              </a:rPr>
+              <a:t>until</a:t>
+            </a:r>
+            <a:r>
+              <a:rPr lang="de-DE" sz="1000" kern="1200" dirty="0">
+                <a:solidFill>
+                  <a:schemeClr val="tx1"/>
+                </a:solidFill>
+                <a:latin typeface="+mn-lt"/>
+                <a:ea typeface="+mn-ea"/>
+                <a:cs typeface="+mn-cs"/>
+              </a:rPr>
+              <a:t> </a:t>
+            </a:r>
+            <a:r>
+              <a:rPr lang="de-DE" sz="1000" kern="1200" dirty="0" err="1">
+                <a:solidFill>
+                  <a:schemeClr val="tx1"/>
+                </a:solidFill>
+                <a:latin typeface="+mn-lt"/>
+                <a:ea typeface="+mn-ea"/>
+                <a:cs typeface="+mn-cs"/>
+              </a:rPr>
+              <a:t>now</a:t>
+            </a:r>
+            <a:r>
+              <a:rPr lang="de-DE" sz="1000" kern="1200" dirty="0">
+                <a:solidFill>
+                  <a:schemeClr val="tx1"/>
+                </a:solidFill>
+                <a:latin typeface="+mn-lt"/>
+                <a:ea typeface="+mn-ea"/>
+                <a:cs typeface="+mn-cs"/>
+              </a:rPr>
+              <a:t>: </a:t>
+            </a:r>
+          </a:p>
+          <a:p>
+            <a:pPr marL="342900" indent="-342900" algn="l" defTabSz="914400" rtl="0" eaLnBrk="1" latinLnBrk="0" hangingPunct="1">
+              <a:lnSpc>
+                <a:spcPct val="100000"/>
+              </a:lnSpc>
+              <a:spcBef>
+                <a:spcPts val="0"/>
+              </a:spcBef>
+              <a:spcAft>
+                <a:spcPts val="600"/>
+              </a:spcAft>
+              <a:buClr>
+                <a:schemeClr val="tx2"/>
+              </a:buClr>
+              <a:buFontTx/>
+              <a:buAutoNum type="arabicPeriod"/>
+            </a:pPr>
+            <a:r>
+              <a:rPr lang="de-DE" sz="1000" dirty="0"/>
+              <a:t>Onboarding</a:t>
+            </a:r>
+          </a:p>
+          <a:p>
+            <a:pPr marL="342900" indent="-342900" algn="l" defTabSz="914400" rtl="0" eaLnBrk="1" latinLnBrk="0" hangingPunct="1">
+              <a:lnSpc>
+                <a:spcPct val="100000"/>
+              </a:lnSpc>
+              <a:spcBef>
+                <a:spcPts val="0"/>
+              </a:spcBef>
+              <a:spcAft>
+                <a:spcPts val="600"/>
+              </a:spcAft>
+              <a:buClr>
+                <a:schemeClr val="tx2"/>
+              </a:buClr>
+              <a:buFontTx/>
+              <a:buAutoNum type="arabicPeriod"/>
+            </a:pPr>
+            <a:r>
+              <a:rPr lang="de-DE" sz="1000" dirty="0"/>
+              <a:t>Research, Paper </a:t>
+            </a:r>
+            <a:r>
+              <a:rPr lang="de-DE" sz="1000" dirty="0" err="1"/>
+              <a:t>reading</a:t>
+            </a:r>
+            <a:r>
+              <a:rPr lang="de-DE" sz="1000" dirty="0"/>
+              <a:t> </a:t>
+            </a:r>
+            <a:r>
+              <a:rPr lang="de-DE" sz="1000" dirty="0" err="1"/>
+              <a:t>prepwork</a:t>
+            </a:r>
+            <a:endParaRPr lang="de-DE" sz="1000" dirty="0"/>
+          </a:p>
+          <a:p>
+            <a:pPr marL="342900" indent="-342900" algn="l" defTabSz="914400" rtl="0" eaLnBrk="1" latinLnBrk="0" hangingPunct="1">
+              <a:lnSpc>
+                <a:spcPct val="100000"/>
+              </a:lnSpc>
+              <a:spcBef>
+                <a:spcPts val="0"/>
+              </a:spcBef>
+              <a:spcAft>
+                <a:spcPts val="600"/>
+              </a:spcAft>
+              <a:buClr>
+                <a:schemeClr val="tx2"/>
+              </a:buClr>
+              <a:buFontTx/>
+              <a:buAutoNum type="arabicPeriod"/>
+            </a:pPr>
+            <a:r>
+              <a:rPr lang="de-DE" sz="1000" kern="1200" dirty="0">
+                <a:solidFill>
+                  <a:schemeClr val="tx1"/>
+                </a:solidFill>
+                <a:latin typeface="+mn-lt"/>
+                <a:ea typeface="+mn-ea"/>
+                <a:cs typeface="+mn-cs"/>
+              </a:rPr>
+              <a:t>Logs </a:t>
+            </a:r>
+            <a:r>
+              <a:rPr lang="de-DE" sz="1000" kern="1200" dirty="0" err="1">
+                <a:solidFill>
+                  <a:schemeClr val="tx1"/>
+                </a:solidFill>
+                <a:latin typeface="+mn-lt"/>
+                <a:ea typeface="+mn-ea"/>
+                <a:cs typeface="+mn-cs"/>
+              </a:rPr>
+              <a:t>to</a:t>
+            </a:r>
+            <a:r>
+              <a:rPr lang="de-DE" sz="1000" kern="1200" dirty="0">
+                <a:solidFill>
+                  <a:schemeClr val="tx1"/>
+                </a:solidFill>
+                <a:latin typeface="+mn-lt"/>
+                <a:ea typeface="+mn-ea"/>
+                <a:cs typeface="+mn-cs"/>
+              </a:rPr>
+              <a:t> </a:t>
+            </a:r>
+            <a:r>
+              <a:rPr lang="de-DE" sz="1000" kern="1200" dirty="0" err="1">
+                <a:solidFill>
+                  <a:schemeClr val="tx1"/>
+                </a:solidFill>
+                <a:latin typeface="+mn-lt"/>
+                <a:ea typeface="+mn-ea"/>
+                <a:cs typeface="+mn-cs"/>
+              </a:rPr>
+              <a:t>aws</a:t>
+            </a:r>
+            <a:r>
+              <a:rPr lang="de-DE" sz="1000" kern="1200" dirty="0">
+                <a:solidFill>
+                  <a:schemeClr val="tx1"/>
+                </a:solidFill>
+                <a:latin typeface="+mn-lt"/>
+                <a:ea typeface="+mn-ea"/>
+                <a:cs typeface="+mn-cs"/>
+              </a:rPr>
+              <a:t> ( Sascha)</a:t>
+            </a:r>
+          </a:p>
+          <a:p>
+            <a:pPr marL="342900" indent="-342900" algn="l" defTabSz="914400" rtl="0" eaLnBrk="1" latinLnBrk="0" hangingPunct="1">
+              <a:lnSpc>
+                <a:spcPct val="100000"/>
+              </a:lnSpc>
+              <a:spcBef>
+                <a:spcPts val="0"/>
+              </a:spcBef>
+              <a:spcAft>
+                <a:spcPts val="600"/>
+              </a:spcAft>
+              <a:buClr>
+                <a:schemeClr val="tx2"/>
+              </a:buClr>
+              <a:buFontTx/>
+              <a:buAutoNum type="arabicPeriod"/>
+            </a:pPr>
+            <a:r>
+              <a:rPr lang="de-DE" sz="1000" kern="1200" dirty="0" err="1">
+                <a:solidFill>
+                  <a:schemeClr val="tx1"/>
+                </a:solidFill>
+                <a:latin typeface="+mn-lt"/>
+                <a:ea typeface="+mn-ea"/>
+                <a:cs typeface="+mn-cs"/>
+              </a:rPr>
+              <a:t>Script</a:t>
+            </a:r>
+            <a:r>
+              <a:rPr lang="de-DE" sz="1000" kern="1200" dirty="0">
+                <a:solidFill>
+                  <a:schemeClr val="tx1"/>
+                </a:solidFill>
+                <a:latin typeface="+mn-lt"/>
+                <a:ea typeface="+mn-ea"/>
+                <a:cs typeface="+mn-cs"/>
+              </a:rPr>
+              <a:t> </a:t>
+            </a:r>
+            <a:r>
+              <a:rPr lang="de-DE" sz="1000" kern="1200" dirty="0" err="1">
+                <a:solidFill>
+                  <a:schemeClr val="tx1"/>
+                </a:solidFill>
+                <a:latin typeface="+mn-lt"/>
+                <a:ea typeface="+mn-ea"/>
+                <a:cs typeface="+mn-cs"/>
+              </a:rPr>
+              <a:t>to</a:t>
+            </a:r>
+            <a:r>
+              <a:rPr lang="de-DE" sz="1000" kern="1200" dirty="0">
+                <a:solidFill>
+                  <a:schemeClr val="tx1"/>
+                </a:solidFill>
+                <a:latin typeface="+mn-lt"/>
+                <a:ea typeface="+mn-ea"/>
+                <a:cs typeface="+mn-cs"/>
+              </a:rPr>
+              <a:t> </a:t>
+            </a:r>
+            <a:r>
+              <a:rPr lang="de-DE" sz="1000" kern="1200" dirty="0" err="1">
+                <a:solidFill>
+                  <a:schemeClr val="tx1"/>
+                </a:solidFill>
+                <a:latin typeface="+mn-lt"/>
+                <a:ea typeface="+mn-ea"/>
+                <a:cs typeface="+mn-cs"/>
+              </a:rPr>
+              <a:t>crop</a:t>
+            </a:r>
+            <a:r>
+              <a:rPr lang="de-DE" sz="1000" kern="1200" dirty="0">
+                <a:solidFill>
+                  <a:schemeClr val="tx1"/>
+                </a:solidFill>
+                <a:latin typeface="+mn-lt"/>
+                <a:ea typeface="+mn-ea"/>
+                <a:cs typeface="+mn-cs"/>
+              </a:rPr>
+              <a:t> logs</a:t>
+            </a:r>
+          </a:p>
+          <a:p>
+            <a:pPr marL="742950" lvl="1" indent="-285750">
+              <a:spcAft>
+                <a:spcPts val="600"/>
+              </a:spcAft>
+              <a:buClr>
+                <a:schemeClr val="tx2"/>
+              </a:buClr>
+              <a:buFont typeface="Arial" panose="020B0604020202020204" pitchFamily="34" charset="0"/>
+              <a:buChar char="•"/>
+            </a:pPr>
+            <a:r>
+              <a:rPr lang="de-DE" sz="1000" kern="1200" dirty="0">
+                <a:solidFill>
+                  <a:schemeClr val="tx1"/>
+                </a:solidFill>
+                <a:latin typeface="+mn-lt"/>
+                <a:ea typeface="+mn-ea"/>
+                <a:cs typeface="+mn-cs"/>
+              </a:rPr>
+              <a:t>Search </a:t>
+            </a:r>
+            <a:r>
+              <a:rPr lang="de-DE" sz="1000" kern="1200" dirty="0" err="1">
+                <a:solidFill>
+                  <a:schemeClr val="tx1"/>
+                </a:solidFill>
+                <a:latin typeface="+mn-lt"/>
+                <a:ea typeface="+mn-ea"/>
+                <a:cs typeface="+mn-cs"/>
+              </a:rPr>
+              <a:t>for</a:t>
+            </a:r>
+            <a:r>
+              <a:rPr lang="de-DE" sz="1000" dirty="0"/>
+              <a:t>: </a:t>
+            </a:r>
+            <a:r>
+              <a:rPr lang="de-DE" sz="1000" b="1" dirty="0"/>
+              <a:t>„</a:t>
+            </a:r>
+            <a:r>
+              <a:rPr lang="de-DE" sz="1000" b="1" dirty="0" err="1"/>
+              <a:t>failed</a:t>
+            </a:r>
+            <a:r>
+              <a:rPr lang="de-DE" sz="1000" b="1" dirty="0"/>
+              <a:t>“: </a:t>
+            </a:r>
+            <a:r>
+              <a:rPr lang="de-DE" sz="1000" b="1" dirty="0" err="1"/>
+              <a:t>true</a:t>
+            </a:r>
+            <a:r>
+              <a:rPr lang="de-DE" sz="1000" b="1" kern="1200" dirty="0">
+                <a:solidFill>
+                  <a:schemeClr val="tx1"/>
+                </a:solidFill>
+                <a:latin typeface="+mn-lt"/>
+                <a:ea typeface="+mn-ea"/>
+                <a:cs typeface="+mn-cs"/>
+              </a:rPr>
+              <a:t> </a:t>
+            </a:r>
+          </a:p>
+          <a:p>
+            <a:pPr marL="742950" lvl="1" indent="-285750">
+              <a:spcAft>
+                <a:spcPts val="600"/>
+              </a:spcAft>
+              <a:buClr>
+                <a:schemeClr val="tx2"/>
+              </a:buClr>
+              <a:buFont typeface="Arial" panose="020B0604020202020204" pitchFamily="34" charset="0"/>
+              <a:buChar char="•"/>
+            </a:pPr>
+            <a:r>
+              <a:rPr lang="de-DE" sz="1000" kern="1200" dirty="0">
+                <a:solidFill>
+                  <a:schemeClr val="tx1"/>
+                </a:solidFill>
+                <a:latin typeface="+mn-lt"/>
+                <a:ea typeface="+mn-ea"/>
+                <a:cs typeface="+mn-cs"/>
+              </a:rPr>
+              <a:t>Find </a:t>
+            </a:r>
+            <a:r>
+              <a:rPr lang="de-DE" sz="1000" kern="1200" dirty="0" err="1">
+                <a:solidFill>
+                  <a:schemeClr val="tx1"/>
+                </a:solidFill>
+                <a:latin typeface="+mn-lt"/>
+                <a:ea typeface="+mn-ea"/>
+                <a:cs typeface="+mn-cs"/>
+              </a:rPr>
+              <a:t>interesting</a:t>
+            </a:r>
+            <a:r>
+              <a:rPr lang="de-DE" sz="1000" kern="1200" dirty="0">
+                <a:solidFill>
+                  <a:schemeClr val="tx1"/>
+                </a:solidFill>
+                <a:latin typeface="+mn-lt"/>
+                <a:ea typeface="+mn-ea"/>
+                <a:cs typeface="+mn-cs"/>
+              </a:rPr>
+              <a:t> </a:t>
+            </a:r>
+            <a:r>
+              <a:rPr lang="de-DE" sz="1000" kern="1200" dirty="0" err="1">
+                <a:solidFill>
+                  <a:schemeClr val="tx1"/>
+                </a:solidFill>
+                <a:latin typeface="+mn-lt"/>
+                <a:ea typeface="+mn-ea"/>
+                <a:cs typeface="+mn-cs"/>
+              </a:rPr>
+              <a:t>keys</a:t>
+            </a:r>
+            <a:r>
+              <a:rPr lang="de-DE" sz="1000" kern="1200" dirty="0">
+                <a:solidFill>
+                  <a:schemeClr val="tx1"/>
+                </a:solidFill>
+                <a:latin typeface="+mn-lt"/>
+                <a:ea typeface="+mn-ea"/>
+                <a:cs typeface="+mn-cs"/>
+              </a:rPr>
+              <a:t> </a:t>
+            </a:r>
+            <a:r>
+              <a:rPr lang="de-DE" sz="1000" kern="1200" dirty="0" err="1">
+                <a:solidFill>
+                  <a:schemeClr val="tx1"/>
+                </a:solidFill>
+                <a:latin typeface="+mn-lt"/>
+                <a:ea typeface="+mn-ea"/>
+                <a:cs typeface="+mn-cs"/>
+              </a:rPr>
+              <a:t>before</a:t>
+            </a:r>
+            <a:r>
+              <a:rPr lang="de-DE" sz="1000" kern="1200" dirty="0">
+                <a:solidFill>
+                  <a:schemeClr val="tx1"/>
+                </a:solidFill>
+                <a:latin typeface="+mn-lt"/>
+                <a:ea typeface="+mn-ea"/>
+                <a:cs typeface="+mn-cs"/>
+              </a:rPr>
+              <a:t> </a:t>
+            </a:r>
+            <a:r>
+              <a:rPr lang="de-DE" sz="1000" kern="1200" dirty="0" err="1">
+                <a:solidFill>
+                  <a:schemeClr val="tx1"/>
+                </a:solidFill>
+                <a:latin typeface="+mn-lt"/>
+                <a:ea typeface="+mn-ea"/>
+                <a:cs typeface="+mn-cs"/>
+              </a:rPr>
+              <a:t>that</a:t>
+            </a:r>
+            <a:r>
+              <a:rPr lang="de-DE" sz="1000" kern="1200" dirty="0">
+                <a:solidFill>
+                  <a:schemeClr val="tx1"/>
+                </a:solidFill>
+                <a:latin typeface="+mn-lt"/>
+                <a:ea typeface="+mn-ea"/>
+                <a:cs typeface="+mn-cs"/>
+              </a:rPr>
+              <a:t>  ( </a:t>
+            </a:r>
+            <a:r>
+              <a:rPr lang="de-DE" sz="1000" kern="1200" dirty="0" err="1">
+                <a:solidFill>
+                  <a:schemeClr val="tx1"/>
+                </a:solidFill>
+                <a:latin typeface="+mn-lt"/>
+                <a:ea typeface="+mn-ea"/>
+                <a:cs typeface="+mn-cs"/>
+              </a:rPr>
+              <a:t>id</a:t>
+            </a:r>
+            <a:r>
+              <a:rPr lang="de-DE" sz="1000" kern="1200" dirty="0">
+                <a:solidFill>
+                  <a:schemeClr val="tx1"/>
+                </a:solidFill>
+                <a:latin typeface="+mn-lt"/>
+                <a:ea typeface="+mn-ea"/>
+                <a:cs typeface="+mn-cs"/>
+              </a:rPr>
+              <a:t>, </a:t>
+            </a:r>
+            <a:r>
+              <a:rPr lang="de-DE" sz="1000" kern="1200" dirty="0" err="1">
+                <a:solidFill>
+                  <a:schemeClr val="tx1"/>
+                </a:solidFill>
+                <a:latin typeface="+mn-lt"/>
+                <a:ea typeface="+mn-ea"/>
+                <a:cs typeface="+mn-cs"/>
+              </a:rPr>
+              <a:t>stdout</a:t>
+            </a:r>
+            <a:r>
+              <a:rPr lang="de-DE" sz="1000" kern="1200" dirty="0">
+                <a:solidFill>
+                  <a:schemeClr val="tx1"/>
+                </a:solidFill>
+                <a:latin typeface="+mn-lt"/>
+                <a:ea typeface="+mn-ea"/>
+                <a:cs typeface="+mn-cs"/>
+              </a:rPr>
+              <a:t>, </a:t>
+            </a:r>
+            <a:r>
+              <a:rPr lang="de-DE" sz="1000" kern="1200" dirty="0" err="1">
+                <a:solidFill>
+                  <a:schemeClr val="tx1"/>
+                </a:solidFill>
+                <a:latin typeface="+mn-lt"/>
+                <a:ea typeface="+mn-ea"/>
+                <a:cs typeface="+mn-cs"/>
+              </a:rPr>
+              <a:t>stderr</a:t>
+            </a:r>
+            <a:r>
+              <a:rPr lang="de-DE" sz="1000" dirty="0"/>
+              <a:t>)</a:t>
+            </a:r>
+          </a:p>
+          <a:p>
+            <a:pPr marL="742950" lvl="1" indent="-285750">
+              <a:spcAft>
+                <a:spcPts val="600"/>
+              </a:spcAft>
+              <a:buClr>
+                <a:schemeClr val="tx2"/>
+              </a:buClr>
+              <a:buFont typeface="Arial" panose="020B0604020202020204" pitchFamily="34" charset="0"/>
+              <a:buChar char="•"/>
+            </a:pPr>
+            <a:r>
+              <a:rPr lang="de-DE" sz="1000" kern="1200" dirty="0">
+                <a:solidFill>
+                  <a:schemeClr val="tx1"/>
+                </a:solidFill>
+                <a:latin typeface="+mn-lt"/>
+                <a:ea typeface="+mn-ea"/>
+                <a:cs typeface="+mn-cs"/>
+              </a:rPr>
+              <a:t>Dump </a:t>
+            </a:r>
+            <a:r>
+              <a:rPr lang="de-DE" sz="1000" kern="1200" dirty="0" err="1">
+                <a:solidFill>
+                  <a:schemeClr val="tx1"/>
+                </a:solidFill>
+                <a:latin typeface="+mn-lt"/>
+                <a:ea typeface="+mn-ea"/>
+                <a:cs typeface="+mn-cs"/>
+              </a:rPr>
+              <a:t>into</a:t>
+            </a:r>
+            <a:r>
+              <a:rPr lang="de-DE" sz="1000" kern="1200" dirty="0">
+                <a:solidFill>
+                  <a:schemeClr val="tx1"/>
+                </a:solidFill>
+                <a:latin typeface="+mn-lt"/>
+                <a:ea typeface="+mn-ea"/>
+                <a:cs typeface="+mn-cs"/>
+              </a:rPr>
+              <a:t> </a:t>
+            </a:r>
+            <a:r>
+              <a:rPr lang="de-DE" sz="1000" kern="1200" dirty="0" err="1">
+                <a:solidFill>
+                  <a:schemeClr val="tx1"/>
+                </a:solidFill>
+                <a:latin typeface="+mn-lt"/>
+                <a:ea typeface="+mn-ea"/>
+                <a:cs typeface="+mn-cs"/>
+              </a:rPr>
+              <a:t>new</a:t>
+            </a:r>
+            <a:r>
+              <a:rPr lang="de-DE" sz="1000" kern="1200" dirty="0">
+                <a:solidFill>
+                  <a:schemeClr val="tx1"/>
+                </a:solidFill>
+                <a:latin typeface="+mn-lt"/>
+                <a:ea typeface="+mn-ea"/>
+                <a:cs typeface="+mn-cs"/>
+              </a:rPr>
+              <a:t> </a:t>
+            </a:r>
+            <a:r>
+              <a:rPr lang="de-DE" sz="1000" kern="1200" dirty="0" err="1">
+                <a:solidFill>
+                  <a:schemeClr val="tx1"/>
+                </a:solidFill>
+                <a:latin typeface="+mn-lt"/>
+                <a:ea typeface="+mn-ea"/>
+                <a:cs typeface="+mn-cs"/>
+              </a:rPr>
+              <a:t>file</a:t>
+            </a:r>
+            <a:r>
+              <a:rPr lang="de-DE" sz="1000" kern="1200" dirty="0">
+                <a:solidFill>
+                  <a:schemeClr val="tx1"/>
+                </a:solidFill>
+                <a:latin typeface="+mn-lt"/>
+                <a:ea typeface="+mn-ea"/>
+                <a:cs typeface="+mn-cs"/>
+              </a:rPr>
+              <a:t> </a:t>
+            </a:r>
+            <a:r>
+              <a:rPr lang="de-DE" sz="1000" kern="1200" dirty="0" err="1">
+                <a:solidFill>
+                  <a:schemeClr val="tx1"/>
+                </a:solidFill>
+                <a:latin typeface="+mn-lt"/>
+                <a:ea typeface="+mn-ea"/>
+                <a:cs typeface="+mn-cs"/>
+              </a:rPr>
+              <a:t>with</a:t>
+            </a:r>
+            <a:r>
+              <a:rPr lang="de-DE" sz="1000" kern="1200" dirty="0">
+                <a:solidFill>
+                  <a:schemeClr val="tx1"/>
+                </a:solidFill>
+                <a:latin typeface="+mn-lt"/>
+                <a:ea typeface="+mn-ea"/>
+                <a:cs typeface="+mn-cs"/>
+              </a:rPr>
+              <a:t> </a:t>
+            </a:r>
+            <a:r>
+              <a:rPr lang="de-DE" sz="1000" kern="1200" dirty="0" err="1">
+                <a:solidFill>
+                  <a:schemeClr val="tx1"/>
+                </a:solidFill>
+                <a:latin typeface="+mn-lt"/>
+                <a:ea typeface="+mn-ea"/>
+                <a:cs typeface="+mn-cs"/>
+              </a:rPr>
+              <a:t>filename</a:t>
+            </a:r>
+            <a:r>
+              <a:rPr lang="de-DE" sz="1000" kern="1200" dirty="0">
+                <a:solidFill>
+                  <a:schemeClr val="tx1"/>
+                </a:solidFill>
+                <a:latin typeface="+mn-lt"/>
+                <a:ea typeface="+mn-ea"/>
+                <a:cs typeface="+mn-cs"/>
+              </a:rPr>
+              <a:t> + </a:t>
+            </a:r>
+            <a:r>
+              <a:rPr lang="de-DE" sz="1000" kern="1200" dirty="0" err="1">
+                <a:solidFill>
+                  <a:schemeClr val="tx1"/>
+                </a:solidFill>
+                <a:latin typeface="+mn-lt"/>
+                <a:ea typeface="+mn-ea"/>
+                <a:cs typeface="+mn-cs"/>
+              </a:rPr>
+              <a:t>cropped</a:t>
+            </a:r>
+            <a:endParaRPr lang="de-DE" sz="1000" kern="1200" dirty="0">
+              <a:solidFill>
+                <a:schemeClr val="tx1"/>
+              </a:solidFill>
+              <a:latin typeface="+mn-lt"/>
+              <a:ea typeface="+mn-ea"/>
+              <a:cs typeface="+mn-cs"/>
+            </a:endParaRPr>
+          </a:p>
+          <a:p>
+            <a:pPr marL="742950" lvl="1" indent="-285750">
+              <a:spcAft>
+                <a:spcPts val="600"/>
+              </a:spcAft>
+              <a:buClr>
+                <a:schemeClr val="tx2"/>
+              </a:buClr>
+              <a:buFont typeface="Arial" panose="020B0604020202020204" pitchFamily="34" charset="0"/>
+              <a:buChar char="•"/>
+            </a:pPr>
+            <a:r>
+              <a:rPr lang="de-DE" sz="1000" kern="1200" dirty="0" err="1">
+                <a:solidFill>
+                  <a:schemeClr val="tx1"/>
+                </a:solidFill>
+                <a:latin typeface="+mn-lt"/>
+                <a:ea typeface="+mn-ea"/>
+                <a:cs typeface="+mn-cs"/>
+              </a:rPr>
+              <a:t>Manually</a:t>
+            </a:r>
+            <a:r>
+              <a:rPr lang="de-DE" sz="1000" kern="1200" dirty="0">
+                <a:solidFill>
+                  <a:schemeClr val="tx1"/>
+                </a:solidFill>
+                <a:latin typeface="+mn-lt"/>
+                <a:ea typeface="+mn-ea"/>
+                <a:cs typeface="+mn-cs"/>
+              </a:rPr>
+              <a:t> </a:t>
+            </a:r>
+            <a:r>
+              <a:rPr lang="de-DE" sz="1000" kern="1200" dirty="0" err="1">
+                <a:solidFill>
+                  <a:schemeClr val="tx1"/>
+                </a:solidFill>
+                <a:latin typeface="+mn-lt"/>
+                <a:ea typeface="+mn-ea"/>
+                <a:cs typeface="+mn-cs"/>
+              </a:rPr>
+              <a:t>downloaded</a:t>
+            </a:r>
+            <a:r>
+              <a:rPr lang="de-DE" sz="1000" kern="1200" dirty="0">
+                <a:solidFill>
+                  <a:schemeClr val="tx1"/>
+                </a:solidFill>
+                <a:latin typeface="+mn-lt"/>
+                <a:ea typeface="+mn-ea"/>
+                <a:cs typeface="+mn-cs"/>
+              </a:rPr>
+              <a:t> </a:t>
+            </a:r>
+            <a:r>
+              <a:rPr lang="de-DE" sz="1000" kern="1200" dirty="0" err="1">
+                <a:solidFill>
+                  <a:schemeClr val="tx1"/>
+                </a:solidFill>
+                <a:latin typeface="+mn-lt"/>
+                <a:ea typeface="+mn-ea"/>
+                <a:cs typeface="+mn-cs"/>
+              </a:rPr>
+              <a:t>test</a:t>
+            </a:r>
+            <a:r>
+              <a:rPr lang="de-DE" sz="1000" kern="1200" dirty="0">
+                <a:solidFill>
+                  <a:schemeClr val="tx1"/>
+                </a:solidFill>
+                <a:latin typeface="+mn-lt"/>
+                <a:ea typeface="+mn-ea"/>
+                <a:cs typeface="+mn-cs"/>
+              </a:rPr>
+              <a:t> </a:t>
+            </a:r>
+            <a:r>
+              <a:rPr lang="de-DE" sz="1000" kern="1200" dirty="0" err="1">
+                <a:solidFill>
+                  <a:schemeClr val="tx1"/>
+                </a:solidFill>
+                <a:latin typeface="+mn-lt"/>
+                <a:ea typeface="+mn-ea"/>
+                <a:cs typeface="+mn-cs"/>
+              </a:rPr>
+              <a:t>batch</a:t>
+            </a:r>
+            <a:r>
+              <a:rPr lang="de-DE" sz="1000" kern="1200" dirty="0">
+                <a:solidFill>
+                  <a:schemeClr val="tx1"/>
+                </a:solidFill>
+                <a:latin typeface="+mn-lt"/>
+                <a:ea typeface="+mn-ea"/>
+                <a:cs typeface="+mn-cs"/>
+              </a:rPr>
+              <a:t> ( ~15 </a:t>
+            </a:r>
+            <a:r>
+              <a:rPr lang="de-DE" sz="1000" kern="1200" dirty="0" err="1">
+                <a:solidFill>
+                  <a:schemeClr val="tx1"/>
+                </a:solidFill>
+                <a:latin typeface="+mn-lt"/>
+                <a:ea typeface="+mn-ea"/>
+                <a:cs typeface="+mn-cs"/>
+              </a:rPr>
+              <a:t>files</a:t>
+            </a:r>
+            <a:r>
+              <a:rPr lang="de-DE" sz="1000" kern="1200" dirty="0">
+                <a:solidFill>
+                  <a:schemeClr val="tx1"/>
+                </a:solidFill>
+                <a:latin typeface="+mn-lt"/>
+                <a:ea typeface="+mn-ea"/>
+                <a:cs typeface="+mn-cs"/>
+              </a:rPr>
+              <a:t>)</a:t>
+            </a:r>
+          </a:p>
+          <a:p>
+            <a:pPr marL="742950" lvl="1" indent="-285750">
+              <a:spcAft>
+                <a:spcPts val="600"/>
+              </a:spcAft>
+              <a:buClr>
+                <a:schemeClr val="tx2"/>
+              </a:buClr>
+              <a:buFont typeface="Arial" panose="020B0604020202020204" pitchFamily="34" charset="0"/>
+              <a:buChar char="•"/>
+            </a:pPr>
+            <a:r>
+              <a:rPr lang="de-DE" sz="1000" kern="1200" dirty="0" err="1">
+                <a:solidFill>
+                  <a:schemeClr val="tx1"/>
+                </a:solidFill>
+                <a:latin typeface="+mn-lt"/>
+                <a:ea typeface="+mn-ea"/>
+                <a:cs typeface="+mn-cs"/>
+              </a:rPr>
+              <a:t>Occured</a:t>
+            </a:r>
+            <a:r>
+              <a:rPr lang="de-DE" sz="1000" kern="1200" dirty="0">
+                <a:solidFill>
+                  <a:schemeClr val="tx1"/>
+                </a:solidFill>
+                <a:latin typeface="+mn-lt"/>
+                <a:ea typeface="+mn-ea"/>
+                <a:cs typeface="+mn-cs"/>
+              </a:rPr>
+              <a:t> </a:t>
+            </a:r>
+            <a:r>
+              <a:rPr lang="de-DE" sz="1000" kern="1200" dirty="0" err="1">
+                <a:solidFill>
+                  <a:schemeClr val="tx1"/>
+                </a:solidFill>
+                <a:latin typeface="+mn-lt"/>
+                <a:ea typeface="+mn-ea"/>
+                <a:cs typeface="+mn-cs"/>
+              </a:rPr>
+              <a:t>Issues</a:t>
+            </a:r>
+            <a:r>
+              <a:rPr lang="de-DE" sz="1000" dirty="0"/>
+              <a:t>: </a:t>
+            </a:r>
+            <a:r>
+              <a:rPr lang="de-DE" sz="1000" dirty="0" err="1"/>
+              <a:t>pretty</a:t>
+            </a:r>
+            <a:r>
+              <a:rPr lang="de-DE" sz="1000" dirty="0"/>
+              <a:t> slow </a:t>
+            </a:r>
+          </a:p>
+          <a:p>
+            <a:pPr marL="342900" indent="-342900">
+              <a:spcAft>
+                <a:spcPts val="600"/>
+              </a:spcAft>
+              <a:buClr>
+                <a:schemeClr val="tx2"/>
+              </a:buClr>
+              <a:buFont typeface="+mj-lt"/>
+              <a:buAutoNum type="arabicPeriod"/>
+            </a:pPr>
+            <a:r>
+              <a:rPr lang="de-DE" sz="1000" dirty="0" err="1"/>
+              <a:t>Script</a:t>
+            </a:r>
+            <a:r>
+              <a:rPr lang="de-DE" sz="1000" dirty="0"/>
+              <a:t> </a:t>
+            </a:r>
+            <a:r>
+              <a:rPr lang="de-DE" sz="1000" dirty="0" err="1"/>
+              <a:t>to</a:t>
+            </a:r>
+            <a:r>
+              <a:rPr lang="de-DE" sz="1000" dirty="0"/>
+              <a:t> </a:t>
+            </a:r>
+            <a:r>
+              <a:rPr lang="de-DE" sz="1000" dirty="0" err="1"/>
+              <a:t>label</a:t>
+            </a:r>
+            <a:r>
+              <a:rPr lang="de-DE" sz="1000" dirty="0"/>
+              <a:t> </a:t>
+            </a:r>
+            <a:r>
+              <a:rPr lang="de-DE" sz="1000" dirty="0" err="1"/>
+              <a:t>known</a:t>
+            </a:r>
+            <a:r>
+              <a:rPr lang="de-DE" sz="1000" dirty="0"/>
+              <a:t> </a:t>
+            </a:r>
+            <a:r>
+              <a:rPr lang="de-DE" sz="1000" dirty="0" err="1"/>
+              <a:t>errors</a:t>
+            </a:r>
+            <a:r>
+              <a:rPr lang="de-DE" sz="1000" dirty="0"/>
+              <a:t> in </a:t>
+            </a:r>
+            <a:r>
+              <a:rPr lang="de-DE" sz="1000" dirty="0" err="1"/>
+              <a:t>cropped</a:t>
+            </a:r>
+            <a:r>
+              <a:rPr lang="de-DE" sz="1000" dirty="0"/>
+              <a:t> </a:t>
+            </a:r>
+            <a:r>
+              <a:rPr lang="de-DE" sz="1000" dirty="0" err="1"/>
+              <a:t>files</a:t>
+            </a:r>
+            <a:r>
+              <a:rPr lang="de-DE" sz="1000" dirty="0"/>
+              <a:t> </a:t>
+            </a:r>
+            <a:r>
+              <a:rPr lang="de-DE" sz="1000" dirty="0" err="1"/>
+              <a:t>according</a:t>
+            </a:r>
+            <a:r>
+              <a:rPr lang="de-DE" sz="1000" dirty="0"/>
+              <a:t> </a:t>
+            </a:r>
+            <a:r>
+              <a:rPr lang="de-DE" sz="1000" dirty="0" err="1"/>
+              <a:t>to</a:t>
+            </a:r>
+            <a:r>
+              <a:rPr lang="de-DE" sz="1000" dirty="0"/>
+              <a:t> RegEx-pattern</a:t>
+            </a:r>
+          </a:p>
+          <a:p>
+            <a:pPr marL="742950" lvl="1" indent="-285750">
+              <a:spcAft>
+                <a:spcPts val="600"/>
+              </a:spcAft>
+              <a:buClr>
+                <a:schemeClr val="tx2"/>
+              </a:buClr>
+              <a:buFont typeface="Arial" panose="020B0604020202020204" pitchFamily="34" charset="0"/>
+              <a:buChar char="•"/>
+            </a:pPr>
+            <a:r>
+              <a:rPr lang="de-DE" sz="1000" kern="1200" dirty="0">
+                <a:solidFill>
+                  <a:schemeClr val="tx1"/>
+                </a:solidFill>
+                <a:latin typeface="+mn-lt"/>
+                <a:ea typeface="+mn-ea"/>
+                <a:cs typeface="+mn-cs"/>
+              </a:rPr>
+              <a:t>Figure out structure of </a:t>
+            </a:r>
+            <a:r>
+              <a:rPr lang="de-DE" sz="1000" kern="1200" dirty="0" err="1">
+                <a:solidFill>
+                  <a:schemeClr val="tx1"/>
+                </a:solidFill>
+                <a:latin typeface="+mn-lt"/>
+                <a:ea typeface="+mn-ea"/>
+                <a:cs typeface="+mn-cs"/>
+              </a:rPr>
+              <a:t>regex</a:t>
+            </a:r>
+            <a:endParaRPr lang="de-DE" sz="1000" kern="1200" dirty="0">
+              <a:solidFill>
+                <a:schemeClr val="tx1"/>
+              </a:solidFill>
+              <a:latin typeface="+mn-lt"/>
+              <a:ea typeface="+mn-ea"/>
+              <a:cs typeface="+mn-cs"/>
+            </a:endParaRPr>
+          </a:p>
+          <a:p>
+            <a:pPr marL="742950" lvl="1" indent="-285750">
+              <a:spcAft>
+                <a:spcPts val="600"/>
+              </a:spcAft>
+              <a:buClr>
+                <a:schemeClr val="tx2"/>
+              </a:buClr>
+              <a:buFont typeface="Arial" panose="020B0604020202020204" pitchFamily="34" charset="0"/>
+              <a:buChar char="•"/>
+            </a:pPr>
+            <a:r>
+              <a:rPr lang="de-DE" sz="1000" kern="1200" dirty="0" err="1">
+                <a:solidFill>
+                  <a:schemeClr val="tx1"/>
+                </a:solidFill>
+                <a:latin typeface="+mn-lt"/>
+                <a:ea typeface="+mn-ea"/>
+                <a:cs typeface="+mn-cs"/>
+              </a:rPr>
+              <a:t>Some</a:t>
+            </a:r>
+            <a:r>
+              <a:rPr lang="de-DE" sz="1000" kern="1200" dirty="0">
+                <a:solidFill>
+                  <a:schemeClr val="tx1"/>
+                </a:solidFill>
+                <a:latin typeface="+mn-lt"/>
+                <a:ea typeface="+mn-ea"/>
+                <a:cs typeface="+mn-cs"/>
+              </a:rPr>
+              <a:t> </a:t>
+            </a:r>
+            <a:r>
+              <a:rPr lang="de-DE" sz="1000" kern="1200" dirty="0" err="1">
+                <a:solidFill>
+                  <a:schemeClr val="tx1"/>
+                </a:solidFill>
+                <a:latin typeface="+mn-lt"/>
+                <a:ea typeface="+mn-ea"/>
+                <a:cs typeface="+mn-cs"/>
+              </a:rPr>
+              <a:t>pattern</a:t>
+            </a:r>
+            <a:r>
+              <a:rPr lang="de-DE" sz="1000" kern="1200" dirty="0">
+                <a:solidFill>
+                  <a:schemeClr val="tx1"/>
+                </a:solidFill>
+                <a:latin typeface="+mn-lt"/>
+                <a:ea typeface="+mn-ea"/>
+                <a:cs typeface="+mn-cs"/>
+              </a:rPr>
+              <a:t> </a:t>
+            </a:r>
+            <a:r>
+              <a:rPr lang="de-DE" sz="1000" kern="1200" dirty="0" err="1">
+                <a:solidFill>
+                  <a:schemeClr val="tx1"/>
+                </a:solidFill>
+                <a:latin typeface="+mn-lt"/>
+                <a:ea typeface="+mn-ea"/>
+                <a:cs typeface="+mn-cs"/>
+              </a:rPr>
+              <a:t>are</a:t>
+            </a:r>
+            <a:r>
+              <a:rPr lang="de-DE" sz="1000" kern="1200" dirty="0">
+                <a:solidFill>
+                  <a:schemeClr val="tx1"/>
+                </a:solidFill>
+                <a:latin typeface="+mn-lt"/>
+                <a:ea typeface="+mn-ea"/>
+                <a:cs typeface="+mn-cs"/>
+              </a:rPr>
+              <a:t> </a:t>
+            </a:r>
+            <a:r>
+              <a:rPr lang="de-DE" sz="1000" kern="1200" dirty="0" err="1">
+                <a:solidFill>
+                  <a:schemeClr val="tx1"/>
+                </a:solidFill>
+                <a:latin typeface="+mn-lt"/>
+                <a:ea typeface="+mn-ea"/>
+                <a:cs typeface="+mn-cs"/>
+              </a:rPr>
+              <a:t>dicts</a:t>
+            </a:r>
+            <a:r>
+              <a:rPr lang="de-DE" sz="1000" kern="1200" dirty="0">
+                <a:solidFill>
+                  <a:schemeClr val="tx1"/>
+                </a:solidFill>
+                <a:latin typeface="+mn-lt"/>
+                <a:ea typeface="+mn-ea"/>
+                <a:cs typeface="+mn-cs"/>
+              </a:rPr>
+              <a:t> </a:t>
+            </a:r>
+            <a:r>
+              <a:rPr lang="de-DE" sz="1000" kern="1200" dirty="0" err="1">
+                <a:solidFill>
+                  <a:schemeClr val="tx1"/>
+                </a:solidFill>
+                <a:latin typeface="+mn-lt"/>
+                <a:ea typeface="+mn-ea"/>
+                <a:cs typeface="+mn-cs"/>
+              </a:rPr>
+              <a:t>with</a:t>
+            </a:r>
+            <a:r>
+              <a:rPr lang="de-DE" sz="1000" kern="1200" dirty="0">
+                <a:solidFill>
+                  <a:schemeClr val="tx1"/>
+                </a:solidFill>
+                <a:latin typeface="+mn-lt"/>
+                <a:ea typeface="+mn-ea"/>
+                <a:cs typeface="+mn-cs"/>
+              </a:rPr>
+              <a:t> </a:t>
+            </a:r>
+            <a:r>
+              <a:rPr lang="de-DE" sz="1000" kern="1200" dirty="0" err="1">
+                <a:solidFill>
+                  <a:schemeClr val="tx1"/>
+                </a:solidFill>
+                <a:latin typeface="+mn-lt"/>
+                <a:ea typeface="+mn-ea"/>
+                <a:cs typeface="+mn-cs"/>
+              </a:rPr>
+              <a:t>subtypes</a:t>
+            </a:r>
+            <a:r>
+              <a:rPr lang="de-DE" sz="1000" kern="1200" dirty="0">
+                <a:solidFill>
+                  <a:schemeClr val="tx1"/>
+                </a:solidFill>
+                <a:latin typeface="+mn-lt"/>
+                <a:ea typeface="+mn-ea"/>
+                <a:cs typeface="+mn-cs"/>
+              </a:rPr>
+              <a:t>, </a:t>
+            </a:r>
+            <a:r>
+              <a:rPr lang="de-DE" sz="1000" kern="1200" dirty="0" err="1">
+                <a:solidFill>
+                  <a:schemeClr val="tx1"/>
+                </a:solidFill>
+                <a:latin typeface="+mn-lt"/>
+                <a:ea typeface="+mn-ea"/>
+                <a:cs typeface="+mn-cs"/>
+              </a:rPr>
+              <a:t>only</a:t>
+            </a:r>
+            <a:r>
+              <a:rPr lang="de-DE" sz="1000" kern="1200" dirty="0">
+                <a:solidFill>
+                  <a:schemeClr val="tx1"/>
+                </a:solidFill>
+                <a:latin typeface="+mn-lt"/>
+                <a:ea typeface="+mn-ea"/>
+                <a:cs typeface="+mn-cs"/>
+              </a:rPr>
+              <a:t> </a:t>
+            </a:r>
+            <a:r>
+              <a:rPr lang="de-DE" sz="1000" kern="1200" dirty="0" err="1">
+                <a:solidFill>
+                  <a:schemeClr val="tx1"/>
+                </a:solidFill>
+                <a:latin typeface="+mn-lt"/>
+                <a:ea typeface="+mn-ea"/>
+                <a:cs typeface="+mn-cs"/>
+              </a:rPr>
+              <a:t>dict</a:t>
+            </a:r>
+            <a:r>
+              <a:rPr lang="de-DE" sz="1000" kern="1200" dirty="0">
+                <a:solidFill>
+                  <a:schemeClr val="tx1"/>
+                </a:solidFill>
+                <a:latin typeface="+mn-lt"/>
+                <a:ea typeface="+mn-ea"/>
+                <a:cs typeface="+mn-cs"/>
+              </a:rPr>
+              <a:t> </a:t>
+            </a:r>
+            <a:r>
+              <a:rPr lang="de-DE" sz="1000" kern="1200" dirty="0" err="1">
+                <a:solidFill>
+                  <a:schemeClr val="tx1"/>
+                </a:solidFill>
+                <a:latin typeface="+mn-lt"/>
+                <a:ea typeface="+mn-ea"/>
+                <a:cs typeface="+mn-cs"/>
+              </a:rPr>
+              <a:t>lists</a:t>
+            </a:r>
+            <a:r>
+              <a:rPr lang="de-DE" sz="1000" kern="1200" dirty="0">
+                <a:solidFill>
+                  <a:schemeClr val="tx1"/>
+                </a:solidFill>
+                <a:latin typeface="+mn-lt"/>
+                <a:ea typeface="+mn-ea"/>
+                <a:cs typeface="+mn-cs"/>
+              </a:rPr>
+              <a:t> etc. – Problems </a:t>
+            </a:r>
+            <a:r>
+              <a:rPr lang="de-DE" sz="1000" kern="1200" dirty="0" err="1">
+                <a:solidFill>
+                  <a:schemeClr val="tx1"/>
+                </a:solidFill>
+                <a:latin typeface="+mn-lt"/>
+                <a:ea typeface="+mn-ea"/>
+                <a:cs typeface="+mn-cs"/>
+              </a:rPr>
+              <a:t>making</a:t>
+            </a:r>
+            <a:r>
+              <a:rPr lang="de-DE" sz="1000" kern="1200" dirty="0">
+                <a:solidFill>
+                  <a:schemeClr val="tx1"/>
+                </a:solidFill>
+                <a:latin typeface="+mn-lt"/>
+                <a:ea typeface="+mn-ea"/>
+                <a:cs typeface="+mn-cs"/>
+              </a:rPr>
+              <a:t> code </a:t>
+            </a:r>
+            <a:r>
+              <a:rPr lang="de-DE" sz="1000" kern="1200" dirty="0" err="1">
+                <a:solidFill>
+                  <a:schemeClr val="tx1"/>
+                </a:solidFill>
+                <a:latin typeface="+mn-lt"/>
+                <a:ea typeface="+mn-ea"/>
+                <a:cs typeface="+mn-cs"/>
+              </a:rPr>
+              <a:t>to</a:t>
+            </a:r>
+            <a:r>
+              <a:rPr lang="de-DE" sz="1000" kern="1200" dirty="0">
+                <a:solidFill>
+                  <a:schemeClr val="tx1"/>
+                </a:solidFill>
+                <a:latin typeface="+mn-lt"/>
+                <a:ea typeface="+mn-ea"/>
+                <a:cs typeface="+mn-cs"/>
+              </a:rPr>
+              <a:t> </a:t>
+            </a:r>
+            <a:r>
+              <a:rPr lang="de-DE" sz="1000" kern="1200" dirty="0" err="1">
+                <a:solidFill>
+                  <a:schemeClr val="tx1"/>
+                </a:solidFill>
+                <a:latin typeface="+mn-lt"/>
+                <a:ea typeface="+mn-ea"/>
+                <a:cs typeface="+mn-cs"/>
+              </a:rPr>
+              <a:t>work</a:t>
+            </a:r>
+            <a:r>
+              <a:rPr lang="de-DE" sz="1000" kern="1200" dirty="0">
+                <a:solidFill>
+                  <a:schemeClr val="tx1"/>
+                </a:solidFill>
+                <a:latin typeface="+mn-lt"/>
+                <a:ea typeface="+mn-ea"/>
+                <a:cs typeface="+mn-cs"/>
+              </a:rPr>
+              <a:t> </a:t>
+            </a:r>
+            <a:r>
+              <a:rPr lang="de-DE" sz="1000" kern="1200" dirty="0" err="1">
+                <a:solidFill>
+                  <a:schemeClr val="tx1"/>
+                </a:solidFill>
+                <a:latin typeface="+mn-lt"/>
+                <a:ea typeface="+mn-ea"/>
+                <a:cs typeface="+mn-cs"/>
+              </a:rPr>
+              <a:t>with</a:t>
+            </a:r>
+            <a:r>
+              <a:rPr lang="de-DE" sz="1000" kern="1200" dirty="0">
+                <a:solidFill>
+                  <a:schemeClr val="tx1"/>
+                </a:solidFill>
+                <a:latin typeface="+mn-lt"/>
+                <a:ea typeface="+mn-ea"/>
+                <a:cs typeface="+mn-cs"/>
+              </a:rPr>
+              <a:t> all of </a:t>
+            </a:r>
+            <a:r>
+              <a:rPr lang="de-DE" sz="1000" kern="1200" dirty="0" err="1">
+                <a:solidFill>
+                  <a:schemeClr val="tx1"/>
+                </a:solidFill>
+                <a:latin typeface="+mn-lt"/>
+                <a:ea typeface="+mn-ea"/>
+                <a:cs typeface="+mn-cs"/>
+              </a:rPr>
+              <a:t>those</a:t>
+            </a:r>
+            <a:r>
+              <a:rPr lang="de-DE" sz="1000" kern="1200" dirty="0">
+                <a:solidFill>
+                  <a:schemeClr val="tx1"/>
+                </a:solidFill>
+                <a:latin typeface="+mn-lt"/>
+                <a:ea typeface="+mn-ea"/>
+                <a:cs typeface="+mn-cs"/>
+              </a:rPr>
+              <a:t> </a:t>
+            </a:r>
+          </a:p>
+          <a:p>
+            <a:pPr marL="742950" lvl="1" indent="-285750">
+              <a:spcAft>
+                <a:spcPts val="600"/>
+              </a:spcAft>
+              <a:buClr>
+                <a:schemeClr val="tx2"/>
+              </a:buClr>
+              <a:buFont typeface="Arial" panose="020B0604020202020204" pitchFamily="34" charset="0"/>
+              <a:buChar char="•"/>
+            </a:pPr>
+            <a:r>
+              <a:rPr lang="de-DE" sz="1000" dirty="0" err="1"/>
+              <a:t>figure</a:t>
+            </a:r>
+            <a:r>
+              <a:rPr lang="de-DE" sz="1000" dirty="0"/>
+              <a:t> out </a:t>
+            </a:r>
+            <a:r>
+              <a:rPr lang="de-DE" sz="1000" dirty="0" err="1"/>
+              <a:t>for</a:t>
+            </a:r>
+            <a:r>
+              <a:rPr lang="de-DE" sz="1000" dirty="0"/>
+              <a:t> INFRA_PATTERN</a:t>
+            </a:r>
+          </a:p>
+          <a:p>
+            <a:pPr marL="742950" lvl="1" indent="-285750">
+              <a:spcAft>
+                <a:spcPts val="600"/>
+              </a:spcAft>
+              <a:buClr>
+                <a:schemeClr val="tx2"/>
+              </a:buClr>
+              <a:buFont typeface="Arial" panose="020B0604020202020204" pitchFamily="34" charset="0"/>
+              <a:buChar char="•"/>
+            </a:pPr>
+            <a:r>
+              <a:rPr lang="de-DE" sz="1000" kern="1200" dirty="0">
+                <a:solidFill>
+                  <a:schemeClr val="tx1"/>
+                </a:solidFill>
+                <a:latin typeface="+mn-lt"/>
+                <a:ea typeface="+mn-ea"/>
+                <a:cs typeface="+mn-cs"/>
+              </a:rPr>
+              <a:t>Figure out </a:t>
+            </a:r>
+            <a:r>
+              <a:rPr lang="de-DE" sz="1000" kern="1200" dirty="0" err="1">
+                <a:solidFill>
+                  <a:schemeClr val="tx1"/>
+                </a:solidFill>
+                <a:latin typeface="+mn-lt"/>
+                <a:ea typeface="+mn-ea"/>
+                <a:cs typeface="+mn-cs"/>
+              </a:rPr>
+              <a:t>for</a:t>
+            </a:r>
+            <a:r>
+              <a:rPr lang="de-DE" sz="1000" kern="1200" dirty="0">
+                <a:solidFill>
+                  <a:schemeClr val="tx1"/>
+                </a:solidFill>
+                <a:latin typeface="+mn-lt"/>
+                <a:ea typeface="+mn-ea"/>
+                <a:cs typeface="+mn-cs"/>
+              </a:rPr>
+              <a:t> BUILD_PATTERN</a:t>
+            </a:r>
+          </a:p>
+          <a:p>
+            <a:pPr marL="742950" lvl="1" indent="-285750">
+              <a:spcAft>
+                <a:spcPts val="600"/>
+              </a:spcAft>
+              <a:buClr>
+                <a:schemeClr val="tx2"/>
+              </a:buClr>
+              <a:buFont typeface="Arial" panose="020B0604020202020204" pitchFamily="34" charset="0"/>
+              <a:buChar char="•"/>
+            </a:pPr>
+            <a:r>
+              <a:rPr lang="de-DE" sz="1000" dirty="0"/>
+              <a:t>Combine</a:t>
+            </a:r>
+          </a:p>
+          <a:p>
+            <a:pPr marL="742950" lvl="1" indent="-285750">
+              <a:spcAft>
+                <a:spcPts val="600"/>
+              </a:spcAft>
+              <a:buClr>
+                <a:schemeClr val="tx2"/>
+              </a:buClr>
+              <a:buFont typeface="Arial" panose="020B0604020202020204" pitchFamily="34" charset="0"/>
+              <a:buChar char="•"/>
+            </a:pPr>
+            <a:r>
+              <a:rPr lang="de-DE" sz="1000" dirty="0" err="1"/>
+              <a:t>Some</a:t>
+            </a:r>
+            <a:r>
+              <a:rPr lang="de-DE" sz="1000" dirty="0"/>
+              <a:t> </a:t>
+            </a:r>
+            <a:r>
+              <a:rPr lang="de-DE" sz="1000" dirty="0" err="1"/>
+              <a:t>subtypes</a:t>
+            </a:r>
+            <a:r>
+              <a:rPr lang="de-DE" sz="1000" dirty="0"/>
+              <a:t> </a:t>
+            </a:r>
+            <a:r>
+              <a:rPr lang="de-DE" sz="1000" dirty="0" err="1"/>
+              <a:t>are</a:t>
+            </a:r>
+            <a:r>
+              <a:rPr lang="de-DE" sz="1000" dirty="0"/>
+              <a:t> </a:t>
+            </a:r>
+            <a:r>
+              <a:rPr lang="de-DE" sz="1000" dirty="0" err="1"/>
+              <a:t>working</a:t>
+            </a:r>
+            <a:r>
+              <a:rPr lang="de-DE" sz="1000" dirty="0"/>
+              <a:t> </a:t>
+            </a:r>
+            <a:r>
+              <a:rPr lang="de-DE" sz="1000" dirty="0" err="1"/>
+              <a:t>now</a:t>
+            </a:r>
+            <a:r>
+              <a:rPr lang="de-DE" sz="1000" dirty="0"/>
+              <a:t>, </a:t>
+            </a:r>
+            <a:r>
+              <a:rPr lang="de-DE" sz="1000" dirty="0" err="1"/>
+              <a:t>others</a:t>
+            </a:r>
+            <a:r>
+              <a:rPr lang="de-DE" sz="1000" dirty="0"/>
+              <a:t> </a:t>
+            </a:r>
+            <a:r>
+              <a:rPr lang="de-DE" sz="1000" dirty="0" err="1"/>
+              <a:t>aren‘t</a:t>
+            </a:r>
+            <a:r>
+              <a:rPr lang="de-DE" sz="1000" dirty="0"/>
+              <a:t> -&gt; </a:t>
+            </a:r>
+            <a:r>
+              <a:rPr lang="de-DE" sz="1000" dirty="0" err="1"/>
+              <a:t>Issue</a:t>
+            </a:r>
+            <a:r>
+              <a:rPr lang="de-DE" sz="1000" dirty="0"/>
+              <a:t>, </a:t>
+            </a:r>
+            <a:r>
+              <a:rPr lang="de-DE" sz="1000" dirty="0" err="1"/>
+              <a:t>that</a:t>
+            </a:r>
+            <a:r>
+              <a:rPr lang="de-DE" sz="1000" dirty="0"/>
+              <a:t> </a:t>
+            </a:r>
+            <a:r>
+              <a:rPr lang="de-DE" sz="1000" dirty="0" err="1"/>
+              <a:t>took</a:t>
+            </a:r>
+            <a:r>
+              <a:rPr lang="de-DE" sz="1000" dirty="0"/>
+              <a:t> </a:t>
+            </a:r>
+            <a:r>
+              <a:rPr lang="de-DE" sz="1000" dirty="0" err="1"/>
+              <a:t>almost</a:t>
+            </a:r>
+            <a:r>
+              <a:rPr lang="de-DE" sz="1000" dirty="0"/>
+              <a:t> a </a:t>
+            </a:r>
+            <a:r>
+              <a:rPr lang="de-DE" sz="1000" dirty="0" err="1"/>
+              <a:t>whole</a:t>
+            </a:r>
+            <a:r>
+              <a:rPr lang="de-DE" sz="1000" dirty="0"/>
+              <a:t> </a:t>
+            </a:r>
+            <a:r>
+              <a:rPr lang="de-DE" sz="1000" dirty="0" err="1"/>
+              <a:t>day</a:t>
+            </a:r>
+            <a:r>
+              <a:rPr lang="de-DE" sz="1000" dirty="0"/>
+              <a:t> </a:t>
+            </a:r>
+            <a:r>
+              <a:rPr lang="de-DE" sz="1000" dirty="0" err="1"/>
+              <a:t>to</a:t>
+            </a:r>
+            <a:r>
+              <a:rPr lang="de-DE" sz="1000" dirty="0"/>
+              <a:t> </a:t>
+            </a:r>
+            <a:r>
+              <a:rPr lang="de-DE" sz="1000" dirty="0" err="1"/>
+              <a:t>figure</a:t>
+            </a:r>
+            <a:r>
+              <a:rPr lang="de-DE" sz="1000" dirty="0"/>
+              <a:t> out</a:t>
+            </a:r>
+          </a:p>
+          <a:p>
+            <a:pPr marL="228600" indent="-228600">
+              <a:spcAft>
+                <a:spcPts val="600"/>
+              </a:spcAft>
+              <a:buClr>
+                <a:schemeClr val="tx2"/>
+              </a:buClr>
+              <a:buFont typeface="+mj-lt"/>
+              <a:buAutoNum type="arabicPeriod"/>
+            </a:pPr>
+            <a:r>
+              <a:rPr lang="de-DE" sz="1000" dirty="0"/>
+              <a:t>Do </a:t>
+            </a:r>
+            <a:r>
+              <a:rPr lang="de-DE" sz="1000" dirty="0" err="1"/>
+              <a:t>more</a:t>
+            </a:r>
+            <a:r>
+              <a:rPr lang="de-DE" sz="1000" dirty="0"/>
+              <a:t> </a:t>
+            </a:r>
+            <a:r>
+              <a:rPr lang="de-DE" sz="1000" dirty="0" err="1"/>
+              <a:t>things</a:t>
+            </a:r>
+            <a:r>
+              <a:rPr lang="de-DE" sz="1000" dirty="0"/>
+              <a:t> (</a:t>
+            </a:r>
+            <a:r>
+              <a:rPr lang="de-DE" sz="1000" dirty="0" err="1"/>
+              <a:t>decide</a:t>
+            </a:r>
+            <a:r>
+              <a:rPr lang="de-DE" sz="1000" dirty="0"/>
+              <a:t> on </a:t>
+            </a:r>
+            <a:r>
+              <a:rPr lang="de-DE" sz="1000" dirty="0" err="1"/>
+              <a:t>labels</a:t>
+            </a:r>
+            <a:r>
+              <a:rPr lang="de-DE" sz="1000" dirty="0"/>
+              <a:t>)</a:t>
+            </a:r>
+          </a:p>
+          <a:p>
+            <a:pPr marL="228600" indent="-228600">
+              <a:spcAft>
+                <a:spcPts val="600"/>
+              </a:spcAft>
+              <a:buClr>
+                <a:schemeClr val="tx2"/>
+              </a:buClr>
+              <a:buFont typeface="+mj-lt"/>
+              <a:buAutoNum type="arabicPeriod"/>
+            </a:pPr>
+            <a:r>
+              <a:rPr lang="de-DE" sz="1000" dirty="0" err="1"/>
+              <a:t>Decide</a:t>
+            </a:r>
+            <a:r>
+              <a:rPr lang="de-DE" sz="1000" dirty="0"/>
+              <a:t> </a:t>
+            </a:r>
+            <a:r>
+              <a:rPr lang="de-DE" sz="1000" dirty="0" err="1"/>
+              <a:t>for</a:t>
+            </a:r>
+            <a:r>
+              <a:rPr lang="de-DE" sz="1000" dirty="0"/>
+              <a:t> </a:t>
+            </a:r>
+            <a:r>
+              <a:rPr lang="de-DE" sz="1000" dirty="0" err="1"/>
+              <a:t>unlabeled</a:t>
+            </a:r>
+            <a:r>
+              <a:rPr lang="de-DE" sz="1000" dirty="0"/>
+              <a:t>, lots of different </a:t>
+            </a:r>
+            <a:r>
+              <a:rPr lang="de-DE" sz="1000" dirty="0" err="1"/>
+              <a:t>approaches</a:t>
+            </a:r>
+            <a:r>
+              <a:rPr lang="de-DE" sz="1000" dirty="0"/>
+              <a:t> </a:t>
+            </a:r>
+            <a:r>
+              <a:rPr lang="de-DE" sz="1000" dirty="0" err="1"/>
+              <a:t>rn</a:t>
+            </a:r>
+            <a:r>
+              <a:rPr lang="de-DE" sz="1000" dirty="0"/>
+              <a:t>, </a:t>
+            </a:r>
+            <a:r>
+              <a:rPr lang="de-DE" sz="1000" dirty="0" err="1"/>
+              <a:t>figure</a:t>
+            </a:r>
+            <a:r>
+              <a:rPr lang="de-DE" sz="1000" dirty="0"/>
+              <a:t> out and </a:t>
+            </a:r>
+            <a:r>
+              <a:rPr lang="de-DE" sz="1000" dirty="0" err="1"/>
+              <a:t>compare</a:t>
+            </a:r>
+            <a:r>
+              <a:rPr lang="de-DE" sz="1000" dirty="0"/>
+              <a:t> </a:t>
+            </a:r>
+            <a:r>
+              <a:rPr lang="de-DE" sz="1000" dirty="0" err="1"/>
+              <a:t>against</a:t>
+            </a:r>
+            <a:endParaRPr lang="de-DE" sz="1000" dirty="0"/>
+          </a:p>
+          <a:p>
+            <a:pPr marL="628650" lvl="1" indent="-171450">
+              <a:spcAft>
+                <a:spcPts val="600"/>
+              </a:spcAft>
+              <a:buClr>
+                <a:schemeClr val="tx2"/>
+              </a:buClr>
+              <a:buFont typeface="Arial" panose="020B0604020202020204" pitchFamily="34" charset="0"/>
+              <a:buChar char="•"/>
+            </a:pPr>
+            <a:r>
+              <a:rPr lang="de-DE" sz="1000" dirty="0"/>
+              <a:t>BERT ( but </a:t>
+            </a:r>
+            <a:r>
+              <a:rPr lang="de-DE" sz="1000" dirty="0" err="1"/>
+              <a:t>what</a:t>
+            </a:r>
+            <a:r>
+              <a:rPr lang="de-DE" sz="1000" dirty="0"/>
+              <a:t> </a:t>
+            </a:r>
+            <a:r>
+              <a:rPr lang="de-DE" sz="1000" dirty="0" err="1"/>
+              <a:t>kind</a:t>
+            </a:r>
+            <a:r>
+              <a:rPr lang="de-DE" sz="1000" dirty="0"/>
+              <a:t>? </a:t>
+            </a:r>
+            <a:r>
+              <a:rPr lang="de-DE" sz="1000" dirty="0" err="1"/>
+              <a:t>Pre</a:t>
+            </a:r>
+            <a:r>
+              <a:rPr lang="de-DE" sz="1000" dirty="0"/>
+              <a:t> </a:t>
+            </a:r>
+            <a:r>
+              <a:rPr lang="de-DE" sz="1000" dirty="0" err="1"/>
+              <a:t>trained</a:t>
+            </a:r>
+            <a:r>
+              <a:rPr lang="de-DE" sz="1000" dirty="0"/>
+              <a:t> </a:t>
+            </a:r>
+            <a:r>
+              <a:rPr lang="de-DE" sz="1000" dirty="0" err="1"/>
+              <a:t>models</a:t>
+            </a:r>
+            <a:r>
+              <a:rPr lang="de-DE" sz="1000" dirty="0"/>
+              <a:t>? </a:t>
+            </a:r>
+            <a:r>
+              <a:rPr lang="de-DE" sz="1000" dirty="0" err="1"/>
+              <a:t>Which</a:t>
+            </a:r>
+            <a:r>
+              <a:rPr lang="de-DE" sz="1000" dirty="0"/>
+              <a:t> </a:t>
+            </a:r>
+            <a:r>
+              <a:rPr lang="de-DE" sz="1000" dirty="0" err="1"/>
+              <a:t>one</a:t>
+            </a:r>
+            <a:r>
+              <a:rPr lang="de-DE" sz="1000" dirty="0"/>
+              <a:t>? Train </a:t>
+            </a:r>
+            <a:r>
+              <a:rPr lang="de-DE" sz="1000" dirty="0" err="1"/>
+              <a:t>my</a:t>
+            </a:r>
+            <a:r>
+              <a:rPr lang="de-DE" sz="1000" dirty="0"/>
+              <a:t> own?) </a:t>
+            </a:r>
+          </a:p>
+          <a:p>
+            <a:pPr marL="628650" lvl="1" indent="-171450">
+              <a:spcAft>
+                <a:spcPts val="600"/>
+              </a:spcAft>
+              <a:buClr>
+                <a:schemeClr val="tx2"/>
+              </a:buClr>
+              <a:buFont typeface="Arial" panose="020B0604020202020204" pitchFamily="34" charset="0"/>
+              <a:buChar char="•"/>
+            </a:pPr>
+            <a:r>
+              <a:rPr lang="de-DE" sz="1000" dirty="0" err="1"/>
+              <a:t>SecureBERT</a:t>
+            </a:r>
+            <a:r>
+              <a:rPr lang="de-DE" sz="1000" dirty="0"/>
+              <a:t> </a:t>
+            </a:r>
+            <a:r>
+              <a:rPr lang="de-DE" sz="1000" dirty="0" err="1"/>
+              <a:t>could</a:t>
+            </a:r>
+            <a:r>
+              <a:rPr lang="de-DE" sz="1000" dirty="0"/>
+              <a:t> </a:t>
+            </a:r>
+            <a:r>
+              <a:rPr lang="de-DE" sz="1000" dirty="0" err="1"/>
+              <a:t>be</a:t>
+            </a:r>
+            <a:r>
+              <a:rPr lang="de-DE" sz="1000" dirty="0"/>
+              <a:t> </a:t>
+            </a:r>
+            <a:r>
+              <a:rPr lang="de-DE" sz="1000" dirty="0" err="1"/>
+              <a:t>useful</a:t>
+            </a:r>
+            <a:r>
+              <a:rPr lang="de-DE" sz="1000" dirty="0"/>
+              <a:t> </a:t>
+            </a:r>
+            <a:r>
+              <a:rPr lang="de-DE" sz="1000" dirty="0" err="1"/>
+              <a:t>for</a:t>
+            </a:r>
+            <a:r>
+              <a:rPr lang="de-DE" sz="1000" dirty="0"/>
+              <a:t> log-file </a:t>
+            </a:r>
+            <a:r>
+              <a:rPr lang="de-DE" sz="1000" dirty="0" err="1"/>
+              <a:t>use</a:t>
+            </a:r>
+            <a:r>
+              <a:rPr lang="de-DE" sz="1000" dirty="0"/>
+              <a:t> </a:t>
+            </a:r>
+            <a:r>
+              <a:rPr lang="de-DE" sz="1000" dirty="0" err="1"/>
+              <a:t>case</a:t>
+            </a:r>
+            <a:endParaRPr lang="de-DE" sz="1000" dirty="0"/>
+          </a:p>
+          <a:p>
+            <a:pPr marL="628650" lvl="1" indent="-171450">
+              <a:spcAft>
+                <a:spcPts val="600"/>
+              </a:spcAft>
+              <a:buClr>
+                <a:schemeClr val="tx2"/>
+              </a:buClr>
+              <a:buFont typeface="Arial" panose="020B0604020202020204" pitchFamily="34" charset="0"/>
+              <a:buChar char="•"/>
+            </a:pPr>
+            <a:endParaRPr lang="de-DE" sz="1000" dirty="0"/>
+          </a:p>
+        </p:txBody>
+      </p:sp>
+      <p:sp>
+        <p:nvSpPr>
+          <p:cNvPr id="5" name="TextBox 4">
+            <a:extLst>
+              <a:ext uri="{FF2B5EF4-FFF2-40B4-BE49-F238E27FC236}">
+                <a16:creationId xmlns:a16="http://schemas.microsoft.com/office/drawing/2014/main" id="{975E1CFB-075F-6A3E-FB78-F5183BC102C7}"/>
+              </a:ext>
+            </a:extLst>
+          </p:cNvPr>
+          <p:cNvSpPr txBox="1"/>
+          <p:nvPr/>
+        </p:nvSpPr>
+        <p:spPr>
+          <a:xfrm>
+            <a:off x="8151223" y="254290"/>
+            <a:ext cx="3152503" cy="1215717"/>
+          </a:xfrm>
+          <a:prstGeom prst="rect">
+            <a:avLst/>
+          </a:prstGeom>
+        </p:spPr>
+        <p:style>
+          <a:lnRef idx="1">
+            <a:schemeClr val="accent2"/>
+          </a:lnRef>
+          <a:fillRef idx="2">
+            <a:schemeClr val="accent2"/>
+          </a:fillRef>
+          <a:effectRef idx="1">
+            <a:schemeClr val="accent2"/>
+          </a:effectRef>
+          <a:fontRef idx="minor">
+            <a:schemeClr val="dk1"/>
+          </a:fontRef>
+        </p:style>
+        <p:txBody>
+          <a:bodyPr vert="horz" wrap="square" lIns="0" tIns="0" rIns="0" bIns="0" rtlCol="0">
+            <a:spAutoFit/>
+          </a:bodyPr>
+          <a:lstStyle/>
+          <a:p>
+            <a:pPr marL="0" indent="0" algn="l" defTabSz="914400" rtl="0" eaLnBrk="1" latinLnBrk="0" hangingPunct="1">
+              <a:lnSpc>
+                <a:spcPct val="100000"/>
+              </a:lnSpc>
+              <a:spcBef>
+                <a:spcPts val="0"/>
+              </a:spcBef>
+              <a:spcAft>
+                <a:spcPts val="600"/>
+              </a:spcAft>
+              <a:buClr>
+                <a:schemeClr val="tx2"/>
+              </a:buClr>
+              <a:buFontTx/>
+              <a:buNone/>
+            </a:pPr>
+            <a:r>
+              <a:rPr lang="de-DE" sz="900" b="1" u="sng" dirty="0"/>
+              <a:t>Main </a:t>
+            </a:r>
+            <a:r>
+              <a:rPr lang="de-DE" sz="900" b="1" u="sng" dirty="0" err="1"/>
+              <a:t>Ressources</a:t>
+            </a:r>
+            <a:r>
+              <a:rPr lang="de-DE" sz="900" b="1" u="sng" dirty="0"/>
+              <a:t> </a:t>
+            </a:r>
+            <a:r>
+              <a:rPr lang="de-DE" sz="900" b="1" u="sng" dirty="0" err="1"/>
+              <a:t>as</a:t>
+            </a:r>
+            <a:r>
+              <a:rPr lang="de-DE" sz="900" b="1" u="sng" dirty="0"/>
+              <a:t> of </a:t>
+            </a:r>
+            <a:r>
+              <a:rPr lang="de-DE" sz="900" b="1" u="sng" dirty="0" err="1"/>
+              <a:t>now</a:t>
+            </a:r>
+            <a:r>
+              <a:rPr lang="de-DE" sz="900" b="1" u="sng" dirty="0"/>
+              <a:t>:</a:t>
+            </a:r>
+            <a:r>
+              <a:rPr lang="de-DE" sz="900" dirty="0"/>
+              <a:t> </a:t>
+            </a:r>
+            <a:endParaRPr lang="de-DE" sz="900" kern="1200" dirty="0">
+              <a:solidFill>
+                <a:schemeClr val="tx1"/>
+              </a:solidFill>
+              <a:latin typeface="+mn-lt"/>
+              <a:ea typeface="+mn-ea"/>
+              <a:cs typeface="+mn-cs"/>
+            </a:endParaRPr>
+          </a:p>
+          <a:p>
+            <a:pPr marL="0" indent="0" algn="l" defTabSz="914400" rtl="0" eaLnBrk="1" latinLnBrk="0" hangingPunct="1">
+              <a:lnSpc>
+                <a:spcPct val="100000"/>
+              </a:lnSpc>
+              <a:spcBef>
+                <a:spcPts val="0"/>
+              </a:spcBef>
+              <a:spcAft>
+                <a:spcPts val="600"/>
+              </a:spcAft>
+              <a:buClr>
+                <a:schemeClr val="tx2"/>
+              </a:buClr>
+              <a:buFontTx/>
+              <a:buNone/>
+            </a:pPr>
+            <a:r>
+              <a:rPr lang="de-DE" sz="900" kern="1200" dirty="0">
+                <a:solidFill>
+                  <a:schemeClr val="tx1"/>
+                </a:solidFill>
+                <a:latin typeface="+mn-lt"/>
+                <a:ea typeface="+mn-ea"/>
+                <a:cs typeface="+mn-cs"/>
+              </a:rPr>
+              <a:t>- </a:t>
+            </a:r>
+            <a:r>
+              <a:rPr lang="de-DE" sz="900" kern="1200" dirty="0" err="1">
+                <a:solidFill>
+                  <a:schemeClr val="tx1"/>
+                </a:solidFill>
+                <a:latin typeface="+mn-lt"/>
+                <a:ea typeface="+mn-ea"/>
+                <a:cs typeface="+mn-cs"/>
+              </a:rPr>
+              <a:t>SecureBERT</a:t>
+            </a:r>
+            <a:r>
+              <a:rPr lang="de-DE" sz="900" kern="1200" dirty="0">
+                <a:solidFill>
+                  <a:schemeClr val="tx1"/>
+                </a:solidFill>
+                <a:latin typeface="+mn-lt"/>
+                <a:ea typeface="+mn-ea"/>
+                <a:cs typeface="+mn-cs"/>
+              </a:rPr>
+              <a:t>:  </a:t>
+            </a:r>
+            <a:r>
+              <a:rPr lang="de-DE" sz="900" kern="1200" dirty="0">
+                <a:solidFill>
+                  <a:schemeClr val="tx1"/>
+                </a:solidFill>
+                <a:latin typeface="+mn-lt"/>
+                <a:ea typeface="+mn-ea"/>
+                <a:cs typeface="+mn-cs"/>
+                <a:hlinkClick r:id="rId2"/>
+              </a:rPr>
+              <a:t>https://arxiv.org/abs/2204.02685</a:t>
+            </a:r>
+            <a:endParaRPr lang="de-DE" sz="900" kern="1200" dirty="0">
+              <a:solidFill>
+                <a:schemeClr val="tx1"/>
+              </a:solidFill>
+              <a:latin typeface="+mn-lt"/>
+              <a:ea typeface="+mn-ea"/>
+              <a:cs typeface="+mn-cs"/>
+            </a:endParaRPr>
+          </a:p>
+          <a:p>
+            <a:pPr marL="0" indent="0" algn="l" defTabSz="914400" rtl="0" eaLnBrk="1" latinLnBrk="0" hangingPunct="1">
+              <a:lnSpc>
+                <a:spcPct val="100000"/>
+              </a:lnSpc>
+              <a:spcBef>
+                <a:spcPts val="0"/>
+              </a:spcBef>
+              <a:spcAft>
+                <a:spcPts val="600"/>
+              </a:spcAft>
+              <a:buClr>
+                <a:schemeClr val="tx2"/>
+              </a:buClr>
+              <a:buFontTx/>
+              <a:buNone/>
+            </a:pPr>
+            <a:r>
+              <a:rPr lang="de-DE" sz="900" dirty="0"/>
+              <a:t>- </a:t>
+            </a:r>
+            <a:r>
+              <a:rPr lang="de-DE" sz="900" dirty="0" err="1"/>
+              <a:t>Deduplicating</a:t>
+            </a:r>
+            <a:r>
+              <a:rPr lang="de-DE" sz="900" dirty="0"/>
+              <a:t> Data:  </a:t>
+            </a:r>
+            <a:r>
+              <a:rPr lang="de-DE" sz="900" dirty="0">
+                <a:hlinkClick r:id="rId3"/>
+              </a:rPr>
+              <a:t>http://arxiv.org/abs/2107.06499</a:t>
+            </a:r>
+            <a:endParaRPr lang="de-DE" sz="900" dirty="0"/>
+          </a:p>
+          <a:p>
+            <a:pPr marL="0" indent="0" algn="l" defTabSz="914400" rtl="0" eaLnBrk="1" latinLnBrk="0" hangingPunct="1">
+              <a:lnSpc>
+                <a:spcPct val="100000"/>
+              </a:lnSpc>
+              <a:spcBef>
+                <a:spcPts val="0"/>
+              </a:spcBef>
+              <a:spcAft>
+                <a:spcPts val="600"/>
+              </a:spcAft>
+              <a:buClr>
+                <a:schemeClr val="tx2"/>
+              </a:buClr>
+              <a:buFontTx/>
+              <a:buNone/>
+            </a:pPr>
+            <a:r>
+              <a:rPr lang="de-DE" sz="900" dirty="0"/>
+              <a:t>- </a:t>
+            </a:r>
+            <a:r>
+              <a:rPr lang="de-DE" sz="900" dirty="0" err="1"/>
+              <a:t>Confident</a:t>
+            </a:r>
+            <a:r>
+              <a:rPr lang="de-DE" sz="900" dirty="0"/>
+              <a:t> Learning: </a:t>
+            </a:r>
+            <a:r>
+              <a:rPr lang="de-DE" sz="900" dirty="0">
+                <a:hlinkClick r:id="rId4"/>
+              </a:rPr>
+              <a:t>http://arxiv.org/abs/1911.00068</a:t>
+            </a:r>
+            <a:endParaRPr lang="de-DE" sz="900" dirty="0"/>
+          </a:p>
+          <a:p>
+            <a:pPr marL="0" indent="0" algn="l" defTabSz="914400" rtl="0" eaLnBrk="1" latinLnBrk="0" hangingPunct="1">
+              <a:lnSpc>
+                <a:spcPct val="100000"/>
+              </a:lnSpc>
+              <a:spcBef>
+                <a:spcPts val="0"/>
+              </a:spcBef>
+              <a:spcAft>
+                <a:spcPts val="600"/>
+              </a:spcAft>
+              <a:buClr>
+                <a:schemeClr val="tx2"/>
+              </a:buClr>
+              <a:buFontTx/>
+              <a:buNone/>
+            </a:pPr>
+            <a:r>
+              <a:rPr lang="de-DE" sz="900" dirty="0"/>
+              <a:t>- BERT: </a:t>
+            </a:r>
+            <a:r>
+              <a:rPr lang="de-DE" sz="900" dirty="0">
+                <a:hlinkClick r:id="rId5"/>
+              </a:rPr>
+              <a:t>http://arxiv.org/abs/2204.02685</a:t>
+            </a:r>
+            <a:endParaRPr lang="de-DE" sz="900" dirty="0"/>
+          </a:p>
+          <a:p>
+            <a:pPr marL="0" indent="0" algn="l" defTabSz="914400" rtl="0" eaLnBrk="1" latinLnBrk="0" hangingPunct="1">
+              <a:lnSpc>
+                <a:spcPct val="100000"/>
+              </a:lnSpc>
+              <a:spcBef>
+                <a:spcPts val="0"/>
+              </a:spcBef>
+              <a:spcAft>
+                <a:spcPts val="600"/>
+              </a:spcAft>
+              <a:buClr>
+                <a:schemeClr val="tx2"/>
+              </a:buClr>
+              <a:buFontTx/>
+              <a:buNone/>
+            </a:pPr>
+            <a:r>
+              <a:rPr lang="de-DE" sz="900" dirty="0"/>
+              <a:t>Attention </a:t>
+            </a:r>
+            <a:r>
+              <a:rPr lang="de-DE" sz="900" dirty="0" err="1"/>
+              <a:t>is</a:t>
+            </a:r>
+            <a:r>
+              <a:rPr lang="de-DE" sz="900" dirty="0"/>
+              <a:t> all: </a:t>
+            </a:r>
+            <a:r>
+              <a:rPr lang="de-DE" sz="900" dirty="0">
+                <a:hlinkClick r:id="rId6"/>
+              </a:rPr>
+              <a:t>http://arxiv.org/abs/1706.03762</a:t>
+            </a:r>
+            <a:endParaRPr lang="de-DE" sz="900" dirty="0"/>
+          </a:p>
+        </p:txBody>
+      </p:sp>
+    </p:spTree>
+    <p:extLst>
+      <p:ext uri="{BB962C8B-B14F-4D97-AF65-F5344CB8AC3E}">
+        <p14:creationId xmlns:p14="http://schemas.microsoft.com/office/powerpoint/2010/main" val="4005258961"/>
+      </p:ext>
+    </p:extLst>
+  </p:cSld>
+  <p:clrMapOvr>
+    <a:masterClrMapping/>
+  </p:clrMapOvr>
+</p:sld>
+</file>
+
+<file path=ppt/slides/slide16.xml><?xml version="1.0" encoding="utf-8"?>
+<p:sld xmlns:a="http://schemas.openxmlformats.org/drawingml/2006/main" xmlns:r="http://schemas.openxmlformats.org/officeDocument/2006/relationships" xmlns:p="http://schemas.openxmlformats.org/presentationml/2006/main">
+  <p:cSld>
+    <p:spTree>
+      <p:nvGrpSpPr>
+        <p:cNvPr id="1" name=""/>
+        <p:cNvGrpSpPr/>
+        <p:nvPr/>
+      </p:nvGrpSpPr>
+      <p:grpSpPr>
+        <a:xfrm>
+          <a:off x="0" y="0"/>
+          <a:ext cx="0" cy="0"/>
+          <a:chOff x="0" y="0"/>
+          <a:chExt cx="0" cy="0"/>
+        </a:xfrm>
+      </p:grpSpPr>
+      <p:sp>
+        <p:nvSpPr>
+          <p:cNvPr id="2" name="Title 1">
+            <a:extLst>
+              <a:ext uri="{FF2B5EF4-FFF2-40B4-BE49-F238E27FC236}">
+                <a16:creationId xmlns:a16="http://schemas.microsoft.com/office/drawing/2014/main" id="{CC602EF1-3F43-7235-3C14-52EE7D7F06A7}"/>
+              </a:ext>
+            </a:extLst>
+          </p:cNvPr>
+          <p:cNvSpPr>
+            <a:spLocks noGrp="1"/>
+          </p:cNvSpPr>
+          <p:nvPr>
+            <p:ph type="title"/>
+          </p:nvPr>
+        </p:nvSpPr>
+        <p:spPr>
+          <a:xfrm>
+            <a:off x="488947" y="347184"/>
+            <a:ext cx="2559053" cy="800219"/>
+          </a:xfrm>
+        </p:spPr>
+        <p:txBody>
+          <a:bodyPr/>
+          <a:lstStyle/>
+          <a:p>
+            <a:r>
+              <a:rPr lang="de-DE" dirty="0"/>
+              <a:t>Notes BA-</a:t>
+            </a:r>
+            <a:r>
+              <a:rPr lang="de-DE" dirty="0" err="1"/>
+              <a:t>Sync</a:t>
+            </a:r>
+            <a:r>
+              <a:rPr lang="de-DE" dirty="0"/>
+              <a:t> – 27.06.2024 (3/4)</a:t>
+            </a:r>
+            <a:endParaRPr lang="en-US" dirty="0"/>
+          </a:p>
+        </p:txBody>
+      </p:sp>
+      <p:pic>
+        <p:nvPicPr>
+          <p:cNvPr id="6" name="Picture 5">
+            <a:extLst>
+              <a:ext uri="{FF2B5EF4-FFF2-40B4-BE49-F238E27FC236}">
+                <a16:creationId xmlns:a16="http://schemas.microsoft.com/office/drawing/2014/main" id="{90162104-FCDD-DC82-74E0-9A9ABDE56085}"/>
+              </a:ext>
+            </a:extLst>
+          </p:cNvPr>
+          <p:cNvPicPr>
+            <a:picLocks noChangeAspect="1"/>
+          </p:cNvPicPr>
+          <p:nvPr/>
+        </p:nvPicPr>
+        <p:blipFill>
+          <a:blip r:embed="rId2"/>
+          <a:stretch>
+            <a:fillRect/>
+          </a:stretch>
+        </p:blipFill>
+        <p:spPr>
+          <a:xfrm>
+            <a:off x="4040845" y="0"/>
+            <a:ext cx="5521166" cy="6689267"/>
+          </a:xfrm>
+          <a:prstGeom prst="rect">
+            <a:avLst/>
+          </a:prstGeom>
+        </p:spPr>
+      </p:pic>
+      <p:sp>
+        <p:nvSpPr>
+          <p:cNvPr id="11" name="TextBox 10">
+            <a:extLst>
+              <a:ext uri="{FF2B5EF4-FFF2-40B4-BE49-F238E27FC236}">
+                <a16:creationId xmlns:a16="http://schemas.microsoft.com/office/drawing/2014/main" id="{586C77E3-7A96-74BE-05BF-DFB15333DF82}"/>
+              </a:ext>
+            </a:extLst>
+          </p:cNvPr>
+          <p:cNvSpPr txBox="1"/>
+          <p:nvPr/>
+        </p:nvSpPr>
+        <p:spPr>
+          <a:xfrm>
+            <a:off x="2238102" y="2376281"/>
+            <a:ext cx="1994263" cy="276999"/>
+          </a:xfrm>
+          <a:prstGeom prst="rect">
+            <a:avLst/>
+          </a:prstGeom>
+        </p:spPr>
+        <p:txBody>
+          <a:bodyPr vert="horz" wrap="square" lIns="0" tIns="0" rIns="0" bIns="0" rtlCol="0">
+            <a:spAutoFit/>
+          </a:bodyPr>
+          <a:lstStyle/>
+          <a:p>
+            <a:pPr marL="0" indent="0" algn="l" defTabSz="914400" rtl="0" eaLnBrk="1" latinLnBrk="0" hangingPunct="1">
+              <a:lnSpc>
+                <a:spcPct val="100000"/>
+              </a:lnSpc>
+              <a:spcBef>
+                <a:spcPts val="0"/>
+              </a:spcBef>
+              <a:spcAft>
+                <a:spcPts val="600"/>
+              </a:spcAft>
+              <a:buClr>
+                <a:schemeClr val="tx2"/>
+              </a:buClr>
+              <a:buFontTx/>
+              <a:buNone/>
+            </a:pPr>
+            <a:r>
+              <a:rPr lang="de-DE" sz="1800" kern="1200" dirty="0" err="1">
+                <a:solidFill>
+                  <a:schemeClr val="tx1"/>
+                </a:solidFill>
+                <a:latin typeface="+mn-lt"/>
+                <a:ea typeface="+mn-ea"/>
+                <a:cs typeface="+mn-cs"/>
+              </a:rPr>
+              <a:t>Example</a:t>
+            </a:r>
+            <a:r>
+              <a:rPr lang="de-DE" sz="1800" kern="1200" dirty="0">
+                <a:solidFill>
+                  <a:schemeClr val="tx1"/>
+                </a:solidFill>
+                <a:latin typeface="+mn-lt"/>
+                <a:ea typeface="+mn-ea"/>
+                <a:cs typeface="+mn-cs"/>
+              </a:rPr>
+              <a:t> </a:t>
+            </a:r>
+            <a:r>
+              <a:rPr lang="de-DE" sz="1800" kern="1200" dirty="0" err="1">
+                <a:solidFill>
+                  <a:schemeClr val="tx1"/>
+                </a:solidFill>
+                <a:latin typeface="+mn-lt"/>
+                <a:ea typeface="+mn-ea"/>
+                <a:cs typeface="+mn-cs"/>
+              </a:rPr>
+              <a:t>cases</a:t>
+            </a:r>
+            <a:r>
+              <a:rPr lang="de-DE" sz="1800" kern="1200" dirty="0">
+                <a:solidFill>
+                  <a:schemeClr val="tx1"/>
+                </a:solidFill>
+                <a:latin typeface="+mn-lt"/>
+                <a:ea typeface="+mn-ea"/>
+                <a:cs typeface="+mn-cs"/>
+              </a:rPr>
+              <a:t> </a:t>
+            </a:r>
+            <a:r>
+              <a:rPr lang="de-DE" sz="1800" kern="1200" dirty="0">
+                <a:solidFill>
+                  <a:schemeClr val="tx1"/>
+                </a:solidFill>
+                <a:latin typeface="+mn-lt"/>
+                <a:ea typeface="+mn-ea"/>
+                <a:cs typeface="+mn-cs"/>
+                <a:sym typeface="Wingdings" panose="05000000000000000000" pitchFamily="2" charset="2"/>
+              </a:rPr>
+              <a:t></a:t>
+            </a:r>
+            <a:endParaRPr lang="de-DE" sz="1800" kern="1200" dirty="0">
+              <a:solidFill>
+                <a:schemeClr val="tx1"/>
+              </a:solidFill>
+              <a:latin typeface="+mn-lt"/>
+              <a:ea typeface="+mn-ea"/>
+              <a:cs typeface="+mn-cs"/>
+            </a:endParaRPr>
+          </a:p>
+        </p:txBody>
+      </p:sp>
+    </p:spTree>
+    <p:extLst>
+      <p:ext uri="{BB962C8B-B14F-4D97-AF65-F5344CB8AC3E}">
+        <p14:creationId xmlns:p14="http://schemas.microsoft.com/office/powerpoint/2010/main" val="2766703198"/>
+      </p:ext>
+    </p:extLst>
+  </p:cSld>
+  <p:clrMapOvr>
+    <a:masterClrMapping/>
+  </p:clrMapOvr>
+</p:sld>
+</file>
+
+<file path=ppt/slides/slide17.xml><?xml version="1.0" encoding="utf-8"?>
+<p:sld xmlns:a="http://schemas.openxmlformats.org/drawingml/2006/main" xmlns:r="http://schemas.openxmlformats.org/officeDocument/2006/relationships" xmlns:p="http://schemas.openxmlformats.org/presentationml/2006/main">
+  <p:cSld>
+    <p:spTree>
+      <p:nvGrpSpPr>
+        <p:cNvPr id="1" name=""/>
+        <p:cNvGrpSpPr/>
+        <p:nvPr/>
+      </p:nvGrpSpPr>
+      <p:grpSpPr>
+        <a:xfrm>
+          <a:off x="0" y="0"/>
+          <a:ext cx="0" cy="0"/>
+          <a:chOff x="0" y="0"/>
+          <a:chExt cx="0" cy="0"/>
+        </a:xfrm>
+      </p:grpSpPr>
+      <p:sp>
+        <p:nvSpPr>
+          <p:cNvPr id="2" name="Title 1">
+            <a:extLst>
+              <a:ext uri="{FF2B5EF4-FFF2-40B4-BE49-F238E27FC236}">
+                <a16:creationId xmlns:a16="http://schemas.microsoft.com/office/drawing/2014/main" id="{CC602EF1-3F43-7235-3C14-52EE7D7F06A7}"/>
+              </a:ext>
+            </a:extLst>
+          </p:cNvPr>
+          <p:cNvSpPr>
+            <a:spLocks noGrp="1"/>
+          </p:cNvSpPr>
+          <p:nvPr>
+            <p:ph type="title"/>
+          </p:nvPr>
+        </p:nvSpPr>
+        <p:spPr>
+          <a:xfrm>
+            <a:off x="488947" y="347184"/>
+            <a:ext cx="2559053" cy="800219"/>
+          </a:xfrm>
+        </p:spPr>
+        <p:txBody>
+          <a:bodyPr/>
+          <a:lstStyle/>
+          <a:p>
+            <a:r>
+              <a:rPr lang="de-DE" dirty="0"/>
+              <a:t>Notes BA-</a:t>
+            </a:r>
+            <a:r>
+              <a:rPr lang="de-DE" dirty="0" err="1"/>
+              <a:t>Sync</a:t>
+            </a:r>
+            <a:r>
+              <a:rPr lang="de-DE" dirty="0"/>
+              <a:t> – 27.06.2024 (4/4)</a:t>
+            </a:r>
+            <a:endParaRPr lang="en-US" dirty="0"/>
+          </a:p>
+        </p:txBody>
+      </p:sp>
+      <p:sp>
+        <p:nvSpPr>
+          <p:cNvPr id="11" name="TextBox 10">
+            <a:extLst>
+              <a:ext uri="{FF2B5EF4-FFF2-40B4-BE49-F238E27FC236}">
+                <a16:creationId xmlns:a16="http://schemas.microsoft.com/office/drawing/2014/main" id="{586C77E3-7A96-74BE-05BF-DFB15333DF82}"/>
+              </a:ext>
+            </a:extLst>
+          </p:cNvPr>
+          <p:cNvSpPr txBox="1"/>
+          <p:nvPr/>
+        </p:nvSpPr>
+        <p:spPr>
+          <a:xfrm>
+            <a:off x="2151016" y="1906019"/>
+            <a:ext cx="1994263" cy="276999"/>
+          </a:xfrm>
+          <a:prstGeom prst="rect">
+            <a:avLst/>
+          </a:prstGeom>
+        </p:spPr>
+        <p:txBody>
+          <a:bodyPr vert="horz" wrap="square" lIns="0" tIns="0" rIns="0" bIns="0" rtlCol="0">
+            <a:spAutoFit/>
+          </a:bodyPr>
+          <a:lstStyle/>
+          <a:p>
+            <a:pPr marL="0" indent="0" algn="l" defTabSz="914400" rtl="0" eaLnBrk="1" latinLnBrk="0" hangingPunct="1">
+              <a:lnSpc>
+                <a:spcPct val="100000"/>
+              </a:lnSpc>
+              <a:spcBef>
+                <a:spcPts val="0"/>
+              </a:spcBef>
+              <a:spcAft>
+                <a:spcPts val="600"/>
+              </a:spcAft>
+              <a:buClr>
+                <a:schemeClr val="tx2"/>
+              </a:buClr>
+              <a:buFontTx/>
+              <a:buNone/>
+            </a:pPr>
+            <a:r>
+              <a:rPr lang="de-DE" sz="1800" kern="1200" dirty="0" err="1">
+                <a:solidFill>
+                  <a:schemeClr val="tx1"/>
+                </a:solidFill>
+                <a:latin typeface="+mn-lt"/>
+                <a:ea typeface="+mn-ea"/>
+                <a:cs typeface="+mn-cs"/>
+              </a:rPr>
+              <a:t>Overview</a:t>
+            </a:r>
+            <a:endParaRPr lang="de-DE" sz="1800" kern="1200" dirty="0">
+              <a:solidFill>
+                <a:schemeClr val="tx1"/>
+              </a:solidFill>
+              <a:latin typeface="+mn-lt"/>
+              <a:ea typeface="+mn-ea"/>
+              <a:cs typeface="+mn-cs"/>
+            </a:endParaRPr>
+          </a:p>
+        </p:txBody>
+      </p:sp>
+      <p:pic>
+        <p:nvPicPr>
+          <p:cNvPr id="3" name="Picture 2">
+            <a:extLst>
+              <a:ext uri="{FF2B5EF4-FFF2-40B4-BE49-F238E27FC236}">
+                <a16:creationId xmlns:a16="http://schemas.microsoft.com/office/drawing/2014/main" id="{7F40D045-4E1B-A2C3-1495-BE7CF48913C1}"/>
+              </a:ext>
+            </a:extLst>
+          </p:cNvPr>
+          <p:cNvPicPr>
+            <a:picLocks noChangeAspect="1"/>
+          </p:cNvPicPr>
+          <p:nvPr/>
+        </p:nvPicPr>
+        <p:blipFill>
+          <a:blip r:embed="rId2"/>
+          <a:stretch>
+            <a:fillRect/>
+          </a:stretch>
+        </p:blipFill>
+        <p:spPr>
+          <a:xfrm>
+            <a:off x="0" y="2279297"/>
+            <a:ext cx="12192000" cy="3451009"/>
+          </a:xfrm>
+          <a:prstGeom prst="rect">
+            <a:avLst/>
+          </a:prstGeom>
+        </p:spPr>
+      </p:pic>
+    </p:spTree>
+    <p:extLst>
+      <p:ext uri="{BB962C8B-B14F-4D97-AF65-F5344CB8AC3E}">
+        <p14:creationId xmlns:p14="http://schemas.microsoft.com/office/powerpoint/2010/main" val="151146317"/>
       </p:ext>
     </p:extLst>
   </p:cSld>

--- a/dokumentation_things/Roadmap Bachelor thesis.pptx
+++ b/dokumentation_things/Roadmap Bachelor thesis.pptx
@@ -32330,12 +32330,8 @@
               <a:t>details</a:t>
             </a:r>
             <a:r>
-              <a:rPr lang="de-DE"/>
-              <a:t> @ </a:t>
-            </a:r>
-            <a:r>
               <a:rPr lang="de-DE" dirty="0"/>
-              <a:t>4/4) </a:t>
+              <a:t> @ 4/4) </a:t>
             </a:r>
           </a:p>
           <a:p>

--- a/dokumentation_things/Roadmap Bachelor thesis.pptx
+++ b/dokumentation_things/Roadmap Bachelor thesis.pptx
@@ -6,10 +6,10 @@
     <p:sldMasterId id="2147483720" r:id="rId2"/>
   </p:sldMasterIdLst>
   <p:notesMasterIdLst>
-    <p:notesMasterId r:id="rId20"/>
+    <p:notesMasterId r:id="rId22"/>
   </p:notesMasterIdLst>
   <p:handoutMasterIdLst>
-    <p:handoutMasterId r:id="rId21"/>
+    <p:handoutMasterId r:id="rId23"/>
   </p:handoutMasterIdLst>
   <p:sldIdLst>
     <p:sldId id="384" r:id="rId3"/>
@@ -29,11 +29,13 @@
     <p:sldId id="386" r:id="rId17"/>
     <p:sldId id="387" r:id="rId18"/>
     <p:sldId id="388" r:id="rId19"/>
+    <p:sldId id="389" r:id="rId20"/>
+    <p:sldId id="390" r:id="rId21"/>
   </p:sldIdLst>
   <p:sldSz cx="12192000" cy="6858000"/>
   <p:notesSz cx="6858000" cy="9144000"/>
   <p:custDataLst>
-    <p:tags r:id="rId22"/>
+    <p:tags r:id="rId24"/>
   </p:custDataLst>
   <p:defaultTextStyle>
     <a:defPPr>
@@ -156,6 +158,8 @@
             <p14:sldId id="386"/>
             <p14:sldId id="387"/>
             <p14:sldId id="388"/>
+            <p14:sldId id="389"/>
+            <p14:sldId id="390"/>
           </p14:sldIdLst>
         </p14:section>
       </p14:sectionLst>
@@ -282,7 +286,7 @@
               <a:rPr lang="de-DE" smtClean="0">
                 <a:latin typeface="BMWGroupTN Condensed" pitchFamily="50" charset="0"/>
               </a:rPr>
-              <a:t>27.06.2024</a:t>
+              <a:t>17.07.2024</a:t>
             </a:fld>
             <a:endParaRPr lang="de-DE" dirty="0">
               <a:latin typeface="BMWGroupTN Condensed" pitchFamily="50" charset="0"/>
@@ -460,7 +464,7 @@
             <a:fld id="{C9ACC0F7-209C-4EE4-A1D5-BFF0CBCA9BC3}" type="datetimeFigureOut">
               <a:rPr lang="de-DE" smtClean="0"/>
               <a:pPr/>
-              <a:t>27.06.2024</a:t>
+              <a:t>17.07.2024</a:t>
             </a:fld>
             <a:endParaRPr lang="de-DE" dirty="0"/>
           </a:p>
@@ -1233,6 +1237,176 @@
     <p:extLst>
       <p:ext uri="{BB962C8B-B14F-4D97-AF65-F5344CB8AC3E}">
         <p14:creationId xmlns:p14="http://schemas.microsoft.com/office/powerpoint/2010/main" val="1898937565"/>
+      </p:ext>
+    </p:extLst>
+  </p:cSld>
+  <p:clrMapOvr>
+    <a:masterClrMapping/>
+  </p:clrMapOvr>
+</p:notes>
+</file>
+
+<file path=ppt/notesSlides/notesSlide7.xml><?xml version="1.0" encoding="utf-8"?>
+<p:notes xmlns:a="http://schemas.openxmlformats.org/drawingml/2006/main" xmlns:r="http://schemas.openxmlformats.org/officeDocument/2006/relationships" xmlns:p="http://schemas.openxmlformats.org/presentationml/2006/main">
+  <p:cSld>
+    <p:spTree>
+      <p:nvGrpSpPr>
+        <p:cNvPr id="1" name=""/>
+        <p:cNvGrpSpPr/>
+        <p:nvPr/>
+      </p:nvGrpSpPr>
+      <p:grpSpPr>
+        <a:xfrm>
+          <a:off x="0" y="0"/>
+          <a:ext cx="0" cy="0"/>
+          <a:chOff x="0" y="0"/>
+          <a:chExt cx="0" cy="0"/>
+        </a:xfrm>
+      </p:grpSpPr>
+      <p:sp>
+        <p:nvSpPr>
+          <p:cNvPr id="2" name="Slide Image Placeholder 1"/>
+          <p:cNvSpPr>
+            <a:spLocks noGrp="1" noRot="1" noChangeAspect="1"/>
+          </p:cNvSpPr>
+          <p:nvPr>
+            <p:ph type="sldImg"/>
+          </p:nvPr>
+        </p:nvSpPr>
+        <p:spPr/>
+      </p:sp>
+      <p:sp>
+        <p:nvSpPr>
+          <p:cNvPr id="3" name="Notes Placeholder 2"/>
+          <p:cNvSpPr>
+            <a:spLocks noGrp="1"/>
+          </p:cNvSpPr>
+          <p:nvPr>
+            <p:ph type="body" idx="1"/>
+          </p:nvPr>
+        </p:nvSpPr>
+        <p:spPr/>
+        <p:txBody>
+          <a:bodyPr/>
+          <a:lstStyle/>
+          <a:p>
+            <a:endParaRPr lang="en-US" dirty="0"/>
+          </a:p>
+        </p:txBody>
+      </p:sp>
+      <p:sp>
+        <p:nvSpPr>
+          <p:cNvPr id="4" name="Slide Number Placeholder 3"/>
+          <p:cNvSpPr>
+            <a:spLocks noGrp="1"/>
+          </p:cNvSpPr>
+          <p:nvPr>
+            <p:ph type="sldNum" sz="quarter" idx="5"/>
+          </p:nvPr>
+        </p:nvSpPr>
+        <p:spPr/>
+        <p:txBody>
+          <a:bodyPr/>
+          <a:lstStyle/>
+          <a:p>
+            <a:fld id="{845B7A2B-9D63-4AB1-9A7A-EE5F31796489}" type="slidenum">
+              <a:rPr lang="de-DE" smtClean="0"/>
+              <a:pPr/>
+              <a:t>18</a:t>
+            </a:fld>
+            <a:endParaRPr lang="de-DE" dirty="0"/>
+          </a:p>
+        </p:txBody>
+      </p:sp>
+    </p:spTree>
+    <p:extLst>
+      <p:ext uri="{BB962C8B-B14F-4D97-AF65-F5344CB8AC3E}">
+        <p14:creationId xmlns:p14="http://schemas.microsoft.com/office/powerpoint/2010/main" val="3589515036"/>
+      </p:ext>
+    </p:extLst>
+  </p:cSld>
+  <p:clrMapOvr>
+    <a:masterClrMapping/>
+  </p:clrMapOvr>
+</p:notes>
+</file>
+
+<file path=ppt/notesSlides/notesSlide8.xml><?xml version="1.0" encoding="utf-8"?>
+<p:notes xmlns:a="http://schemas.openxmlformats.org/drawingml/2006/main" xmlns:r="http://schemas.openxmlformats.org/officeDocument/2006/relationships" xmlns:p="http://schemas.openxmlformats.org/presentationml/2006/main">
+  <p:cSld>
+    <p:spTree>
+      <p:nvGrpSpPr>
+        <p:cNvPr id="1" name=""/>
+        <p:cNvGrpSpPr/>
+        <p:nvPr/>
+      </p:nvGrpSpPr>
+      <p:grpSpPr>
+        <a:xfrm>
+          <a:off x="0" y="0"/>
+          <a:ext cx="0" cy="0"/>
+          <a:chOff x="0" y="0"/>
+          <a:chExt cx="0" cy="0"/>
+        </a:xfrm>
+      </p:grpSpPr>
+      <p:sp>
+        <p:nvSpPr>
+          <p:cNvPr id="2" name="Slide Image Placeholder 1"/>
+          <p:cNvSpPr>
+            <a:spLocks noGrp="1" noRot="1" noChangeAspect="1"/>
+          </p:cNvSpPr>
+          <p:nvPr>
+            <p:ph type="sldImg"/>
+          </p:nvPr>
+        </p:nvSpPr>
+        <p:spPr/>
+      </p:sp>
+      <p:sp>
+        <p:nvSpPr>
+          <p:cNvPr id="3" name="Notes Placeholder 2"/>
+          <p:cNvSpPr>
+            <a:spLocks noGrp="1"/>
+          </p:cNvSpPr>
+          <p:nvPr>
+            <p:ph type="body" idx="1"/>
+          </p:nvPr>
+        </p:nvSpPr>
+        <p:spPr/>
+        <p:txBody>
+          <a:bodyPr/>
+          <a:lstStyle/>
+          <a:p>
+            <a:endParaRPr lang="en-US" dirty="0"/>
+          </a:p>
+        </p:txBody>
+      </p:sp>
+      <p:sp>
+        <p:nvSpPr>
+          <p:cNvPr id="4" name="Slide Number Placeholder 3"/>
+          <p:cNvSpPr>
+            <a:spLocks noGrp="1"/>
+          </p:cNvSpPr>
+          <p:nvPr>
+            <p:ph type="sldNum" sz="quarter" idx="5"/>
+          </p:nvPr>
+        </p:nvSpPr>
+        <p:spPr/>
+        <p:txBody>
+          <a:bodyPr/>
+          <a:lstStyle/>
+          <a:p>
+            <a:fld id="{845B7A2B-9D63-4AB1-9A7A-EE5F31796489}" type="slidenum">
+              <a:rPr lang="de-DE" smtClean="0"/>
+              <a:pPr/>
+              <a:t>19</a:t>
+            </a:fld>
+            <a:endParaRPr lang="de-DE" dirty="0"/>
+          </a:p>
+        </p:txBody>
+      </p:sp>
+    </p:spTree>
+    <p:extLst>
+      <p:ext uri="{BB962C8B-B14F-4D97-AF65-F5344CB8AC3E}">
+        <p14:creationId xmlns:p14="http://schemas.microsoft.com/office/powerpoint/2010/main" val="1361621760"/>
       </p:ext>
     </p:extLst>
   </p:cSld>
@@ -35275,6 +35449,897 @@
     <p:extLst>
       <p:ext uri="{BB962C8B-B14F-4D97-AF65-F5344CB8AC3E}">
         <p14:creationId xmlns:p14="http://schemas.microsoft.com/office/powerpoint/2010/main" val="151146317"/>
+      </p:ext>
+    </p:extLst>
+  </p:cSld>
+  <p:clrMapOvr>
+    <a:masterClrMapping/>
+  </p:clrMapOvr>
+</p:sld>
+</file>
+
+<file path=ppt/slides/slide18.xml><?xml version="1.0" encoding="utf-8"?>
+<p:sld xmlns:a="http://schemas.openxmlformats.org/drawingml/2006/main" xmlns:r="http://schemas.openxmlformats.org/officeDocument/2006/relationships" xmlns:p="http://schemas.openxmlformats.org/presentationml/2006/main">
+  <p:cSld>
+    <p:spTree>
+      <p:nvGrpSpPr>
+        <p:cNvPr id="1" name=""/>
+        <p:cNvGrpSpPr/>
+        <p:nvPr/>
+      </p:nvGrpSpPr>
+      <p:grpSpPr>
+        <a:xfrm>
+          <a:off x="0" y="0"/>
+          <a:ext cx="0" cy="0"/>
+          <a:chOff x="0" y="0"/>
+          <a:chExt cx="0" cy="0"/>
+        </a:xfrm>
+      </p:grpSpPr>
+      <p:sp>
+        <p:nvSpPr>
+          <p:cNvPr id="2" name="Title 1">
+            <a:extLst>
+              <a:ext uri="{FF2B5EF4-FFF2-40B4-BE49-F238E27FC236}">
+                <a16:creationId xmlns:a16="http://schemas.microsoft.com/office/drawing/2014/main" id="{A0BCD0E7-992F-D230-BFCE-EE107DFECD6B}"/>
+              </a:ext>
+            </a:extLst>
+          </p:cNvPr>
+          <p:cNvSpPr>
+            <a:spLocks noGrp="1"/>
+          </p:cNvSpPr>
+          <p:nvPr>
+            <p:ph type="title"/>
+          </p:nvPr>
+        </p:nvSpPr>
+        <p:spPr/>
+        <p:txBody>
+          <a:bodyPr/>
+          <a:lstStyle/>
+          <a:p>
+            <a:r>
+              <a:rPr lang="de-DE" dirty="0"/>
+              <a:t>Notes BA-</a:t>
+            </a:r>
+            <a:r>
+              <a:rPr lang="de-DE" dirty="0" err="1"/>
+              <a:t>Sync</a:t>
+            </a:r>
+            <a:r>
+              <a:rPr lang="de-DE" dirty="0"/>
+              <a:t> – 25.07.2024</a:t>
+            </a:r>
+            <a:endParaRPr lang="en-US" dirty="0"/>
+          </a:p>
+        </p:txBody>
+      </p:sp>
+      <p:sp>
+        <p:nvSpPr>
+          <p:cNvPr id="4" name="TextBox 3">
+            <a:extLst>
+              <a:ext uri="{FF2B5EF4-FFF2-40B4-BE49-F238E27FC236}">
+                <a16:creationId xmlns:a16="http://schemas.microsoft.com/office/drawing/2014/main" id="{B63C4676-3485-9FE4-56D0-08DD65E49FAC}"/>
+              </a:ext>
+            </a:extLst>
+          </p:cNvPr>
+          <p:cNvSpPr txBox="1"/>
+          <p:nvPr/>
+        </p:nvSpPr>
+        <p:spPr>
+          <a:xfrm>
+            <a:off x="580054" y="747294"/>
+            <a:ext cx="4392387" cy="161583"/>
+          </a:xfrm>
+          <a:prstGeom prst="rect">
+            <a:avLst/>
+          </a:prstGeom>
+        </p:spPr>
+        <p:txBody>
+          <a:bodyPr vert="horz" wrap="square" lIns="0" tIns="0" rIns="0" bIns="0" rtlCol="0">
+            <a:spAutoFit/>
+          </a:bodyPr>
+          <a:lstStyle/>
+          <a:p>
+            <a:pPr marL="0" indent="0" algn="l" defTabSz="914400" rtl="0" eaLnBrk="1" latinLnBrk="0" hangingPunct="1">
+              <a:lnSpc>
+                <a:spcPct val="100000"/>
+              </a:lnSpc>
+              <a:spcBef>
+                <a:spcPts val="0"/>
+              </a:spcBef>
+              <a:spcAft>
+                <a:spcPts val="600"/>
+              </a:spcAft>
+              <a:buClr>
+                <a:schemeClr val="tx2"/>
+              </a:buClr>
+              <a:buFontTx/>
+              <a:buNone/>
+            </a:pPr>
+            <a:r>
+              <a:rPr lang="de-DE" sz="1050" kern="1200" dirty="0">
+                <a:solidFill>
+                  <a:schemeClr val="accent2"/>
+                </a:solidFill>
+                <a:latin typeface="+mn-lt"/>
+                <a:ea typeface="+mn-ea"/>
+                <a:cs typeface="+mn-cs"/>
+              </a:rPr>
+              <a:t>https://cc-github.bmwgroup.net/carmenwerrlein/bachelor_thesis.git </a:t>
+            </a:r>
+            <a:endParaRPr lang="en-US" sz="1050" kern="1200" dirty="0" err="1">
+              <a:solidFill>
+                <a:schemeClr val="accent2"/>
+              </a:solidFill>
+              <a:latin typeface="+mn-lt"/>
+              <a:ea typeface="+mn-ea"/>
+              <a:cs typeface="+mn-cs"/>
+            </a:endParaRPr>
+          </a:p>
+        </p:txBody>
+      </p:sp>
+      <p:sp>
+        <p:nvSpPr>
+          <p:cNvPr id="3" name="TextBox 2">
+            <a:extLst>
+              <a:ext uri="{FF2B5EF4-FFF2-40B4-BE49-F238E27FC236}">
+                <a16:creationId xmlns:a16="http://schemas.microsoft.com/office/drawing/2014/main" id="{B2D10738-775E-CE07-40CE-A2CD87CF05A2}"/>
+              </a:ext>
+            </a:extLst>
+          </p:cNvPr>
+          <p:cNvSpPr txBox="1"/>
+          <p:nvPr/>
+        </p:nvSpPr>
+        <p:spPr>
+          <a:xfrm>
+            <a:off x="488947" y="3162914"/>
+            <a:ext cx="11450504" cy="2585323"/>
+          </a:xfrm>
+          <a:prstGeom prst="rect">
+            <a:avLst/>
+          </a:prstGeom>
+          <a:noFill/>
+        </p:spPr>
+        <p:txBody>
+          <a:bodyPr wrap="square">
+            <a:spAutoFit/>
+          </a:bodyPr>
+          <a:lstStyle/>
+          <a:p>
+            <a:pPr marL="285750" indent="-285750">
+              <a:buFontTx/>
+              <a:buChar char="-"/>
+            </a:pPr>
+            <a:endParaRPr lang="en-US" dirty="0"/>
+          </a:p>
+          <a:p>
+            <a:r>
+              <a:rPr lang="en-US" dirty="0"/>
+              <a:t>OPEN Questions:</a:t>
+            </a:r>
+          </a:p>
+          <a:p>
+            <a:pPr marL="285750" indent="-285750">
+              <a:buFontTx/>
+              <a:buChar char="-"/>
+            </a:pPr>
+            <a:r>
+              <a:rPr lang="en-US" dirty="0"/>
+              <a:t>Label „playbook errors“ manually? Label at all? Semi-supervised? Reinforcement Approach? </a:t>
+            </a:r>
+          </a:p>
+          <a:p>
+            <a:pPr marL="285750" indent="-285750">
+              <a:buFontTx/>
+              <a:buChar char="-"/>
+            </a:pPr>
+            <a:r>
+              <a:rPr lang="en-US" dirty="0"/>
+              <a:t>Model? Pre-trained BERT? Which one?</a:t>
+            </a:r>
+          </a:p>
+          <a:p>
+            <a:pPr marL="285750" indent="-285750">
+              <a:buFontTx/>
+              <a:buChar char="-"/>
+            </a:pPr>
+            <a:r>
+              <a:rPr lang="en-US" dirty="0"/>
+              <a:t>Classify with confidence? Without?</a:t>
+            </a:r>
+          </a:p>
+          <a:p>
+            <a:pPr marL="285750" indent="-285750">
+              <a:buFontTx/>
+              <a:buChar char="-"/>
+            </a:pPr>
+            <a:r>
+              <a:rPr lang="en-US" dirty="0"/>
+              <a:t>Classify &amp; train by error cluster? By error cluster + error type? </a:t>
+            </a:r>
+          </a:p>
+          <a:p>
+            <a:pPr marL="285750" indent="-285750">
+              <a:buFontTx/>
+              <a:buChar char="-"/>
+            </a:pPr>
+            <a:r>
+              <a:rPr lang="en-US" dirty="0"/>
+              <a:t>How to access and label all logs? Download all &amp; run script? Online? </a:t>
+            </a:r>
+          </a:p>
+          <a:p>
+            <a:pPr marL="285750" indent="-285750">
+              <a:buFontTx/>
+              <a:buChar char="-"/>
+            </a:pPr>
+            <a:r>
+              <a:rPr lang="en-US" dirty="0"/>
+              <a:t>Where to store dataset?</a:t>
+            </a:r>
+          </a:p>
+          <a:p>
+            <a:pPr marL="285750" indent="-285750">
+              <a:buFontTx/>
+              <a:buChar char="-"/>
+            </a:pPr>
+            <a:r>
+              <a:rPr lang="en-US" dirty="0"/>
+              <a:t>Performance optimization for preprocessing and labeling script</a:t>
+            </a:r>
+          </a:p>
+        </p:txBody>
+      </p:sp>
+      <p:pic>
+        <p:nvPicPr>
+          <p:cNvPr id="8" name="Picture 7">
+            <a:extLst>
+              <a:ext uri="{FF2B5EF4-FFF2-40B4-BE49-F238E27FC236}">
+                <a16:creationId xmlns:a16="http://schemas.microsoft.com/office/drawing/2014/main" id="{18732335-6166-C502-4D1C-CB46E7F4BFF2}"/>
+              </a:ext>
+            </a:extLst>
+          </p:cNvPr>
+          <p:cNvPicPr>
+            <a:picLocks noChangeAspect="1"/>
+          </p:cNvPicPr>
+          <p:nvPr/>
+        </p:nvPicPr>
+        <p:blipFill rotWithShape="1">
+          <a:blip r:embed="rId3"/>
+          <a:srcRect l="11106" t="5979" b="-206"/>
+          <a:stretch/>
+        </p:blipFill>
+        <p:spPr>
+          <a:xfrm>
+            <a:off x="4728754" y="249149"/>
+            <a:ext cx="7315199" cy="3419572"/>
+          </a:xfrm>
+          <a:prstGeom prst="rect">
+            <a:avLst/>
+          </a:prstGeom>
+        </p:spPr>
+      </p:pic>
+      <p:sp>
+        <p:nvSpPr>
+          <p:cNvPr id="9" name="TextBox 8">
+            <a:extLst>
+              <a:ext uri="{FF2B5EF4-FFF2-40B4-BE49-F238E27FC236}">
+                <a16:creationId xmlns:a16="http://schemas.microsoft.com/office/drawing/2014/main" id="{AE6A35A5-8B20-C810-7C26-A5B9F979AE66}"/>
+              </a:ext>
+            </a:extLst>
+          </p:cNvPr>
+          <p:cNvSpPr txBox="1"/>
+          <p:nvPr/>
+        </p:nvSpPr>
+        <p:spPr>
+          <a:xfrm>
+            <a:off x="488947" y="1534149"/>
+            <a:ext cx="4145280" cy="1107996"/>
+          </a:xfrm>
+          <a:prstGeom prst="rect">
+            <a:avLst/>
+          </a:prstGeom>
+        </p:spPr>
+        <p:txBody>
+          <a:bodyPr vert="horz" wrap="square" lIns="0" tIns="0" rIns="0" bIns="0" rtlCol="0">
+            <a:spAutoFit/>
+          </a:bodyPr>
+          <a:lstStyle/>
+          <a:p>
+            <a:r>
+              <a:rPr lang="en-US" dirty="0"/>
+              <a:t>PROGRESS:</a:t>
+            </a:r>
+          </a:p>
+          <a:p>
+            <a:pPr marL="285750" indent="-285750">
+              <a:buFontTx/>
+              <a:buChar char="-"/>
+            </a:pPr>
+            <a:r>
+              <a:rPr lang="en-US" dirty="0"/>
+              <a:t>There are labels! Figured out RegEx matching (some exceptions, see next slide) </a:t>
+            </a:r>
+          </a:p>
+          <a:p>
+            <a:pPr marL="0" indent="0" algn="l" defTabSz="914400" rtl="0" eaLnBrk="1" latinLnBrk="0" hangingPunct="1">
+              <a:lnSpc>
+                <a:spcPct val="100000"/>
+              </a:lnSpc>
+              <a:spcBef>
+                <a:spcPts val="0"/>
+              </a:spcBef>
+              <a:spcAft>
+                <a:spcPts val="600"/>
+              </a:spcAft>
+              <a:buClr>
+                <a:schemeClr val="tx2"/>
+              </a:buClr>
+              <a:buFontTx/>
+              <a:buNone/>
+            </a:pPr>
+            <a:endParaRPr lang="en-US" sz="1800" kern="1200" dirty="0" err="1">
+              <a:solidFill>
+                <a:schemeClr val="tx1"/>
+              </a:solidFill>
+              <a:latin typeface="+mn-lt"/>
+              <a:ea typeface="+mn-ea"/>
+              <a:cs typeface="+mn-cs"/>
+            </a:endParaRPr>
+          </a:p>
+        </p:txBody>
+      </p:sp>
+    </p:spTree>
+    <p:extLst>
+      <p:ext uri="{BB962C8B-B14F-4D97-AF65-F5344CB8AC3E}">
+        <p14:creationId xmlns:p14="http://schemas.microsoft.com/office/powerpoint/2010/main" val="2369193926"/>
+      </p:ext>
+    </p:extLst>
+  </p:cSld>
+  <p:clrMapOvr>
+    <a:masterClrMapping/>
+  </p:clrMapOvr>
+</p:sld>
+</file>
+
+<file path=ppt/slides/slide19.xml><?xml version="1.0" encoding="utf-8"?>
+<p:sld xmlns:a="http://schemas.openxmlformats.org/drawingml/2006/main" xmlns:r="http://schemas.openxmlformats.org/officeDocument/2006/relationships" xmlns:p="http://schemas.openxmlformats.org/presentationml/2006/main">
+  <p:cSld>
+    <p:spTree>
+      <p:nvGrpSpPr>
+        <p:cNvPr id="1" name=""/>
+        <p:cNvGrpSpPr/>
+        <p:nvPr/>
+      </p:nvGrpSpPr>
+      <p:grpSpPr>
+        <a:xfrm>
+          <a:off x="0" y="0"/>
+          <a:ext cx="0" cy="0"/>
+          <a:chOff x="0" y="0"/>
+          <a:chExt cx="0" cy="0"/>
+        </a:xfrm>
+      </p:grpSpPr>
+      <p:sp>
+        <p:nvSpPr>
+          <p:cNvPr id="2" name="Title 1">
+            <a:extLst>
+              <a:ext uri="{FF2B5EF4-FFF2-40B4-BE49-F238E27FC236}">
+                <a16:creationId xmlns:a16="http://schemas.microsoft.com/office/drawing/2014/main" id="{A0BCD0E7-992F-D230-BFCE-EE107DFECD6B}"/>
+              </a:ext>
+            </a:extLst>
+          </p:cNvPr>
+          <p:cNvSpPr>
+            <a:spLocks noGrp="1"/>
+          </p:cNvSpPr>
+          <p:nvPr>
+            <p:ph type="title"/>
+          </p:nvPr>
+        </p:nvSpPr>
+        <p:spPr/>
+        <p:txBody>
+          <a:bodyPr/>
+          <a:lstStyle/>
+          <a:p>
+            <a:r>
+              <a:rPr lang="de-DE" dirty="0"/>
+              <a:t>Notes BA-</a:t>
+            </a:r>
+            <a:r>
+              <a:rPr lang="de-DE" dirty="0" err="1"/>
+              <a:t>Sync</a:t>
+            </a:r>
+            <a:r>
+              <a:rPr lang="de-DE" dirty="0"/>
+              <a:t> – 25.07.2024</a:t>
+            </a:r>
+            <a:endParaRPr lang="en-US" dirty="0"/>
+          </a:p>
+        </p:txBody>
+      </p:sp>
+      <p:sp>
+        <p:nvSpPr>
+          <p:cNvPr id="4" name="TextBox 3">
+            <a:extLst>
+              <a:ext uri="{FF2B5EF4-FFF2-40B4-BE49-F238E27FC236}">
+                <a16:creationId xmlns:a16="http://schemas.microsoft.com/office/drawing/2014/main" id="{B63C4676-3485-9FE4-56D0-08DD65E49FAC}"/>
+              </a:ext>
+            </a:extLst>
+          </p:cNvPr>
+          <p:cNvSpPr txBox="1"/>
+          <p:nvPr/>
+        </p:nvSpPr>
+        <p:spPr>
+          <a:xfrm>
+            <a:off x="580054" y="747294"/>
+            <a:ext cx="4392387" cy="161583"/>
+          </a:xfrm>
+          <a:prstGeom prst="rect">
+            <a:avLst/>
+          </a:prstGeom>
+        </p:spPr>
+        <p:txBody>
+          <a:bodyPr vert="horz" wrap="square" lIns="0" tIns="0" rIns="0" bIns="0" rtlCol="0">
+            <a:spAutoFit/>
+          </a:bodyPr>
+          <a:lstStyle/>
+          <a:p>
+            <a:pPr marL="0" indent="0" algn="l" defTabSz="914400" rtl="0" eaLnBrk="1" latinLnBrk="0" hangingPunct="1">
+              <a:lnSpc>
+                <a:spcPct val="100000"/>
+              </a:lnSpc>
+              <a:spcBef>
+                <a:spcPts val="0"/>
+              </a:spcBef>
+              <a:spcAft>
+                <a:spcPts val="600"/>
+              </a:spcAft>
+              <a:buClr>
+                <a:schemeClr val="tx2"/>
+              </a:buClr>
+              <a:buFontTx/>
+              <a:buNone/>
+            </a:pPr>
+            <a:r>
+              <a:rPr lang="de-DE" sz="1050" kern="1200" dirty="0">
+                <a:solidFill>
+                  <a:schemeClr val="accent2"/>
+                </a:solidFill>
+                <a:latin typeface="+mn-lt"/>
+                <a:ea typeface="+mn-ea"/>
+                <a:cs typeface="+mn-cs"/>
+              </a:rPr>
+              <a:t>https://cc-github.bmwgroup.net/carmenwerrlein/bachelor_thesis.git </a:t>
+            </a:r>
+            <a:endParaRPr lang="en-US" sz="1050" kern="1200" dirty="0" err="1">
+              <a:solidFill>
+                <a:schemeClr val="accent2"/>
+              </a:solidFill>
+              <a:latin typeface="+mn-lt"/>
+              <a:ea typeface="+mn-ea"/>
+              <a:cs typeface="+mn-cs"/>
+            </a:endParaRPr>
+          </a:p>
+        </p:txBody>
+      </p:sp>
+      <p:pic>
+        <p:nvPicPr>
+          <p:cNvPr id="6" name="Picture 5">
+            <a:extLst>
+              <a:ext uri="{FF2B5EF4-FFF2-40B4-BE49-F238E27FC236}">
+                <a16:creationId xmlns:a16="http://schemas.microsoft.com/office/drawing/2014/main" id="{0765FBB5-AE60-E0C4-4561-7293EE7C3913}"/>
+              </a:ext>
+            </a:extLst>
+          </p:cNvPr>
+          <p:cNvPicPr>
+            <a:picLocks noChangeAspect="1"/>
+          </p:cNvPicPr>
+          <p:nvPr/>
+        </p:nvPicPr>
+        <p:blipFill>
+          <a:blip r:embed="rId3"/>
+          <a:stretch>
+            <a:fillRect/>
+          </a:stretch>
+        </p:blipFill>
+        <p:spPr>
+          <a:xfrm>
+            <a:off x="0" y="1746061"/>
+            <a:ext cx="12192000" cy="3714219"/>
+          </a:xfrm>
+          <a:prstGeom prst="rect">
+            <a:avLst/>
+          </a:prstGeom>
+        </p:spPr>
+      </p:pic>
+      <p:cxnSp>
+        <p:nvCxnSpPr>
+          <p:cNvPr id="7" name="Straight Arrow Connector 6">
+            <a:extLst>
+              <a:ext uri="{FF2B5EF4-FFF2-40B4-BE49-F238E27FC236}">
+                <a16:creationId xmlns:a16="http://schemas.microsoft.com/office/drawing/2014/main" id="{6340B407-9A88-1131-CD37-0B47F4B7E45A}"/>
+              </a:ext>
+            </a:extLst>
+          </p:cNvPr>
+          <p:cNvCxnSpPr/>
+          <p:nvPr/>
+        </p:nvCxnSpPr>
+        <p:spPr>
+          <a:xfrm flipH="1">
+            <a:off x="3108960" y="1308987"/>
+            <a:ext cx="1123406" cy="824613"/>
+          </a:xfrm>
+          <a:prstGeom prst="straightConnector1">
+            <a:avLst/>
+          </a:prstGeom>
+          <a:ln>
+            <a:solidFill>
+              <a:srgbClr val="FFC000"/>
+            </a:solidFill>
+            <a:tailEnd type="triangle"/>
+          </a:ln>
+        </p:spPr>
+        <p:style>
+          <a:lnRef idx="2">
+            <a:schemeClr val="dk1"/>
+          </a:lnRef>
+          <a:fillRef idx="0">
+            <a:schemeClr val="dk1"/>
+          </a:fillRef>
+          <a:effectRef idx="1">
+            <a:schemeClr val="dk1"/>
+          </a:effectRef>
+          <a:fontRef idx="minor">
+            <a:schemeClr val="tx1"/>
+          </a:fontRef>
+        </p:style>
+      </p:cxnSp>
+      <p:cxnSp>
+        <p:nvCxnSpPr>
+          <p:cNvPr id="8" name="Straight Arrow Connector 7">
+            <a:extLst>
+              <a:ext uri="{FF2B5EF4-FFF2-40B4-BE49-F238E27FC236}">
+                <a16:creationId xmlns:a16="http://schemas.microsoft.com/office/drawing/2014/main" id="{A4FF06CC-464B-D69F-C5CB-7646FF7FCEB7}"/>
+              </a:ext>
+            </a:extLst>
+          </p:cNvPr>
+          <p:cNvCxnSpPr>
+            <a:cxnSpLocks/>
+          </p:cNvCxnSpPr>
+          <p:nvPr/>
+        </p:nvCxnSpPr>
+        <p:spPr>
+          <a:xfrm flipV="1">
+            <a:off x="1767840" y="3692435"/>
+            <a:ext cx="0" cy="2039457"/>
+          </a:xfrm>
+          <a:prstGeom prst="straightConnector1">
+            <a:avLst/>
+          </a:prstGeom>
+          <a:ln>
+            <a:solidFill>
+              <a:srgbClr val="FFC000"/>
+            </a:solidFill>
+            <a:tailEnd type="triangle"/>
+          </a:ln>
+        </p:spPr>
+        <p:style>
+          <a:lnRef idx="2">
+            <a:schemeClr val="dk1"/>
+          </a:lnRef>
+          <a:fillRef idx="0">
+            <a:schemeClr val="dk1"/>
+          </a:fillRef>
+          <a:effectRef idx="1">
+            <a:schemeClr val="dk1"/>
+          </a:effectRef>
+          <a:fontRef idx="minor">
+            <a:schemeClr val="tx1"/>
+          </a:fontRef>
+        </p:style>
+      </p:cxnSp>
+      <p:sp>
+        <p:nvSpPr>
+          <p:cNvPr id="12" name="TextBox 11">
+            <a:extLst>
+              <a:ext uri="{FF2B5EF4-FFF2-40B4-BE49-F238E27FC236}">
+                <a16:creationId xmlns:a16="http://schemas.microsoft.com/office/drawing/2014/main" id="{20BD0DCD-F904-1420-165F-3602DD313B16}"/>
+              </a:ext>
+            </a:extLst>
+          </p:cNvPr>
+          <p:cNvSpPr txBox="1"/>
+          <p:nvPr/>
+        </p:nvSpPr>
+        <p:spPr>
+          <a:xfrm>
+            <a:off x="4293326" y="1149531"/>
+            <a:ext cx="5765074" cy="276999"/>
+          </a:xfrm>
+          <a:prstGeom prst="rect">
+            <a:avLst/>
+          </a:prstGeom>
+        </p:spPr>
+        <p:txBody>
+          <a:bodyPr vert="horz" wrap="square" lIns="0" tIns="0" rIns="0" bIns="0" rtlCol="0">
+            <a:spAutoFit/>
+          </a:bodyPr>
+          <a:lstStyle/>
+          <a:p>
+            <a:pPr marL="0" indent="0" algn="l" defTabSz="914400" rtl="0" eaLnBrk="1" latinLnBrk="0" hangingPunct="1">
+              <a:lnSpc>
+                <a:spcPct val="100000"/>
+              </a:lnSpc>
+              <a:spcBef>
+                <a:spcPts val="0"/>
+              </a:spcBef>
+              <a:spcAft>
+                <a:spcPts val="600"/>
+              </a:spcAft>
+              <a:buClr>
+                <a:schemeClr val="tx2"/>
+              </a:buClr>
+              <a:buFontTx/>
+              <a:buNone/>
+            </a:pPr>
+            <a:r>
+              <a:rPr lang="en-US" sz="1800" kern="1200">
+                <a:solidFill>
+                  <a:schemeClr val="tx1"/>
+                </a:solidFill>
+                <a:latin typeface="+mn-lt"/>
+                <a:ea typeface="+mn-ea"/>
+                <a:cs typeface="+mn-cs"/>
+              </a:rPr>
+              <a:t>„Gnu“ Pattern from error_patterns.py</a:t>
+            </a:r>
+          </a:p>
+        </p:txBody>
+      </p:sp>
+      <p:sp>
+        <p:nvSpPr>
+          <p:cNvPr id="13" name="TextBox 12">
+            <a:extLst>
+              <a:ext uri="{FF2B5EF4-FFF2-40B4-BE49-F238E27FC236}">
+                <a16:creationId xmlns:a16="http://schemas.microsoft.com/office/drawing/2014/main" id="{F4B8D62A-CE0D-4C95-370C-EC4FECEAA14F}"/>
+              </a:ext>
+            </a:extLst>
+          </p:cNvPr>
+          <p:cNvSpPr txBox="1"/>
+          <p:nvPr/>
+        </p:nvSpPr>
+        <p:spPr>
+          <a:xfrm>
+            <a:off x="1158240" y="5779811"/>
+            <a:ext cx="5939246" cy="553998"/>
+          </a:xfrm>
+          <a:prstGeom prst="rect">
+            <a:avLst/>
+          </a:prstGeom>
+        </p:spPr>
+        <p:txBody>
+          <a:bodyPr vert="horz" wrap="square" lIns="0" tIns="0" rIns="0" bIns="0" rtlCol="0">
+            <a:spAutoFit/>
+          </a:bodyPr>
+          <a:lstStyle/>
+          <a:p>
+            <a:pPr marL="0" indent="0" algn="l" defTabSz="914400" rtl="0" eaLnBrk="1" latinLnBrk="0" hangingPunct="1">
+              <a:lnSpc>
+                <a:spcPct val="100000"/>
+              </a:lnSpc>
+              <a:spcBef>
+                <a:spcPts val="0"/>
+              </a:spcBef>
+              <a:spcAft>
+                <a:spcPts val="600"/>
+              </a:spcAft>
+              <a:buClr>
+                <a:schemeClr val="tx2"/>
+              </a:buClr>
+              <a:buFontTx/>
+              <a:buNone/>
+            </a:pPr>
+            <a:r>
+              <a:rPr lang="en-US" sz="1800" kern="1200" dirty="0">
+                <a:solidFill>
+                  <a:schemeClr val="tx1"/>
+                </a:solidFill>
+                <a:latin typeface="+mn-lt"/>
+                <a:ea typeface="+mn-ea"/>
+                <a:cs typeface="+mn-cs"/>
+              </a:rPr>
+              <a:t>Relevant line from log that was classified as “Compiler Error (gnu)” in </a:t>
+            </a:r>
+            <a:r>
+              <a:rPr lang="en-US" sz="1800" kern="1200" dirty="0" err="1">
+                <a:solidFill>
+                  <a:schemeClr val="tx1"/>
+                </a:solidFill>
+                <a:latin typeface="+mn-lt"/>
+                <a:ea typeface="+mn-ea"/>
+                <a:cs typeface="+mn-cs"/>
+              </a:rPr>
+              <a:t>elasticsearch</a:t>
+            </a:r>
+            <a:r>
+              <a:rPr lang="en-US" sz="1800" kern="1200" dirty="0">
+                <a:solidFill>
+                  <a:schemeClr val="tx1"/>
+                </a:solidFill>
+                <a:latin typeface="+mn-lt"/>
+                <a:ea typeface="+mn-ea"/>
+                <a:cs typeface="+mn-cs"/>
+              </a:rPr>
+              <a:t> </a:t>
+            </a:r>
+          </a:p>
+        </p:txBody>
+      </p:sp>
+      <p:cxnSp>
+        <p:nvCxnSpPr>
+          <p:cNvPr id="15" name="Straight Arrow Connector 14">
+            <a:extLst>
+              <a:ext uri="{FF2B5EF4-FFF2-40B4-BE49-F238E27FC236}">
+                <a16:creationId xmlns:a16="http://schemas.microsoft.com/office/drawing/2014/main" id="{173815CC-202D-1A66-E361-0862C053C25C}"/>
+              </a:ext>
+            </a:extLst>
+          </p:cNvPr>
+          <p:cNvCxnSpPr>
+            <a:cxnSpLocks/>
+          </p:cNvCxnSpPr>
+          <p:nvPr/>
+        </p:nvCxnSpPr>
+        <p:spPr>
+          <a:xfrm flipV="1">
+            <a:off x="8560526" y="5496880"/>
+            <a:ext cx="104503" cy="421430"/>
+          </a:xfrm>
+          <a:prstGeom prst="straightConnector1">
+            <a:avLst/>
+          </a:prstGeom>
+          <a:ln>
+            <a:solidFill>
+              <a:srgbClr val="FF0000"/>
+            </a:solidFill>
+            <a:tailEnd type="triangle"/>
+          </a:ln>
+        </p:spPr>
+        <p:style>
+          <a:lnRef idx="2">
+            <a:schemeClr val="dk1"/>
+          </a:lnRef>
+          <a:fillRef idx="0">
+            <a:schemeClr val="dk1"/>
+          </a:fillRef>
+          <a:effectRef idx="1">
+            <a:schemeClr val="dk1"/>
+          </a:effectRef>
+          <a:fontRef idx="minor">
+            <a:schemeClr val="tx1"/>
+          </a:fontRef>
+        </p:style>
+      </p:cxnSp>
+      <p:sp>
+        <p:nvSpPr>
+          <p:cNvPr id="17" name="TextBox 16">
+            <a:extLst>
+              <a:ext uri="{FF2B5EF4-FFF2-40B4-BE49-F238E27FC236}">
+                <a16:creationId xmlns:a16="http://schemas.microsoft.com/office/drawing/2014/main" id="{A67EB6B2-E203-A7A3-BE75-76D5DC707E2C}"/>
+              </a:ext>
+            </a:extLst>
+          </p:cNvPr>
+          <p:cNvSpPr txBox="1"/>
+          <p:nvPr/>
+        </p:nvSpPr>
+        <p:spPr>
+          <a:xfrm>
+            <a:off x="8360228" y="5918310"/>
+            <a:ext cx="3022472" cy="276999"/>
+          </a:xfrm>
+          <a:prstGeom prst="rect">
+            <a:avLst/>
+          </a:prstGeom>
+        </p:spPr>
+        <p:txBody>
+          <a:bodyPr vert="horz" wrap="square" lIns="0" tIns="0" rIns="0" bIns="0" rtlCol="0">
+            <a:spAutoFit/>
+          </a:bodyPr>
+          <a:lstStyle/>
+          <a:p>
+            <a:pPr marL="0" indent="0" algn="l" defTabSz="914400" rtl="0" eaLnBrk="1" latinLnBrk="0" hangingPunct="1">
+              <a:lnSpc>
+                <a:spcPct val="100000"/>
+              </a:lnSpc>
+              <a:spcBef>
+                <a:spcPts val="0"/>
+              </a:spcBef>
+              <a:spcAft>
+                <a:spcPts val="600"/>
+              </a:spcAft>
+              <a:buClr>
+                <a:schemeClr val="tx2"/>
+              </a:buClr>
+              <a:buFontTx/>
+              <a:buNone/>
+            </a:pPr>
+            <a:r>
+              <a:rPr lang="de-DE" sz="1800" kern="1200" dirty="0" err="1">
+                <a:solidFill>
+                  <a:srgbClr val="FF0000"/>
+                </a:solidFill>
+                <a:latin typeface="+mn-lt"/>
+                <a:ea typeface="+mn-ea"/>
+                <a:cs typeface="+mn-cs"/>
+              </a:rPr>
+              <a:t>Why</a:t>
+            </a:r>
+            <a:r>
+              <a:rPr lang="de-DE" sz="1800" kern="1200" dirty="0">
+                <a:solidFill>
+                  <a:srgbClr val="FF0000"/>
+                </a:solidFill>
+                <a:latin typeface="+mn-lt"/>
+                <a:ea typeface="+mn-ea"/>
+                <a:cs typeface="+mn-cs"/>
+              </a:rPr>
+              <a:t> </a:t>
+            </a:r>
+            <a:r>
+              <a:rPr lang="de-DE" sz="1800" kern="1200" dirty="0" err="1">
+                <a:solidFill>
+                  <a:srgbClr val="FF0000"/>
+                </a:solidFill>
+                <a:latin typeface="+mn-lt"/>
+                <a:ea typeface="+mn-ea"/>
+                <a:cs typeface="+mn-cs"/>
+              </a:rPr>
+              <a:t>does</a:t>
+            </a:r>
+            <a:r>
+              <a:rPr lang="de-DE" sz="1800" kern="1200" dirty="0">
+                <a:solidFill>
+                  <a:srgbClr val="FF0000"/>
+                </a:solidFill>
+                <a:latin typeface="+mn-lt"/>
+                <a:ea typeface="+mn-ea"/>
+                <a:cs typeface="+mn-cs"/>
+              </a:rPr>
+              <a:t> </a:t>
+            </a:r>
+            <a:r>
+              <a:rPr lang="de-DE" sz="1800" kern="1200" dirty="0" err="1">
+                <a:solidFill>
+                  <a:srgbClr val="FF0000"/>
+                </a:solidFill>
+                <a:latin typeface="+mn-lt"/>
+                <a:ea typeface="+mn-ea"/>
+                <a:cs typeface="+mn-cs"/>
+              </a:rPr>
+              <a:t>this</a:t>
+            </a:r>
+            <a:r>
+              <a:rPr lang="de-DE" sz="1800" kern="1200" dirty="0">
+                <a:solidFill>
+                  <a:srgbClr val="FF0000"/>
+                </a:solidFill>
+                <a:latin typeface="+mn-lt"/>
+                <a:ea typeface="+mn-ea"/>
+                <a:cs typeface="+mn-cs"/>
+              </a:rPr>
+              <a:t> not match? </a:t>
+            </a:r>
+            <a:endParaRPr lang="en-US" sz="1800" kern="1200" dirty="0" err="1">
+              <a:solidFill>
+                <a:srgbClr val="FF0000"/>
+              </a:solidFill>
+              <a:latin typeface="+mn-lt"/>
+              <a:ea typeface="+mn-ea"/>
+              <a:cs typeface="+mn-cs"/>
+            </a:endParaRPr>
+          </a:p>
+        </p:txBody>
+      </p:sp>
+    </p:spTree>
+    <p:extLst>
+      <p:ext uri="{BB962C8B-B14F-4D97-AF65-F5344CB8AC3E}">
+        <p14:creationId xmlns:p14="http://schemas.microsoft.com/office/powerpoint/2010/main" val="888511926"/>
       </p:ext>
     </p:extLst>
   </p:cSld>

--- a/dokumentation_things/Roadmap Bachelor thesis.pptx
+++ b/dokumentation_things/Roadmap Bachelor thesis.pptx
@@ -286,7 +286,7 @@
               <a:rPr lang="de-DE" smtClean="0">
                 <a:latin typeface="BMWGroupTN Condensed" pitchFamily="50" charset="0"/>
               </a:rPr>
-              <a:t>17.07.2024</a:t>
+              <a:t>25.07.2024</a:t>
             </a:fld>
             <a:endParaRPr lang="de-DE" dirty="0">
               <a:latin typeface="BMWGroupTN Condensed" pitchFamily="50" charset="0"/>
@@ -464,7 +464,7 @@
             <a:fld id="{C9ACC0F7-209C-4EE4-A1D5-BFF0CBCA9BC3}" type="datetimeFigureOut">
               <a:rPr lang="de-DE" smtClean="0"/>
               <a:pPr/>
-              <a:t>17.07.2024</a:t>
+              <a:t>25.07.2024</a:t>
             </a:fld>
             <a:endParaRPr lang="de-DE" dirty="0"/>
           </a:p>
@@ -35591,8 +35591,8 @@
         </p:nvSpPr>
         <p:spPr>
           <a:xfrm>
-            <a:off x="488947" y="3162914"/>
-            <a:ext cx="11450504" cy="2585323"/>
+            <a:off x="488947" y="3525383"/>
+            <a:ext cx="11450504" cy="2308324"/>
           </a:xfrm>
           <a:prstGeom prst="rect">
             <a:avLst/>
@@ -35634,17 +35634,7 @@
             </a:pPr>
             <a:r>
               <a:rPr lang="en-US" dirty="0"/>
-              <a:t>Model? Pre-trained BERT? Which one?</a:t>
-            </a:r>
-          </a:p>
-          <a:p>
-            <a:pPr marL="285750" indent="-285750">
-              <a:buFontTx/>
-              <a:buChar char="-"/>
-            </a:pPr>
-            <a:r>
-              <a:rPr lang="en-US" dirty="0"/>
-              <a:t>Classify with confidence? Without?</a:t>
+              <a:t>Model: Classify with confidence? Without?</a:t>
             </a:r>
           </a:p>
           <a:p>
@@ -35732,8 +35722,8 @@
         </p:nvSpPr>
         <p:spPr>
           <a:xfrm>
-            <a:off x="488947" y="1534149"/>
-            <a:ext cx="4145280" cy="1107996"/>
+            <a:off x="478972" y="1024293"/>
+            <a:ext cx="4145280" cy="2769989"/>
           </a:xfrm>
           <a:prstGeom prst="rect">
             <a:avLst/>
@@ -35757,8 +35747,53 @@
             </a:pPr>
             <a:r>
               <a:rPr lang="en-US" dirty="0"/>
-              <a:t>There are labels! Figured out RegEx matching (some exceptions, see next slide) </a:t>
-            </a:r>
+              <a:t>There are labels! Figured out RegEx matching (some exceptions, see next slide)</a:t>
+            </a:r>
+          </a:p>
+          <a:p>
+            <a:pPr marL="285750" indent="-285750">
+              <a:buFontTx/>
+              <a:buChar char="-"/>
+            </a:pPr>
+            <a:r>
+              <a:rPr lang="en-US" dirty="0"/>
+              <a:t> Model: </a:t>
+            </a:r>
+            <a:r>
+              <a:rPr lang="en-US" dirty="0" err="1"/>
+              <a:t>RoBERTa</a:t>
+            </a:r>
+            <a:r>
+              <a:rPr lang="en-US" dirty="0"/>
+              <a:t>, a pre-trained, BERT based model</a:t>
+            </a:r>
+          </a:p>
+          <a:p>
+            <a:pPr marL="285750" indent="-285750">
+              <a:buFontTx/>
+              <a:buChar char="-"/>
+            </a:pPr>
+            <a:r>
+              <a:rPr lang="en-US" dirty="0"/>
+              <a:t>Custom Tokenizer solution</a:t>
+            </a:r>
+          </a:p>
+          <a:p>
+            <a:pPr marL="285750" indent="-285750">
+              <a:buFontTx/>
+              <a:buChar char="-"/>
+            </a:pPr>
+            <a:r>
+              <a:rPr lang="en-US" dirty="0"/>
+              <a:t>Script for downloading object from AWS bucket (improve </a:t>
+            </a:r>
+          </a:p>
+          <a:p>
+            <a:pPr marL="285750" indent="-285750">
+              <a:buFontTx/>
+              <a:buChar char="-"/>
+            </a:pPr>
+            <a:endParaRPr lang="en-US" dirty="0"/>
           </a:p>
           <a:p>
             <a:pPr marL="0" indent="0" algn="l" defTabSz="914400" rtl="0" eaLnBrk="1" latinLnBrk="0" hangingPunct="1">

--- a/dokumentation_things/Roadmap Bachelor thesis.pptx
+++ b/dokumentation_things/Roadmap Bachelor thesis.pptx
@@ -6,10 +6,10 @@
     <p:sldMasterId id="2147483720" r:id="rId2"/>
   </p:sldMasterIdLst>
   <p:notesMasterIdLst>
-    <p:notesMasterId r:id="rId22"/>
+    <p:notesMasterId r:id="rId23"/>
   </p:notesMasterIdLst>
   <p:handoutMasterIdLst>
-    <p:handoutMasterId r:id="rId23"/>
+    <p:handoutMasterId r:id="rId24"/>
   </p:handoutMasterIdLst>
   <p:sldIdLst>
     <p:sldId id="384" r:id="rId3"/>
@@ -31,11 +31,12 @@
     <p:sldId id="388" r:id="rId19"/>
     <p:sldId id="389" r:id="rId20"/>
     <p:sldId id="390" r:id="rId21"/>
+    <p:sldId id="391" r:id="rId22"/>
   </p:sldIdLst>
   <p:sldSz cx="12192000" cy="6858000"/>
   <p:notesSz cx="6858000" cy="9144000"/>
   <p:custDataLst>
-    <p:tags r:id="rId24"/>
+    <p:tags r:id="rId25"/>
   </p:custDataLst>
   <p:defaultTextStyle>
     <a:defPPr>
@@ -160,6 +161,7 @@
             <p14:sldId id="388"/>
             <p14:sldId id="389"/>
             <p14:sldId id="390"/>
+            <p14:sldId id="391"/>
           </p14:sldIdLst>
         </p14:section>
       </p14:sectionLst>
@@ -286,7 +288,7 @@
               <a:rPr lang="de-DE" smtClean="0">
                 <a:latin typeface="BMWGroupTN Condensed" pitchFamily="50" charset="0"/>
               </a:rPr>
-              <a:t>25.07.2024</a:t>
+              <a:t>26.07.2024</a:t>
             </a:fld>
             <a:endParaRPr lang="de-DE" dirty="0">
               <a:latin typeface="BMWGroupTN Condensed" pitchFamily="50" charset="0"/>
@@ -464,7 +466,7 @@
             <a:fld id="{C9ACC0F7-209C-4EE4-A1D5-BFF0CBCA9BC3}" type="datetimeFigureOut">
               <a:rPr lang="de-DE" smtClean="0"/>
               <a:pPr/>
-              <a:t>25.07.2024</a:t>
+              <a:t>26.07.2024</a:t>
             </a:fld>
             <a:endParaRPr lang="de-DE" dirty="0"/>
           </a:p>
@@ -1407,6 +1409,91 @@
     <p:extLst>
       <p:ext uri="{BB962C8B-B14F-4D97-AF65-F5344CB8AC3E}">
         <p14:creationId xmlns:p14="http://schemas.microsoft.com/office/powerpoint/2010/main" val="1361621760"/>
+      </p:ext>
+    </p:extLst>
+  </p:cSld>
+  <p:clrMapOvr>
+    <a:masterClrMapping/>
+  </p:clrMapOvr>
+</p:notes>
+</file>
+
+<file path=ppt/notesSlides/notesSlide9.xml><?xml version="1.0" encoding="utf-8"?>
+<p:notes xmlns:a="http://schemas.openxmlformats.org/drawingml/2006/main" xmlns:r="http://schemas.openxmlformats.org/officeDocument/2006/relationships" xmlns:p="http://schemas.openxmlformats.org/presentationml/2006/main">
+  <p:cSld>
+    <p:spTree>
+      <p:nvGrpSpPr>
+        <p:cNvPr id="1" name=""/>
+        <p:cNvGrpSpPr/>
+        <p:nvPr/>
+      </p:nvGrpSpPr>
+      <p:grpSpPr>
+        <a:xfrm>
+          <a:off x="0" y="0"/>
+          <a:ext cx="0" cy="0"/>
+          <a:chOff x="0" y="0"/>
+          <a:chExt cx="0" cy="0"/>
+        </a:xfrm>
+      </p:grpSpPr>
+      <p:sp>
+        <p:nvSpPr>
+          <p:cNvPr id="2" name="Slide Image Placeholder 1"/>
+          <p:cNvSpPr>
+            <a:spLocks noGrp="1" noRot="1" noChangeAspect="1"/>
+          </p:cNvSpPr>
+          <p:nvPr>
+            <p:ph type="sldImg"/>
+          </p:nvPr>
+        </p:nvSpPr>
+        <p:spPr/>
+      </p:sp>
+      <p:sp>
+        <p:nvSpPr>
+          <p:cNvPr id="3" name="Notes Placeholder 2"/>
+          <p:cNvSpPr>
+            <a:spLocks noGrp="1"/>
+          </p:cNvSpPr>
+          <p:nvPr>
+            <p:ph type="body" idx="1"/>
+          </p:nvPr>
+        </p:nvSpPr>
+        <p:spPr/>
+        <p:txBody>
+          <a:bodyPr/>
+          <a:lstStyle/>
+          <a:p>
+            <a:endParaRPr lang="en-US" dirty="0"/>
+          </a:p>
+        </p:txBody>
+      </p:sp>
+      <p:sp>
+        <p:nvSpPr>
+          <p:cNvPr id="4" name="Slide Number Placeholder 3"/>
+          <p:cNvSpPr>
+            <a:spLocks noGrp="1"/>
+          </p:cNvSpPr>
+          <p:nvPr>
+            <p:ph type="sldNum" sz="quarter" idx="5"/>
+          </p:nvPr>
+        </p:nvSpPr>
+        <p:spPr/>
+        <p:txBody>
+          <a:bodyPr/>
+          <a:lstStyle/>
+          <a:p>
+            <a:fld id="{845B7A2B-9D63-4AB1-9A7A-EE5F31796489}" type="slidenum">
+              <a:rPr lang="de-DE" smtClean="0"/>
+              <a:pPr/>
+              <a:t>20</a:t>
+            </a:fld>
+            <a:endParaRPr lang="de-DE" dirty="0"/>
+          </a:p>
+        </p:txBody>
+      </p:sp>
+    </p:spTree>
+    <p:extLst>
+      <p:ext uri="{BB962C8B-B14F-4D97-AF65-F5344CB8AC3E}">
+        <p14:creationId xmlns:p14="http://schemas.microsoft.com/office/powerpoint/2010/main" val="1789609716"/>
       </p:ext>
     </p:extLst>
   </p:cSld>
@@ -29023,7 +29110,7 @@
                 <a:ea typeface="+mj-ea"/>
                 <a:cs typeface="+mj-cs"/>
               </a:rPr>
-              <a:t>Entwicklung eines KI-Systems zur Klassifizierung von Fehleruhrsachen in Massiven Log Files einer CI-Umgebung</a:t>
+              <a:t>Entwicklung eines KI-Systems zur Klassifizierung von Fehlerursachen in Massiven Log Files einer CI-Umgebung</a:t>
             </a:r>
           </a:p>
         </p:txBody>
@@ -35644,7 +35731,7 @@
             </a:pPr>
             <a:r>
               <a:rPr lang="en-US" dirty="0"/>
-              <a:t>Classify &amp; train by error cluster? By error cluster + error type? </a:t>
+              <a:t>Performance optimization for preprocessing and labeling script</a:t>
             </a:r>
           </a:p>
           <a:p>
@@ -35654,7 +35741,7 @@
             </a:pPr>
             <a:r>
               <a:rPr lang="en-US" dirty="0"/>
-              <a:t>How to access and label all logs? Download all &amp; run script? Online? </a:t>
+              <a:t>Improve downloading script (List, download multiple)</a:t>
             </a:r>
           </a:p>
           <a:p>
@@ -35664,7 +35751,7 @@
             </a:pPr>
             <a:r>
               <a:rPr lang="en-US" dirty="0"/>
-              <a:t>Where to store dataset?</a:t>
+              <a:t>Get to know B-Ilda 4 (JC-31 Builder with RTX A4000) &amp; start downloading</a:t>
             </a:r>
           </a:p>
           <a:p>
@@ -35672,10 +35759,7 @@
               <a:buFontTx/>
               <a:buChar char="-"/>
             </a:pPr>
-            <a:r>
-              <a:rPr lang="en-US" dirty="0"/>
-              <a:t>Performance optimization for preprocessing and labeling script</a:t>
-            </a:r>
+            <a:endParaRPr lang="en-US" dirty="0"/>
           </a:p>
         </p:txBody>
       </p:sp>
@@ -35747,7 +35831,15 @@
             </a:pPr>
             <a:r>
               <a:rPr lang="en-US" dirty="0"/>
-              <a:t>There are labels! Figured out RegEx matching (some exceptions, see next slide)</a:t>
+              <a:t>There are labels! Figured out RegEx matching (some exceptions </a:t>
+            </a:r>
+            <a:r>
+              <a:rPr lang="en-US" dirty="0" err="1"/>
+              <a:t>tbd</a:t>
+            </a:r>
+            <a:r>
+              <a:rPr lang="en-US" dirty="0"/>
+              <a:t>)</a:t>
             </a:r>
           </a:p>
           <a:p>
@@ -35757,7 +35849,7 @@
             </a:pPr>
             <a:r>
               <a:rPr lang="en-US" dirty="0"/>
-              <a:t> Model: </a:t>
+              <a:t>Model: </a:t>
             </a:r>
             <a:r>
               <a:rPr lang="en-US" dirty="0" err="1"/>
@@ -35775,7 +35867,7 @@
             </a:pPr>
             <a:r>
               <a:rPr lang="en-US" dirty="0"/>
-              <a:t>Custom Tokenizer solution</a:t>
+              <a:t>Custom Tokenizer solution in Progress</a:t>
             </a:r>
           </a:p>
           <a:p>
@@ -35785,7 +35877,17 @@
             </a:pPr>
             <a:r>
               <a:rPr lang="en-US" dirty="0"/>
-              <a:t>Script for downloading object from AWS bucket (improve </a:t>
+              <a:t>Script for downloading object from AWS bucket (thank you Alex </a:t>
+            </a:r>
+            <a:r>
+              <a:rPr lang="en-US" dirty="0">
+                <a:sym typeface="Wingdings" panose="05000000000000000000" pitchFamily="2" charset="2"/>
+              </a:rPr>
+              <a:t></a:t>
+            </a:r>
+            <a:r>
+              <a:rPr lang="en-US" dirty="0"/>
+              <a:t>) </a:t>
             </a:r>
           </a:p>
           <a:p>
@@ -36525,6 +36627,255 @@
     <p:extLst>
       <p:ext uri="{BB962C8B-B14F-4D97-AF65-F5344CB8AC3E}">
         <p14:creationId xmlns:p14="http://schemas.microsoft.com/office/powerpoint/2010/main" val="2671624764"/>
+      </p:ext>
+    </p:extLst>
+  </p:cSld>
+  <p:clrMapOvr>
+    <a:masterClrMapping/>
+  </p:clrMapOvr>
+</p:sld>
+</file>
+
+<file path=ppt/slides/slide20.xml><?xml version="1.0" encoding="utf-8"?>
+<p:sld xmlns:a="http://schemas.openxmlformats.org/drawingml/2006/main" xmlns:r="http://schemas.openxmlformats.org/officeDocument/2006/relationships" xmlns:p="http://schemas.openxmlformats.org/presentationml/2006/main">
+  <p:cSld>
+    <p:spTree>
+      <p:nvGrpSpPr>
+        <p:cNvPr id="1" name=""/>
+        <p:cNvGrpSpPr/>
+        <p:nvPr/>
+      </p:nvGrpSpPr>
+      <p:grpSpPr>
+        <a:xfrm>
+          <a:off x="0" y="0"/>
+          <a:ext cx="0" cy="0"/>
+          <a:chOff x="0" y="0"/>
+          <a:chExt cx="0" cy="0"/>
+        </a:xfrm>
+      </p:grpSpPr>
+      <p:sp>
+        <p:nvSpPr>
+          <p:cNvPr id="2" name="Title 1">
+            <a:extLst>
+              <a:ext uri="{FF2B5EF4-FFF2-40B4-BE49-F238E27FC236}">
+                <a16:creationId xmlns:a16="http://schemas.microsoft.com/office/drawing/2014/main" id="{A0BCD0E7-992F-D230-BFCE-EE107DFECD6B}"/>
+              </a:ext>
+            </a:extLst>
+          </p:cNvPr>
+          <p:cNvSpPr>
+            <a:spLocks noGrp="1"/>
+          </p:cNvSpPr>
+          <p:nvPr>
+            <p:ph type="title"/>
+          </p:nvPr>
+        </p:nvSpPr>
+        <p:spPr/>
+        <p:txBody>
+          <a:bodyPr/>
+          <a:lstStyle/>
+          <a:p>
+            <a:r>
+              <a:rPr lang="de-DE" dirty="0"/>
+              <a:t>Notes BA-</a:t>
+            </a:r>
+            <a:r>
+              <a:rPr lang="de-DE" dirty="0" err="1"/>
+              <a:t>Sync</a:t>
+            </a:r>
+            <a:r>
+              <a:rPr lang="de-DE" dirty="0"/>
+              <a:t> – 25.07.2024</a:t>
+            </a:r>
+            <a:endParaRPr lang="en-US" dirty="0"/>
+          </a:p>
+        </p:txBody>
+      </p:sp>
+      <p:sp>
+        <p:nvSpPr>
+          <p:cNvPr id="4" name="TextBox 3">
+            <a:extLst>
+              <a:ext uri="{FF2B5EF4-FFF2-40B4-BE49-F238E27FC236}">
+                <a16:creationId xmlns:a16="http://schemas.microsoft.com/office/drawing/2014/main" id="{B63C4676-3485-9FE4-56D0-08DD65E49FAC}"/>
+              </a:ext>
+            </a:extLst>
+          </p:cNvPr>
+          <p:cNvSpPr txBox="1"/>
+          <p:nvPr/>
+        </p:nvSpPr>
+        <p:spPr>
+          <a:xfrm>
+            <a:off x="580054" y="747294"/>
+            <a:ext cx="4392387" cy="161583"/>
+          </a:xfrm>
+          <a:prstGeom prst="rect">
+            <a:avLst/>
+          </a:prstGeom>
+        </p:spPr>
+        <p:txBody>
+          <a:bodyPr vert="horz" wrap="square" lIns="0" tIns="0" rIns="0" bIns="0" rtlCol="0">
+            <a:spAutoFit/>
+          </a:bodyPr>
+          <a:lstStyle/>
+          <a:p>
+            <a:pPr marL="0" indent="0" algn="l" defTabSz="914400" rtl="0" eaLnBrk="1" latinLnBrk="0" hangingPunct="1">
+              <a:lnSpc>
+                <a:spcPct val="100000"/>
+              </a:lnSpc>
+              <a:spcBef>
+                <a:spcPts val="0"/>
+              </a:spcBef>
+              <a:spcAft>
+                <a:spcPts val="600"/>
+              </a:spcAft>
+              <a:buClr>
+                <a:schemeClr val="tx2"/>
+              </a:buClr>
+              <a:buFontTx/>
+              <a:buNone/>
+            </a:pPr>
+            <a:r>
+              <a:rPr lang="de-DE" sz="1050" kern="1200" dirty="0">
+                <a:solidFill>
+                  <a:schemeClr val="accent2"/>
+                </a:solidFill>
+                <a:latin typeface="+mn-lt"/>
+                <a:ea typeface="+mn-ea"/>
+                <a:cs typeface="+mn-cs"/>
+              </a:rPr>
+              <a:t>https://cc-github.bmwgroup.net/carmenwerrlein/bachelor_thesis.git </a:t>
+            </a:r>
+            <a:endParaRPr lang="en-US" sz="1050" kern="1200" dirty="0" err="1">
+              <a:solidFill>
+                <a:schemeClr val="accent2"/>
+              </a:solidFill>
+              <a:latin typeface="+mn-lt"/>
+              <a:ea typeface="+mn-ea"/>
+              <a:cs typeface="+mn-cs"/>
+            </a:endParaRPr>
+          </a:p>
+        </p:txBody>
+      </p:sp>
+      <p:pic>
+        <p:nvPicPr>
+          <p:cNvPr id="5" name="Picture 4">
+            <a:extLst>
+              <a:ext uri="{FF2B5EF4-FFF2-40B4-BE49-F238E27FC236}">
+                <a16:creationId xmlns:a16="http://schemas.microsoft.com/office/drawing/2014/main" id="{13495E91-E4AE-33D5-3DFE-D7BC89691C06}"/>
+              </a:ext>
+            </a:extLst>
+          </p:cNvPr>
+          <p:cNvPicPr>
+            <a:picLocks noChangeAspect="1"/>
+          </p:cNvPicPr>
+          <p:nvPr/>
+        </p:nvPicPr>
+        <p:blipFill>
+          <a:blip r:embed="rId3"/>
+          <a:stretch>
+            <a:fillRect/>
+          </a:stretch>
+        </p:blipFill>
+        <p:spPr>
+          <a:xfrm>
+            <a:off x="0" y="981295"/>
+            <a:ext cx="12192000" cy="5365672"/>
+          </a:xfrm>
+          <a:prstGeom prst="rect">
+            <a:avLst/>
+          </a:prstGeom>
+        </p:spPr>
+      </p:pic>
+      <p:sp>
+        <p:nvSpPr>
+          <p:cNvPr id="9" name="TextBox 8">
+            <a:extLst>
+              <a:ext uri="{FF2B5EF4-FFF2-40B4-BE49-F238E27FC236}">
+                <a16:creationId xmlns:a16="http://schemas.microsoft.com/office/drawing/2014/main" id="{064D73F4-68FE-FA57-EEEA-6606C3CCABF6}"/>
+              </a:ext>
+            </a:extLst>
+          </p:cNvPr>
+          <p:cNvSpPr txBox="1"/>
+          <p:nvPr/>
+        </p:nvSpPr>
+        <p:spPr>
+          <a:xfrm>
+            <a:off x="9640388" y="689586"/>
+            <a:ext cx="2299063" cy="276999"/>
+          </a:xfrm>
+          <a:prstGeom prst="rect">
+            <a:avLst/>
+          </a:prstGeom>
+        </p:spPr>
+        <p:txBody>
+          <a:bodyPr vert="horz" wrap="square" lIns="0" tIns="0" rIns="0" bIns="0" rtlCol="0">
+            <a:spAutoFit/>
+          </a:bodyPr>
+          <a:lstStyle/>
+          <a:p>
+            <a:pPr marL="0" indent="0" algn="l" defTabSz="914400" rtl="0" eaLnBrk="1" latinLnBrk="0" hangingPunct="1">
+              <a:lnSpc>
+                <a:spcPct val="100000"/>
+              </a:lnSpc>
+              <a:spcBef>
+                <a:spcPts val="0"/>
+              </a:spcBef>
+              <a:spcAft>
+                <a:spcPts val="600"/>
+              </a:spcAft>
+              <a:buClr>
+                <a:schemeClr val="tx2"/>
+              </a:buClr>
+              <a:buFontTx/>
+              <a:buNone/>
+            </a:pPr>
+            <a:r>
+              <a:rPr lang="de-DE" sz="1800" kern="1200" dirty="0">
+                <a:solidFill>
+                  <a:schemeClr val="tx1"/>
+                </a:solidFill>
+                <a:latin typeface="+mn-lt"/>
+                <a:ea typeface="+mn-ea"/>
+                <a:cs typeface="+mn-cs"/>
+              </a:rPr>
+              <a:t>Updated </a:t>
+            </a:r>
+            <a:r>
+              <a:rPr lang="de-DE" sz="1800" kern="1200" dirty="0" err="1">
+                <a:solidFill>
+                  <a:schemeClr val="tx1"/>
+                </a:solidFill>
+                <a:latin typeface="+mn-lt"/>
+                <a:ea typeface="+mn-ea"/>
+                <a:cs typeface="+mn-cs"/>
+              </a:rPr>
+              <a:t>milestone</a:t>
+            </a:r>
+            <a:r>
+              <a:rPr lang="de-DE" sz="1800" kern="1200" dirty="0">
+                <a:solidFill>
+                  <a:schemeClr val="tx1"/>
+                </a:solidFill>
+                <a:latin typeface="+mn-lt"/>
+                <a:ea typeface="+mn-ea"/>
+                <a:cs typeface="+mn-cs"/>
+              </a:rPr>
+              <a:t> plan</a:t>
+            </a:r>
+            <a:endParaRPr lang="en-US" sz="1800" kern="1200" dirty="0" err="1">
+              <a:solidFill>
+                <a:schemeClr val="tx1"/>
+              </a:solidFill>
+              <a:latin typeface="+mn-lt"/>
+              <a:ea typeface="+mn-ea"/>
+              <a:cs typeface="+mn-cs"/>
+            </a:endParaRPr>
+          </a:p>
+        </p:txBody>
+      </p:sp>
+    </p:spTree>
+    <p:extLst>
+      <p:ext uri="{BB962C8B-B14F-4D97-AF65-F5344CB8AC3E}">
+        <p14:creationId xmlns:p14="http://schemas.microsoft.com/office/powerpoint/2010/main" val="2606522743"/>
       </p:ext>
     </p:extLst>
   </p:cSld>
